--- a/Documents/Presentations/Presentation1.pptx
+++ b/Documents/Presentations/Presentation1.pptx
@@ -5,7 +5,7 @@
     <p:sldMasterId id="2147483708" r:id="rId1"/>
   </p:sldMasterIdLst>
   <p:notesMasterIdLst>
-    <p:notesMasterId r:id="rId48"/>
+    <p:notesMasterId r:id="rId45"/>
   </p:notesMasterIdLst>
   <p:sldIdLst>
     <p:sldId id="257" r:id="rId2"/>
@@ -19,41 +19,38 @@
     <p:sldId id="262" r:id="rId10"/>
     <p:sldId id="304" r:id="rId11"/>
     <p:sldId id="265" r:id="rId12"/>
-    <p:sldId id="266" r:id="rId13"/>
-    <p:sldId id="267" r:id="rId14"/>
-    <p:sldId id="305" r:id="rId15"/>
-    <p:sldId id="269" r:id="rId16"/>
-    <p:sldId id="271" r:id="rId17"/>
-    <p:sldId id="270" r:id="rId18"/>
-    <p:sldId id="306" r:id="rId19"/>
-    <p:sldId id="273" r:id="rId20"/>
-    <p:sldId id="307" r:id="rId21"/>
-    <p:sldId id="280" r:id="rId22"/>
-    <p:sldId id="295" r:id="rId23"/>
-    <p:sldId id="308" r:id="rId24"/>
-    <p:sldId id="281" r:id="rId25"/>
-    <p:sldId id="283" r:id="rId26"/>
-    <p:sldId id="284" r:id="rId27"/>
-    <p:sldId id="309" r:id="rId28"/>
-    <p:sldId id="286" r:id="rId29"/>
-    <p:sldId id="310" r:id="rId30"/>
-    <p:sldId id="282" r:id="rId31"/>
-    <p:sldId id="287" r:id="rId32"/>
-    <p:sldId id="311" r:id="rId33"/>
-    <p:sldId id="274" r:id="rId34"/>
-    <p:sldId id="276" r:id="rId35"/>
-    <p:sldId id="278" r:id="rId36"/>
-    <p:sldId id="296" r:id="rId37"/>
-    <p:sldId id="275" r:id="rId38"/>
-    <p:sldId id="312" r:id="rId39"/>
-    <p:sldId id="297" r:id="rId40"/>
-    <p:sldId id="313" r:id="rId41"/>
-    <p:sldId id="298" r:id="rId42"/>
-    <p:sldId id="314" r:id="rId43"/>
-    <p:sldId id="299" r:id="rId44"/>
-    <p:sldId id="315" r:id="rId45"/>
-    <p:sldId id="293" r:id="rId46"/>
-    <p:sldId id="294" r:id="rId47"/>
+    <p:sldId id="267" r:id="rId13"/>
+    <p:sldId id="305" r:id="rId14"/>
+    <p:sldId id="269" r:id="rId15"/>
+    <p:sldId id="271" r:id="rId16"/>
+    <p:sldId id="306" r:id="rId17"/>
+    <p:sldId id="273" r:id="rId18"/>
+    <p:sldId id="307" r:id="rId19"/>
+    <p:sldId id="280" r:id="rId20"/>
+    <p:sldId id="295" r:id="rId21"/>
+    <p:sldId id="308" r:id="rId22"/>
+    <p:sldId id="281" r:id="rId23"/>
+    <p:sldId id="283" r:id="rId24"/>
+    <p:sldId id="284" r:id="rId25"/>
+    <p:sldId id="309" r:id="rId26"/>
+    <p:sldId id="286" r:id="rId27"/>
+    <p:sldId id="310" r:id="rId28"/>
+    <p:sldId id="282" r:id="rId29"/>
+    <p:sldId id="311" r:id="rId30"/>
+    <p:sldId id="274" r:id="rId31"/>
+    <p:sldId id="276" r:id="rId32"/>
+    <p:sldId id="278" r:id="rId33"/>
+    <p:sldId id="296" r:id="rId34"/>
+    <p:sldId id="275" r:id="rId35"/>
+    <p:sldId id="312" r:id="rId36"/>
+    <p:sldId id="297" r:id="rId37"/>
+    <p:sldId id="313" r:id="rId38"/>
+    <p:sldId id="298" r:id="rId39"/>
+    <p:sldId id="314" r:id="rId40"/>
+    <p:sldId id="299" r:id="rId41"/>
+    <p:sldId id="315" r:id="rId42"/>
+    <p:sldId id="293" r:id="rId43"/>
+    <p:sldId id="294" r:id="rId44"/>
   </p:sldIdLst>
   <p:sldSz cx="12192000" cy="6858000"/>
   <p:notesSz cx="6858000" cy="9144000"/>
@@ -168,12 +165,10 @@
             <p14:sldId id="262"/>
             <p14:sldId id="304"/>
             <p14:sldId id="265"/>
-            <p14:sldId id="266"/>
             <p14:sldId id="267"/>
             <p14:sldId id="305"/>
             <p14:sldId id="269"/>
             <p14:sldId id="271"/>
-            <p14:sldId id="270"/>
             <p14:sldId id="306"/>
             <p14:sldId id="273"/>
             <p14:sldId id="307"/>
@@ -187,7 +182,6 @@
             <p14:sldId id="286"/>
             <p14:sldId id="310"/>
             <p14:sldId id="282"/>
-            <p14:sldId id="287"/>
             <p14:sldId id="311"/>
             <p14:sldId id="274"/>
             <p14:sldId id="276"/>
@@ -354,7 +348,7 @@
           <a:p>
             <a:fld id="{D403D8EA-6F56-4F99-9909-FDE052401F0A}" type="datetimeFigureOut">
               <a:rPr lang="en-US" smtClean="0"/>
-              <a:t>9/4/2020</a:t>
+              <a:t>9/9/2020</a:t>
             </a:fld>
             <a:endParaRPr lang="en-US"/>
           </a:p>
@@ -705,6 +699,848 @@
 </p:notes>
 </file>
 
+<file path=ppt/notesSlides/notesSlide10.xml><?xml version="1.0" encoding="utf-8"?>
+<p:notes xmlns:a="http://schemas.openxmlformats.org/drawingml/2006/main" xmlns:r="http://schemas.openxmlformats.org/officeDocument/2006/relationships" xmlns:p="http://schemas.openxmlformats.org/presentationml/2006/main">
+  <p:cSld>
+    <p:spTree>
+      <p:nvGrpSpPr>
+        <p:cNvPr id="1" name=""/>
+        <p:cNvGrpSpPr/>
+        <p:nvPr/>
+      </p:nvGrpSpPr>
+      <p:grpSpPr>
+        <a:xfrm>
+          <a:off x="0" y="0"/>
+          <a:ext cx="0" cy="0"/>
+          <a:chOff x="0" y="0"/>
+          <a:chExt cx="0" cy="0"/>
+        </a:xfrm>
+      </p:grpSpPr>
+      <p:sp>
+        <p:nvSpPr>
+          <p:cNvPr id="2" name="Slide Image Placeholder 1"/>
+          <p:cNvSpPr>
+            <a:spLocks noGrp="1" noRot="1" noChangeAspect="1"/>
+          </p:cNvSpPr>
+          <p:nvPr>
+            <p:ph type="sldImg"/>
+          </p:nvPr>
+        </p:nvSpPr>
+        <p:spPr/>
+      </p:sp>
+      <p:sp>
+        <p:nvSpPr>
+          <p:cNvPr id="3" name="Notes Placeholder 2"/>
+          <p:cNvSpPr>
+            <a:spLocks noGrp="1"/>
+          </p:cNvSpPr>
+          <p:nvPr>
+            <p:ph type="body" idx="1"/>
+          </p:nvPr>
+        </p:nvSpPr>
+        <p:spPr/>
+        <p:txBody>
+          <a:bodyPr/>
+          <a:lstStyle/>
+          <a:p>
+            <a:pPr marL="0" marR="0" lvl="0" indent="0" algn="l" defTabSz="914400" rtl="0" eaLnBrk="1" fontAlgn="auto" latinLnBrk="0" hangingPunct="1">
+              <a:lnSpc>
+                <a:spcPct val="100000"/>
+              </a:lnSpc>
+              <a:spcBef>
+                <a:spcPts val="0"/>
+              </a:spcBef>
+              <a:spcAft>
+                <a:spcPts val="0"/>
+              </a:spcAft>
+              <a:buClrTx/>
+              <a:buSzTx/>
+              <a:buFontTx/>
+              <a:buNone/>
+              <a:tabLst/>
+              <a:defRPr/>
+            </a:pPr>
+            <a:r>
+              <a:rPr lang="en-US" sz="1200" dirty="0"/>
+              <a:t>-Now with hardware to allow for external data input, a state machine controller is needed to complete computation</a:t>
+            </a:r>
+          </a:p>
+          <a:p>
+            <a:pPr marL="0" marR="0" lvl="0" indent="0" algn="l" defTabSz="914400" rtl="0" eaLnBrk="1" fontAlgn="auto" latinLnBrk="0" hangingPunct="1">
+              <a:lnSpc>
+                <a:spcPct val="100000"/>
+              </a:lnSpc>
+              <a:spcBef>
+                <a:spcPts val="0"/>
+              </a:spcBef>
+              <a:spcAft>
+                <a:spcPts val="0"/>
+              </a:spcAft>
+              <a:buClrTx/>
+              <a:buSzTx/>
+              <a:buFontTx/>
+              <a:buNone/>
+              <a:tabLst/>
+              <a:defRPr/>
+            </a:pPr>
+            <a:r>
+              <a:rPr lang="en-US" sz="1200" dirty="0"/>
+              <a:t>-Not complete with design because data throughput is very slow due to bad controller logic</a:t>
+            </a:r>
+          </a:p>
+          <a:p>
+            <a:endParaRPr lang="en-US" dirty="0"/>
+          </a:p>
+        </p:txBody>
+      </p:sp>
+      <p:sp>
+        <p:nvSpPr>
+          <p:cNvPr id="4" name="Slide Number Placeholder 3"/>
+          <p:cNvSpPr>
+            <a:spLocks noGrp="1"/>
+          </p:cNvSpPr>
+          <p:nvPr>
+            <p:ph type="sldNum" sz="quarter" idx="5"/>
+          </p:nvPr>
+        </p:nvSpPr>
+        <p:spPr/>
+        <p:txBody>
+          <a:bodyPr/>
+          <a:lstStyle/>
+          <a:p>
+            <a:fld id="{8DC22F4E-92E3-4860-8641-150BB6826707}" type="slidenum">
+              <a:rPr lang="en-US" smtClean="0"/>
+              <a:t>26</a:t>
+            </a:fld>
+            <a:endParaRPr lang="en-US"/>
+          </a:p>
+        </p:txBody>
+      </p:sp>
+    </p:spTree>
+    <p:extLst>
+      <p:ext uri="{BB962C8B-B14F-4D97-AF65-F5344CB8AC3E}">
+        <p14:creationId xmlns:p14="http://schemas.microsoft.com/office/powerpoint/2010/main" val="3812795430"/>
+      </p:ext>
+    </p:extLst>
+  </p:cSld>
+  <p:clrMapOvr>
+    <a:masterClrMapping/>
+  </p:clrMapOvr>
+</p:notes>
+</file>
+
+<file path=ppt/notesSlides/notesSlide11.xml><?xml version="1.0" encoding="utf-8"?>
+<p:notes xmlns:a="http://schemas.openxmlformats.org/drawingml/2006/main" xmlns:r="http://schemas.openxmlformats.org/officeDocument/2006/relationships" xmlns:p="http://schemas.openxmlformats.org/presentationml/2006/main">
+  <p:cSld>
+    <p:spTree>
+      <p:nvGrpSpPr>
+        <p:cNvPr id="1" name=""/>
+        <p:cNvGrpSpPr/>
+        <p:nvPr/>
+      </p:nvGrpSpPr>
+      <p:grpSpPr>
+        <a:xfrm>
+          <a:off x="0" y="0"/>
+          <a:ext cx="0" cy="0"/>
+          <a:chOff x="0" y="0"/>
+          <a:chExt cx="0" cy="0"/>
+        </a:xfrm>
+      </p:grpSpPr>
+      <p:sp>
+        <p:nvSpPr>
+          <p:cNvPr id="2" name="Slide Image Placeholder 1"/>
+          <p:cNvSpPr>
+            <a:spLocks noGrp="1" noRot="1" noChangeAspect="1"/>
+          </p:cNvSpPr>
+          <p:nvPr>
+            <p:ph type="sldImg"/>
+          </p:nvPr>
+        </p:nvSpPr>
+        <p:spPr/>
+      </p:sp>
+      <p:sp>
+        <p:nvSpPr>
+          <p:cNvPr id="3" name="Notes Placeholder 2"/>
+          <p:cNvSpPr>
+            <a:spLocks noGrp="1"/>
+          </p:cNvSpPr>
+          <p:nvPr>
+            <p:ph type="body" idx="1"/>
+          </p:nvPr>
+        </p:nvSpPr>
+        <p:spPr/>
+        <p:txBody>
+          <a:bodyPr/>
+          <a:lstStyle/>
+          <a:p>
+            <a:r>
+              <a:rPr lang="en-US" sz="1200" dirty="0"/>
+              <a:t>This device has three dynamic configurations: Integer, Floating Point, Fixed Point</a:t>
+            </a:r>
+            <a:endParaRPr lang="en-US" dirty="0"/>
+          </a:p>
+        </p:txBody>
+      </p:sp>
+      <p:sp>
+        <p:nvSpPr>
+          <p:cNvPr id="4" name="Slide Number Placeholder 3"/>
+          <p:cNvSpPr>
+            <a:spLocks noGrp="1"/>
+          </p:cNvSpPr>
+          <p:nvPr>
+            <p:ph type="sldNum" sz="quarter" idx="5"/>
+          </p:nvPr>
+        </p:nvSpPr>
+        <p:spPr/>
+        <p:txBody>
+          <a:bodyPr/>
+          <a:lstStyle/>
+          <a:p>
+            <a:fld id="{8DC22F4E-92E3-4860-8641-150BB6826707}" type="slidenum">
+              <a:rPr lang="en-US" smtClean="0"/>
+              <a:t>28</a:t>
+            </a:fld>
+            <a:endParaRPr lang="en-US"/>
+          </a:p>
+        </p:txBody>
+      </p:sp>
+    </p:spTree>
+    <p:extLst>
+      <p:ext uri="{BB962C8B-B14F-4D97-AF65-F5344CB8AC3E}">
+        <p14:creationId xmlns:p14="http://schemas.microsoft.com/office/powerpoint/2010/main" val="1603264962"/>
+      </p:ext>
+    </p:extLst>
+  </p:cSld>
+  <p:clrMapOvr>
+    <a:masterClrMapping/>
+  </p:clrMapOvr>
+</p:notes>
+</file>
+
+<file path=ppt/notesSlides/notesSlide12.xml><?xml version="1.0" encoding="utf-8"?>
+<p:notes xmlns:a="http://schemas.openxmlformats.org/drawingml/2006/main" xmlns:r="http://schemas.openxmlformats.org/officeDocument/2006/relationships" xmlns:p="http://schemas.openxmlformats.org/presentationml/2006/main">
+  <p:cSld>
+    <p:spTree>
+      <p:nvGrpSpPr>
+        <p:cNvPr id="1" name=""/>
+        <p:cNvGrpSpPr/>
+        <p:nvPr/>
+      </p:nvGrpSpPr>
+      <p:grpSpPr>
+        <a:xfrm>
+          <a:off x="0" y="0"/>
+          <a:ext cx="0" cy="0"/>
+          <a:chOff x="0" y="0"/>
+          <a:chExt cx="0" cy="0"/>
+        </a:xfrm>
+      </p:grpSpPr>
+      <p:sp>
+        <p:nvSpPr>
+          <p:cNvPr id="2" name="Slide Image Placeholder 1"/>
+          <p:cNvSpPr>
+            <a:spLocks noGrp="1" noRot="1" noChangeAspect="1"/>
+          </p:cNvSpPr>
+          <p:nvPr>
+            <p:ph type="sldImg"/>
+          </p:nvPr>
+        </p:nvSpPr>
+        <p:spPr/>
+      </p:sp>
+      <p:sp>
+        <p:nvSpPr>
+          <p:cNvPr id="3" name="Notes Placeholder 2"/>
+          <p:cNvSpPr>
+            <a:spLocks noGrp="1"/>
+          </p:cNvSpPr>
+          <p:nvPr>
+            <p:ph type="body" idx="1"/>
+          </p:nvPr>
+        </p:nvSpPr>
+        <p:spPr/>
+        <p:txBody>
+          <a:bodyPr/>
+          <a:lstStyle/>
+          <a:p>
+            <a:endParaRPr lang="en-US" dirty="0"/>
+          </a:p>
+          <a:p>
+            <a:pPr>
+              <a:buFont typeface="Calibri" panose="020F0502020204030204" pitchFamily="34" charset="0"/>
+              <a:buChar char="⁻"/>
+            </a:pPr>
+            <a:r>
+              <a:rPr lang="en-US" sz="2400" dirty="0"/>
+              <a:t>When converting a project to partially reconfigurable, simulation is no longer available</a:t>
+            </a:r>
+          </a:p>
+          <a:p>
+            <a:pPr lvl="1">
+              <a:buFont typeface="Calibri" panose="020F0502020204030204" pitchFamily="34" charset="0"/>
+              <a:buChar char="⁻"/>
+            </a:pPr>
+            <a:r>
+              <a:rPr lang="en-US" sz="2000" dirty="0"/>
+              <a:t>It is recommended to flesh out much of a PR design while static, then create a new project for a dynamic version</a:t>
+            </a:r>
+          </a:p>
+        </p:txBody>
+      </p:sp>
+      <p:sp>
+        <p:nvSpPr>
+          <p:cNvPr id="4" name="Slide Number Placeholder 3"/>
+          <p:cNvSpPr>
+            <a:spLocks noGrp="1"/>
+          </p:cNvSpPr>
+          <p:nvPr>
+            <p:ph type="sldNum" sz="quarter" idx="5"/>
+          </p:nvPr>
+        </p:nvSpPr>
+        <p:spPr/>
+        <p:txBody>
+          <a:bodyPr/>
+          <a:lstStyle/>
+          <a:p>
+            <a:fld id="{8DC22F4E-92E3-4860-8641-150BB6826707}" type="slidenum">
+              <a:rPr lang="en-US" smtClean="0"/>
+              <a:t>30</a:t>
+            </a:fld>
+            <a:endParaRPr lang="en-US"/>
+          </a:p>
+        </p:txBody>
+      </p:sp>
+    </p:spTree>
+    <p:extLst>
+      <p:ext uri="{BB962C8B-B14F-4D97-AF65-F5344CB8AC3E}">
+        <p14:creationId xmlns:p14="http://schemas.microsoft.com/office/powerpoint/2010/main" val="2337235848"/>
+      </p:ext>
+    </p:extLst>
+  </p:cSld>
+  <p:clrMapOvr>
+    <a:masterClrMapping/>
+  </p:clrMapOvr>
+</p:notes>
+</file>
+
+<file path=ppt/notesSlides/notesSlide13.xml><?xml version="1.0" encoding="utf-8"?>
+<p:notes xmlns:a="http://schemas.openxmlformats.org/drawingml/2006/main" xmlns:r="http://schemas.openxmlformats.org/officeDocument/2006/relationships" xmlns:p="http://schemas.openxmlformats.org/presentationml/2006/main">
+  <p:cSld>
+    <p:spTree>
+      <p:nvGrpSpPr>
+        <p:cNvPr id="1" name=""/>
+        <p:cNvGrpSpPr/>
+        <p:nvPr/>
+      </p:nvGrpSpPr>
+      <p:grpSpPr>
+        <a:xfrm>
+          <a:off x="0" y="0"/>
+          <a:ext cx="0" cy="0"/>
+          <a:chOff x="0" y="0"/>
+          <a:chExt cx="0" cy="0"/>
+        </a:xfrm>
+      </p:grpSpPr>
+      <p:sp>
+        <p:nvSpPr>
+          <p:cNvPr id="2" name="Slide Image Placeholder 1"/>
+          <p:cNvSpPr>
+            <a:spLocks noGrp="1" noRot="1" noChangeAspect="1"/>
+          </p:cNvSpPr>
+          <p:nvPr>
+            <p:ph type="sldImg"/>
+          </p:nvPr>
+        </p:nvSpPr>
+        <p:spPr/>
+      </p:sp>
+      <p:sp>
+        <p:nvSpPr>
+          <p:cNvPr id="3" name="Notes Placeholder 2"/>
+          <p:cNvSpPr>
+            <a:spLocks noGrp="1"/>
+          </p:cNvSpPr>
+          <p:nvPr>
+            <p:ph type="body" idx="1"/>
+          </p:nvPr>
+        </p:nvSpPr>
+        <p:spPr/>
+        <p:txBody>
+          <a:bodyPr/>
+          <a:lstStyle/>
+          <a:p>
+            <a:r>
+              <a:rPr lang="en-US" dirty="0"/>
+              <a:t>Mention how Vivado makes the whole project PR</a:t>
+            </a:r>
+          </a:p>
+          <a:p>
+            <a:r>
+              <a:rPr lang="en-US" dirty="0"/>
+              <a:t>When a project is PR, can’t to simulation</a:t>
+            </a:r>
+          </a:p>
+          <a:p>
+            <a:r>
+              <a:rPr lang="en-US" dirty="0"/>
+              <a:t>A static and dynamic version of the project was created</a:t>
+            </a:r>
+          </a:p>
+        </p:txBody>
+      </p:sp>
+      <p:sp>
+        <p:nvSpPr>
+          <p:cNvPr id="4" name="Slide Number Placeholder 3"/>
+          <p:cNvSpPr>
+            <a:spLocks noGrp="1"/>
+          </p:cNvSpPr>
+          <p:nvPr>
+            <p:ph type="sldNum" sz="quarter" idx="5"/>
+          </p:nvPr>
+        </p:nvSpPr>
+        <p:spPr/>
+        <p:txBody>
+          <a:bodyPr/>
+          <a:lstStyle/>
+          <a:p>
+            <a:fld id="{8DC22F4E-92E3-4860-8641-150BB6826707}" type="slidenum">
+              <a:rPr lang="en-US" smtClean="0"/>
+              <a:t>31</a:t>
+            </a:fld>
+            <a:endParaRPr lang="en-US"/>
+          </a:p>
+        </p:txBody>
+      </p:sp>
+    </p:spTree>
+    <p:extLst>
+      <p:ext uri="{BB962C8B-B14F-4D97-AF65-F5344CB8AC3E}">
+        <p14:creationId xmlns:p14="http://schemas.microsoft.com/office/powerpoint/2010/main" val="4256367984"/>
+      </p:ext>
+    </p:extLst>
+  </p:cSld>
+  <p:clrMapOvr>
+    <a:masterClrMapping/>
+  </p:clrMapOvr>
+</p:notes>
+</file>
+
+<file path=ppt/notesSlides/notesSlide14.xml><?xml version="1.0" encoding="utf-8"?>
+<p:notes xmlns:a="http://schemas.openxmlformats.org/drawingml/2006/main" xmlns:r="http://schemas.openxmlformats.org/officeDocument/2006/relationships" xmlns:p="http://schemas.openxmlformats.org/presentationml/2006/main">
+  <p:cSld>
+    <p:spTree>
+      <p:nvGrpSpPr>
+        <p:cNvPr id="1" name=""/>
+        <p:cNvGrpSpPr/>
+        <p:nvPr/>
+      </p:nvGrpSpPr>
+      <p:grpSpPr>
+        <a:xfrm>
+          <a:off x="0" y="0"/>
+          <a:ext cx="0" cy="0"/>
+          <a:chOff x="0" y="0"/>
+          <a:chExt cx="0" cy="0"/>
+        </a:xfrm>
+      </p:grpSpPr>
+      <p:sp>
+        <p:nvSpPr>
+          <p:cNvPr id="2" name="Slide Image Placeholder 1"/>
+          <p:cNvSpPr>
+            <a:spLocks noGrp="1" noRot="1" noChangeAspect="1"/>
+          </p:cNvSpPr>
+          <p:nvPr>
+            <p:ph type="sldImg"/>
+          </p:nvPr>
+        </p:nvSpPr>
+        <p:spPr/>
+      </p:sp>
+      <p:sp>
+        <p:nvSpPr>
+          <p:cNvPr id="3" name="Notes Placeholder 2"/>
+          <p:cNvSpPr>
+            <a:spLocks noGrp="1"/>
+          </p:cNvSpPr>
+          <p:nvPr>
+            <p:ph type="body" idx="1"/>
+          </p:nvPr>
+        </p:nvSpPr>
+        <p:spPr/>
+        <p:txBody>
+          <a:bodyPr/>
+          <a:lstStyle/>
+          <a:p>
+            <a:r>
+              <a:rPr lang="en-US" dirty="0"/>
+              <a:t>Mention how Vivado makes the whole project PR</a:t>
+            </a:r>
+          </a:p>
+          <a:p>
+            <a:r>
+              <a:rPr lang="en-US" dirty="0"/>
+              <a:t>When a project is PR, can’t to simulation</a:t>
+            </a:r>
+          </a:p>
+          <a:p>
+            <a:r>
+              <a:rPr lang="en-US" dirty="0"/>
+              <a:t>A static and dynamic version of the project was created</a:t>
+            </a:r>
+          </a:p>
+        </p:txBody>
+      </p:sp>
+      <p:sp>
+        <p:nvSpPr>
+          <p:cNvPr id="4" name="Slide Number Placeholder 3"/>
+          <p:cNvSpPr>
+            <a:spLocks noGrp="1"/>
+          </p:cNvSpPr>
+          <p:nvPr>
+            <p:ph type="sldNum" sz="quarter" idx="5"/>
+          </p:nvPr>
+        </p:nvSpPr>
+        <p:spPr/>
+        <p:txBody>
+          <a:bodyPr/>
+          <a:lstStyle/>
+          <a:p>
+            <a:fld id="{8DC22F4E-92E3-4860-8641-150BB6826707}" type="slidenum">
+              <a:rPr lang="en-US" smtClean="0"/>
+              <a:t>32</a:t>
+            </a:fld>
+            <a:endParaRPr lang="en-US"/>
+          </a:p>
+        </p:txBody>
+      </p:sp>
+    </p:spTree>
+    <p:extLst>
+      <p:ext uri="{BB962C8B-B14F-4D97-AF65-F5344CB8AC3E}">
+        <p14:creationId xmlns:p14="http://schemas.microsoft.com/office/powerpoint/2010/main" val="3363383359"/>
+      </p:ext>
+    </p:extLst>
+  </p:cSld>
+  <p:clrMapOvr>
+    <a:masterClrMapping/>
+  </p:clrMapOvr>
+</p:notes>
+</file>
+
+<file path=ppt/notesSlides/notesSlide15.xml><?xml version="1.0" encoding="utf-8"?>
+<p:notes xmlns:a="http://schemas.openxmlformats.org/drawingml/2006/main" xmlns:r="http://schemas.openxmlformats.org/officeDocument/2006/relationships" xmlns:p="http://schemas.openxmlformats.org/presentationml/2006/main">
+  <p:cSld>
+    <p:spTree>
+      <p:nvGrpSpPr>
+        <p:cNvPr id="1" name=""/>
+        <p:cNvGrpSpPr/>
+        <p:nvPr/>
+      </p:nvGrpSpPr>
+      <p:grpSpPr>
+        <a:xfrm>
+          <a:off x="0" y="0"/>
+          <a:ext cx="0" cy="0"/>
+          <a:chOff x="0" y="0"/>
+          <a:chExt cx="0" cy="0"/>
+        </a:xfrm>
+      </p:grpSpPr>
+      <p:sp>
+        <p:nvSpPr>
+          <p:cNvPr id="2" name="Slide Image Placeholder 1"/>
+          <p:cNvSpPr>
+            <a:spLocks noGrp="1" noRot="1" noChangeAspect="1"/>
+          </p:cNvSpPr>
+          <p:nvPr>
+            <p:ph type="sldImg"/>
+          </p:nvPr>
+        </p:nvSpPr>
+        <p:spPr/>
+      </p:sp>
+      <p:sp>
+        <p:nvSpPr>
+          <p:cNvPr id="3" name="Notes Placeholder 2"/>
+          <p:cNvSpPr>
+            <a:spLocks noGrp="1"/>
+          </p:cNvSpPr>
+          <p:nvPr>
+            <p:ph type="body" idx="1"/>
+          </p:nvPr>
+        </p:nvSpPr>
+        <p:spPr/>
+        <p:txBody>
+          <a:bodyPr/>
+          <a:lstStyle/>
+          <a:p>
+            <a:r>
+              <a:rPr lang="en-US" dirty="0"/>
+              <a:t>Mention how Vivado makes the whole project PR</a:t>
+            </a:r>
+          </a:p>
+          <a:p>
+            <a:r>
+              <a:rPr lang="en-US" dirty="0"/>
+              <a:t>When a project is PR, can’t to simulation</a:t>
+            </a:r>
+          </a:p>
+          <a:p>
+            <a:r>
+              <a:rPr lang="en-US" dirty="0"/>
+              <a:t>A static and dynamic version of the project was created</a:t>
+            </a:r>
+          </a:p>
+        </p:txBody>
+      </p:sp>
+      <p:sp>
+        <p:nvSpPr>
+          <p:cNvPr id="4" name="Slide Number Placeholder 3"/>
+          <p:cNvSpPr>
+            <a:spLocks noGrp="1"/>
+          </p:cNvSpPr>
+          <p:nvPr>
+            <p:ph type="sldNum" sz="quarter" idx="5"/>
+          </p:nvPr>
+        </p:nvSpPr>
+        <p:spPr/>
+        <p:txBody>
+          <a:bodyPr/>
+          <a:lstStyle/>
+          <a:p>
+            <a:fld id="{8DC22F4E-92E3-4860-8641-150BB6826707}" type="slidenum">
+              <a:rPr lang="en-US" smtClean="0"/>
+              <a:t>33</a:t>
+            </a:fld>
+            <a:endParaRPr lang="en-US"/>
+          </a:p>
+        </p:txBody>
+      </p:sp>
+    </p:spTree>
+    <p:extLst>
+      <p:ext uri="{BB962C8B-B14F-4D97-AF65-F5344CB8AC3E}">
+        <p14:creationId xmlns:p14="http://schemas.microsoft.com/office/powerpoint/2010/main" val="1353720928"/>
+      </p:ext>
+    </p:extLst>
+  </p:cSld>
+  <p:clrMapOvr>
+    <a:masterClrMapping/>
+  </p:clrMapOvr>
+</p:notes>
+</file>
+
+<file path=ppt/notesSlides/notesSlide16.xml><?xml version="1.0" encoding="utf-8"?>
+<p:notes xmlns:a="http://schemas.openxmlformats.org/drawingml/2006/main" xmlns:r="http://schemas.openxmlformats.org/officeDocument/2006/relationships" xmlns:p="http://schemas.openxmlformats.org/presentationml/2006/main">
+  <p:cSld>
+    <p:spTree>
+      <p:nvGrpSpPr>
+        <p:cNvPr id="1" name=""/>
+        <p:cNvGrpSpPr/>
+        <p:nvPr/>
+      </p:nvGrpSpPr>
+      <p:grpSpPr>
+        <a:xfrm>
+          <a:off x="0" y="0"/>
+          <a:ext cx="0" cy="0"/>
+          <a:chOff x="0" y="0"/>
+          <a:chExt cx="0" cy="0"/>
+        </a:xfrm>
+      </p:grpSpPr>
+      <p:sp>
+        <p:nvSpPr>
+          <p:cNvPr id="2" name="Slide Image Placeholder 1"/>
+          <p:cNvSpPr>
+            <a:spLocks noGrp="1" noRot="1" noChangeAspect="1"/>
+          </p:cNvSpPr>
+          <p:nvPr>
+            <p:ph type="sldImg"/>
+          </p:nvPr>
+        </p:nvSpPr>
+        <p:spPr/>
+      </p:sp>
+      <p:sp>
+        <p:nvSpPr>
+          <p:cNvPr id="3" name="Notes Placeholder 2"/>
+          <p:cNvSpPr>
+            <a:spLocks noGrp="1"/>
+          </p:cNvSpPr>
+          <p:nvPr>
+            <p:ph type="body" idx="1"/>
+          </p:nvPr>
+        </p:nvSpPr>
+        <p:spPr/>
+        <p:txBody>
+          <a:bodyPr/>
+          <a:lstStyle/>
+          <a:p>
+            <a:r>
+              <a:rPr lang="en-US" dirty="0"/>
+              <a:t>This is not a screenshot of the convolution accelerator. This was just a design that had less going on visually and was easier to demonstrate the components</a:t>
+            </a:r>
+          </a:p>
+          <a:p>
+            <a:endParaRPr lang="en-US" dirty="0"/>
+          </a:p>
+          <a:p>
+            <a:pPr marL="342900" indent="-228600">
+              <a:lnSpc>
+                <a:spcPct val="90000"/>
+              </a:lnSpc>
+              <a:buFont typeface="Calibri" panose="020F0502020204030204" pitchFamily="34" charset="0"/>
+              <a:buChar char="⁻"/>
+            </a:pPr>
+            <a:r>
+              <a:rPr lang="en-US" sz="2400" dirty="0"/>
+              <a:t>Each reconfigurable partition requires a dedicated pBlock to dictate the hardware available for reconfiguration</a:t>
+            </a:r>
+          </a:p>
+          <a:p>
+            <a:pPr marL="800100" lvl="1" indent="-228600">
+              <a:lnSpc>
+                <a:spcPct val="90000"/>
+              </a:lnSpc>
+              <a:buFont typeface="Calibri" panose="020F0502020204030204" pitchFamily="34" charset="0"/>
+              <a:buChar char="⁻"/>
+            </a:pPr>
+            <a:r>
+              <a:rPr lang="en-US" sz="2400" dirty="0"/>
+              <a:t>This pBlock should contain only the dynamic module. Static modules will be placed and routed automatically</a:t>
+            </a:r>
+          </a:p>
+          <a:p>
+            <a:endParaRPr lang="en-US" dirty="0"/>
+          </a:p>
+        </p:txBody>
+      </p:sp>
+      <p:sp>
+        <p:nvSpPr>
+          <p:cNvPr id="4" name="Slide Number Placeholder 3"/>
+          <p:cNvSpPr>
+            <a:spLocks noGrp="1"/>
+          </p:cNvSpPr>
+          <p:nvPr>
+            <p:ph type="sldNum" sz="quarter" idx="5"/>
+          </p:nvPr>
+        </p:nvSpPr>
+        <p:spPr/>
+        <p:txBody>
+          <a:bodyPr/>
+          <a:lstStyle/>
+          <a:p>
+            <a:fld id="{8DC22F4E-92E3-4860-8641-150BB6826707}" type="slidenum">
+              <a:rPr lang="en-US" smtClean="0"/>
+              <a:t>34</a:t>
+            </a:fld>
+            <a:endParaRPr lang="en-US"/>
+          </a:p>
+        </p:txBody>
+      </p:sp>
+    </p:spTree>
+    <p:extLst>
+      <p:ext uri="{BB962C8B-B14F-4D97-AF65-F5344CB8AC3E}">
+        <p14:creationId xmlns:p14="http://schemas.microsoft.com/office/powerpoint/2010/main" val="303907404"/>
+      </p:ext>
+    </p:extLst>
+  </p:cSld>
+  <p:clrMapOvr>
+    <a:masterClrMapping/>
+  </p:clrMapOvr>
+</p:notes>
+</file>
+
+<file path=ppt/notesSlides/notesSlide17.xml><?xml version="1.0" encoding="utf-8"?>
+<p:notes xmlns:a="http://schemas.openxmlformats.org/drawingml/2006/main" xmlns:r="http://schemas.openxmlformats.org/officeDocument/2006/relationships" xmlns:p="http://schemas.openxmlformats.org/presentationml/2006/main">
+  <p:cSld>
+    <p:spTree>
+      <p:nvGrpSpPr>
+        <p:cNvPr id="1" name=""/>
+        <p:cNvGrpSpPr/>
+        <p:nvPr/>
+      </p:nvGrpSpPr>
+      <p:grpSpPr>
+        <a:xfrm>
+          <a:off x="0" y="0"/>
+          <a:ext cx="0" cy="0"/>
+          <a:chOff x="0" y="0"/>
+          <a:chExt cx="0" cy="0"/>
+        </a:xfrm>
+      </p:grpSpPr>
+      <p:sp>
+        <p:nvSpPr>
+          <p:cNvPr id="2" name="Slide Image Placeholder 1"/>
+          <p:cNvSpPr>
+            <a:spLocks noGrp="1" noRot="1" noChangeAspect="1"/>
+          </p:cNvSpPr>
+          <p:nvPr>
+            <p:ph type="sldImg"/>
+          </p:nvPr>
+        </p:nvSpPr>
+        <p:spPr/>
+      </p:sp>
+      <p:sp>
+        <p:nvSpPr>
+          <p:cNvPr id="3" name="Notes Placeholder 2"/>
+          <p:cNvSpPr>
+            <a:spLocks noGrp="1"/>
+          </p:cNvSpPr>
+          <p:nvPr>
+            <p:ph type="body" idx="1"/>
+          </p:nvPr>
+        </p:nvSpPr>
+        <p:spPr/>
+        <p:txBody>
+          <a:bodyPr/>
+          <a:lstStyle/>
+          <a:p>
+            <a:r>
+              <a:rPr lang="en-US" dirty="0"/>
+              <a:t>Floating point uses much </a:t>
+            </a:r>
+            <a:r>
+              <a:rPr lang="en-US" dirty="0" err="1"/>
+              <a:t>much</a:t>
+            </a:r>
+            <a:r>
+              <a:rPr lang="en-US" dirty="0"/>
+              <a:t> more device resources</a:t>
+            </a:r>
+          </a:p>
+          <a:p>
+            <a:endParaRPr lang="en-US" dirty="0"/>
+          </a:p>
+          <a:p>
+            <a:r>
+              <a:rPr lang="en-US" dirty="0"/>
+              <a:t>Even with high utilization of resources from floating point, design uses about 10% of available LUTs on Pynq-Z2</a:t>
+            </a:r>
+          </a:p>
+        </p:txBody>
+      </p:sp>
+      <p:sp>
+        <p:nvSpPr>
+          <p:cNvPr id="4" name="Slide Number Placeholder 3"/>
+          <p:cNvSpPr>
+            <a:spLocks noGrp="1"/>
+          </p:cNvSpPr>
+          <p:nvPr>
+            <p:ph type="sldNum" sz="quarter" idx="5"/>
+          </p:nvPr>
+        </p:nvSpPr>
+        <p:spPr/>
+        <p:txBody>
+          <a:bodyPr/>
+          <a:lstStyle/>
+          <a:p>
+            <a:fld id="{8DC22F4E-92E3-4860-8641-150BB6826707}" type="slidenum">
+              <a:rPr lang="en-US" smtClean="0"/>
+              <a:t>38</a:t>
+            </a:fld>
+            <a:endParaRPr lang="en-US"/>
+          </a:p>
+        </p:txBody>
+      </p:sp>
+    </p:spTree>
+    <p:extLst>
+      <p:ext uri="{BB962C8B-B14F-4D97-AF65-F5344CB8AC3E}">
+        <p14:creationId xmlns:p14="http://schemas.microsoft.com/office/powerpoint/2010/main" val="2448023131"/>
+      </p:ext>
+    </p:extLst>
+  </p:cSld>
+  <p:clrMapOvr>
+    <a:masterClrMapping/>
+  </p:clrMapOvr>
+</p:notes>
+</file>
+
 <file path=ppt/notesSlides/notesSlide2.xml><?xml version="1.0" encoding="utf-8"?>
 <p:notes xmlns:a="http://schemas.openxmlformats.org/drawingml/2006/main" xmlns:r="http://schemas.openxmlformats.org/officeDocument/2006/relationships" xmlns:p="http://schemas.openxmlformats.org/presentationml/2006/main">
   <p:cSld>
@@ -749,10 +1585,27 @@
           <a:bodyPr/>
           <a:lstStyle/>
           <a:p>
-            <a:r>
-              <a:rPr lang="en-US" dirty="0"/>
-              <a:t>Will do a better job explaining the partial reconfiguration later</a:t>
-            </a:r>
+            <a:pPr marL="342900" indent="-342900">
+              <a:buFont typeface="Calibri" panose="020F0502020204030204" pitchFamily="34" charset="0"/>
+              <a:buChar char="⁻"/>
+            </a:pPr>
+            <a:r>
+              <a:rPr lang="en-US" sz="2000" dirty="0"/>
+              <a:t>This is a computationally intensive step used in many image processing algorithms </a:t>
+            </a:r>
+          </a:p>
+          <a:p>
+            <a:pPr marL="800100" lvl="1" indent="-342900">
+              <a:buFont typeface="Calibri" panose="020F0502020204030204" pitchFamily="34" charset="0"/>
+              <a:buChar char="⁻"/>
+            </a:pPr>
+            <a:r>
+              <a:rPr lang="en-US" sz="2000" b="1" dirty="0"/>
+              <a:t>can benefit from hardware acceleration</a:t>
+            </a:r>
+          </a:p>
+          <a:p>
+            <a:endParaRPr lang="en-US" dirty="0"/>
           </a:p>
         </p:txBody>
       </p:sp>
@@ -773,7 +1626,7 @@
           <a:p>
             <a:fld id="{8DC22F4E-92E3-4860-8641-150BB6826707}" type="slidenum">
               <a:rPr lang="en-US" smtClean="0"/>
-              <a:t>12</a:t>
+              <a:t>3</a:t>
             </a:fld>
             <a:endParaRPr lang="en-US"/>
           </a:p>
@@ -782,7 +1635,7 @@
     </p:spTree>
     <p:extLst>
       <p:ext uri="{BB962C8B-B14F-4D97-AF65-F5344CB8AC3E}">
-        <p14:creationId xmlns:p14="http://schemas.microsoft.com/office/powerpoint/2010/main" val="3697374002"/>
+        <p14:creationId xmlns:p14="http://schemas.microsoft.com/office/powerpoint/2010/main" val="307369003"/>
       </p:ext>
     </p:extLst>
   </p:cSld>
@@ -836,10 +1689,44 @@
           <a:bodyPr/>
           <a:lstStyle/>
           <a:p>
+            <a:pPr lvl="1">
+              <a:buFont typeface="Calibri" panose="020F0502020204030204" pitchFamily="34" charset="0"/>
+              <a:buNone/>
+            </a:pPr>
+            <a:endParaRPr lang="en-US" dirty="0"/>
+          </a:p>
+          <a:p>
+            <a:pPr>
+              <a:buFont typeface="Calibri" panose="020F0502020204030204" pitchFamily="34" charset="0"/>
+              <a:buChar char="⁻"/>
+            </a:pPr>
             <a:r>
               <a:rPr lang="en-US" dirty="0"/>
-              <a:t>Indexing actually starts at zero. This was just making the total count obvious</a:t>
-            </a:r>
+              <a:t>Vivado offers design development using HDL or the built in IP Integrator using block diagrams</a:t>
+            </a:r>
+          </a:p>
+          <a:p>
+            <a:pPr lvl="1">
+              <a:buFont typeface="Calibri" panose="020F0502020204030204" pitchFamily="34" charset="0"/>
+              <a:buChar char="⁻"/>
+            </a:pPr>
+            <a:r>
+              <a:rPr lang="en-US" dirty="0"/>
+              <a:t>These block diagrams can compose of either base IPs provided by Xilinx or user custom IPs that are imported/created within the project</a:t>
+            </a:r>
+          </a:p>
+          <a:p>
+            <a:pPr lvl="1">
+              <a:buFont typeface="Calibri" panose="020F0502020204030204" pitchFamily="34" charset="0"/>
+              <a:buChar char="⁻"/>
+            </a:pPr>
+            <a:r>
+              <a:rPr lang="en-US" dirty="0"/>
+              <a:t>The HDL defining these Xilinx based IPs are not viewable by end-user</a:t>
+            </a:r>
+          </a:p>
+          <a:p>
+            <a:endParaRPr lang="en-US" dirty="0"/>
           </a:p>
         </p:txBody>
       </p:sp>
@@ -860,7 +1747,7 @@
           <a:p>
             <a:fld id="{8DC22F4E-92E3-4860-8641-150BB6826707}" type="slidenum">
               <a:rPr lang="en-US" smtClean="0"/>
-              <a:t>16</a:t>
+              <a:t>5</a:t>
             </a:fld>
             <a:endParaRPr lang="en-US"/>
           </a:p>
@@ -869,7 +1756,7 @@
     </p:spTree>
     <p:extLst>
       <p:ext uri="{BB962C8B-B14F-4D97-AF65-F5344CB8AC3E}">
-        <p14:creationId xmlns:p14="http://schemas.microsoft.com/office/powerpoint/2010/main" val="3009395638"/>
+        <p14:creationId xmlns:p14="http://schemas.microsoft.com/office/powerpoint/2010/main" val="2346972643"/>
       </p:ext>
     </p:extLst>
   </p:cSld>
@@ -923,22 +1810,61 @@
           <a:bodyPr/>
           <a:lstStyle/>
           <a:p>
+            <a:pPr>
+              <a:buFont typeface="Calibri" panose="020F0502020204030204" pitchFamily="34" charset="0"/>
+              <a:buChar char="⁻"/>
+            </a:pPr>
             <a:r>
               <a:rPr lang="en-US" dirty="0"/>
-              <a:t>Mention how Vivado makes the whole project PR</a:t>
-            </a:r>
-          </a:p>
-          <a:p>
+              <a:t>A first step was to implement devices that could intake 2 data values, multiply them, then return the product</a:t>
+            </a:r>
+          </a:p>
+          <a:p>
+            <a:pPr lvl="1">
+              <a:buFont typeface="Calibri" panose="020F0502020204030204" pitchFamily="34" charset="0"/>
+              <a:buChar char="⁻"/>
+            </a:pPr>
             <a:r>
               <a:rPr lang="en-US" dirty="0"/>
-              <a:t>When a project is PR, can’t to simulation</a:t>
-            </a:r>
-          </a:p>
-          <a:p>
+              <a:t>This needed to be designed for three separate data types, with separate algorithms to complete each computation type</a:t>
+            </a:r>
+          </a:p>
+          <a:p>
+            <a:pPr lvl="1">
+              <a:buFont typeface="Calibri" panose="020F0502020204030204" pitchFamily="34" charset="0"/>
+              <a:buChar char="⁻"/>
+            </a:pPr>
+            <a:endParaRPr lang="en-US" dirty="0"/>
+          </a:p>
+          <a:p>
+            <a:pPr>
+              <a:buFont typeface="Calibri" panose="020F0502020204030204" pitchFamily="34" charset="0"/>
+              <a:buChar char="⁻"/>
+            </a:pPr>
             <a:r>
               <a:rPr lang="en-US" dirty="0"/>
-              <a:t>A static and dynamic version of the project was created</a:t>
-            </a:r>
+              <a:t>Decided to change layout later in development.</a:t>
+            </a:r>
+          </a:p>
+          <a:p>
+            <a:pPr lvl="1">
+              <a:buFont typeface="Calibri" panose="020F0502020204030204" pitchFamily="34" charset="0"/>
+              <a:buChar char="⁻"/>
+            </a:pPr>
+            <a:r>
+              <a:rPr lang="en-US" dirty="0"/>
+              <a:t>This was initially designed to buffer input data internally, allowing for parallel computations. The buffered input was removed due to adding undesirable delay while pipelining data streams</a:t>
+            </a:r>
+          </a:p>
+          <a:p>
+            <a:pPr lvl="0">
+              <a:buFont typeface="Calibri" panose="020F0502020204030204" pitchFamily="34" charset="0"/>
+              <a:buChar char="⁻"/>
+            </a:pPr>
+            <a:endParaRPr lang="en-US" dirty="0"/>
+          </a:p>
+          <a:p>
+            <a:endParaRPr lang="en-US" dirty="0"/>
           </a:p>
         </p:txBody>
       </p:sp>
@@ -959,7 +1885,7 @@
           <a:p>
             <a:fld id="{8DC22F4E-92E3-4860-8641-150BB6826707}" type="slidenum">
               <a:rPr lang="en-US" smtClean="0"/>
-              <a:t>33</a:t>
+              <a:t>11</a:t>
             </a:fld>
             <a:endParaRPr lang="en-US"/>
           </a:p>
@@ -968,7 +1894,7 @@
     </p:spTree>
     <p:extLst>
       <p:ext uri="{BB962C8B-B14F-4D97-AF65-F5344CB8AC3E}">
-        <p14:creationId xmlns:p14="http://schemas.microsoft.com/office/powerpoint/2010/main" val="2337235848"/>
+        <p14:creationId xmlns:p14="http://schemas.microsoft.com/office/powerpoint/2010/main" val="1559906650"/>
       </p:ext>
     </p:extLst>
   </p:cSld>
@@ -1022,22 +1948,104 @@
           <a:bodyPr/>
           <a:lstStyle/>
           <a:p>
-            <a:r>
-              <a:rPr lang="en-US" dirty="0"/>
-              <a:t>Mention how Vivado makes the whole project PR</a:t>
-            </a:r>
-          </a:p>
-          <a:p>
-            <a:r>
-              <a:rPr lang="en-US" dirty="0"/>
-              <a:t>When a project is PR, can’t to simulation</a:t>
-            </a:r>
-          </a:p>
-          <a:p>
-            <a:r>
-              <a:rPr lang="en-US" dirty="0"/>
-              <a:t>A static and dynamic version of the project was created</a:t>
-            </a:r>
+            <a:pPr>
+              <a:buFont typeface="Calibri" panose="020F0502020204030204" pitchFamily="34" charset="0"/>
+              <a:buNone/>
+            </a:pPr>
+            <a:endParaRPr lang="en-US" sz="1200" dirty="0"/>
+          </a:p>
+          <a:p>
+            <a:pPr>
+              <a:buFont typeface="Calibri" panose="020F0502020204030204" pitchFamily="34" charset="0"/>
+              <a:buChar char="⁻"/>
+            </a:pPr>
+            <a:r>
+              <a:rPr lang="en-US" sz="1200" dirty="0"/>
+              <a:t>A data link was needed to interface many parallel multiplier outputs to many parallel adder devices</a:t>
+            </a:r>
+          </a:p>
+          <a:p>
+            <a:pPr>
+              <a:buFont typeface="Calibri" panose="020F0502020204030204" pitchFamily="34" charset="0"/>
+              <a:buChar char="⁻"/>
+            </a:pPr>
+            <a:endParaRPr lang="en-US" sz="1200" dirty="0"/>
+          </a:p>
+          <a:p>
+            <a:pPr>
+              <a:buFont typeface="Calibri" panose="020F0502020204030204" pitchFamily="34" charset="0"/>
+              <a:buChar char="⁻"/>
+            </a:pPr>
+            <a:r>
+              <a:rPr lang="en-US" sz="2400" dirty="0"/>
+              <a:t>A crossbar switch was designed and implemented. This switch allows for any input port to be selected and connected to any output port.</a:t>
+            </a:r>
+          </a:p>
+          <a:p>
+            <a:pPr lvl="1">
+              <a:buFont typeface="Calibri" panose="020F0502020204030204" pitchFamily="34" charset="0"/>
+              <a:buChar char="⁻"/>
+            </a:pPr>
+            <a:r>
+              <a:rPr lang="en-US" sz="2000" dirty="0"/>
+              <a:t>The crossbar was written from scratch to have variable input and output port counts</a:t>
+            </a:r>
+          </a:p>
+          <a:p>
+            <a:pPr lvl="1">
+              <a:buFont typeface="Calibri" panose="020F0502020204030204" pitchFamily="34" charset="0"/>
+              <a:buChar char="⁻"/>
+            </a:pPr>
+            <a:r>
+              <a:rPr lang="en-US" sz="2000" dirty="0"/>
+              <a:t>These ports are also variable bit length</a:t>
+            </a:r>
+          </a:p>
+          <a:p>
+            <a:pPr marL="0" marR="0" lvl="0" indent="0" algn="l" defTabSz="914400" rtl="0" eaLnBrk="1" fontAlgn="auto" latinLnBrk="0" hangingPunct="1">
+              <a:lnSpc>
+                <a:spcPct val="100000"/>
+              </a:lnSpc>
+              <a:spcBef>
+                <a:spcPts val="0"/>
+              </a:spcBef>
+              <a:spcAft>
+                <a:spcPts val="0"/>
+              </a:spcAft>
+              <a:buClrTx/>
+              <a:buSzTx/>
+              <a:buFontTx/>
+              <a:buNone/>
+              <a:tabLst/>
+              <a:defRPr/>
+            </a:pPr>
+            <a:endParaRPr lang="en-US" sz="1200" dirty="0"/>
+          </a:p>
+          <a:p>
+            <a:pPr marL="0" marR="0" lvl="0" indent="0" algn="l" defTabSz="914400" rtl="0" eaLnBrk="1" fontAlgn="auto" latinLnBrk="0" hangingPunct="1">
+              <a:lnSpc>
+                <a:spcPct val="100000"/>
+              </a:lnSpc>
+              <a:spcBef>
+                <a:spcPts val="0"/>
+              </a:spcBef>
+              <a:spcAft>
+                <a:spcPts val="0"/>
+              </a:spcAft>
+              <a:buClrTx/>
+              <a:buSzTx/>
+              <a:buFontTx/>
+              <a:buNone/>
+              <a:tabLst/>
+              <a:defRPr/>
+            </a:pPr>
+            <a:r>
+              <a:rPr lang="en-US" sz="1200" dirty="0"/>
+              <a:t>-The data connection is asynchronous, mimicking wire connections</a:t>
+            </a:r>
+          </a:p>
+          <a:p>
+            <a:endParaRPr lang="en-US" dirty="0"/>
           </a:p>
         </p:txBody>
       </p:sp>
@@ -1058,7 +2066,7 @@
           <a:p>
             <a:fld id="{8DC22F4E-92E3-4860-8641-150BB6826707}" type="slidenum">
               <a:rPr lang="en-US" smtClean="0"/>
-              <a:t>34</a:t>
+              <a:t>14</a:t>
             </a:fld>
             <a:endParaRPr lang="en-US"/>
           </a:p>
@@ -1067,7 +2075,7 @@
     </p:spTree>
     <p:extLst>
       <p:ext uri="{BB962C8B-B14F-4D97-AF65-F5344CB8AC3E}">
-        <p14:creationId xmlns:p14="http://schemas.microsoft.com/office/powerpoint/2010/main" val="4256367984"/>
+        <p14:creationId xmlns:p14="http://schemas.microsoft.com/office/powerpoint/2010/main" val="1631848822"/>
       </p:ext>
     </p:extLst>
   </p:cSld>
@@ -1123,19 +2131,7 @@
           <a:p>
             <a:r>
               <a:rPr lang="en-US" dirty="0"/>
-              <a:t>Mention how Vivado makes the whole project PR</a:t>
-            </a:r>
-          </a:p>
-          <a:p>
-            <a:r>
-              <a:rPr lang="en-US" dirty="0"/>
-              <a:t>When a project is PR, can’t to simulation</a:t>
-            </a:r>
-          </a:p>
-          <a:p>
-            <a:r>
-              <a:rPr lang="en-US" dirty="0"/>
-              <a:t>A static and dynamic version of the project was created</a:t>
+              <a:t>Indexing actually starts at zero. This was just making the total count obvious</a:t>
             </a:r>
           </a:p>
         </p:txBody>
@@ -1157,7 +2153,7 @@
           <a:p>
             <a:fld id="{8DC22F4E-92E3-4860-8641-150BB6826707}" type="slidenum">
               <a:rPr lang="en-US" smtClean="0"/>
-              <a:t>35</a:t>
+              <a:t>15</a:t>
             </a:fld>
             <a:endParaRPr lang="en-US"/>
           </a:p>
@@ -1166,7 +2162,7 @@
     </p:spTree>
     <p:extLst>
       <p:ext uri="{BB962C8B-B14F-4D97-AF65-F5344CB8AC3E}">
-        <p14:creationId xmlns:p14="http://schemas.microsoft.com/office/powerpoint/2010/main" val="3363383359"/>
+        <p14:creationId xmlns:p14="http://schemas.microsoft.com/office/powerpoint/2010/main" val="3009395638"/>
       </p:ext>
     </p:extLst>
   </p:cSld>
@@ -1220,22 +2216,30 @@
           <a:bodyPr/>
           <a:lstStyle/>
           <a:p>
+            <a:pPr marL="0" marR="0" lvl="0" indent="0" algn="l" defTabSz="914400" rtl="0" eaLnBrk="1" fontAlgn="auto" latinLnBrk="0" hangingPunct="1">
+              <a:lnSpc>
+                <a:spcPct val="100000"/>
+              </a:lnSpc>
+              <a:spcBef>
+                <a:spcPts val="0"/>
+              </a:spcBef>
+              <a:spcAft>
+                <a:spcPts val="0"/>
+              </a:spcAft>
+              <a:buClrTx/>
+              <a:buSzTx/>
+              <a:buFontTx/>
+              <a:buNone/>
+              <a:tabLst/>
+              <a:defRPr/>
+            </a:pPr>
             <a:r>
               <a:rPr lang="en-US" dirty="0"/>
-              <a:t>Mention how Vivado makes the whole project PR</a:t>
-            </a:r>
-          </a:p>
-          <a:p>
-            <a:r>
-              <a:rPr lang="en-US" dirty="0"/>
-              <a:t>When a project is PR, can’t to simulation</a:t>
-            </a:r>
-          </a:p>
-          <a:p>
-            <a:r>
-              <a:rPr lang="en-US" dirty="0"/>
-              <a:t>A static and dynamic version of the project was created</a:t>
-            </a:r>
+              <a:t>-Floating point needs much more logic due to needing to check the magnitude difference, then normalize the values</a:t>
+            </a:r>
+          </a:p>
+          <a:p>
+            <a:endParaRPr lang="en-US" dirty="0"/>
           </a:p>
         </p:txBody>
       </p:sp>
@@ -1256,7 +2260,7 @@
           <a:p>
             <a:fld id="{8DC22F4E-92E3-4860-8641-150BB6826707}" type="slidenum">
               <a:rPr lang="en-US" smtClean="0"/>
-              <a:t>36</a:t>
+              <a:t>17</a:t>
             </a:fld>
             <a:endParaRPr lang="en-US"/>
           </a:p>
@@ -1265,7 +2269,7 @@
     </p:spTree>
     <p:extLst>
       <p:ext uri="{BB962C8B-B14F-4D97-AF65-F5344CB8AC3E}">
-        <p14:creationId xmlns:p14="http://schemas.microsoft.com/office/powerpoint/2010/main" val="1353720928"/>
+        <p14:creationId xmlns:p14="http://schemas.microsoft.com/office/powerpoint/2010/main" val="1853552967"/>
       </p:ext>
     </p:extLst>
   </p:cSld>
@@ -1319,10 +2323,7 @@
           <a:bodyPr/>
           <a:lstStyle/>
           <a:p>
-            <a:r>
-              <a:rPr lang="en-US" dirty="0"/>
-              <a:t>This is not a screenshot of the convolution accelerator. This was just a design that had less going on visually and was easier to demonstrate the components</a:t>
-            </a:r>
+            <a:endParaRPr lang="en-US" dirty="0"/>
           </a:p>
         </p:txBody>
       </p:sp>
@@ -1343,7 +2344,7 @@
           <a:p>
             <a:fld id="{8DC22F4E-92E3-4860-8641-150BB6826707}" type="slidenum">
               <a:rPr lang="en-US" smtClean="0"/>
-              <a:t>37</a:t>
+              <a:t>22</a:t>
             </a:fld>
             <a:endParaRPr lang="en-US"/>
           </a:p>
@@ -1352,7 +2353,7 @@
     </p:spTree>
     <p:extLst>
       <p:ext uri="{BB962C8B-B14F-4D97-AF65-F5344CB8AC3E}">
-        <p14:creationId xmlns:p14="http://schemas.microsoft.com/office/powerpoint/2010/main" val="303907404"/>
+        <p14:creationId xmlns:p14="http://schemas.microsoft.com/office/powerpoint/2010/main" val="3989831189"/>
       </p:ext>
     </p:extLst>
   </p:cSld>
@@ -1406,27 +2407,7 @@
           <a:bodyPr/>
           <a:lstStyle/>
           <a:p>
-            <a:r>
-              <a:rPr lang="en-US" dirty="0"/>
-              <a:t>Floating point uses much </a:t>
-            </a:r>
-            <a:r>
-              <a:rPr lang="en-US" dirty="0" err="1"/>
-              <a:t>much</a:t>
-            </a:r>
-            <a:r>
-              <a:rPr lang="en-US" dirty="0"/>
-              <a:t> more device resources</a:t>
-            </a:r>
-          </a:p>
-          <a:p>
             <a:endParaRPr lang="en-US" dirty="0"/>
-          </a:p>
-          <a:p>
-            <a:r>
-              <a:rPr lang="en-US" dirty="0"/>
-              <a:t>Even with high utilization of resources from floating point, design uses about 10% of available LUTs on Pynq-Z2</a:t>
-            </a:r>
           </a:p>
         </p:txBody>
       </p:sp>
@@ -1447,7 +2428,7 @@
           <a:p>
             <a:fld id="{8DC22F4E-92E3-4860-8641-150BB6826707}" type="slidenum">
               <a:rPr lang="en-US" smtClean="0"/>
-              <a:t>41</a:t>
+              <a:t>23</a:t>
             </a:fld>
             <a:endParaRPr lang="en-US"/>
           </a:p>
@@ -1456,7 +2437,7 @@
     </p:spTree>
     <p:extLst>
       <p:ext uri="{BB962C8B-B14F-4D97-AF65-F5344CB8AC3E}">
-        <p14:creationId xmlns:p14="http://schemas.microsoft.com/office/powerpoint/2010/main" val="2448023131"/>
+        <p14:creationId xmlns:p14="http://schemas.microsoft.com/office/powerpoint/2010/main" val="3829908795"/>
       </p:ext>
     </p:extLst>
   </p:cSld>
@@ -1662,7 +2643,7 @@
           <a:p>
             <a:fld id="{54DDAE87-B9B2-4AB2-82B0-23EE33EE440A}" type="datetimeFigureOut">
               <a:rPr lang="en-US" smtClean="0"/>
-              <a:t>9/4/2020</a:t>
+              <a:t>9/9/2020</a:t>
             </a:fld>
             <a:endParaRPr lang="en-US"/>
           </a:p>
@@ -1883,7 +2864,7 @@
           <a:p>
             <a:fld id="{54DDAE87-B9B2-4AB2-82B0-23EE33EE440A}" type="datetimeFigureOut">
               <a:rPr lang="en-US" smtClean="0"/>
-              <a:t>9/4/2020</a:t>
+              <a:t>9/9/2020</a:t>
             </a:fld>
             <a:endParaRPr lang="en-US"/>
           </a:p>
@@ -2063,7 +3044,7 @@
           <a:p>
             <a:fld id="{54DDAE87-B9B2-4AB2-82B0-23EE33EE440A}" type="datetimeFigureOut">
               <a:rPr lang="en-US" smtClean="0"/>
-              <a:t>9/4/2020</a:t>
+              <a:t>9/9/2020</a:t>
             </a:fld>
             <a:endParaRPr lang="en-US"/>
           </a:p>
@@ -2233,7 +3214,7 @@
           <a:p>
             <a:fld id="{54DDAE87-B9B2-4AB2-82B0-23EE33EE440A}" type="datetimeFigureOut">
               <a:rPr lang="en-US" smtClean="0"/>
-              <a:t>9/4/2020</a:t>
+              <a:t>9/9/2020</a:t>
             </a:fld>
             <a:endParaRPr lang="en-US"/>
           </a:p>
@@ -2484,7 +3465,7 @@
           <a:p>
             <a:fld id="{54DDAE87-B9B2-4AB2-82B0-23EE33EE440A}" type="datetimeFigureOut">
               <a:rPr lang="en-US" smtClean="0"/>
-              <a:t>9/4/2020</a:t>
+              <a:t>9/9/2020</a:t>
             </a:fld>
             <a:endParaRPr lang="en-US"/>
           </a:p>
@@ -2807,7 +3788,7 @@
           <a:p>
             <a:fld id="{54DDAE87-B9B2-4AB2-82B0-23EE33EE440A}" type="datetimeFigureOut">
               <a:rPr lang="en-US" smtClean="0"/>
-              <a:t>9/4/2020</a:t>
+              <a:t>9/9/2020</a:t>
             </a:fld>
             <a:endParaRPr lang="en-US"/>
           </a:p>
@@ -3231,7 +4212,7 @@
           <a:p>
             <a:fld id="{54DDAE87-B9B2-4AB2-82B0-23EE33EE440A}" type="datetimeFigureOut">
               <a:rPr lang="en-US" smtClean="0"/>
-              <a:t>9/4/2020</a:t>
+              <a:t>9/9/2020</a:t>
             </a:fld>
             <a:endParaRPr lang="en-US"/>
           </a:p>
@@ -3349,7 +4330,7 @@
           <a:p>
             <a:fld id="{54DDAE87-B9B2-4AB2-82B0-23EE33EE440A}" type="datetimeFigureOut">
               <a:rPr lang="en-US" smtClean="0"/>
-              <a:t>9/4/2020</a:t>
+              <a:t>9/9/2020</a:t>
             </a:fld>
             <a:endParaRPr lang="en-US"/>
           </a:p>
@@ -3444,7 +4425,7 @@
           <a:p>
             <a:fld id="{54DDAE87-B9B2-4AB2-82B0-23EE33EE440A}" type="datetimeFigureOut">
               <a:rPr lang="en-US" smtClean="0"/>
-              <a:t>9/4/2020</a:t>
+              <a:t>9/9/2020</a:t>
             </a:fld>
             <a:endParaRPr lang="en-US"/>
           </a:p>
@@ -3734,7 +4715,7 @@
           <a:p>
             <a:fld id="{54DDAE87-B9B2-4AB2-82B0-23EE33EE440A}" type="datetimeFigureOut">
               <a:rPr lang="en-US" smtClean="0"/>
-              <a:t>9/4/2020</a:t>
+              <a:t>9/9/2020</a:t>
             </a:fld>
             <a:endParaRPr lang="en-US"/>
           </a:p>
@@ -4006,7 +4987,7 @@
           <a:p>
             <a:fld id="{54DDAE87-B9B2-4AB2-82B0-23EE33EE440A}" type="datetimeFigureOut">
               <a:rPr lang="en-US" smtClean="0"/>
-              <a:t>9/4/2020</a:t>
+              <a:t>9/9/2020</a:t>
             </a:fld>
             <a:endParaRPr lang="en-US"/>
           </a:p>
@@ -4259,7 +5240,7 @@
           <a:p>
             <a:fld id="{54DDAE87-B9B2-4AB2-82B0-23EE33EE440A}" type="datetimeFigureOut">
               <a:rPr lang="en-US" smtClean="0"/>
-              <a:t>9/4/2020</a:t>
+              <a:t>9/9/2020</a:t>
             </a:fld>
             <a:endParaRPr lang="en-US"/>
           </a:p>
@@ -5148,7 +6129,7 @@
         </p:nvSpPr>
         <p:spPr>
           <a:xfrm>
-            <a:off x="838200" y="1185862"/>
+            <a:off x="838200" y="724224"/>
             <a:ext cx="10515600" cy="4486275"/>
           </a:xfrm>
         </p:spPr>
@@ -5166,113 +6147,288 @@
             </a:r>
           </a:p>
           <a:p>
-            <a:pPr lvl="1">
+            <a:pPr>
               <a:buFont typeface="Calibri" panose="020F0502020204030204" pitchFamily="34" charset="0"/>
               <a:buChar char="⁻"/>
             </a:pPr>
             <a:r>
               <a:rPr lang="en-US" dirty="0"/>
-              <a:t>This needed to be designed for three separate data types, with separate algorithms to complete each computation type</a:t>
-            </a:r>
-          </a:p>
-          <a:p>
-            <a:pPr lvl="1">
-              <a:buFont typeface="Calibri" panose="020F0502020204030204" pitchFamily="34" charset="0"/>
-              <a:buChar char="⁻"/>
-            </a:pPr>
-            <a:endParaRPr lang="en-US" dirty="0"/>
-          </a:p>
-          <a:p>
-            <a:pPr>
-              <a:buFont typeface="Calibri" panose="020F0502020204030204" pitchFamily="34" charset="0"/>
-              <a:buChar char="⁻"/>
-            </a:pPr>
-            <a:r>
-              <a:rPr lang="en-US" dirty="0"/>
-              <a:t>This was initially designed to buffer input data internally, allowing for parallel computations. The buffered input was removed due to adding undesirable delay while pipelining data streams</a:t>
-            </a:r>
-          </a:p>
-          <a:p>
-            <a:pPr marL="45720" indent="0">
-              <a:buNone/>
-            </a:pPr>
-            <a:endParaRPr lang="en-US" dirty="0"/>
+              <a:t>Decided to change layout later in development.</a:t>
+            </a:r>
           </a:p>
         </p:txBody>
       </p:sp>
-    </p:spTree>
-    <p:extLst>
-      <p:ext uri="{BB962C8B-B14F-4D97-AF65-F5344CB8AC3E}">
-        <p14:creationId xmlns:p14="http://schemas.microsoft.com/office/powerpoint/2010/main" val="575115560"/>
-      </p:ext>
-    </p:extLst>
-  </p:cSld>
-  <p:clrMapOvr>
-    <a:masterClrMapping/>
-  </p:clrMapOvr>
-</p:sld>
-</file>
-
-<file path=ppt/slides/slide12.xml><?xml version="1.0" encoding="utf-8"?>
-<p:sld xmlns:a="http://schemas.openxmlformats.org/drawingml/2006/main" xmlns:r="http://schemas.openxmlformats.org/officeDocument/2006/relationships" xmlns:p="http://schemas.openxmlformats.org/presentationml/2006/main">
-  <p:cSld>
-    <p:spTree>
-      <p:nvGrpSpPr>
-        <p:cNvPr id="1" name=""/>
-        <p:cNvGrpSpPr/>
-        <p:nvPr/>
-      </p:nvGrpSpPr>
-      <p:grpSpPr>
-        <a:xfrm>
-          <a:off x="0" y="0"/>
-          <a:ext cx="0" cy="0"/>
-          <a:chOff x="0" y="0"/>
-          <a:chExt cx="0" cy="0"/>
-        </a:xfrm>
-      </p:grpSpPr>
-      <p:sp>
-        <p:nvSpPr>
-          <p:cNvPr id="5" name="Content Placeholder 2">
+      <p:sp>
+        <p:nvSpPr>
+          <p:cNvPr id="10" name="Content Placeholder 2">
             <a:extLst>
               <a:ext uri="{FF2B5EF4-FFF2-40B4-BE49-F238E27FC236}">
-                <a16:creationId xmlns:a16="http://schemas.microsoft.com/office/drawing/2014/main" id="{1A31F943-E9CD-41FA-A5AA-F3800EDC99D7}"/>
+                <a16:creationId xmlns:a16="http://schemas.microsoft.com/office/drawing/2014/main" id="{868A823C-6604-494D-9067-38FE12EBA5AF}"/>
               </a:ext>
             </a:extLst>
           </p:cNvPr>
-          <p:cNvSpPr>
-            <a:spLocks noGrp="1"/>
+          <p:cNvSpPr txBox="1">
+            <a:spLocks/>
           </p:cNvSpPr>
-          <p:nvPr>
-            <p:ph idx="1"/>
-          </p:nvPr>
+          <p:nvPr/>
         </p:nvSpPr>
         <p:spPr>
           <a:xfrm>
-            <a:off x="838200" y="1291193"/>
+            <a:off x="838200" y="2054672"/>
             <a:ext cx="10515600" cy="4486275"/>
           </a:xfrm>
+          <a:prstGeom prst="rect">
+            <a:avLst/>
+          </a:prstGeom>
         </p:spPr>
         <p:txBody>
-          <a:bodyPr/>
-          <a:lstStyle/>
+          <a:bodyPr vert="horz" lIns="91440" tIns="45720" rIns="91440" bIns="45720" rtlCol="0">
+            <a:normAutofit/>
+          </a:bodyPr>
+          <a:lstStyle>
+            <a:lvl1pPr marL="228600" indent="-182880" algn="l" defTabSz="914400" rtl="0" eaLnBrk="1" latinLnBrk="0" hangingPunct="1">
+              <a:lnSpc>
+                <a:spcPct val="90000"/>
+              </a:lnSpc>
+              <a:spcBef>
+                <a:spcPts val="1400"/>
+              </a:spcBef>
+              <a:buClr>
+                <a:schemeClr val="tx1"/>
+              </a:buClr>
+              <a:buSzPct val="80000"/>
+              <a:buFont typeface="Corbel" pitchFamily="34" charset="0"/>
+              <a:buChar char="•"/>
+              <a:defRPr sz="2200" kern="1200">
+                <a:solidFill>
+                  <a:schemeClr val="tx1"/>
+                </a:solidFill>
+                <a:latin typeface="+mn-lt"/>
+                <a:ea typeface="+mn-ea"/>
+                <a:cs typeface="+mn-cs"/>
+              </a:defRPr>
+            </a:lvl1pPr>
+            <a:lvl2pPr marL="457200" indent="-182880" algn="l" defTabSz="914400" rtl="0" eaLnBrk="1" latinLnBrk="0" hangingPunct="1">
+              <a:lnSpc>
+                <a:spcPct val="90000"/>
+              </a:lnSpc>
+              <a:spcBef>
+                <a:spcPts val="200"/>
+              </a:spcBef>
+              <a:spcAft>
+                <a:spcPts val="400"/>
+              </a:spcAft>
+              <a:buClr>
+                <a:schemeClr val="tx1"/>
+              </a:buClr>
+              <a:buSzPct val="80000"/>
+              <a:buFont typeface="Corbel" pitchFamily="34" charset="0"/>
+              <a:buChar char="•"/>
+              <a:defRPr sz="2000" kern="1200">
+                <a:solidFill>
+                  <a:schemeClr val="tx1"/>
+                </a:solidFill>
+                <a:latin typeface="+mn-lt"/>
+                <a:ea typeface="+mn-ea"/>
+                <a:cs typeface="+mn-cs"/>
+              </a:defRPr>
+            </a:lvl2pPr>
+            <a:lvl3pPr marL="731520" indent="-182880" algn="l" defTabSz="914400" rtl="0" eaLnBrk="1" latinLnBrk="0" hangingPunct="1">
+              <a:lnSpc>
+                <a:spcPct val="90000"/>
+              </a:lnSpc>
+              <a:spcBef>
+                <a:spcPts val="200"/>
+              </a:spcBef>
+              <a:spcAft>
+                <a:spcPts val="400"/>
+              </a:spcAft>
+              <a:buClr>
+                <a:schemeClr val="tx1"/>
+              </a:buClr>
+              <a:buSzPct val="80000"/>
+              <a:buFont typeface="Corbel" pitchFamily="34" charset="0"/>
+              <a:buChar char="•"/>
+              <a:defRPr sz="1800" kern="1200">
+                <a:solidFill>
+                  <a:schemeClr val="tx1"/>
+                </a:solidFill>
+                <a:latin typeface="+mn-lt"/>
+                <a:ea typeface="+mn-ea"/>
+                <a:cs typeface="+mn-cs"/>
+              </a:defRPr>
+            </a:lvl3pPr>
+            <a:lvl4pPr marL="1005840" indent="-182880" algn="l" defTabSz="914400" rtl="0" eaLnBrk="1" latinLnBrk="0" hangingPunct="1">
+              <a:lnSpc>
+                <a:spcPct val="90000"/>
+              </a:lnSpc>
+              <a:spcBef>
+                <a:spcPts val="200"/>
+              </a:spcBef>
+              <a:spcAft>
+                <a:spcPts val="400"/>
+              </a:spcAft>
+              <a:buClr>
+                <a:schemeClr val="tx1"/>
+              </a:buClr>
+              <a:buSzPct val="80000"/>
+              <a:buFont typeface="Corbel" pitchFamily="34" charset="0"/>
+              <a:buChar char="•"/>
+              <a:defRPr sz="1600" kern="1200">
+                <a:solidFill>
+                  <a:schemeClr val="tx1"/>
+                </a:solidFill>
+                <a:latin typeface="+mn-lt"/>
+                <a:ea typeface="+mn-ea"/>
+                <a:cs typeface="+mn-cs"/>
+              </a:defRPr>
+            </a:lvl4pPr>
+            <a:lvl5pPr marL="1280160" indent="-182880" algn="l" defTabSz="914400" rtl="0" eaLnBrk="1" latinLnBrk="0" hangingPunct="1">
+              <a:lnSpc>
+                <a:spcPct val="90000"/>
+              </a:lnSpc>
+              <a:spcBef>
+                <a:spcPts val="200"/>
+              </a:spcBef>
+              <a:spcAft>
+                <a:spcPts val="400"/>
+              </a:spcAft>
+              <a:buClr>
+                <a:schemeClr val="tx1"/>
+              </a:buClr>
+              <a:buSzPct val="80000"/>
+              <a:buFont typeface="Corbel" pitchFamily="34" charset="0"/>
+              <a:buChar char="•"/>
+              <a:defRPr sz="1600" kern="1200">
+                <a:solidFill>
+                  <a:schemeClr val="tx1"/>
+                </a:solidFill>
+                <a:latin typeface="+mn-lt"/>
+                <a:ea typeface="+mn-ea"/>
+                <a:cs typeface="+mn-cs"/>
+              </a:defRPr>
+            </a:lvl5pPr>
+            <a:lvl6pPr marL="1600000" indent="-228600" algn="l" defTabSz="914400" rtl="0" eaLnBrk="1" latinLnBrk="0" hangingPunct="1">
+              <a:lnSpc>
+                <a:spcPct val="90000"/>
+              </a:lnSpc>
+              <a:spcBef>
+                <a:spcPts val="200"/>
+              </a:spcBef>
+              <a:spcAft>
+                <a:spcPts val="400"/>
+              </a:spcAft>
+              <a:buClr>
+                <a:schemeClr val="tx1"/>
+              </a:buClr>
+              <a:buSzPct val="80000"/>
+              <a:buFont typeface="Corbel" pitchFamily="34" charset="0"/>
+              <a:buChar char="•"/>
+              <a:defRPr sz="1600" kern="1200">
+                <a:solidFill>
+                  <a:schemeClr val="tx1"/>
+                </a:solidFill>
+                <a:latin typeface="+mn-lt"/>
+                <a:ea typeface="+mn-ea"/>
+                <a:cs typeface="+mn-cs"/>
+              </a:defRPr>
+            </a:lvl6pPr>
+            <a:lvl7pPr marL="1900000" indent="-228600" algn="l" defTabSz="914400" rtl="0" eaLnBrk="1" latinLnBrk="0" hangingPunct="1">
+              <a:lnSpc>
+                <a:spcPct val="90000"/>
+              </a:lnSpc>
+              <a:spcBef>
+                <a:spcPts val="200"/>
+              </a:spcBef>
+              <a:spcAft>
+                <a:spcPts val="400"/>
+              </a:spcAft>
+              <a:buClr>
+                <a:schemeClr val="tx1"/>
+              </a:buClr>
+              <a:buSzPct val="80000"/>
+              <a:buFont typeface="Corbel" pitchFamily="34" charset="0"/>
+              <a:buChar char="•"/>
+              <a:defRPr sz="1600" kern="1200">
+                <a:solidFill>
+                  <a:schemeClr val="tx1"/>
+                </a:solidFill>
+                <a:latin typeface="+mn-lt"/>
+                <a:ea typeface="+mn-ea"/>
+                <a:cs typeface="+mn-cs"/>
+              </a:defRPr>
+            </a:lvl7pPr>
+            <a:lvl8pPr marL="2200000" indent="-228600" algn="l" defTabSz="914400" rtl="0" eaLnBrk="1" latinLnBrk="0" hangingPunct="1">
+              <a:lnSpc>
+                <a:spcPct val="90000"/>
+              </a:lnSpc>
+              <a:spcBef>
+                <a:spcPts val="200"/>
+              </a:spcBef>
+              <a:spcAft>
+                <a:spcPts val="400"/>
+              </a:spcAft>
+              <a:buClr>
+                <a:schemeClr val="tx1"/>
+              </a:buClr>
+              <a:buSzPct val="80000"/>
+              <a:buFont typeface="Corbel" pitchFamily="34" charset="0"/>
+              <a:buChar char="•"/>
+              <a:defRPr sz="1600" kern="1200">
+                <a:solidFill>
+                  <a:schemeClr val="tx1"/>
+                </a:solidFill>
+                <a:latin typeface="+mn-lt"/>
+                <a:ea typeface="+mn-ea"/>
+                <a:cs typeface="+mn-cs"/>
+              </a:defRPr>
+            </a:lvl8pPr>
+            <a:lvl9pPr marL="2500000" indent="-228600" algn="l" defTabSz="914400" rtl="0" eaLnBrk="1" latinLnBrk="0" hangingPunct="1">
+              <a:lnSpc>
+                <a:spcPct val="90000"/>
+              </a:lnSpc>
+              <a:spcBef>
+                <a:spcPts val="200"/>
+              </a:spcBef>
+              <a:spcAft>
+                <a:spcPts val="400"/>
+              </a:spcAft>
+              <a:buClr>
+                <a:schemeClr val="tx1"/>
+              </a:buClr>
+              <a:buSzPct val="80000"/>
+              <a:buFont typeface="Corbel" pitchFamily="34" charset="0"/>
+              <a:buChar char="•"/>
+              <a:defRPr sz="1600" kern="1200">
+                <a:solidFill>
+                  <a:schemeClr val="tx1"/>
+                </a:solidFill>
+                <a:latin typeface="+mn-lt"/>
+                <a:ea typeface="+mn-ea"/>
+                <a:cs typeface="+mn-cs"/>
+              </a:defRPr>
+            </a:lvl9pPr>
+          </a:lstStyle>
           <a:p>
             <a:pPr>
               <a:buFont typeface="Calibri" panose="020F0502020204030204" pitchFamily="34" charset="0"/>
               <a:buChar char="⁻"/>
             </a:pPr>
             <a:r>
-              <a:rPr lang="en-US" dirty="0"/>
+              <a:rPr lang="en-US"/>
               <a:t>Block diagram of multiplier v1</a:t>
             </a:r>
           </a:p>
           <a:p>
             <a:pPr marL="0" indent="0">
+              <a:buFont typeface="Corbel" pitchFamily="34" charset="0"/>
               <a:buNone/>
             </a:pPr>
-            <a:endParaRPr lang="en-US" dirty="0"/>
+            <a:endParaRPr lang="en-US"/>
           </a:p>
           <a:p>
             <a:pPr marL="0" indent="0">
+              <a:buFont typeface="Corbel" pitchFamily="34" charset="0"/>
               <a:buNone/>
             </a:pPr>
             <a:endParaRPr lang="en-US" dirty="0"/>
@@ -5281,10 +6437,10 @@
       </p:sp>
       <p:grpSp>
         <p:nvGrpSpPr>
-          <p:cNvPr id="12" name="Group 11">
+          <p:cNvPr id="11" name="Group 10">
             <a:extLst>
               <a:ext uri="{FF2B5EF4-FFF2-40B4-BE49-F238E27FC236}">
-                <a16:creationId xmlns:a16="http://schemas.microsoft.com/office/drawing/2014/main" id="{01BF5517-B4E3-4B8F-AD46-310C9071D959}"/>
+                <a16:creationId xmlns:a16="http://schemas.microsoft.com/office/drawing/2014/main" id="{0D8B01B5-079F-4CEF-B8CB-2BC478BF7063}"/>
               </a:ext>
             </a:extLst>
           </p:cNvPr>
@@ -5293,7 +6449,7 @@
         </p:nvGrpSpPr>
         <p:grpSpPr>
           <a:xfrm>
-            <a:off x="1891918" y="2036117"/>
+            <a:off x="1891918" y="2799596"/>
             <a:ext cx="8408163" cy="3287101"/>
             <a:chOff x="1891918" y="2435612"/>
             <a:chExt cx="8408163" cy="3287101"/>
@@ -5301,10 +6457,10 @@
         </p:grpSpPr>
         <p:pic>
           <p:nvPicPr>
-            <p:cNvPr id="11" name="Picture 10" descr="A screenshot of a cell phone&#10;&#10;Description automatically generated">
+            <p:cNvPr id="12" name="Picture 11" descr="A screenshot of a cell phone&#10;&#10;Description automatically generated">
               <a:extLst>
                 <a:ext uri="{FF2B5EF4-FFF2-40B4-BE49-F238E27FC236}">
-                  <a16:creationId xmlns:a16="http://schemas.microsoft.com/office/drawing/2014/main" id="{7BFA4304-AF6B-4847-BF41-59BA516EEF84}"/>
+                  <a16:creationId xmlns:a16="http://schemas.microsoft.com/office/drawing/2014/main" id="{32BBA3BE-EF69-48A6-89F2-F575FBB109B0}"/>
                 </a:ext>
               </a:extLst>
             </p:cNvPr>
@@ -5337,10 +6493,10 @@
         </p:pic>
         <p:sp>
           <p:nvSpPr>
-            <p:cNvPr id="3" name="Rectangle 2">
+            <p:cNvPr id="13" name="Rectangle 12">
               <a:extLst>
                 <a:ext uri="{FF2B5EF4-FFF2-40B4-BE49-F238E27FC236}">
-                  <a16:creationId xmlns:a16="http://schemas.microsoft.com/office/drawing/2014/main" id="{B2AAF340-DC7C-47E5-96FA-29D02933A456}"/>
+                  <a16:creationId xmlns:a16="http://schemas.microsoft.com/office/drawing/2014/main" id="{6A043393-3618-44BE-B795-65BA98C89A0B}"/>
                 </a:ext>
               </a:extLst>
             </p:cNvPr>
@@ -5388,23 +6544,23 @@
       </p:grpSp>
       <p:cxnSp>
         <p:nvCxnSpPr>
-          <p:cNvPr id="7" name="Straight Arrow Connector 6">
+          <p:cNvPr id="14" name="Straight Arrow Connector 13">
             <a:extLst>
               <a:ext uri="{FF2B5EF4-FFF2-40B4-BE49-F238E27FC236}">
-                <a16:creationId xmlns:a16="http://schemas.microsoft.com/office/drawing/2014/main" id="{0185EE76-52BA-44F2-B495-ED529EEFAE80}"/>
+                <a16:creationId xmlns:a16="http://schemas.microsoft.com/office/drawing/2014/main" id="{62B780B8-AC58-477A-BFD6-702F40944837}"/>
               </a:ext>
             </a:extLst>
           </p:cNvPr>
           <p:cNvCxnSpPr>
             <a:cxnSpLocks/>
-            <a:stCxn id="9" idx="1"/>
-            <a:endCxn id="3" idx="3"/>
+            <a:stCxn id="15" idx="1"/>
+            <a:endCxn id="13" idx="3"/>
           </p:cNvCxnSpPr>
           <p:nvPr/>
         </p:nvCxnSpPr>
         <p:spPr>
           <a:xfrm flipH="1">
-            <a:off x="8921579" y="4946396"/>
+            <a:off x="8921579" y="5709875"/>
             <a:ext cx="1306210" cy="0"/>
           </a:xfrm>
           <a:prstGeom prst="straightConnector1">
@@ -5434,10 +6590,10 @@
       </p:cxnSp>
       <p:sp>
         <p:nvSpPr>
-          <p:cNvPr id="9" name="TextBox 8">
+          <p:cNvPr id="15" name="TextBox 14">
             <a:extLst>
               <a:ext uri="{FF2B5EF4-FFF2-40B4-BE49-F238E27FC236}">
-                <a16:creationId xmlns:a16="http://schemas.microsoft.com/office/drawing/2014/main" id="{3E924EFE-DC24-4014-BD19-D1EE60F14F2D}"/>
+                <a16:creationId xmlns:a16="http://schemas.microsoft.com/office/drawing/2014/main" id="{014E4D95-B504-4EBA-B04F-CFD47C4A014A}"/>
               </a:ext>
             </a:extLst>
           </p:cNvPr>
@@ -5446,7 +6602,7 @@
         </p:nvSpPr>
         <p:spPr>
           <a:xfrm>
-            <a:off x="10227789" y="4484731"/>
+            <a:off x="10227789" y="5248210"/>
             <a:ext cx="1720012" cy="923330"/>
           </a:xfrm>
           <a:prstGeom prst="rect">
@@ -5476,7 +6632,7 @@
     </p:spTree>
     <p:extLst>
       <p:ext uri="{BB962C8B-B14F-4D97-AF65-F5344CB8AC3E}">
-        <p14:creationId xmlns:p14="http://schemas.microsoft.com/office/powerpoint/2010/main" val="2117148062"/>
+        <p14:creationId xmlns:p14="http://schemas.microsoft.com/office/powerpoint/2010/main" val="575115560"/>
       </p:ext>
     </p:extLst>
   </p:cSld>
@@ -5486,7 +6642,7 @@
 </p:sld>
 </file>
 
-<file path=ppt/slides/slide13.xml><?xml version="1.0" encoding="utf-8"?>
+<file path=ppt/slides/slide12.xml><?xml version="1.0" encoding="utf-8"?>
 <p:sld xmlns:a="http://schemas.openxmlformats.org/drawingml/2006/main" xmlns:r="http://schemas.openxmlformats.org/officeDocument/2006/relationships" xmlns:p="http://schemas.openxmlformats.org/presentationml/2006/main">
   <p:cSld>
     <p:spTree>
@@ -5535,7 +6691,7 @@
             </a:pPr>
             <a:r>
               <a:rPr lang="en-US" dirty="0"/>
-              <a:t>Block diagram of multiplier v2</a:t>
+              <a:t>Block diagram of multiplier v2, updated design in use</a:t>
             </a:r>
           </a:p>
           <a:p>
@@ -5601,6 +6757,281 @@
 </p:sld>
 </file>
 
+<file path=ppt/slides/slide13.xml><?xml version="1.0" encoding="utf-8"?>
+<p:sld xmlns:a="http://schemas.openxmlformats.org/drawingml/2006/main" xmlns:r="http://schemas.openxmlformats.org/officeDocument/2006/relationships" xmlns:p="http://schemas.openxmlformats.org/presentationml/2006/main">
+  <p:cSld>
+    <p:spTree>
+      <p:nvGrpSpPr>
+        <p:cNvPr id="1" name=""/>
+        <p:cNvGrpSpPr/>
+        <p:nvPr/>
+      </p:nvGrpSpPr>
+      <p:grpSpPr>
+        <a:xfrm>
+          <a:off x="0" y="0"/>
+          <a:ext cx="0" cy="0"/>
+          <a:chOff x="0" y="0"/>
+          <a:chExt cx="0" cy="0"/>
+        </a:xfrm>
+      </p:grpSpPr>
+      <p:sp>
+        <p:nvSpPr>
+          <p:cNvPr id="2" name="Title 1">
+            <a:extLst>
+              <a:ext uri="{FF2B5EF4-FFF2-40B4-BE49-F238E27FC236}">
+                <a16:creationId xmlns:a16="http://schemas.microsoft.com/office/drawing/2014/main" id="{4F7B6B69-DEE4-48AD-9D41-357592C3F9DB}"/>
+              </a:ext>
+            </a:extLst>
+          </p:cNvPr>
+          <p:cNvSpPr>
+            <a:spLocks noGrp="1"/>
+          </p:cNvSpPr>
+          <p:nvPr>
+            <p:ph type="title"/>
+          </p:nvPr>
+        </p:nvSpPr>
+        <p:spPr>
+          <a:xfrm>
+            <a:off x="7617041" y="2750820"/>
+            <a:ext cx="3884675" cy="1356360"/>
+          </a:xfrm>
+        </p:spPr>
+        <p:txBody>
+          <a:bodyPr>
+            <a:normAutofit/>
+          </a:bodyPr>
+          <a:lstStyle/>
+          <a:p>
+            <a:pPr algn="r">
+              <a:spcBef>
+                <a:spcPts val="300"/>
+              </a:spcBef>
+            </a:pPr>
+            <a:r>
+              <a:rPr lang="en-US" sz="4400" b="1" dirty="0"/>
+              <a:t>Crossbar Data Switch</a:t>
+            </a:r>
+          </a:p>
+        </p:txBody>
+      </p:sp>
+      <p:sp>
+        <p:nvSpPr>
+          <p:cNvPr id="6" name="TextBox 5">
+            <a:extLst>
+              <a:ext uri="{FF2B5EF4-FFF2-40B4-BE49-F238E27FC236}">
+                <a16:creationId xmlns:a16="http://schemas.microsoft.com/office/drawing/2014/main" id="{354D8DEE-F284-4B52-8F58-8958FEB2ED40}"/>
+              </a:ext>
+            </a:extLst>
+          </p:cNvPr>
+          <p:cNvSpPr txBox="1"/>
+          <p:nvPr/>
+        </p:nvSpPr>
+        <p:spPr>
+          <a:xfrm>
+            <a:off x="690284" y="535596"/>
+            <a:ext cx="5515207" cy="6178614"/>
+          </a:xfrm>
+          <a:prstGeom prst="rect">
+            <a:avLst/>
+          </a:prstGeom>
+          <a:noFill/>
+        </p:spPr>
+        <p:txBody>
+          <a:bodyPr wrap="square" rtlCol="0">
+            <a:spAutoFit/>
+          </a:bodyPr>
+          <a:lstStyle/>
+          <a:p>
+            <a:pPr>
+              <a:spcBef>
+                <a:spcPts val="300"/>
+              </a:spcBef>
+            </a:pPr>
+            <a:r>
+              <a:rPr lang="en-US" sz="2100" dirty="0"/>
+              <a:t>-Design Objective</a:t>
+            </a:r>
+          </a:p>
+          <a:p>
+            <a:pPr>
+              <a:spcBef>
+                <a:spcPts val="300"/>
+              </a:spcBef>
+            </a:pPr>
+            <a:r>
+              <a:rPr lang="en-US" sz="2100" dirty="0"/>
+              <a:t>-Intro to Vivado</a:t>
+            </a:r>
+          </a:p>
+          <a:p>
+            <a:pPr>
+              <a:spcBef>
+                <a:spcPts val="300"/>
+              </a:spcBef>
+            </a:pPr>
+            <a:r>
+              <a:rPr lang="en-US" sz="2100" dirty="0"/>
+              <a:t>-Learn Verilog</a:t>
+            </a:r>
+          </a:p>
+          <a:p>
+            <a:pPr>
+              <a:spcBef>
+                <a:spcPts val="300"/>
+              </a:spcBef>
+            </a:pPr>
+            <a:r>
+              <a:rPr lang="en-US" sz="2100" dirty="0"/>
+              <a:t>-Partial Reconfig Multipliers</a:t>
+            </a:r>
+          </a:p>
+          <a:p>
+            <a:pPr>
+              <a:spcBef>
+                <a:spcPts val="300"/>
+              </a:spcBef>
+            </a:pPr>
+            <a:r>
+              <a:rPr lang="en-US" sz="3200" b="1" dirty="0"/>
+              <a:t>-Crossbar Data Switch</a:t>
+            </a:r>
+          </a:p>
+          <a:p>
+            <a:pPr>
+              <a:spcBef>
+                <a:spcPts val="300"/>
+              </a:spcBef>
+            </a:pPr>
+            <a:r>
+              <a:rPr lang="en-US" sz="2100" dirty="0"/>
+              <a:t>-Partial Reconfig Adder</a:t>
+            </a:r>
+          </a:p>
+          <a:p>
+            <a:pPr>
+              <a:spcBef>
+                <a:spcPts val="300"/>
+              </a:spcBef>
+            </a:pPr>
+            <a:r>
+              <a:rPr lang="en-US" sz="2100" dirty="0"/>
+              <a:t>-Matrix Accelerator</a:t>
+            </a:r>
+          </a:p>
+          <a:p>
+            <a:pPr>
+              <a:spcBef>
+                <a:spcPts val="300"/>
+              </a:spcBef>
+            </a:pPr>
+            <a:r>
+              <a:rPr lang="en-US" sz="2100" dirty="0"/>
+              <a:t>-Asynchronous FIFO</a:t>
+            </a:r>
+          </a:p>
+          <a:p>
+            <a:pPr>
+              <a:spcBef>
+                <a:spcPts val="300"/>
+              </a:spcBef>
+            </a:pPr>
+            <a:r>
+              <a:rPr lang="en-US" sz="2100" dirty="0"/>
+              <a:t>-Matrix Controller</a:t>
+            </a:r>
+          </a:p>
+          <a:p>
+            <a:pPr>
+              <a:spcBef>
+                <a:spcPts val="300"/>
+              </a:spcBef>
+            </a:pPr>
+            <a:r>
+              <a:rPr lang="en-US" sz="2100" dirty="0"/>
+              <a:t>-Convolution Accelerator Top Wrapper</a:t>
+            </a:r>
+          </a:p>
+          <a:p>
+            <a:pPr>
+              <a:spcBef>
+                <a:spcPts val="300"/>
+              </a:spcBef>
+            </a:pPr>
+            <a:r>
+              <a:rPr lang="en-US" sz="2100" dirty="0"/>
+              <a:t>-Enabling Partial Reconfig</a:t>
+            </a:r>
+          </a:p>
+          <a:p>
+            <a:pPr>
+              <a:spcBef>
+                <a:spcPts val="300"/>
+              </a:spcBef>
+            </a:pPr>
+            <a:r>
+              <a:rPr lang="en-US" sz="2100" dirty="0"/>
+              <a:t>-Dynamic Resources </a:t>
+            </a:r>
+          </a:p>
+          <a:p>
+            <a:pPr>
+              <a:spcBef>
+                <a:spcPts val="300"/>
+              </a:spcBef>
+            </a:pPr>
+            <a:r>
+              <a:rPr lang="en-US" sz="2100" dirty="0"/>
+              <a:t>	-Floorplan</a:t>
+            </a:r>
+          </a:p>
+          <a:p>
+            <a:pPr>
+              <a:spcBef>
+                <a:spcPts val="300"/>
+              </a:spcBef>
+            </a:pPr>
+            <a:r>
+              <a:rPr lang="en-US" sz="2100" dirty="0"/>
+              <a:t>	-Resource Utilization</a:t>
+            </a:r>
+          </a:p>
+          <a:p>
+            <a:pPr>
+              <a:spcBef>
+                <a:spcPts val="300"/>
+              </a:spcBef>
+            </a:pPr>
+            <a:r>
+              <a:rPr lang="en-US" sz="2100" dirty="0"/>
+              <a:t>	-Power Report</a:t>
+            </a:r>
+          </a:p>
+          <a:p>
+            <a:pPr>
+              <a:spcBef>
+                <a:spcPts val="300"/>
+              </a:spcBef>
+            </a:pPr>
+            <a:r>
+              <a:rPr lang="en-US" sz="2100" dirty="0"/>
+              <a:t>-Conclusions</a:t>
+            </a:r>
+          </a:p>
+        </p:txBody>
+      </p:sp>
+    </p:spTree>
+    <p:extLst>
+      <p:ext uri="{BB962C8B-B14F-4D97-AF65-F5344CB8AC3E}">
+        <p14:creationId xmlns:p14="http://schemas.microsoft.com/office/powerpoint/2010/main" val="485182853"/>
+      </p:ext>
+    </p:extLst>
+  </p:cSld>
+  <p:clrMapOvr>
+    <a:masterClrMapping/>
+  </p:clrMapOvr>
+</p:sld>
+</file>
+
 <file path=ppt/slides/slide14.xml><?xml version="1.0" encoding="utf-8"?>
 <p:sld xmlns:a="http://schemas.openxmlformats.org/drawingml/2006/main" xmlns:r="http://schemas.openxmlformats.org/officeDocument/2006/relationships" xmlns:p="http://schemas.openxmlformats.org/presentationml/2006/main">
   <p:cSld>
@@ -5620,281 +7051,6 @@
       </p:grpSpPr>
       <p:sp>
         <p:nvSpPr>
-          <p:cNvPr id="2" name="Title 1">
-            <a:extLst>
-              <a:ext uri="{FF2B5EF4-FFF2-40B4-BE49-F238E27FC236}">
-                <a16:creationId xmlns:a16="http://schemas.microsoft.com/office/drawing/2014/main" id="{4F7B6B69-DEE4-48AD-9D41-357592C3F9DB}"/>
-              </a:ext>
-            </a:extLst>
-          </p:cNvPr>
-          <p:cNvSpPr>
-            <a:spLocks noGrp="1"/>
-          </p:cNvSpPr>
-          <p:nvPr>
-            <p:ph type="title"/>
-          </p:nvPr>
-        </p:nvSpPr>
-        <p:spPr>
-          <a:xfrm>
-            <a:off x="7617041" y="2750820"/>
-            <a:ext cx="3884675" cy="1356360"/>
-          </a:xfrm>
-        </p:spPr>
-        <p:txBody>
-          <a:bodyPr>
-            <a:normAutofit/>
-          </a:bodyPr>
-          <a:lstStyle/>
-          <a:p>
-            <a:pPr algn="r">
-              <a:spcBef>
-                <a:spcPts val="300"/>
-              </a:spcBef>
-            </a:pPr>
-            <a:r>
-              <a:rPr lang="en-US" sz="4400" b="1" dirty="0"/>
-              <a:t>Crossbar Data Switch</a:t>
-            </a:r>
-          </a:p>
-        </p:txBody>
-      </p:sp>
-      <p:sp>
-        <p:nvSpPr>
-          <p:cNvPr id="6" name="TextBox 5">
-            <a:extLst>
-              <a:ext uri="{FF2B5EF4-FFF2-40B4-BE49-F238E27FC236}">
-                <a16:creationId xmlns:a16="http://schemas.microsoft.com/office/drawing/2014/main" id="{354D8DEE-F284-4B52-8F58-8958FEB2ED40}"/>
-              </a:ext>
-            </a:extLst>
-          </p:cNvPr>
-          <p:cNvSpPr txBox="1"/>
-          <p:nvPr/>
-        </p:nvSpPr>
-        <p:spPr>
-          <a:xfrm>
-            <a:off x="690284" y="535596"/>
-            <a:ext cx="5515207" cy="6178614"/>
-          </a:xfrm>
-          <a:prstGeom prst="rect">
-            <a:avLst/>
-          </a:prstGeom>
-          <a:noFill/>
-        </p:spPr>
-        <p:txBody>
-          <a:bodyPr wrap="square" rtlCol="0">
-            <a:spAutoFit/>
-          </a:bodyPr>
-          <a:lstStyle/>
-          <a:p>
-            <a:pPr>
-              <a:spcBef>
-                <a:spcPts val="300"/>
-              </a:spcBef>
-            </a:pPr>
-            <a:r>
-              <a:rPr lang="en-US" sz="2100" dirty="0"/>
-              <a:t>-Design Objective</a:t>
-            </a:r>
-          </a:p>
-          <a:p>
-            <a:pPr>
-              <a:spcBef>
-                <a:spcPts val="300"/>
-              </a:spcBef>
-            </a:pPr>
-            <a:r>
-              <a:rPr lang="en-US" sz="2100" dirty="0"/>
-              <a:t>-Intro to Vivado</a:t>
-            </a:r>
-          </a:p>
-          <a:p>
-            <a:pPr>
-              <a:spcBef>
-                <a:spcPts val="300"/>
-              </a:spcBef>
-            </a:pPr>
-            <a:r>
-              <a:rPr lang="en-US" sz="2100" dirty="0"/>
-              <a:t>-Learn Verilog</a:t>
-            </a:r>
-          </a:p>
-          <a:p>
-            <a:pPr>
-              <a:spcBef>
-                <a:spcPts val="300"/>
-              </a:spcBef>
-            </a:pPr>
-            <a:r>
-              <a:rPr lang="en-US" sz="2100" dirty="0"/>
-              <a:t>-Partial Reconfig Multipliers</a:t>
-            </a:r>
-          </a:p>
-          <a:p>
-            <a:pPr>
-              <a:spcBef>
-                <a:spcPts val="300"/>
-              </a:spcBef>
-            </a:pPr>
-            <a:r>
-              <a:rPr lang="en-US" sz="3200" b="1" dirty="0"/>
-              <a:t>-Crossbar Data Switch</a:t>
-            </a:r>
-          </a:p>
-          <a:p>
-            <a:pPr>
-              <a:spcBef>
-                <a:spcPts val="300"/>
-              </a:spcBef>
-            </a:pPr>
-            <a:r>
-              <a:rPr lang="en-US" sz="2100" dirty="0"/>
-              <a:t>-Partial Reconfig Adder</a:t>
-            </a:r>
-          </a:p>
-          <a:p>
-            <a:pPr>
-              <a:spcBef>
-                <a:spcPts val="300"/>
-              </a:spcBef>
-            </a:pPr>
-            <a:r>
-              <a:rPr lang="en-US" sz="2100" dirty="0"/>
-              <a:t>-Matrix Accelerator</a:t>
-            </a:r>
-          </a:p>
-          <a:p>
-            <a:pPr>
-              <a:spcBef>
-                <a:spcPts val="300"/>
-              </a:spcBef>
-            </a:pPr>
-            <a:r>
-              <a:rPr lang="en-US" sz="2100" dirty="0"/>
-              <a:t>-Asynchronous FIFO</a:t>
-            </a:r>
-          </a:p>
-          <a:p>
-            <a:pPr>
-              <a:spcBef>
-                <a:spcPts val="300"/>
-              </a:spcBef>
-            </a:pPr>
-            <a:r>
-              <a:rPr lang="en-US" sz="2100" dirty="0"/>
-              <a:t>-Matrix Controller</a:t>
-            </a:r>
-          </a:p>
-          <a:p>
-            <a:pPr>
-              <a:spcBef>
-                <a:spcPts val="300"/>
-              </a:spcBef>
-            </a:pPr>
-            <a:r>
-              <a:rPr lang="en-US" sz="2100" dirty="0"/>
-              <a:t>-Convolution Accelerator Top Wrapper</a:t>
-            </a:r>
-          </a:p>
-          <a:p>
-            <a:pPr>
-              <a:spcBef>
-                <a:spcPts val="300"/>
-              </a:spcBef>
-            </a:pPr>
-            <a:r>
-              <a:rPr lang="en-US" sz="2100" dirty="0"/>
-              <a:t>-Enabling Partial Reconfig</a:t>
-            </a:r>
-          </a:p>
-          <a:p>
-            <a:pPr>
-              <a:spcBef>
-                <a:spcPts val="300"/>
-              </a:spcBef>
-            </a:pPr>
-            <a:r>
-              <a:rPr lang="en-US" sz="2100" dirty="0"/>
-              <a:t>-Dynamic Resources </a:t>
-            </a:r>
-          </a:p>
-          <a:p>
-            <a:pPr>
-              <a:spcBef>
-                <a:spcPts val="300"/>
-              </a:spcBef>
-            </a:pPr>
-            <a:r>
-              <a:rPr lang="en-US" sz="2100" dirty="0"/>
-              <a:t>	-Floorplan</a:t>
-            </a:r>
-          </a:p>
-          <a:p>
-            <a:pPr>
-              <a:spcBef>
-                <a:spcPts val="300"/>
-              </a:spcBef>
-            </a:pPr>
-            <a:r>
-              <a:rPr lang="en-US" sz="2100" dirty="0"/>
-              <a:t>	-Resource Utilization</a:t>
-            </a:r>
-          </a:p>
-          <a:p>
-            <a:pPr>
-              <a:spcBef>
-                <a:spcPts val="300"/>
-              </a:spcBef>
-            </a:pPr>
-            <a:r>
-              <a:rPr lang="en-US" sz="2100" dirty="0"/>
-              <a:t>	-Power Report</a:t>
-            </a:r>
-          </a:p>
-          <a:p>
-            <a:pPr>
-              <a:spcBef>
-                <a:spcPts val="300"/>
-              </a:spcBef>
-            </a:pPr>
-            <a:r>
-              <a:rPr lang="en-US" sz="2100" dirty="0"/>
-              <a:t>-Conclusions</a:t>
-            </a:r>
-          </a:p>
-        </p:txBody>
-      </p:sp>
-    </p:spTree>
-    <p:extLst>
-      <p:ext uri="{BB962C8B-B14F-4D97-AF65-F5344CB8AC3E}">
-        <p14:creationId xmlns:p14="http://schemas.microsoft.com/office/powerpoint/2010/main" val="485182853"/>
-      </p:ext>
-    </p:extLst>
-  </p:cSld>
-  <p:clrMapOvr>
-    <a:masterClrMapping/>
-  </p:clrMapOvr>
-</p:sld>
-</file>
-
-<file path=ppt/slides/slide15.xml><?xml version="1.0" encoding="utf-8"?>
-<p:sld xmlns:a="http://schemas.openxmlformats.org/drawingml/2006/main" xmlns:r="http://schemas.openxmlformats.org/officeDocument/2006/relationships" xmlns:p="http://schemas.openxmlformats.org/presentationml/2006/main">
-  <p:cSld>
-    <p:spTree>
-      <p:nvGrpSpPr>
-        <p:cNvPr id="1" name=""/>
-        <p:cNvGrpSpPr/>
-        <p:nvPr/>
-      </p:nvGrpSpPr>
-      <p:grpSpPr>
-        <a:xfrm>
-          <a:off x="0" y="0"/>
-          <a:ext cx="0" cy="0"/>
-          <a:chOff x="0" y="0"/>
-          <a:chExt cx="0" cy="0"/>
-        </a:xfrm>
-      </p:grpSpPr>
-      <p:sp>
-        <p:nvSpPr>
           <p:cNvPr id="5" name="Content Placeholder 2">
             <a:extLst>
               <a:ext uri="{FF2B5EF4-FFF2-40B4-BE49-F238E27FC236}">
@@ -5911,7 +7067,7 @@
         </p:nvSpPr>
         <p:spPr>
           <a:xfrm>
-            <a:off x="838200" y="1185862"/>
+            <a:off x="900344" y="528915"/>
             <a:ext cx="10515600" cy="4486275"/>
           </a:xfrm>
         </p:spPr>
@@ -5921,70 +7077,323 @@
           </a:bodyPr>
           <a:lstStyle/>
           <a:p>
+            <a:pPr marL="0" indent="0">
+              <a:buNone/>
+            </a:pPr>
+            <a:endParaRPr lang="en-US" sz="2400" dirty="0"/>
+          </a:p>
+          <a:p>
             <a:pPr>
               <a:buFont typeface="Calibri" panose="020F0502020204030204" pitchFamily="34" charset="0"/>
               <a:buChar char="⁻"/>
             </a:pPr>
             <a:r>
               <a:rPr lang="en-US" sz="2400" dirty="0"/>
-              <a:t>A data link was needed to interface many parallel multiplier outputs to many parallel adder devices</a:t>
-            </a:r>
-          </a:p>
-          <a:p>
-            <a:pPr marL="0" indent="0">
-              <a:buNone/>
-            </a:pPr>
-            <a:endParaRPr lang="en-US" sz="2400" dirty="0"/>
-          </a:p>
+              <a:t>A crossbar switch was designed and implemented. This switch allows for any input port to be selected and connected to any output port.</a:t>
+            </a:r>
+          </a:p>
+        </p:txBody>
+      </p:sp>
+      <p:sp>
+        <p:nvSpPr>
+          <p:cNvPr id="3" name="Content Placeholder 2">
+            <a:extLst>
+              <a:ext uri="{FF2B5EF4-FFF2-40B4-BE49-F238E27FC236}">
+                <a16:creationId xmlns:a16="http://schemas.microsoft.com/office/drawing/2014/main" id="{739AADD7-5EB6-4989-B373-0F6C67FAA178}"/>
+              </a:ext>
+            </a:extLst>
+          </p:cNvPr>
+          <p:cNvSpPr txBox="1">
+            <a:spLocks/>
+          </p:cNvSpPr>
+          <p:nvPr/>
+        </p:nvSpPr>
+        <p:spPr>
+          <a:xfrm>
+            <a:off x="900344" y="1842810"/>
+            <a:ext cx="10515600" cy="4486275"/>
+          </a:xfrm>
+          <a:prstGeom prst="rect">
+            <a:avLst/>
+          </a:prstGeom>
+        </p:spPr>
+        <p:txBody>
+          <a:bodyPr vert="horz" lIns="91440" tIns="45720" rIns="91440" bIns="45720" rtlCol="0">
+            <a:normAutofit/>
+          </a:bodyPr>
+          <a:lstStyle>
+            <a:lvl1pPr marL="228600" indent="-182880" algn="l" defTabSz="914400" rtl="0" eaLnBrk="1" latinLnBrk="0" hangingPunct="1">
+              <a:lnSpc>
+                <a:spcPct val="90000"/>
+              </a:lnSpc>
+              <a:spcBef>
+                <a:spcPts val="1400"/>
+              </a:spcBef>
+              <a:buClr>
+                <a:schemeClr val="tx1"/>
+              </a:buClr>
+              <a:buSzPct val="80000"/>
+              <a:buFont typeface="Corbel" pitchFamily="34" charset="0"/>
+              <a:buChar char="•"/>
+              <a:defRPr sz="2200" kern="1200">
+                <a:solidFill>
+                  <a:schemeClr val="tx1"/>
+                </a:solidFill>
+                <a:latin typeface="+mn-lt"/>
+                <a:ea typeface="+mn-ea"/>
+                <a:cs typeface="+mn-cs"/>
+              </a:defRPr>
+            </a:lvl1pPr>
+            <a:lvl2pPr marL="457200" indent="-182880" algn="l" defTabSz="914400" rtl="0" eaLnBrk="1" latinLnBrk="0" hangingPunct="1">
+              <a:lnSpc>
+                <a:spcPct val="90000"/>
+              </a:lnSpc>
+              <a:spcBef>
+                <a:spcPts val="200"/>
+              </a:spcBef>
+              <a:spcAft>
+                <a:spcPts val="400"/>
+              </a:spcAft>
+              <a:buClr>
+                <a:schemeClr val="tx1"/>
+              </a:buClr>
+              <a:buSzPct val="80000"/>
+              <a:buFont typeface="Corbel" pitchFamily="34" charset="0"/>
+              <a:buChar char="•"/>
+              <a:defRPr sz="2000" kern="1200">
+                <a:solidFill>
+                  <a:schemeClr val="tx1"/>
+                </a:solidFill>
+                <a:latin typeface="+mn-lt"/>
+                <a:ea typeface="+mn-ea"/>
+                <a:cs typeface="+mn-cs"/>
+              </a:defRPr>
+            </a:lvl2pPr>
+            <a:lvl3pPr marL="731520" indent="-182880" algn="l" defTabSz="914400" rtl="0" eaLnBrk="1" latinLnBrk="0" hangingPunct="1">
+              <a:lnSpc>
+                <a:spcPct val="90000"/>
+              </a:lnSpc>
+              <a:spcBef>
+                <a:spcPts val="200"/>
+              </a:spcBef>
+              <a:spcAft>
+                <a:spcPts val="400"/>
+              </a:spcAft>
+              <a:buClr>
+                <a:schemeClr val="tx1"/>
+              </a:buClr>
+              <a:buSzPct val="80000"/>
+              <a:buFont typeface="Corbel" pitchFamily="34" charset="0"/>
+              <a:buChar char="•"/>
+              <a:defRPr sz="1800" kern="1200">
+                <a:solidFill>
+                  <a:schemeClr val="tx1"/>
+                </a:solidFill>
+                <a:latin typeface="+mn-lt"/>
+                <a:ea typeface="+mn-ea"/>
+                <a:cs typeface="+mn-cs"/>
+              </a:defRPr>
+            </a:lvl3pPr>
+            <a:lvl4pPr marL="1005840" indent="-182880" algn="l" defTabSz="914400" rtl="0" eaLnBrk="1" latinLnBrk="0" hangingPunct="1">
+              <a:lnSpc>
+                <a:spcPct val="90000"/>
+              </a:lnSpc>
+              <a:spcBef>
+                <a:spcPts val="200"/>
+              </a:spcBef>
+              <a:spcAft>
+                <a:spcPts val="400"/>
+              </a:spcAft>
+              <a:buClr>
+                <a:schemeClr val="tx1"/>
+              </a:buClr>
+              <a:buSzPct val="80000"/>
+              <a:buFont typeface="Corbel" pitchFamily="34" charset="0"/>
+              <a:buChar char="•"/>
+              <a:defRPr sz="1600" kern="1200">
+                <a:solidFill>
+                  <a:schemeClr val="tx1"/>
+                </a:solidFill>
+                <a:latin typeface="+mn-lt"/>
+                <a:ea typeface="+mn-ea"/>
+                <a:cs typeface="+mn-cs"/>
+              </a:defRPr>
+            </a:lvl4pPr>
+            <a:lvl5pPr marL="1280160" indent="-182880" algn="l" defTabSz="914400" rtl="0" eaLnBrk="1" latinLnBrk="0" hangingPunct="1">
+              <a:lnSpc>
+                <a:spcPct val="90000"/>
+              </a:lnSpc>
+              <a:spcBef>
+                <a:spcPts val="200"/>
+              </a:spcBef>
+              <a:spcAft>
+                <a:spcPts val="400"/>
+              </a:spcAft>
+              <a:buClr>
+                <a:schemeClr val="tx1"/>
+              </a:buClr>
+              <a:buSzPct val="80000"/>
+              <a:buFont typeface="Corbel" pitchFamily="34" charset="0"/>
+              <a:buChar char="•"/>
+              <a:defRPr sz="1600" kern="1200">
+                <a:solidFill>
+                  <a:schemeClr val="tx1"/>
+                </a:solidFill>
+                <a:latin typeface="+mn-lt"/>
+                <a:ea typeface="+mn-ea"/>
+                <a:cs typeface="+mn-cs"/>
+              </a:defRPr>
+            </a:lvl5pPr>
+            <a:lvl6pPr marL="1600000" indent="-228600" algn="l" defTabSz="914400" rtl="0" eaLnBrk="1" latinLnBrk="0" hangingPunct="1">
+              <a:lnSpc>
+                <a:spcPct val="90000"/>
+              </a:lnSpc>
+              <a:spcBef>
+                <a:spcPts val="200"/>
+              </a:spcBef>
+              <a:spcAft>
+                <a:spcPts val="400"/>
+              </a:spcAft>
+              <a:buClr>
+                <a:schemeClr val="tx1"/>
+              </a:buClr>
+              <a:buSzPct val="80000"/>
+              <a:buFont typeface="Corbel" pitchFamily="34" charset="0"/>
+              <a:buChar char="•"/>
+              <a:defRPr sz="1600" kern="1200">
+                <a:solidFill>
+                  <a:schemeClr val="tx1"/>
+                </a:solidFill>
+                <a:latin typeface="+mn-lt"/>
+                <a:ea typeface="+mn-ea"/>
+                <a:cs typeface="+mn-cs"/>
+              </a:defRPr>
+            </a:lvl6pPr>
+            <a:lvl7pPr marL="1900000" indent="-228600" algn="l" defTabSz="914400" rtl="0" eaLnBrk="1" latinLnBrk="0" hangingPunct="1">
+              <a:lnSpc>
+                <a:spcPct val="90000"/>
+              </a:lnSpc>
+              <a:spcBef>
+                <a:spcPts val="200"/>
+              </a:spcBef>
+              <a:spcAft>
+                <a:spcPts val="400"/>
+              </a:spcAft>
+              <a:buClr>
+                <a:schemeClr val="tx1"/>
+              </a:buClr>
+              <a:buSzPct val="80000"/>
+              <a:buFont typeface="Corbel" pitchFamily="34" charset="0"/>
+              <a:buChar char="•"/>
+              <a:defRPr sz="1600" kern="1200">
+                <a:solidFill>
+                  <a:schemeClr val="tx1"/>
+                </a:solidFill>
+                <a:latin typeface="+mn-lt"/>
+                <a:ea typeface="+mn-ea"/>
+                <a:cs typeface="+mn-cs"/>
+              </a:defRPr>
+            </a:lvl7pPr>
+            <a:lvl8pPr marL="2200000" indent="-228600" algn="l" defTabSz="914400" rtl="0" eaLnBrk="1" latinLnBrk="0" hangingPunct="1">
+              <a:lnSpc>
+                <a:spcPct val="90000"/>
+              </a:lnSpc>
+              <a:spcBef>
+                <a:spcPts val="200"/>
+              </a:spcBef>
+              <a:spcAft>
+                <a:spcPts val="400"/>
+              </a:spcAft>
+              <a:buClr>
+                <a:schemeClr val="tx1"/>
+              </a:buClr>
+              <a:buSzPct val="80000"/>
+              <a:buFont typeface="Corbel" pitchFamily="34" charset="0"/>
+              <a:buChar char="•"/>
+              <a:defRPr sz="1600" kern="1200">
+                <a:solidFill>
+                  <a:schemeClr val="tx1"/>
+                </a:solidFill>
+                <a:latin typeface="+mn-lt"/>
+                <a:ea typeface="+mn-ea"/>
+                <a:cs typeface="+mn-cs"/>
+              </a:defRPr>
+            </a:lvl8pPr>
+            <a:lvl9pPr marL="2500000" indent="-228600" algn="l" defTabSz="914400" rtl="0" eaLnBrk="1" latinLnBrk="0" hangingPunct="1">
+              <a:lnSpc>
+                <a:spcPct val="90000"/>
+              </a:lnSpc>
+              <a:spcBef>
+                <a:spcPts val="200"/>
+              </a:spcBef>
+              <a:spcAft>
+                <a:spcPts val="400"/>
+              </a:spcAft>
+              <a:buClr>
+                <a:schemeClr val="tx1"/>
+              </a:buClr>
+              <a:buSzPct val="80000"/>
+              <a:buFont typeface="Corbel" pitchFamily="34" charset="0"/>
+              <a:buChar char="•"/>
+              <a:defRPr sz="1600" kern="1200">
+                <a:solidFill>
+                  <a:schemeClr val="tx1"/>
+                </a:solidFill>
+                <a:latin typeface="+mn-lt"/>
+                <a:ea typeface="+mn-ea"/>
+                <a:cs typeface="+mn-cs"/>
+              </a:defRPr>
+            </a:lvl9pPr>
+          </a:lstStyle>
           <a:p>
             <a:pPr>
               <a:buFont typeface="Calibri" panose="020F0502020204030204" pitchFamily="34" charset="0"/>
               <a:buChar char="⁻"/>
             </a:pPr>
             <a:r>
-              <a:rPr lang="en-US" sz="2400" dirty="0"/>
-              <a:t>A crossbar switch was designed and implemented. This switch allows for any input port to be selected and connected to any output port.</a:t>
-            </a:r>
-          </a:p>
-          <a:p>
-            <a:pPr lvl="1">
-              <a:buFont typeface="Calibri" panose="020F0502020204030204" pitchFamily="34" charset="0"/>
-              <a:buChar char="⁻"/>
-            </a:pPr>
-            <a:r>
-              <a:rPr lang="en-US" sz="2000" dirty="0"/>
-              <a:t>The crossbar was written from scratch to have variable input and output port counts</a:t>
-            </a:r>
-          </a:p>
-          <a:p>
-            <a:pPr lvl="1">
-              <a:buFont typeface="Calibri" panose="020F0502020204030204" pitchFamily="34" charset="0"/>
-              <a:buChar char="⁻"/>
-            </a:pPr>
-            <a:r>
-              <a:rPr lang="en-US" sz="2000" dirty="0"/>
-              <a:t>These ports are also variable bit length</a:t>
-            </a:r>
-          </a:p>
-          <a:p>
-            <a:pPr>
-              <a:buFont typeface="Calibri" panose="020F0502020204030204" pitchFamily="34" charset="0"/>
-              <a:buChar char="⁻"/>
-            </a:pPr>
-            <a:endParaRPr lang="en-US" sz="2400" dirty="0"/>
-          </a:p>
-          <a:p>
-            <a:pPr>
-              <a:buFont typeface="Calibri" panose="020F0502020204030204" pitchFamily="34" charset="0"/>
-              <a:buChar char="⁻"/>
-            </a:pPr>
-            <a:r>
-              <a:rPr lang="en-US" sz="2400" dirty="0"/>
-              <a:t>The data connection is asynchronous, mimicking wire connections</a:t>
-            </a:r>
+              <a:rPr lang="en-US"/>
+              <a:t>Block diagram of crossbar</a:t>
+            </a:r>
+            <a:endParaRPr lang="en-US" dirty="0"/>
           </a:p>
         </p:txBody>
       </p:sp>
+      <p:pic>
+        <p:nvPicPr>
+          <p:cNvPr id="4" name="Picture 3" descr="A screenshot of a cell phone&#10;&#10;Description automatically generated">
+            <a:extLst>
+              <a:ext uri="{FF2B5EF4-FFF2-40B4-BE49-F238E27FC236}">
+                <a16:creationId xmlns:a16="http://schemas.microsoft.com/office/drawing/2014/main" id="{FA9BAD00-085A-4A87-92FC-BB289F3373E1}"/>
+              </a:ext>
+            </a:extLst>
+          </p:cNvPr>
+          <p:cNvPicPr>
+            <a:picLocks noChangeAspect="1"/>
+          </p:cNvPicPr>
+          <p:nvPr/>
+        </p:nvPicPr>
+        <p:blipFill>
+          <a:blip r:embed="rId3">
+            <a:extLst>
+              <a:ext uri="{28A0092B-C50C-407E-A947-70E740481C1C}">
+                <a14:useLocalDpi xmlns:a14="http://schemas.microsoft.com/office/drawing/2010/main" val="0"/>
+              </a:ext>
+            </a:extLst>
+          </a:blip>
+          <a:stretch>
+            <a:fillRect/>
+          </a:stretch>
+        </p:blipFill>
+        <p:spPr>
+          <a:xfrm>
+            <a:off x="1682250" y="2311285"/>
+            <a:ext cx="8951789" cy="4333712"/>
+          </a:xfrm>
+          <a:prstGeom prst="rect">
+            <a:avLst/>
+          </a:prstGeom>
+        </p:spPr>
+      </p:pic>
     </p:spTree>
     <p:extLst>
       <p:ext uri="{BB962C8B-B14F-4D97-AF65-F5344CB8AC3E}">
@@ -5998,7 +7407,7 @@
 </p:sld>
 </file>
 
-<file path=ppt/slides/slide16.xml><?xml version="1.0" encoding="utf-8"?>
+<file path=ppt/slides/slide15.xml><?xml version="1.0" encoding="utf-8"?>
 <p:sld xmlns:a="http://schemas.openxmlformats.org/drawingml/2006/main" xmlns:r="http://schemas.openxmlformats.org/officeDocument/2006/relationships" xmlns:p="http://schemas.openxmlformats.org/presentationml/2006/main">
   <p:cSld>
     <p:spTree>
@@ -7113,6 +8522,281 @@
 </p:sld>
 </file>
 
+<file path=ppt/slides/slide16.xml><?xml version="1.0" encoding="utf-8"?>
+<p:sld xmlns:a="http://schemas.openxmlformats.org/drawingml/2006/main" xmlns:r="http://schemas.openxmlformats.org/officeDocument/2006/relationships" xmlns:p="http://schemas.openxmlformats.org/presentationml/2006/main">
+  <p:cSld>
+    <p:spTree>
+      <p:nvGrpSpPr>
+        <p:cNvPr id="1" name=""/>
+        <p:cNvGrpSpPr/>
+        <p:nvPr/>
+      </p:nvGrpSpPr>
+      <p:grpSpPr>
+        <a:xfrm>
+          <a:off x="0" y="0"/>
+          <a:ext cx="0" cy="0"/>
+          <a:chOff x="0" y="0"/>
+          <a:chExt cx="0" cy="0"/>
+        </a:xfrm>
+      </p:grpSpPr>
+      <p:sp>
+        <p:nvSpPr>
+          <p:cNvPr id="2" name="Title 1">
+            <a:extLst>
+              <a:ext uri="{FF2B5EF4-FFF2-40B4-BE49-F238E27FC236}">
+                <a16:creationId xmlns:a16="http://schemas.microsoft.com/office/drawing/2014/main" id="{4F7B6B69-DEE4-48AD-9D41-357592C3F9DB}"/>
+              </a:ext>
+            </a:extLst>
+          </p:cNvPr>
+          <p:cNvSpPr>
+            <a:spLocks noGrp="1"/>
+          </p:cNvSpPr>
+          <p:nvPr>
+            <p:ph type="title"/>
+          </p:nvPr>
+        </p:nvSpPr>
+        <p:spPr>
+          <a:xfrm>
+            <a:off x="7617041" y="2750820"/>
+            <a:ext cx="3884675" cy="1356360"/>
+          </a:xfrm>
+        </p:spPr>
+        <p:txBody>
+          <a:bodyPr>
+            <a:normAutofit/>
+          </a:bodyPr>
+          <a:lstStyle/>
+          <a:p>
+            <a:pPr algn="r">
+              <a:spcBef>
+                <a:spcPts val="300"/>
+              </a:spcBef>
+            </a:pPr>
+            <a:r>
+              <a:rPr lang="en-US" sz="4400" b="1" dirty="0"/>
+              <a:t>Partial Reconfig Adder</a:t>
+            </a:r>
+          </a:p>
+        </p:txBody>
+      </p:sp>
+      <p:sp>
+        <p:nvSpPr>
+          <p:cNvPr id="6" name="TextBox 5">
+            <a:extLst>
+              <a:ext uri="{FF2B5EF4-FFF2-40B4-BE49-F238E27FC236}">
+                <a16:creationId xmlns:a16="http://schemas.microsoft.com/office/drawing/2014/main" id="{354D8DEE-F284-4B52-8F58-8958FEB2ED40}"/>
+              </a:ext>
+            </a:extLst>
+          </p:cNvPr>
+          <p:cNvSpPr txBox="1"/>
+          <p:nvPr/>
+        </p:nvSpPr>
+        <p:spPr>
+          <a:xfrm>
+            <a:off x="690284" y="535596"/>
+            <a:ext cx="5515207" cy="6178614"/>
+          </a:xfrm>
+          <a:prstGeom prst="rect">
+            <a:avLst/>
+          </a:prstGeom>
+          <a:noFill/>
+        </p:spPr>
+        <p:txBody>
+          <a:bodyPr wrap="square" rtlCol="0">
+            <a:spAutoFit/>
+          </a:bodyPr>
+          <a:lstStyle/>
+          <a:p>
+            <a:pPr>
+              <a:spcBef>
+                <a:spcPts val="300"/>
+              </a:spcBef>
+            </a:pPr>
+            <a:r>
+              <a:rPr lang="en-US" sz="2100" dirty="0"/>
+              <a:t>-Design Objective</a:t>
+            </a:r>
+          </a:p>
+          <a:p>
+            <a:pPr>
+              <a:spcBef>
+                <a:spcPts val="300"/>
+              </a:spcBef>
+            </a:pPr>
+            <a:r>
+              <a:rPr lang="en-US" sz="2100" dirty="0"/>
+              <a:t>-Intro to Vivado</a:t>
+            </a:r>
+          </a:p>
+          <a:p>
+            <a:pPr>
+              <a:spcBef>
+                <a:spcPts val="300"/>
+              </a:spcBef>
+            </a:pPr>
+            <a:r>
+              <a:rPr lang="en-US" sz="2100" dirty="0"/>
+              <a:t>-Learn Verilog</a:t>
+            </a:r>
+          </a:p>
+          <a:p>
+            <a:pPr>
+              <a:spcBef>
+                <a:spcPts val="300"/>
+              </a:spcBef>
+            </a:pPr>
+            <a:r>
+              <a:rPr lang="en-US" sz="2100" dirty="0"/>
+              <a:t>-Partial Reconfig Multipliers</a:t>
+            </a:r>
+          </a:p>
+          <a:p>
+            <a:pPr>
+              <a:spcBef>
+                <a:spcPts val="300"/>
+              </a:spcBef>
+            </a:pPr>
+            <a:r>
+              <a:rPr lang="en-US" sz="2100" dirty="0"/>
+              <a:t>-Crossbar Data Switch</a:t>
+            </a:r>
+          </a:p>
+          <a:p>
+            <a:pPr>
+              <a:spcBef>
+                <a:spcPts val="300"/>
+              </a:spcBef>
+            </a:pPr>
+            <a:r>
+              <a:rPr lang="en-US" sz="3200" b="1" dirty="0"/>
+              <a:t>-Partial Reconfig Adder</a:t>
+            </a:r>
+          </a:p>
+          <a:p>
+            <a:pPr>
+              <a:spcBef>
+                <a:spcPts val="300"/>
+              </a:spcBef>
+            </a:pPr>
+            <a:r>
+              <a:rPr lang="en-US" sz="2100" dirty="0"/>
+              <a:t>-Matrix Accelerator</a:t>
+            </a:r>
+          </a:p>
+          <a:p>
+            <a:pPr>
+              <a:spcBef>
+                <a:spcPts val="300"/>
+              </a:spcBef>
+            </a:pPr>
+            <a:r>
+              <a:rPr lang="en-US" sz="2100" dirty="0"/>
+              <a:t>-Asynchronous FIFO</a:t>
+            </a:r>
+          </a:p>
+          <a:p>
+            <a:pPr>
+              <a:spcBef>
+                <a:spcPts val="300"/>
+              </a:spcBef>
+            </a:pPr>
+            <a:r>
+              <a:rPr lang="en-US" sz="2100" dirty="0"/>
+              <a:t>-Matrix Controller</a:t>
+            </a:r>
+          </a:p>
+          <a:p>
+            <a:pPr>
+              <a:spcBef>
+                <a:spcPts val="300"/>
+              </a:spcBef>
+            </a:pPr>
+            <a:r>
+              <a:rPr lang="en-US" sz="2100" dirty="0"/>
+              <a:t>-Convolution Accelerator Top Wrapper</a:t>
+            </a:r>
+          </a:p>
+          <a:p>
+            <a:pPr>
+              <a:spcBef>
+                <a:spcPts val="300"/>
+              </a:spcBef>
+            </a:pPr>
+            <a:r>
+              <a:rPr lang="en-US" sz="2100" dirty="0"/>
+              <a:t>-Enabling Partial Reconfig</a:t>
+            </a:r>
+          </a:p>
+          <a:p>
+            <a:pPr>
+              <a:spcBef>
+                <a:spcPts val="300"/>
+              </a:spcBef>
+            </a:pPr>
+            <a:r>
+              <a:rPr lang="en-US" sz="2100" dirty="0"/>
+              <a:t>-Dynamic Resources </a:t>
+            </a:r>
+          </a:p>
+          <a:p>
+            <a:pPr>
+              <a:spcBef>
+                <a:spcPts val="300"/>
+              </a:spcBef>
+            </a:pPr>
+            <a:r>
+              <a:rPr lang="en-US" sz="2100" dirty="0"/>
+              <a:t>	-Floorplan</a:t>
+            </a:r>
+          </a:p>
+          <a:p>
+            <a:pPr>
+              <a:spcBef>
+                <a:spcPts val="300"/>
+              </a:spcBef>
+            </a:pPr>
+            <a:r>
+              <a:rPr lang="en-US" sz="2100" dirty="0"/>
+              <a:t>	-Resource Utilization</a:t>
+            </a:r>
+          </a:p>
+          <a:p>
+            <a:pPr>
+              <a:spcBef>
+                <a:spcPts val="300"/>
+              </a:spcBef>
+            </a:pPr>
+            <a:r>
+              <a:rPr lang="en-US" sz="2100" dirty="0"/>
+              <a:t>	-Power Report</a:t>
+            </a:r>
+          </a:p>
+          <a:p>
+            <a:pPr>
+              <a:spcBef>
+                <a:spcPts val="300"/>
+              </a:spcBef>
+            </a:pPr>
+            <a:r>
+              <a:rPr lang="en-US" sz="2100" dirty="0"/>
+              <a:t>-Conclusions</a:t>
+            </a:r>
+          </a:p>
+        </p:txBody>
+      </p:sp>
+    </p:spTree>
+    <p:extLst>
+      <p:ext uri="{BB962C8B-B14F-4D97-AF65-F5344CB8AC3E}">
+        <p14:creationId xmlns:p14="http://schemas.microsoft.com/office/powerpoint/2010/main" val="2054265924"/>
+      </p:ext>
+    </p:extLst>
+  </p:cSld>
+  <p:clrMapOvr>
+    <a:masterClrMapping/>
+  </p:clrMapOvr>
+</p:sld>
+</file>
+
 <file path=ppt/slides/slide17.xml><?xml version="1.0" encoding="utf-8"?>
 <p:sld xmlns:a="http://schemas.openxmlformats.org/drawingml/2006/main" xmlns:r="http://schemas.openxmlformats.org/officeDocument/2006/relationships" xmlns:p="http://schemas.openxmlformats.org/presentationml/2006/main">
   <p:cSld>
@@ -7148,7 +8832,7 @@
         </p:nvSpPr>
         <p:spPr>
           <a:xfrm>
-            <a:off x="838199" y="1291193"/>
+            <a:off x="838200" y="1388847"/>
             <a:ext cx="10515600" cy="4486275"/>
           </a:xfrm>
         </p:spPr>
@@ -7161,19 +8845,62 @@
               <a:buChar char="⁻"/>
             </a:pPr>
             <a:r>
-              <a:rPr lang="en-US"/>
-              <a:t>Block diagram of crossbar</a:t>
-            </a:r>
+              <a:rPr lang="en-US" dirty="0"/>
+              <a:t>With a method to now compute many products in parallel and sort them, a device was needed to accumulate the sum of products</a:t>
+            </a:r>
+          </a:p>
+          <a:p>
+            <a:pPr>
+              <a:buFont typeface="Calibri" panose="020F0502020204030204" pitchFamily="34" charset="0"/>
+              <a:buChar char="⁻"/>
+            </a:pPr>
+            <a:endParaRPr lang="en-US" dirty="0"/>
+          </a:p>
+          <a:p>
+            <a:pPr>
+              <a:buFont typeface="Calibri" panose="020F0502020204030204" pitchFamily="34" charset="0"/>
+              <a:buChar char="⁻"/>
+            </a:pPr>
+            <a:r>
+              <a:rPr lang="en-US" dirty="0"/>
+              <a:t>2 Partition definitions were created:</a:t>
+            </a:r>
+          </a:p>
+          <a:p>
+            <a:pPr lvl="1">
+              <a:buFont typeface="Calibri" panose="020F0502020204030204" pitchFamily="34" charset="0"/>
+              <a:buChar char="⁻"/>
+            </a:pPr>
+            <a:r>
+              <a:rPr lang="en-US" dirty="0"/>
+              <a:t>Integer/Fixed Point Adder</a:t>
+            </a:r>
+          </a:p>
+          <a:p>
+            <a:pPr lvl="1">
+              <a:buFont typeface="Calibri" panose="020F0502020204030204" pitchFamily="34" charset="0"/>
+              <a:buChar char="⁻"/>
+            </a:pPr>
+            <a:r>
+              <a:rPr lang="en-US" dirty="0"/>
+              <a:t>Floating Point Adder</a:t>
+            </a:r>
+          </a:p>
+          <a:p>
+            <a:pPr lvl="1">
+              <a:buFont typeface="Calibri" panose="020F0502020204030204" pitchFamily="34" charset="0"/>
+              <a:buChar char="⁻"/>
+            </a:pPr>
             <a:endParaRPr lang="en-US" dirty="0"/>
           </a:p>
         </p:txBody>
       </p:sp>
       <p:pic>
         <p:nvPicPr>
-          <p:cNvPr id="10" name="Picture 9" descr="A screenshot of a cell phone&#10;&#10;Description automatically generated">
+          <p:cNvPr id="4" name="Picture 3" descr="A close up of a logo&#10;&#10;Description automatically generated">
             <a:extLst>
               <a:ext uri="{FF2B5EF4-FFF2-40B4-BE49-F238E27FC236}">
-                <a16:creationId xmlns:a16="http://schemas.microsoft.com/office/drawing/2014/main" id="{307EB480-A609-488C-93F0-4DE0284D8D30}"/>
+                <a16:creationId xmlns:a16="http://schemas.microsoft.com/office/drawing/2014/main" id="{66D6C413-DC96-4318-B820-7E372644DF53}"/>
               </a:ext>
             </a:extLst>
           </p:cNvPr>
@@ -7183,7 +8910,7 @@
           <p:nvPr/>
         </p:nvPicPr>
         <p:blipFill>
-          <a:blip r:embed="rId2">
+          <a:blip r:embed="rId3">
             <a:extLst>
               <a:ext uri="{28A0092B-C50C-407E-A947-70E740481C1C}">
                 <a14:useLocalDpi xmlns:a14="http://schemas.microsoft.com/office/drawing/2010/main" val="0"/>
@@ -7196,8 +8923,8 @@
         </p:blipFill>
         <p:spPr>
           <a:xfrm>
-            <a:off x="1620105" y="1759668"/>
-            <a:ext cx="8951789" cy="4333712"/>
+            <a:off x="4089601" y="4028752"/>
+            <a:ext cx="4012797" cy="2380926"/>
           </a:xfrm>
           <a:prstGeom prst="rect">
             <a:avLst/>
@@ -7207,7 +8934,7 @@
     </p:spTree>
     <p:extLst>
       <p:ext uri="{BB962C8B-B14F-4D97-AF65-F5344CB8AC3E}">
-        <p14:creationId xmlns:p14="http://schemas.microsoft.com/office/powerpoint/2010/main" val="1033658113"/>
+        <p14:creationId xmlns:p14="http://schemas.microsoft.com/office/powerpoint/2010/main" val="1167355032"/>
       </p:ext>
     </p:extLst>
   </p:cSld>
@@ -7269,7 +8996,7 @@
             </a:pPr>
             <a:r>
               <a:rPr lang="en-US" sz="4400" b="1" dirty="0"/>
-              <a:t>Partial Reconfig Adder</a:t>
+              <a:t>Matrix Accelerator</a:t>
             </a:r>
           </a:p>
         </p:txBody>
@@ -7363,711 +9090,6 @@
               </a:spcBef>
             </a:pPr>
             <a:r>
-              <a:rPr lang="en-US" sz="3200" b="1" dirty="0"/>
-              <a:t>-Partial Reconfig Adder</a:t>
-            </a:r>
-          </a:p>
-          <a:p>
-            <a:pPr>
-              <a:spcBef>
-                <a:spcPts val="300"/>
-              </a:spcBef>
-            </a:pPr>
-            <a:r>
-              <a:rPr lang="en-US" sz="2100" dirty="0"/>
-              <a:t>-Matrix Accelerator</a:t>
-            </a:r>
-          </a:p>
-          <a:p>
-            <a:pPr>
-              <a:spcBef>
-                <a:spcPts val="300"/>
-              </a:spcBef>
-            </a:pPr>
-            <a:r>
-              <a:rPr lang="en-US" sz="2100" dirty="0"/>
-              <a:t>-Asynchronous FIFO</a:t>
-            </a:r>
-          </a:p>
-          <a:p>
-            <a:pPr>
-              <a:spcBef>
-                <a:spcPts val="300"/>
-              </a:spcBef>
-            </a:pPr>
-            <a:r>
-              <a:rPr lang="en-US" sz="2100" dirty="0"/>
-              <a:t>-Matrix Controller</a:t>
-            </a:r>
-          </a:p>
-          <a:p>
-            <a:pPr>
-              <a:spcBef>
-                <a:spcPts val="300"/>
-              </a:spcBef>
-            </a:pPr>
-            <a:r>
-              <a:rPr lang="en-US" sz="2100" dirty="0"/>
-              <a:t>-Convolution Accelerator Top Wrapper</a:t>
-            </a:r>
-          </a:p>
-          <a:p>
-            <a:pPr>
-              <a:spcBef>
-                <a:spcPts val="300"/>
-              </a:spcBef>
-            </a:pPr>
-            <a:r>
-              <a:rPr lang="en-US" sz="2100" dirty="0"/>
-              <a:t>-Enabling Partial Reconfig</a:t>
-            </a:r>
-          </a:p>
-          <a:p>
-            <a:pPr>
-              <a:spcBef>
-                <a:spcPts val="300"/>
-              </a:spcBef>
-            </a:pPr>
-            <a:r>
-              <a:rPr lang="en-US" sz="2100" dirty="0"/>
-              <a:t>-Dynamic Resources </a:t>
-            </a:r>
-          </a:p>
-          <a:p>
-            <a:pPr>
-              <a:spcBef>
-                <a:spcPts val="300"/>
-              </a:spcBef>
-            </a:pPr>
-            <a:r>
-              <a:rPr lang="en-US" sz="2100" dirty="0"/>
-              <a:t>	-Floorplan</a:t>
-            </a:r>
-          </a:p>
-          <a:p>
-            <a:pPr>
-              <a:spcBef>
-                <a:spcPts val="300"/>
-              </a:spcBef>
-            </a:pPr>
-            <a:r>
-              <a:rPr lang="en-US" sz="2100" dirty="0"/>
-              <a:t>	-Resource Utilization</a:t>
-            </a:r>
-          </a:p>
-          <a:p>
-            <a:pPr>
-              <a:spcBef>
-                <a:spcPts val="300"/>
-              </a:spcBef>
-            </a:pPr>
-            <a:r>
-              <a:rPr lang="en-US" sz="2100" dirty="0"/>
-              <a:t>	-Power Report</a:t>
-            </a:r>
-          </a:p>
-          <a:p>
-            <a:pPr>
-              <a:spcBef>
-                <a:spcPts val="300"/>
-              </a:spcBef>
-            </a:pPr>
-            <a:r>
-              <a:rPr lang="en-US" sz="2100" dirty="0"/>
-              <a:t>-Conclusions</a:t>
-            </a:r>
-          </a:p>
-        </p:txBody>
-      </p:sp>
-    </p:spTree>
-    <p:extLst>
-      <p:ext uri="{BB962C8B-B14F-4D97-AF65-F5344CB8AC3E}">
-        <p14:creationId xmlns:p14="http://schemas.microsoft.com/office/powerpoint/2010/main" val="2054265924"/>
-      </p:ext>
-    </p:extLst>
-  </p:cSld>
-  <p:clrMapOvr>
-    <a:masterClrMapping/>
-  </p:clrMapOvr>
-</p:sld>
-</file>
-
-<file path=ppt/slides/slide19.xml><?xml version="1.0" encoding="utf-8"?>
-<p:sld xmlns:a="http://schemas.openxmlformats.org/drawingml/2006/main" xmlns:r="http://schemas.openxmlformats.org/officeDocument/2006/relationships" xmlns:p="http://schemas.openxmlformats.org/presentationml/2006/main">
-  <p:cSld>
-    <p:spTree>
-      <p:nvGrpSpPr>
-        <p:cNvPr id="1" name=""/>
-        <p:cNvGrpSpPr/>
-        <p:nvPr/>
-      </p:nvGrpSpPr>
-      <p:grpSpPr>
-        <a:xfrm>
-          <a:off x="0" y="0"/>
-          <a:ext cx="0" cy="0"/>
-          <a:chOff x="0" y="0"/>
-          <a:chExt cx="0" cy="0"/>
-        </a:xfrm>
-      </p:grpSpPr>
-      <p:sp>
-        <p:nvSpPr>
-          <p:cNvPr id="5" name="Content Placeholder 2">
-            <a:extLst>
-              <a:ext uri="{FF2B5EF4-FFF2-40B4-BE49-F238E27FC236}">
-                <a16:creationId xmlns:a16="http://schemas.microsoft.com/office/drawing/2014/main" id="{1A31F943-E9CD-41FA-A5AA-F3800EDC99D7}"/>
-              </a:ext>
-            </a:extLst>
-          </p:cNvPr>
-          <p:cNvSpPr>
-            <a:spLocks noGrp="1"/>
-          </p:cNvSpPr>
-          <p:nvPr>
-            <p:ph idx="1"/>
-          </p:nvPr>
-        </p:nvSpPr>
-        <p:spPr>
-          <a:xfrm>
-            <a:off x="838200" y="1388847"/>
-            <a:ext cx="10515600" cy="4486275"/>
-          </a:xfrm>
-        </p:spPr>
-        <p:txBody>
-          <a:bodyPr/>
-          <a:lstStyle/>
-          <a:p>
-            <a:pPr>
-              <a:buFont typeface="Calibri" panose="020F0502020204030204" pitchFamily="34" charset="0"/>
-              <a:buChar char="⁻"/>
-            </a:pPr>
-            <a:r>
-              <a:rPr lang="en-US" dirty="0"/>
-              <a:t>With a method to now compute many products in parallel and sort them, a device was needed to accumulate the sum of products</a:t>
-            </a:r>
-          </a:p>
-          <a:p>
-            <a:pPr>
-              <a:buFont typeface="Calibri" panose="020F0502020204030204" pitchFamily="34" charset="0"/>
-              <a:buChar char="⁻"/>
-            </a:pPr>
-            <a:endParaRPr lang="en-US" dirty="0"/>
-          </a:p>
-          <a:p>
-            <a:pPr>
-              <a:buFont typeface="Calibri" panose="020F0502020204030204" pitchFamily="34" charset="0"/>
-              <a:buChar char="⁻"/>
-            </a:pPr>
-            <a:r>
-              <a:rPr lang="en-US" dirty="0"/>
-              <a:t>2 Partition definitions were created:</a:t>
-            </a:r>
-          </a:p>
-          <a:p>
-            <a:pPr lvl="1">
-              <a:buFont typeface="Calibri" panose="020F0502020204030204" pitchFamily="34" charset="0"/>
-              <a:buChar char="⁻"/>
-            </a:pPr>
-            <a:r>
-              <a:rPr lang="en-US" dirty="0"/>
-              <a:t>Integer/Fixed Point Adder</a:t>
-            </a:r>
-          </a:p>
-          <a:p>
-            <a:pPr lvl="1">
-              <a:buFont typeface="Calibri" panose="020F0502020204030204" pitchFamily="34" charset="0"/>
-              <a:buChar char="⁻"/>
-            </a:pPr>
-            <a:r>
-              <a:rPr lang="en-US" dirty="0"/>
-              <a:t>Floating Point Adder</a:t>
-            </a:r>
-          </a:p>
-          <a:p>
-            <a:pPr lvl="1">
-              <a:buFont typeface="Calibri" panose="020F0502020204030204" pitchFamily="34" charset="0"/>
-              <a:buChar char="⁻"/>
-            </a:pPr>
-            <a:endParaRPr lang="en-US" dirty="0"/>
-          </a:p>
-          <a:p>
-            <a:pPr>
-              <a:buFont typeface="Calibri" panose="020F0502020204030204" pitchFamily="34" charset="0"/>
-              <a:buChar char="⁻"/>
-            </a:pPr>
-            <a:r>
-              <a:rPr lang="en-US" dirty="0"/>
-              <a:t>Floating point needs much more logic due to needing to check the magnitude difference, then normalize the values</a:t>
-            </a:r>
-          </a:p>
-        </p:txBody>
-      </p:sp>
-      <p:pic>
-        <p:nvPicPr>
-          <p:cNvPr id="4" name="Picture 3" descr="A close up of a logo&#10;&#10;Description automatically generated">
-            <a:extLst>
-              <a:ext uri="{FF2B5EF4-FFF2-40B4-BE49-F238E27FC236}">
-                <a16:creationId xmlns:a16="http://schemas.microsoft.com/office/drawing/2014/main" id="{66D6C413-DC96-4318-B820-7E372644DF53}"/>
-              </a:ext>
-            </a:extLst>
-          </p:cNvPr>
-          <p:cNvPicPr>
-            <a:picLocks noChangeAspect="1"/>
-          </p:cNvPicPr>
-          <p:nvPr/>
-        </p:nvPicPr>
-        <p:blipFill>
-          <a:blip r:embed="rId2">
-            <a:extLst>
-              <a:ext uri="{28A0092B-C50C-407E-A947-70E740481C1C}">
-                <a14:useLocalDpi xmlns:a14="http://schemas.microsoft.com/office/drawing/2010/main" val="0"/>
-              </a:ext>
-            </a:extLst>
-          </a:blip>
-          <a:stretch>
-            <a:fillRect/>
-          </a:stretch>
-        </p:blipFill>
-        <p:spPr>
-          <a:xfrm>
-            <a:off x="8496300" y="2596216"/>
-            <a:ext cx="2857500" cy="1695450"/>
-          </a:xfrm>
-          <a:prstGeom prst="rect">
-            <a:avLst/>
-          </a:prstGeom>
-        </p:spPr>
-      </p:pic>
-    </p:spTree>
-    <p:extLst>
-      <p:ext uri="{BB962C8B-B14F-4D97-AF65-F5344CB8AC3E}">
-        <p14:creationId xmlns:p14="http://schemas.microsoft.com/office/powerpoint/2010/main" val="1167355032"/>
-      </p:ext>
-    </p:extLst>
-  </p:cSld>
-  <p:clrMapOvr>
-    <a:masterClrMapping/>
-  </p:clrMapOvr>
-</p:sld>
-</file>
-
-<file path=ppt/slides/slide2.xml><?xml version="1.0" encoding="utf-8"?>
-<p:sld xmlns:a="http://schemas.openxmlformats.org/drawingml/2006/main" xmlns:r="http://schemas.openxmlformats.org/officeDocument/2006/relationships" xmlns:p="http://schemas.openxmlformats.org/presentationml/2006/main">
-  <p:cSld>
-    <p:spTree>
-      <p:nvGrpSpPr>
-        <p:cNvPr id="1" name=""/>
-        <p:cNvGrpSpPr/>
-        <p:nvPr/>
-      </p:nvGrpSpPr>
-      <p:grpSpPr>
-        <a:xfrm>
-          <a:off x="0" y="0"/>
-          <a:ext cx="0" cy="0"/>
-          <a:chOff x="0" y="0"/>
-          <a:chExt cx="0" cy="0"/>
-        </a:xfrm>
-      </p:grpSpPr>
-      <p:sp>
-        <p:nvSpPr>
-          <p:cNvPr id="2" name="Title 1">
-            <a:extLst>
-              <a:ext uri="{FF2B5EF4-FFF2-40B4-BE49-F238E27FC236}">
-                <a16:creationId xmlns:a16="http://schemas.microsoft.com/office/drawing/2014/main" id="{4F7B6B69-DEE4-48AD-9D41-357592C3F9DB}"/>
-              </a:ext>
-            </a:extLst>
-          </p:cNvPr>
-          <p:cNvSpPr>
-            <a:spLocks noGrp="1"/>
-          </p:cNvSpPr>
-          <p:nvPr>
-            <p:ph type="title"/>
-          </p:nvPr>
-        </p:nvSpPr>
-        <p:spPr>
-          <a:xfrm>
-            <a:off x="7978587" y="2750820"/>
-            <a:ext cx="3523129" cy="1356360"/>
-          </a:xfrm>
-        </p:spPr>
-        <p:txBody>
-          <a:bodyPr/>
-          <a:lstStyle/>
-          <a:p>
-            <a:pPr algn="r">
-              <a:spcBef>
-                <a:spcPts val="300"/>
-              </a:spcBef>
-            </a:pPr>
-            <a:r>
-              <a:rPr lang="en-US" b="1" dirty="0"/>
-              <a:t>Overview</a:t>
-            </a:r>
-          </a:p>
-        </p:txBody>
-      </p:sp>
-      <p:sp>
-        <p:nvSpPr>
-          <p:cNvPr id="6" name="TextBox 5">
-            <a:extLst>
-              <a:ext uri="{FF2B5EF4-FFF2-40B4-BE49-F238E27FC236}">
-                <a16:creationId xmlns:a16="http://schemas.microsoft.com/office/drawing/2014/main" id="{354D8DEE-F284-4B52-8F58-8958FEB2ED40}"/>
-              </a:ext>
-            </a:extLst>
-          </p:cNvPr>
-          <p:cNvSpPr txBox="1"/>
-          <p:nvPr/>
-        </p:nvSpPr>
-        <p:spPr>
-          <a:xfrm>
-            <a:off x="690284" y="588862"/>
-            <a:ext cx="4707339" cy="6070893"/>
-          </a:xfrm>
-          <a:prstGeom prst="rect">
-            <a:avLst/>
-          </a:prstGeom>
-          <a:noFill/>
-        </p:spPr>
-        <p:txBody>
-          <a:bodyPr wrap="square" rtlCol="0">
-            <a:spAutoFit/>
-          </a:bodyPr>
-          <a:lstStyle/>
-          <a:p>
-            <a:pPr>
-              <a:spcBef>
-                <a:spcPts val="300"/>
-              </a:spcBef>
-            </a:pPr>
-            <a:r>
-              <a:rPr lang="en-US" sz="2100" dirty="0"/>
-              <a:t>-Design Objective</a:t>
-            </a:r>
-          </a:p>
-          <a:p>
-            <a:pPr>
-              <a:spcBef>
-                <a:spcPts val="300"/>
-              </a:spcBef>
-            </a:pPr>
-            <a:r>
-              <a:rPr lang="en-US" sz="2100" dirty="0"/>
-              <a:t>-Intro to Vivado</a:t>
-            </a:r>
-          </a:p>
-          <a:p>
-            <a:pPr>
-              <a:spcBef>
-                <a:spcPts val="300"/>
-              </a:spcBef>
-            </a:pPr>
-            <a:r>
-              <a:rPr lang="en-US" sz="2100" dirty="0"/>
-              <a:t>-Learn Verilog</a:t>
-            </a:r>
-          </a:p>
-          <a:p>
-            <a:pPr>
-              <a:spcBef>
-                <a:spcPts val="300"/>
-              </a:spcBef>
-            </a:pPr>
-            <a:r>
-              <a:rPr lang="en-US" sz="2100" dirty="0"/>
-              <a:t>-Partial Reconfig Multipliers</a:t>
-            </a:r>
-          </a:p>
-          <a:p>
-            <a:pPr>
-              <a:spcBef>
-                <a:spcPts val="300"/>
-              </a:spcBef>
-            </a:pPr>
-            <a:r>
-              <a:rPr lang="en-US" sz="2100" dirty="0"/>
-              <a:t>-Crossbar Data Switch</a:t>
-            </a:r>
-          </a:p>
-          <a:p>
-            <a:pPr>
-              <a:spcBef>
-                <a:spcPts val="300"/>
-              </a:spcBef>
-            </a:pPr>
-            <a:r>
-              <a:rPr lang="en-US" sz="2100" dirty="0"/>
-              <a:t>-Partial Reconfig Adder</a:t>
-            </a:r>
-          </a:p>
-          <a:p>
-            <a:pPr>
-              <a:spcBef>
-                <a:spcPts val="300"/>
-              </a:spcBef>
-            </a:pPr>
-            <a:r>
-              <a:rPr lang="en-US" sz="2100" dirty="0"/>
-              <a:t>-Matric Accelerator</a:t>
-            </a:r>
-          </a:p>
-          <a:p>
-            <a:pPr>
-              <a:spcBef>
-                <a:spcPts val="300"/>
-              </a:spcBef>
-            </a:pPr>
-            <a:r>
-              <a:rPr lang="en-US" sz="2100" dirty="0"/>
-              <a:t>-Asynchronous FIFO</a:t>
-            </a:r>
-          </a:p>
-          <a:p>
-            <a:pPr>
-              <a:spcBef>
-                <a:spcPts val="300"/>
-              </a:spcBef>
-            </a:pPr>
-            <a:r>
-              <a:rPr lang="en-US" sz="2100" dirty="0"/>
-              <a:t>-Matrix Controller</a:t>
-            </a:r>
-          </a:p>
-          <a:p>
-            <a:pPr>
-              <a:spcBef>
-                <a:spcPts val="300"/>
-              </a:spcBef>
-            </a:pPr>
-            <a:r>
-              <a:rPr lang="en-US" sz="2100" dirty="0"/>
-              <a:t>-Convolution Accelerator Top Wrapper</a:t>
-            </a:r>
-          </a:p>
-          <a:p>
-            <a:pPr>
-              <a:spcBef>
-                <a:spcPts val="300"/>
-              </a:spcBef>
-            </a:pPr>
-            <a:r>
-              <a:rPr lang="en-US" sz="2100" dirty="0"/>
-              <a:t>-Enabling Partial Reconfig</a:t>
-            </a:r>
-          </a:p>
-          <a:p>
-            <a:pPr>
-              <a:spcBef>
-                <a:spcPts val="300"/>
-              </a:spcBef>
-            </a:pPr>
-            <a:r>
-              <a:rPr lang="en-US" sz="2100" dirty="0"/>
-              <a:t>-Dynamic Resources </a:t>
-            </a:r>
-          </a:p>
-          <a:p>
-            <a:pPr>
-              <a:spcBef>
-                <a:spcPts val="300"/>
-              </a:spcBef>
-            </a:pPr>
-            <a:r>
-              <a:rPr lang="en-US" sz="2100" dirty="0"/>
-              <a:t>	-Floorplan</a:t>
-            </a:r>
-          </a:p>
-          <a:p>
-            <a:pPr>
-              <a:spcBef>
-                <a:spcPts val="300"/>
-              </a:spcBef>
-            </a:pPr>
-            <a:r>
-              <a:rPr lang="en-US" sz="2100" dirty="0"/>
-              <a:t>	-Resource Utilization</a:t>
-            </a:r>
-          </a:p>
-          <a:p>
-            <a:pPr>
-              <a:spcBef>
-                <a:spcPts val="300"/>
-              </a:spcBef>
-            </a:pPr>
-            <a:r>
-              <a:rPr lang="en-US" sz="2100" dirty="0"/>
-              <a:t>	-Power Report</a:t>
-            </a:r>
-          </a:p>
-          <a:p>
-            <a:pPr>
-              <a:spcBef>
-                <a:spcPts val="300"/>
-              </a:spcBef>
-            </a:pPr>
-            <a:r>
-              <a:rPr lang="en-US" sz="2100" dirty="0"/>
-              <a:t>-Conclusions</a:t>
-            </a:r>
-          </a:p>
-        </p:txBody>
-      </p:sp>
-    </p:spTree>
-    <p:extLst>
-      <p:ext uri="{BB962C8B-B14F-4D97-AF65-F5344CB8AC3E}">
-        <p14:creationId xmlns:p14="http://schemas.microsoft.com/office/powerpoint/2010/main" val="2108216692"/>
-      </p:ext>
-    </p:extLst>
-  </p:cSld>
-  <p:clrMapOvr>
-    <a:masterClrMapping/>
-  </p:clrMapOvr>
-</p:sld>
-</file>
-
-<file path=ppt/slides/slide20.xml><?xml version="1.0" encoding="utf-8"?>
-<p:sld xmlns:a="http://schemas.openxmlformats.org/drawingml/2006/main" xmlns:r="http://schemas.openxmlformats.org/officeDocument/2006/relationships" xmlns:p="http://schemas.openxmlformats.org/presentationml/2006/main">
-  <p:cSld>
-    <p:spTree>
-      <p:nvGrpSpPr>
-        <p:cNvPr id="1" name=""/>
-        <p:cNvGrpSpPr/>
-        <p:nvPr/>
-      </p:nvGrpSpPr>
-      <p:grpSpPr>
-        <a:xfrm>
-          <a:off x="0" y="0"/>
-          <a:ext cx="0" cy="0"/>
-          <a:chOff x="0" y="0"/>
-          <a:chExt cx="0" cy="0"/>
-        </a:xfrm>
-      </p:grpSpPr>
-      <p:sp>
-        <p:nvSpPr>
-          <p:cNvPr id="2" name="Title 1">
-            <a:extLst>
-              <a:ext uri="{FF2B5EF4-FFF2-40B4-BE49-F238E27FC236}">
-                <a16:creationId xmlns:a16="http://schemas.microsoft.com/office/drawing/2014/main" id="{4F7B6B69-DEE4-48AD-9D41-357592C3F9DB}"/>
-              </a:ext>
-            </a:extLst>
-          </p:cNvPr>
-          <p:cNvSpPr>
-            <a:spLocks noGrp="1"/>
-          </p:cNvSpPr>
-          <p:nvPr>
-            <p:ph type="title"/>
-          </p:nvPr>
-        </p:nvSpPr>
-        <p:spPr>
-          <a:xfrm>
-            <a:off x="7617041" y="2750820"/>
-            <a:ext cx="3884675" cy="1356360"/>
-          </a:xfrm>
-        </p:spPr>
-        <p:txBody>
-          <a:bodyPr>
-            <a:normAutofit/>
-          </a:bodyPr>
-          <a:lstStyle/>
-          <a:p>
-            <a:pPr algn="r">
-              <a:spcBef>
-                <a:spcPts val="300"/>
-              </a:spcBef>
-            </a:pPr>
-            <a:r>
-              <a:rPr lang="en-US" sz="4400" b="1" dirty="0"/>
-              <a:t>Matrix Accelerator</a:t>
-            </a:r>
-          </a:p>
-        </p:txBody>
-      </p:sp>
-      <p:sp>
-        <p:nvSpPr>
-          <p:cNvPr id="6" name="TextBox 5">
-            <a:extLst>
-              <a:ext uri="{FF2B5EF4-FFF2-40B4-BE49-F238E27FC236}">
-                <a16:creationId xmlns:a16="http://schemas.microsoft.com/office/drawing/2014/main" id="{354D8DEE-F284-4B52-8F58-8958FEB2ED40}"/>
-              </a:ext>
-            </a:extLst>
-          </p:cNvPr>
-          <p:cNvSpPr txBox="1"/>
-          <p:nvPr/>
-        </p:nvSpPr>
-        <p:spPr>
-          <a:xfrm>
-            <a:off x="690284" y="535596"/>
-            <a:ext cx="5515207" cy="6178614"/>
-          </a:xfrm>
-          <a:prstGeom prst="rect">
-            <a:avLst/>
-          </a:prstGeom>
-          <a:noFill/>
-        </p:spPr>
-        <p:txBody>
-          <a:bodyPr wrap="square" rtlCol="0">
-            <a:spAutoFit/>
-          </a:bodyPr>
-          <a:lstStyle/>
-          <a:p>
-            <a:pPr>
-              <a:spcBef>
-                <a:spcPts val="300"/>
-              </a:spcBef>
-            </a:pPr>
-            <a:r>
-              <a:rPr lang="en-US" sz="2100" dirty="0"/>
-              <a:t>-Design Objective</a:t>
-            </a:r>
-          </a:p>
-          <a:p>
-            <a:pPr>
-              <a:spcBef>
-                <a:spcPts val="300"/>
-              </a:spcBef>
-            </a:pPr>
-            <a:r>
-              <a:rPr lang="en-US" sz="2100" dirty="0"/>
-              <a:t>-Intro to Vivado</a:t>
-            </a:r>
-          </a:p>
-          <a:p>
-            <a:pPr>
-              <a:spcBef>
-                <a:spcPts val="300"/>
-              </a:spcBef>
-            </a:pPr>
-            <a:r>
-              <a:rPr lang="en-US" sz="2100" dirty="0"/>
-              <a:t>-Learn Verilog</a:t>
-            </a:r>
-          </a:p>
-          <a:p>
-            <a:pPr>
-              <a:spcBef>
-                <a:spcPts val="300"/>
-              </a:spcBef>
-            </a:pPr>
-            <a:r>
-              <a:rPr lang="en-US" sz="2100" dirty="0"/>
-              <a:t>-Partial Reconfig Multipliers</a:t>
-            </a:r>
-          </a:p>
-          <a:p>
-            <a:pPr>
-              <a:spcBef>
-                <a:spcPts val="300"/>
-              </a:spcBef>
-            </a:pPr>
-            <a:r>
-              <a:rPr lang="en-US" sz="2100" dirty="0"/>
-              <a:t>-Crossbar Data Switch</a:t>
-            </a:r>
-          </a:p>
-          <a:p>
-            <a:pPr>
-              <a:spcBef>
-                <a:spcPts val="300"/>
-              </a:spcBef>
-            </a:pPr>
-            <a:r>
               <a:rPr lang="en-US" sz="2100" dirty="0"/>
               <a:t>-Partial Reconfig Adder</a:t>
             </a:r>
@@ -8197,7 +9219,7 @@
 </p:sld>
 </file>
 
-<file path=ppt/slides/slide21.xml><?xml version="1.0" encoding="utf-8"?>
+<file path=ppt/slides/slide19.xml><?xml version="1.0" encoding="utf-8"?>
 <p:sld xmlns:a="http://schemas.openxmlformats.org/drawingml/2006/main" xmlns:r="http://schemas.openxmlformats.org/officeDocument/2006/relationships" xmlns:p="http://schemas.openxmlformats.org/presentationml/2006/main">
   <p:cSld>
     <p:spTree>
@@ -8886,7 +9908,280 @@
 </p:sld>
 </file>
 
-<file path=ppt/slides/slide22.xml><?xml version="1.0" encoding="utf-8"?>
+<file path=ppt/slides/slide2.xml><?xml version="1.0" encoding="utf-8"?>
+<p:sld xmlns:a="http://schemas.openxmlformats.org/drawingml/2006/main" xmlns:r="http://schemas.openxmlformats.org/officeDocument/2006/relationships" xmlns:p="http://schemas.openxmlformats.org/presentationml/2006/main">
+  <p:cSld>
+    <p:spTree>
+      <p:nvGrpSpPr>
+        <p:cNvPr id="1" name=""/>
+        <p:cNvGrpSpPr/>
+        <p:nvPr/>
+      </p:nvGrpSpPr>
+      <p:grpSpPr>
+        <a:xfrm>
+          <a:off x="0" y="0"/>
+          <a:ext cx="0" cy="0"/>
+          <a:chOff x="0" y="0"/>
+          <a:chExt cx="0" cy="0"/>
+        </a:xfrm>
+      </p:grpSpPr>
+      <p:sp>
+        <p:nvSpPr>
+          <p:cNvPr id="2" name="Title 1">
+            <a:extLst>
+              <a:ext uri="{FF2B5EF4-FFF2-40B4-BE49-F238E27FC236}">
+                <a16:creationId xmlns:a16="http://schemas.microsoft.com/office/drawing/2014/main" id="{4F7B6B69-DEE4-48AD-9D41-357592C3F9DB}"/>
+              </a:ext>
+            </a:extLst>
+          </p:cNvPr>
+          <p:cNvSpPr>
+            <a:spLocks noGrp="1"/>
+          </p:cNvSpPr>
+          <p:nvPr>
+            <p:ph type="title"/>
+          </p:nvPr>
+        </p:nvSpPr>
+        <p:spPr>
+          <a:xfrm>
+            <a:off x="7978587" y="2750820"/>
+            <a:ext cx="3523129" cy="1356360"/>
+          </a:xfrm>
+        </p:spPr>
+        <p:txBody>
+          <a:bodyPr/>
+          <a:lstStyle/>
+          <a:p>
+            <a:pPr algn="r">
+              <a:spcBef>
+                <a:spcPts val="300"/>
+              </a:spcBef>
+            </a:pPr>
+            <a:r>
+              <a:rPr lang="en-US" b="1" dirty="0"/>
+              <a:t>Overview</a:t>
+            </a:r>
+          </a:p>
+        </p:txBody>
+      </p:sp>
+      <p:sp>
+        <p:nvSpPr>
+          <p:cNvPr id="6" name="TextBox 5">
+            <a:extLst>
+              <a:ext uri="{FF2B5EF4-FFF2-40B4-BE49-F238E27FC236}">
+                <a16:creationId xmlns:a16="http://schemas.microsoft.com/office/drawing/2014/main" id="{354D8DEE-F284-4B52-8F58-8958FEB2ED40}"/>
+              </a:ext>
+            </a:extLst>
+          </p:cNvPr>
+          <p:cNvSpPr txBox="1"/>
+          <p:nvPr/>
+        </p:nvSpPr>
+        <p:spPr>
+          <a:xfrm>
+            <a:off x="690284" y="588862"/>
+            <a:ext cx="4707339" cy="6070893"/>
+          </a:xfrm>
+          <a:prstGeom prst="rect">
+            <a:avLst/>
+          </a:prstGeom>
+          <a:noFill/>
+        </p:spPr>
+        <p:txBody>
+          <a:bodyPr wrap="square" rtlCol="0">
+            <a:spAutoFit/>
+          </a:bodyPr>
+          <a:lstStyle/>
+          <a:p>
+            <a:pPr>
+              <a:spcBef>
+                <a:spcPts val="300"/>
+              </a:spcBef>
+            </a:pPr>
+            <a:r>
+              <a:rPr lang="en-US" sz="2100" dirty="0"/>
+              <a:t>-Design Objective</a:t>
+            </a:r>
+          </a:p>
+          <a:p>
+            <a:pPr>
+              <a:spcBef>
+                <a:spcPts val="300"/>
+              </a:spcBef>
+            </a:pPr>
+            <a:r>
+              <a:rPr lang="en-US" sz="2100" dirty="0"/>
+              <a:t>-Intro to Vivado</a:t>
+            </a:r>
+          </a:p>
+          <a:p>
+            <a:pPr>
+              <a:spcBef>
+                <a:spcPts val="300"/>
+              </a:spcBef>
+            </a:pPr>
+            <a:r>
+              <a:rPr lang="en-US" sz="2100" dirty="0"/>
+              <a:t>-Learn Verilog</a:t>
+            </a:r>
+          </a:p>
+          <a:p>
+            <a:pPr>
+              <a:spcBef>
+                <a:spcPts val="300"/>
+              </a:spcBef>
+            </a:pPr>
+            <a:r>
+              <a:rPr lang="en-US" sz="2100" dirty="0"/>
+              <a:t>-Partial Reconfig Multipliers</a:t>
+            </a:r>
+          </a:p>
+          <a:p>
+            <a:pPr>
+              <a:spcBef>
+                <a:spcPts val="300"/>
+              </a:spcBef>
+            </a:pPr>
+            <a:r>
+              <a:rPr lang="en-US" sz="2100" dirty="0"/>
+              <a:t>-Crossbar Data Switch</a:t>
+            </a:r>
+          </a:p>
+          <a:p>
+            <a:pPr>
+              <a:spcBef>
+                <a:spcPts val="300"/>
+              </a:spcBef>
+            </a:pPr>
+            <a:r>
+              <a:rPr lang="en-US" sz="2100" dirty="0"/>
+              <a:t>-Partial Reconfig Adder</a:t>
+            </a:r>
+          </a:p>
+          <a:p>
+            <a:pPr>
+              <a:spcBef>
+                <a:spcPts val="300"/>
+              </a:spcBef>
+            </a:pPr>
+            <a:r>
+              <a:rPr lang="en-US" sz="2100" dirty="0"/>
+              <a:t>-Matric Accelerator</a:t>
+            </a:r>
+          </a:p>
+          <a:p>
+            <a:pPr>
+              <a:spcBef>
+                <a:spcPts val="300"/>
+              </a:spcBef>
+            </a:pPr>
+            <a:r>
+              <a:rPr lang="en-US" sz="2100" dirty="0"/>
+              <a:t>-Asynchronous FIFO</a:t>
+            </a:r>
+          </a:p>
+          <a:p>
+            <a:pPr>
+              <a:spcBef>
+                <a:spcPts val="300"/>
+              </a:spcBef>
+            </a:pPr>
+            <a:r>
+              <a:rPr lang="en-US" sz="2100" dirty="0"/>
+              <a:t>-Matrix Controller</a:t>
+            </a:r>
+          </a:p>
+          <a:p>
+            <a:pPr>
+              <a:spcBef>
+                <a:spcPts val="300"/>
+              </a:spcBef>
+            </a:pPr>
+            <a:r>
+              <a:rPr lang="en-US" sz="2100" dirty="0"/>
+              <a:t>-Convolution Accelerator Top Wrapper</a:t>
+            </a:r>
+          </a:p>
+          <a:p>
+            <a:pPr>
+              <a:spcBef>
+                <a:spcPts val="300"/>
+              </a:spcBef>
+            </a:pPr>
+            <a:r>
+              <a:rPr lang="en-US" sz="2100" dirty="0"/>
+              <a:t>-Enabling Partial Reconfig</a:t>
+            </a:r>
+          </a:p>
+          <a:p>
+            <a:pPr>
+              <a:spcBef>
+                <a:spcPts val="300"/>
+              </a:spcBef>
+            </a:pPr>
+            <a:r>
+              <a:rPr lang="en-US" sz="2100" dirty="0"/>
+              <a:t>-Dynamic Resources </a:t>
+            </a:r>
+          </a:p>
+          <a:p>
+            <a:pPr>
+              <a:spcBef>
+                <a:spcPts val="300"/>
+              </a:spcBef>
+            </a:pPr>
+            <a:r>
+              <a:rPr lang="en-US" sz="2100" dirty="0"/>
+              <a:t>	-Floorplan</a:t>
+            </a:r>
+          </a:p>
+          <a:p>
+            <a:pPr>
+              <a:spcBef>
+                <a:spcPts val="300"/>
+              </a:spcBef>
+            </a:pPr>
+            <a:r>
+              <a:rPr lang="en-US" sz="2100" dirty="0"/>
+              <a:t>	-Resource Utilization</a:t>
+            </a:r>
+          </a:p>
+          <a:p>
+            <a:pPr>
+              <a:spcBef>
+                <a:spcPts val="300"/>
+              </a:spcBef>
+            </a:pPr>
+            <a:r>
+              <a:rPr lang="en-US" sz="2100" dirty="0"/>
+              <a:t>	-Power Report</a:t>
+            </a:r>
+          </a:p>
+          <a:p>
+            <a:pPr>
+              <a:spcBef>
+                <a:spcPts val="300"/>
+              </a:spcBef>
+            </a:pPr>
+            <a:r>
+              <a:rPr lang="en-US" sz="2100" dirty="0"/>
+              <a:t>-Conclusions</a:t>
+            </a:r>
+          </a:p>
+        </p:txBody>
+      </p:sp>
+    </p:spTree>
+    <p:extLst>
+      <p:ext uri="{BB962C8B-B14F-4D97-AF65-F5344CB8AC3E}">
+        <p14:creationId xmlns:p14="http://schemas.microsoft.com/office/powerpoint/2010/main" val="2108216692"/>
+      </p:ext>
+    </p:extLst>
+  </p:cSld>
+  <p:clrMapOvr>
+    <a:masterClrMapping/>
+  </p:clrMapOvr>
+</p:sld>
+</file>
+
+<file path=ppt/slides/slide20.xml><?xml version="1.0" encoding="utf-8"?>
 <p:sld xmlns:a="http://schemas.openxmlformats.org/drawingml/2006/main" xmlns:r="http://schemas.openxmlformats.org/officeDocument/2006/relationships" xmlns:p="http://schemas.openxmlformats.org/presentationml/2006/main">
   <p:cSld>
     <p:spTree>
@@ -9026,7 +10321,7 @@
 </p:sld>
 </file>
 
-<file path=ppt/slides/slide23.xml><?xml version="1.0" encoding="utf-8"?>
+<file path=ppt/slides/slide21.xml><?xml version="1.0" encoding="utf-8"?>
 <p:sld xmlns:a="http://schemas.openxmlformats.org/drawingml/2006/main" xmlns:r="http://schemas.openxmlformats.org/officeDocument/2006/relationships" xmlns:p="http://schemas.openxmlformats.org/presentationml/2006/main">
   <p:cSld>
     <p:spTree>
@@ -9301,7 +10596,7 @@
 </p:sld>
 </file>
 
-<file path=ppt/slides/slide24.xml><?xml version="1.0" encoding="utf-8"?>
+<file path=ppt/slides/slide22.xml><?xml version="1.0" encoding="utf-8"?>
 <p:sld xmlns:a="http://schemas.openxmlformats.org/drawingml/2006/main" xmlns:r="http://schemas.openxmlformats.org/officeDocument/2006/relationships" xmlns:p="http://schemas.openxmlformats.org/presentationml/2006/main">
   <p:cSld>
     <p:spTree>
@@ -9336,8 +10631,8 @@
         </p:nvSpPr>
         <p:spPr>
           <a:xfrm>
-            <a:off x="838200" y="1690688"/>
-            <a:ext cx="5680587" cy="4098136"/>
+            <a:off x="1532658" y="1375432"/>
+            <a:ext cx="4015003" cy="2053568"/>
           </a:xfrm>
         </p:spPr>
         <p:txBody>
@@ -9381,36 +10676,6 @@
               <a:rPr lang="en-US" dirty="0"/>
               <a:t>Filter Set (Filter Values)</a:t>
             </a:r>
-          </a:p>
-          <a:p>
-            <a:pPr lvl="1">
-              <a:buFont typeface="Calibri" panose="020F0502020204030204" pitchFamily="34" charset="0"/>
-              <a:buChar char="⁻"/>
-            </a:pPr>
-            <a:endParaRPr lang="en-US" dirty="0"/>
-          </a:p>
-          <a:p>
-            <a:pPr marL="274320" lvl="1" indent="0">
-              <a:buNone/>
-            </a:pPr>
-            <a:endParaRPr lang="en-US" dirty="0"/>
-          </a:p>
-          <a:p>
-            <a:pPr>
-              <a:buFont typeface="Calibri" panose="020F0502020204030204" pitchFamily="34" charset="0"/>
-              <a:buChar char="⁻"/>
-            </a:pPr>
-            <a:r>
-              <a:rPr lang="en-US" dirty="0"/>
-              <a:t>Since the program will not be able to load values and operate the FPGA properly, an asynchronous FIFO buffer was used to input a data set across the clock domains</a:t>
-            </a:r>
-          </a:p>
-          <a:p>
-            <a:pPr>
-              <a:buFont typeface="Calibri" panose="020F0502020204030204" pitchFamily="34" charset="0"/>
-              <a:buChar char="⁻"/>
-            </a:pPr>
-            <a:endParaRPr lang="en-US" dirty="0"/>
           </a:p>
         </p:txBody>
       </p:sp>
@@ -9429,7 +10694,7 @@
           <p:nvPr/>
         </p:nvPicPr>
         <p:blipFill>
-          <a:blip r:embed="rId2">
+          <a:blip r:embed="rId3">
             <a:extLst>
               <a:ext uri="{28A0092B-C50C-407E-A947-70E740481C1C}">
                 <a14:useLocalDpi xmlns:a14="http://schemas.microsoft.com/office/drawing/2010/main" val="0"/>
@@ -9442,7 +10707,7 @@
         </p:blipFill>
         <p:spPr>
           <a:xfrm>
-            <a:off x="7478840" y="559830"/>
+            <a:off x="7379042" y="816860"/>
             <a:ext cx="4015003" cy="3097782"/>
           </a:xfrm>
           <a:prstGeom prst="rect">
@@ -9656,6 +10921,423 @@
             <a:extLst>
               <a:ext uri="{FF2B5EF4-FFF2-40B4-BE49-F238E27FC236}">
                 <a16:creationId xmlns:a16="http://schemas.microsoft.com/office/drawing/2014/main" id="{2095D9CB-449B-485F-A5D5-1C9669ED97DC}"/>
+              </a:ext>
+            </a:extLst>
+          </p:cNvPr>
+          <p:cNvPicPr>
+            <a:picLocks noChangeAspect="1"/>
+          </p:cNvPicPr>
+          <p:nvPr/>
+        </p:nvPicPr>
+        <p:blipFill>
+          <a:blip r:embed="rId4">
+            <a:extLst>
+              <a:ext uri="{28A0092B-C50C-407E-A947-70E740481C1C}">
+                <a14:useLocalDpi xmlns:a14="http://schemas.microsoft.com/office/drawing/2010/main" val="0"/>
+              </a:ext>
+              <a:ext uri="{96DAC541-7B7A-43D3-8B79-37D633B846F1}">
+                <asvg:svgBlip xmlns:asvg="http://schemas.microsoft.com/office/drawing/2016/SVG/main" r:embed="rId5"/>
+              </a:ext>
+            </a:extLst>
+          </a:blip>
+          <a:stretch>
+            <a:fillRect/>
+          </a:stretch>
+        </p:blipFill>
+        <p:spPr>
+          <a:xfrm>
+            <a:off x="7379042" y="4125793"/>
+            <a:ext cx="4015003" cy="2322805"/>
+          </a:xfrm>
+          <a:prstGeom prst="rect">
+            <a:avLst/>
+          </a:prstGeom>
+        </p:spPr>
+      </p:pic>
+      <p:sp>
+        <p:nvSpPr>
+          <p:cNvPr id="6" name="Content Placeholder 2">
+            <a:extLst>
+              <a:ext uri="{FF2B5EF4-FFF2-40B4-BE49-F238E27FC236}">
+                <a16:creationId xmlns:a16="http://schemas.microsoft.com/office/drawing/2014/main" id="{465B98CF-D654-4567-B496-B764CABBD0C3}"/>
+              </a:ext>
+            </a:extLst>
+          </p:cNvPr>
+          <p:cNvSpPr txBox="1">
+            <a:spLocks/>
+          </p:cNvSpPr>
+          <p:nvPr/>
+        </p:nvSpPr>
+        <p:spPr>
+          <a:xfrm>
+            <a:off x="698157" y="4309021"/>
+            <a:ext cx="5680587" cy="1956351"/>
+          </a:xfrm>
+          <a:prstGeom prst="rect">
+            <a:avLst/>
+          </a:prstGeom>
+        </p:spPr>
+        <p:txBody>
+          <a:bodyPr vert="horz" lIns="91440" tIns="45720" rIns="91440" bIns="45720" rtlCol="0">
+            <a:normAutofit/>
+          </a:bodyPr>
+          <a:lstStyle>
+            <a:lvl1pPr marL="228600" indent="-182880" algn="l" defTabSz="914400" rtl="0" eaLnBrk="1" latinLnBrk="0" hangingPunct="1">
+              <a:lnSpc>
+                <a:spcPct val="90000"/>
+              </a:lnSpc>
+              <a:spcBef>
+                <a:spcPts val="1400"/>
+              </a:spcBef>
+              <a:buClr>
+                <a:schemeClr val="tx1"/>
+              </a:buClr>
+              <a:buSzPct val="80000"/>
+              <a:buFont typeface="Corbel" pitchFamily="34" charset="0"/>
+              <a:buChar char="•"/>
+              <a:defRPr sz="2200" kern="1200">
+                <a:solidFill>
+                  <a:schemeClr val="tx1"/>
+                </a:solidFill>
+                <a:latin typeface="+mn-lt"/>
+                <a:ea typeface="+mn-ea"/>
+                <a:cs typeface="+mn-cs"/>
+              </a:defRPr>
+            </a:lvl1pPr>
+            <a:lvl2pPr marL="457200" indent="-182880" algn="l" defTabSz="914400" rtl="0" eaLnBrk="1" latinLnBrk="0" hangingPunct="1">
+              <a:lnSpc>
+                <a:spcPct val="90000"/>
+              </a:lnSpc>
+              <a:spcBef>
+                <a:spcPts val="200"/>
+              </a:spcBef>
+              <a:spcAft>
+                <a:spcPts val="400"/>
+              </a:spcAft>
+              <a:buClr>
+                <a:schemeClr val="tx1"/>
+              </a:buClr>
+              <a:buSzPct val="80000"/>
+              <a:buFont typeface="Corbel" pitchFamily="34" charset="0"/>
+              <a:buChar char="•"/>
+              <a:defRPr sz="2000" kern="1200">
+                <a:solidFill>
+                  <a:schemeClr val="tx1"/>
+                </a:solidFill>
+                <a:latin typeface="+mn-lt"/>
+                <a:ea typeface="+mn-ea"/>
+                <a:cs typeface="+mn-cs"/>
+              </a:defRPr>
+            </a:lvl2pPr>
+            <a:lvl3pPr marL="731520" indent="-182880" algn="l" defTabSz="914400" rtl="0" eaLnBrk="1" latinLnBrk="0" hangingPunct="1">
+              <a:lnSpc>
+                <a:spcPct val="90000"/>
+              </a:lnSpc>
+              <a:spcBef>
+                <a:spcPts val="200"/>
+              </a:spcBef>
+              <a:spcAft>
+                <a:spcPts val="400"/>
+              </a:spcAft>
+              <a:buClr>
+                <a:schemeClr val="tx1"/>
+              </a:buClr>
+              <a:buSzPct val="80000"/>
+              <a:buFont typeface="Corbel" pitchFamily="34" charset="0"/>
+              <a:buChar char="•"/>
+              <a:defRPr sz="1800" kern="1200">
+                <a:solidFill>
+                  <a:schemeClr val="tx1"/>
+                </a:solidFill>
+                <a:latin typeface="+mn-lt"/>
+                <a:ea typeface="+mn-ea"/>
+                <a:cs typeface="+mn-cs"/>
+              </a:defRPr>
+            </a:lvl3pPr>
+            <a:lvl4pPr marL="1005840" indent="-182880" algn="l" defTabSz="914400" rtl="0" eaLnBrk="1" latinLnBrk="0" hangingPunct="1">
+              <a:lnSpc>
+                <a:spcPct val="90000"/>
+              </a:lnSpc>
+              <a:spcBef>
+                <a:spcPts val="200"/>
+              </a:spcBef>
+              <a:spcAft>
+                <a:spcPts val="400"/>
+              </a:spcAft>
+              <a:buClr>
+                <a:schemeClr val="tx1"/>
+              </a:buClr>
+              <a:buSzPct val="80000"/>
+              <a:buFont typeface="Corbel" pitchFamily="34" charset="0"/>
+              <a:buChar char="•"/>
+              <a:defRPr sz="1600" kern="1200">
+                <a:solidFill>
+                  <a:schemeClr val="tx1"/>
+                </a:solidFill>
+                <a:latin typeface="+mn-lt"/>
+                <a:ea typeface="+mn-ea"/>
+                <a:cs typeface="+mn-cs"/>
+              </a:defRPr>
+            </a:lvl4pPr>
+            <a:lvl5pPr marL="1280160" indent="-182880" algn="l" defTabSz="914400" rtl="0" eaLnBrk="1" latinLnBrk="0" hangingPunct="1">
+              <a:lnSpc>
+                <a:spcPct val="90000"/>
+              </a:lnSpc>
+              <a:spcBef>
+                <a:spcPts val="200"/>
+              </a:spcBef>
+              <a:spcAft>
+                <a:spcPts val="400"/>
+              </a:spcAft>
+              <a:buClr>
+                <a:schemeClr val="tx1"/>
+              </a:buClr>
+              <a:buSzPct val="80000"/>
+              <a:buFont typeface="Corbel" pitchFamily="34" charset="0"/>
+              <a:buChar char="•"/>
+              <a:defRPr sz="1600" kern="1200">
+                <a:solidFill>
+                  <a:schemeClr val="tx1"/>
+                </a:solidFill>
+                <a:latin typeface="+mn-lt"/>
+                <a:ea typeface="+mn-ea"/>
+                <a:cs typeface="+mn-cs"/>
+              </a:defRPr>
+            </a:lvl5pPr>
+            <a:lvl6pPr marL="1600000" indent="-228600" algn="l" defTabSz="914400" rtl="0" eaLnBrk="1" latinLnBrk="0" hangingPunct="1">
+              <a:lnSpc>
+                <a:spcPct val="90000"/>
+              </a:lnSpc>
+              <a:spcBef>
+                <a:spcPts val="200"/>
+              </a:spcBef>
+              <a:spcAft>
+                <a:spcPts val="400"/>
+              </a:spcAft>
+              <a:buClr>
+                <a:schemeClr val="tx1"/>
+              </a:buClr>
+              <a:buSzPct val="80000"/>
+              <a:buFont typeface="Corbel" pitchFamily="34" charset="0"/>
+              <a:buChar char="•"/>
+              <a:defRPr sz="1600" kern="1200">
+                <a:solidFill>
+                  <a:schemeClr val="tx1"/>
+                </a:solidFill>
+                <a:latin typeface="+mn-lt"/>
+                <a:ea typeface="+mn-ea"/>
+                <a:cs typeface="+mn-cs"/>
+              </a:defRPr>
+            </a:lvl6pPr>
+            <a:lvl7pPr marL="1900000" indent="-228600" algn="l" defTabSz="914400" rtl="0" eaLnBrk="1" latinLnBrk="0" hangingPunct="1">
+              <a:lnSpc>
+                <a:spcPct val="90000"/>
+              </a:lnSpc>
+              <a:spcBef>
+                <a:spcPts val="200"/>
+              </a:spcBef>
+              <a:spcAft>
+                <a:spcPts val="400"/>
+              </a:spcAft>
+              <a:buClr>
+                <a:schemeClr val="tx1"/>
+              </a:buClr>
+              <a:buSzPct val="80000"/>
+              <a:buFont typeface="Corbel" pitchFamily="34" charset="0"/>
+              <a:buChar char="•"/>
+              <a:defRPr sz="1600" kern="1200">
+                <a:solidFill>
+                  <a:schemeClr val="tx1"/>
+                </a:solidFill>
+                <a:latin typeface="+mn-lt"/>
+                <a:ea typeface="+mn-ea"/>
+                <a:cs typeface="+mn-cs"/>
+              </a:defRPr>
+            </a:lvl7pPr>
+            <a:lvl8pPr marL="2200000" indent="-228600" algn="l" defTabSz="914400" rtl="0" eaLnBrk="1" latinLnBrk="0" hangingPunct="1">
+              <a:lnSpc>
+                <a:spcPct val="90000"/>
+              </a:lnSpc>
+              <a:spcBef>
+                <a:spcPts val="200"/>
+              </a:spcBef>
+              <a:spcAft>
+                <a:spcPts val="400"/>
+              </a:spcAft>
+              <a:buClr>
+                <a:schemeClr val="tx1"/>
+              </a:buClr>
+              <a:buSzPct val="80000"/>
+              <a:buFont typeface="Corbel" pitchFamily="34" charset="0"/>
+              <a:buChar char="•"/>
+              <a:defRPr sz="1600" kern="1200">
+                <a:solidFill>
+                  <a:schemeClr val="tx1"/>
+                </a:solidFill>
+                <a:latin typeface="+mn-lt"/>
+                <a:ea typeface="+mn-ea"/>
+                <a:cs typeface="+mn-cs"/>
+              </a:defRPr>
+            </a:lvl8pPr>
+            <a:lvl9pPr marL="2500000" indent="-228600" algn="l" defTabSz="914400" rtl="0" eaLnBrk="1" latinLnBrk="0" hangingPunct="1">
+              <a:lnSpc>
+                <a:spcPct val="90000"/>
+              </a:lnSpc>
+              <a:spcBef>
+                <a:spcPts val="200"/>
+              </a:spcBef>
+              <a:spcAft>
+                <a:spcPts val="400"/>
+              </a:spcAft>
+              <a:buClr>
+                <a:schemeClr val="tx1"/>
+              </a:buClr>
+              <a:buSzPct val="80000"/>
+              <a:buFont typeface="Corbel" pitchFamily="34" charset="0"/>
+              <a:buChar char="•"/>
+              <a:defRPr sz="1600" kern="1200">
+                <a:solidFill>
+                  <a:schemeClr val="tx1"/>
+                </a:solidFill>
+                <a:latin typeface="+mn-lt"/>
+                <a:ea typeface="+mn-ea"/>
+                <a:cs typeface="+mn-cs"/>
+              </a:defRPr>
+            </a:lvl9pPr>
+          </a:lstStyle>
+          <a:p>
+            <a:pPr>
+              <a:buFont typeface="Corbel" panose="020B0503020204020204" pitchFamily="34" charset="0"/>
+              <a:buChar char="⁻"/>
+            </a:pPr>
+            <a:r>
+              <a:rPr lang="en-US" dirty="0"/>
+              <a:t>Since the program will not be able to load values and operate the FPGA properly, an asynchronous FIFO buffer was used to input a data set across the clock domains</a:t>
+            </a:r>
+          </a:p>
+          <a:p>
+            <a:pPr>
+              <a:buFont typeface="Calibri" panose="020F0502020204030204" pitchFamily="34" charset="0"/>
+              <a:buChar char="⁻"/>
+            </a:pPr>
+            <a:endParaRPr lang="en-US" dirty="0"/>
+          </a:p>
+        </p:txBody>
+      </p:sp>
+    </p:spTree>
+    <p:extLst>
+      <p:ext uri="{BB962C8B-B14F-4D97-AF65-F5344CB8AC3E}">
+        <p14:creationId xmlns:p14="http://schemas.microsoft.com/office/powerpoint/2010/main" val="4081919051"/>
+      </p:ext>
+    </p:extLst>
+  </p:cSld>
+  <p:clrMapOvr>
+    <a:masterClrMapping/>
+  </p:clrMapOvr>
+</p:sld>
+</file>
+
+<file path=ppt/slides/slide23.xml><?xml version="1.0" encoding="utf-8"?>
+<p:sld xmlns:a="http://schemas.openxmlformats.org/drawingml/2006/main" xmlns:r="http://schemas.openxmlformats.org/officeDocument/2006/relationships" xmlns:p="http://schemas.openxmlformats.org/presentationml/2006/main">
+  <p:cSld>
+    <p:spTree>
+      <p:nvGrpSpPr>
+        <p:cNvPr id="1" name=""/>
+        <p:cNvGrpSpPr/>
+        <p:nvPr/>
+      </p:nvGrpSpPr>
+      <p:grpSpPr>
+        <a:xfrm>
+          <a:off x="0" y="0"/>
+          <a:ext cx="0" cy="0"/>
+          <a:chOff x="0" y="0"/>
+          <a:chExt cx="0" cy="0"/>
+        </a:xfrm>
+      </p:grpSpPr>
+      <p:sp>
+        <p:nvSpPr>
+          <p:cNvPr id="8" name="Content Placeholder 2">
+            <a:extLst>
+              <a:ext uri="{FF2B5EF4-FFF2-40B4-BE49-F238E27FC236}">
+                <a16:creationId xmlns:a16="http://schemas.microsoft.com/office/drawing/2014/main" id="{5B67FB98-139E-4963-B201-FF0942952A28}"/>
+              </a:ext>
+            </a:extLst>
+          </p:cNvPr>
+          <p:cNvSpPr>
+            <a:spLocks noGrp="1"/>
+          </p:cNvSpPr>
+          <p:nvPr>
+            <p:ph idx="1"/>
+          </p:nvPr>
+        </p:nvSpPr>
+        <p:spPr>
+          <a:xfrm>
+            <a:off x="838200" y="1221942"/>
+            <a:ext cx="10116902" cy="1448517"/>
+          </a:xfrm>
+        </p:spPr>
+        <p:txBody>
+          <a:bodyPr>
+            <a:normAutofit/>
+          </a:bodyPr>
+          <a:lstStyle/>
+          <a:p>
+            <a:pPr>
+              <a:buFont typeface="Calibri" panose="020F0502020204030204" pitchFamily="34" charset="0"/>
+              <a:buChar char="⁻"/>
+            </a:pPr>
+            <a:r>
+              <a:rPr lang="en-US" dirty="0"/>
+              <a:t>There was a helpful online project:</a:t>
+            </a:r>
+          </a:p>
+          <a:p>
+            <a:pPr lvl="1">
+              <a:buFont typeface="Calibri" panose="020F0502020204030204" pitchFamily="34" charset="0"/>
+              <a:buChar char="⁻"/>
+            </a:pPr>
+            <a:r>
+              <a:rPr lang="en-US" i="1" dirty="0"/>
+              <a:t>Crossing Clock Domains with an Asynchronous FIFO</a:t>
+            </a:r>
+            <a:r>
+              <a:rPr lang="en-US" dirty="0"/>
+              <a:t>, Dan </a:t>
+            </a:r>
+            <a:r>
+              <a:rPr lang="en-US" dirty="0" err="1"/>
+              <a:t>Gisselquist</a:t>
+            </a:r>
+            <a:r>
+              <a:rPr lang="en-US" dirty="0"/>
+              <a:t>, 2018</a:t>
+            </a:r>
+          </a:p>
+          <a:p>
+            <a:pPr lvl="1">
+              <a:buFont typeface="Calibri" panose="020F0502020204030204" pitchFamily="34" charset="0"/>
+              <a:buChar char="⁻"/>
+            </a:pPr>
+            <a:r>
+              <a:rPr lang="en-US" sz="2000" dirty="0"/>
+              <a:t>https://zipcpu.com/blog/2018/07/06/afifo.html</a:t>
+            </a:r>
+          </a:p>
+          <a:p>
+            <a:pPr>
+              <a:buFont typeface="Calibri" panose="020F0502020204030204" pitchFamily="34" charset="0"/>
+              <a:buChar char="⁻"/>
+            </a:pPr>
+            <a:endParaRPr lang="en-US" sz="2000" dirty="0"/>
+          </a:p>
+        </p:txBody>
+      </p:sp>
+      <p:pic>
+        <p:nvPicPr>
+          <p:cNvPr id="7" name="Graphic 6">
+            <a:extLst>
+              <a:ext uri="{FF2B5EF4-FFF2-40B4-BE49-F238E27FC236}">
+                <a16:creationId xmlns:a16="http://schemas.microsoft.com/office/drawing/2014/main" id="{0F9ED507-B8FE-492C-8FE0-0045532747E0}"/>
               </a:ext>
             </a:extLst>
           </p:cNvPr>
@@ -9681,153 +11363,6 @@
         </p:blipFill>
         <p:spPr>
           <a:xfrm>
-            <a:off x="7478840" y="4170070"/>
-            <a:ext cx="4015003" cy="2322805"/>
-          </a:xfrm>
-          <a:prstGeom prst="rect">
-            <a:avLst/>
-          </a:prstGeom>
-        </p:spPr>
-      </p:pic>
-    </p:spTree>
-    <p:extLst>
-      <p:ext uri="{BB962C8B-B14F-4D97-AF65-F5344CB8AC3E}">
-        <p14:creationId xmlns:p14="http://schemas.microsoft.com/office/powerpoint/2010/main" val="4081919051"/>
-      </p:ext>
-    </p:extLst>
-  </p:cSld>
-  <p:clrMapOvr>
-    <a:masterClrMapping/>
-  </p:clrMapOvr>
-</p:sld>
-</file>
-
-<file path=ppt/slides/slide25.xml><?xml version="1.0" encoding="utf-8"?>
-<p:sld xmlns:a="http://schemas.openxmlformats.org/drawingml/2006/main" xmlns:r="http://schemas.openxmlformats.org/officeDocument/2006/relationships" xmlns:p="http://schemas.openxmlformats.org/presentationml/2006/main">
-  <p:cSld>
-    <p:spTree>
-      <p:nvGrpSpPr>
-        <p:cNvPr id="1" name=""/>
-        <p:cNvGrpSpPr/>
-        <p:nvPr/>
-      </p:nvGrpSpPr>
-      <p:grpSpPr>
-        <a:xfrm>
-          <a:off x="0" y="0"/>
-          <a:ext cx="0" cy="0"/>
-          <a:chOff x="0" y="0"/>
-          <a:chExt cx="0" cy="0"/>
-        </a:xfrm>
-      </p:grpSpPr>
-      <p:sp>
-        <p:nvSpPr>
-          <p:cNvPr id="8" name="Content Placeholder 2">
-            <a:extLst>
-              <a:ext uri="{FF2B5EF4-FFF2-40B4-BE49-F238E27FC236}">
-                <a16:creationId xmlns:a16="http://schemas.microsoft.com/office/drawing/2014/main" id="{5B67FB98-139E-4963-B201-FF0942952A28}"/>
-              </a:ext>
-            </a:extLst>
-          </p:cNvPr>
-          <p:cNvSpPr>
-            <a:spLocks noGrp="1"/>
-          </p:cNvSpPr>
-          <p:nvPr>
-            <p:ph idx="1"/>
-          </p:nvPr>
-        </p:nvSpPr>
-        <p:spPr>
-          <a:xfrm>
-            <a:off x="838200" y="1825624"/>
-            <a:ext cx="10116902" cy="1448517"/>
-          </a:xfrm>
-        </p:spPr>
-        <p:txBody>
-          <a:bodyPr>
-            <a:normAutofit/>
-          </a:bodyPr>
-          <a:lstStyle/>
-          <a:p>
-            <a:pPr>
-              <a:buFont typeface="Calibri" panose="020F0502020204030204" pitchFamily="34" charset="0"/>
-              <a:buChar char="⁻"/>
-            </a:pPr>
-            <a:r>
-              <a:rPr lang="en-US" dirty="0"/>
-              <a:t>There was a helpful online project:</a:t>
-            </a:r>
-          </a:p>
-          <a:p>
-            <a:pPr lvl="1">
-              <a:buFont typeface="Calibri" panose="020F0502020204030204" pitchFamily="34" charset="0"/>
-              <a:buChar char="⁻"/>
-            </a:pPr>
-            <a:r>
-              <a:rPr lang="en-US" i="1" dirty="0"/>
-              <a:t>Crossing Clock Domains with an Asynchronous FIFO</a:t>
-            </a:r>
-            <a:r>
-              <a:rPr lang="en-US" dirty="0"/>
-              <a:t>, Dan </a:t>
-            </a:r>
-            <a:r>
-              <a:rPr lang="en-US" dirty="0" err="1"/>
-              <a:t>Gisselquist</a:t>
-            </a:r>
-            <a:r>
-              <a:rPr lang="en-US" dirty="0"/>
-              <a:t>, 2018</a:t>
-            </a:r>
-          </a:p>
-          <a:p>
-            <a:pPr lvl="1">
-              <a:buFont typeface="Calibri" panose="020F0502020204030204" pitchFamily="34" charset="0"/>
-              <a:buChar char="⁻"/>
-            </a:pPr>
-            <a:r>
-              <a:rPr lang="en-US" sz="2000" dirty="0"/>
-              <a:t>https://zipcpu.com/blog/2018/07/06/afifo.html</a:t>
-            </a:r>
-          </a:p>
-          <a:p>
-            <a:pPr>
-              <a:buFont typeface="Calibri" panose="020F0502020204030204" pitchFamily="34" charset="0"/>
-              <a:buChar char="⁻"/>
-            </a:pPr>
-            <a:endParaRPr lang="en-US" sz="2000" dirty="0"/>
-          </a:p>
-        </p:txBody>
-      </p:sp>
-      <p:pic>
-        <p:nvPicPr>
-          <p:cNvPr id="7" name="Graphic 6">
-            <a:extLst>
-              <a:ext uri="{FF2B5EF4-FFF2-40B4-BE49-F238E27FC236}">
-                <a16:creationId xmlns:a16="http://schemas.microsoft.com/office/drawing/2014/main" id="{0F9ED507-B8FE-492C-8FE0-0045532747E0}"/>
-              </a:ext>
-            </a:extLst>
-          </p:cNvPr>
-          <p:cNvPicPr>
-            <a:picLocks noChangeAspect="1"/>
-          </p:cNvPicPr>
-          <p:nvPr/>
-        </p:nvPicPr>
-        <p:blipFill>
-          <a:blip r:embed="rId2">
-            <a:extLst>
-              <a:ext uri="{28A0092B-C50C-407E-A947-70E740481C1C}">
-                <a14:useLocalDpi xmlns:a14="http://schemas.microsoft.com/office/drawing/2010/main" val="0"/>
-              </a:ext>
-              <a:ext uri="{96DAC541-7B7A-43D3-8B79-37D633B846F1}">
-                <asvg:svgBlip xmlns:asvg="http://schemas.microsoft.com/office/drawing/2016/SVG/main" r:embed="rId3"/>
-              </a:ext>
-            </a:extLst>
-          </a:blip>
-          <a:stretch>
-            <a:fillRect/>
-          </a:stretch>
-        </p:blipFill>
-        <p:spPr>
-          <a:xfrm>
             <a:off x="4943659" y="3583860"/>
             <a:ext cx="6011443" cy="2431740"/>
           </a:xfrm>
@@ -9919,7 +11454,7 @@
 </p:sld>
 </file>
 
-<file path=ppt/slides/slide26.xml><?xml version="1.0" encoding="utf-8"?>
+<file path=ppt/slides/slide24.xml><?xml version="1.0" encoding="utf-8"?>
 <p:sld xmlns:a="http://schemas.openxmlformats.org/drawingml/2006/main" xmlns:r="http://schemas.openxmlformats.org/officeDocument/2006/relationships" xmlns:p="http://schemas.openxmlformats.org/presentationml/2006/main">
   <p:cSld>
     <p:spTree>
@@ -10103,6 +11638,581 @@
 </p:sld>
 </file>
 
+<file path=ppt/slides/slide25.xml><?xml version="1.0" encoding="utf-8"?>
+<p:sld xmlns:a="http://schemas.openxmlformats.org/drawingml/2006/main" xmlns:r="http://schemas.openxmlformats.org/officeDocument/2006/relationships" xmlns:p="http://schemas.openxmlformats.org/presentationml/2006/main">
+  <p:cSld>
+    <p:spTree>
+      <p:nvGrpSpPr>
+        <p:cNvPr id="1" name=""/>
+        <p:cNvGrpSpPr/>
+        <p:nvPr/>
+      </p:nvGrpSpPr>
+      <p:grpSpPr>
+        <a:xfrm>
+          <a:off x="0" y="0"/>
+          <a:ext cx="0" cy="0"/>
+          <a:chOff x="0" y="0"/>
+          <a:chExt cx="0" cy="0"/>
+        </a:xfrm>
+      </p:grpSpPr>
+      <p:sp>
+        <p:nvSpPr>
+          <p:cNvPr id="2" name="Title 1">
+            <a:extLst>
+              <a:ext uri="{FF2B5EF4-FFF2-40B4-BE49-F238E27FC236}">
+                <a16:creationId xmlns:a16="http://schemas.microsoft.com/office/drawing/2014/main" id="{4F7B6B69-DEE4-48AD-9D41-357592C3F9DB}"/>
+              </a:ext>
+            </a:extLst>
+          </p:cNvPr>
+          <p:cNvSpPr>
+            <a:spLocks noGrp="1"/>
+          </p:cNvSpPr>
+          <p:nvPr>
+            <p:ph type="title"/>
+          </p:nvPr>
+        </p:nvSpPr>
+        <p:spPr>
+          <a:xfrm>
+            <a:off x="7617041" y="2750820"/>
+            <a:ext cx="3884675" cy="1356360"/>
+          </a:xfrm>
+        </p:spPr>
+        <p:txBody>
+          <a:bodyPr>
+            <a:normAutofit/>
+          </a:bodyPr>
+          <a:lstStyle/>
+          <a:p>
+            <a:pPr algn="r">
+              <a:spcBef>
+                <a:spcPts val="300"/>
+              </a:spcBef>
+            </a:pPr>
+            <a:r>
+              <a:rPr lang="en-US" sz="4400" b="1" dirty="0"/>
+              <a:t>Matrix Controller</a:t>
+            </a:r>
+          </a:p>
+        </p:txBody>
+      </p:sp>
+      <p:sp>
+        <p:nvSpPr>
+          <p:cNvPr id="6" name="TextBox 5">
+            <a:extLst>
+              <a:ext uri="{FF2B5EF4-FFF2-40B4-BE49-F238E27FC236}">
+                <a16:creationId xmlns:a16="http://schemas.microsoft.com/office/drawing/2014/main" id="{354D8DEE-F284-4B52-8F58-8958FEB2ED40}"/>
+              </a:ext>
+            </a:extLst>
+          </p:cNvPr>
+          <p:cNvSpPr txBox="1"/>
+          <p:nvPr/>
+        </p:nvSpPr>
+        <p:spPr>
+          <a:xfrm>
+            <a:off x="690284" y="535596"/>
+            <a:ext cx="5515207" cy="6178614"/>
+          </a:xfrm>
+          <a:prstGeom prst="rect">
+            <a:avLst/>
+          </a:prstGeom>
+          <a:noFill/>
+        </p:spPr>
+        <p:txBody>
+          <a:bodyPr wrap="square" rtlCol="0">
+            <a:spAutoFit/>
+          </a:bodyPr>
+          <a:lstStyle/>
+          <a:p>
+            <a:pPr>
+              <a:spcBef>
+                <a:spcPts val="300"/>
+              </a:spcBef>
+            </a:pPr>
+            <a:r>
+              <a:rPr lang="en-US" sz="2100" dirty="0"/>
+              <a:t>-Design Objective</a:t>
+            </a:r>
+          </a:p>
+          <a:p>
+            <a:pPr>
+              <a:spcBef>
+                <a:spcPts val="300"/>
+              </a:spcBef>
+            </a:pPr>
+            <a:r>
+              <a:rPr lang="en-US" sz="2100" dirty="0"/>
+              <a:t>-Intro to Vivado</a:t>
+            </a:r>
+          </a:p>
+          <a:p>
+            <a:pPr>
+              <a:spcBef>
+                <a:spcPts val="300"/>
+              </a:spcBef>
+            </a:pPr>
+            <a:r>
+              <a:rPr lang="en-US" sz="2100" dirty="0"/>
+              <a:t>-Learn Verilog</a:t>
+            </a:r>
+          </a:p>
+          <a:p>
+            <a:pPr>
+              <a:spcBef>
+                <a:spcPts val="300"/>
+              </a:spcBef>
+            </a:pPr>
+            <a:r>
+              <a:rPr lang="en-US" sz="2100" dirty="0"/>
+              <a:t>-Partial Reconfig Multipliers</a:t>
+            </a:r>
+          </a:p>
+          <a:p>
+            <a:pPr>
+              <a:spcBef>
+                <a:spcPts val="300"/>
+              </a:spcBef>
+            </a:pPr>
+            <a:r>
+              <a:rPr lang="en-US" sz="2100" dirty="0"/>
+              <a:t>-Crossbar Data Switch</a:t>
+            </a:r>
+          </a:p>
+          <a:p>
+            <a:pPr>
+              <a:spcBef>
+                <a:spcPts val="300"/>
+              </a:spcBef>
+            </a:pPr>
+            <a:r>
+              <a:rPr lang="en-US" sz="2100" dirty="0"/>
+              <a:t>-Partial Reconfig Adder</a:t>
+            </a:r>
+          </a:p>
+          <a:p>
+            <a:pPr>
+              <a:spcBef>
+                <a:spcPts val="300"/>
+              </a:spcBef>
+            </a:pPr>
+            <a:r>
+              <a:rPr lang="en-US" sz="2100" dirty="0"/>
+              <a:t>-Matrix Accelerator</a:t>
+            </a:r>
+          </a:p>
+          <a:p>
+            <a:pPr>
+              <a:spcBef>
+                <a:spcPts val="300"/>
+              </a:spcBef>
+            </a:pPr>
+            <a:r>
+              <a:rPr lang="en-US" sz="2100" dirty="0"/>
+              <a:t>-Asynchronous FIFO</a:t>
+            </a:r>
+          </a:p>
+          <a:p>
+            <a:pPr>
+              <a:spcBef>
+                <a:spcPts val="300"/>
+              </a:spcBef>
+            </a:pPr>
+            <a:r>
+              <a:rPr lang="en-US" sz="3200" b="1" dirty="0"/>
+              <a:t>-Matrix Controller</a:t>
+            </a:r>
+          </a:p>
+          <a:p>
+            <a:pPr>
+              <a:spcBef>
+                <a:spcPts val="300"/>
+              </a:spcBef>
+            </a:pPr>
+            <a:r>
+              <a:rPr lang="en-US" sz="2100" dirty="0"/>
+              <a:t>-Convolution Accelerator Top Wrapper</a:t>
+            </a:r>
+          </a:p>
+          <a:p>
+            <a:pPr>
+              <a:spcBef>
+                <a:spcPts val="300"/>
+              </a:spcBef>
+            </a:pPr>
+            <a:r>
+              <a:rPr lang="en-US" sz="2100" dirty="0"/>
+              <a:t>-Enabling Partial Reconfig</a:t>
+            </a:r>
+          </a:p>
+          <a:p>
+            <a:pPr>
+              <a:spcBef>
+                <a:spcPts val="300"/>
+              </a:spcBef>
+            </a:pPr>
+            <a:r>
+              <a:rPr lang="en-US" sz="2100" dirty="0"/>
+              <a:t>-Dynamic Resources </a:t>
+            </a:r>
+          </a:p>
+          <a:p>
+            <a:pPr>
+              <a:spcBef>
+                <a:spcPts val="300"/>
+              </a:spcBef>
+            </a:pPr>
+            <a:r>
+              <a:rPr lang="en-US" sz="2100" dirty="0"/>
+              <a:t>	-Floorplan</a:t>
+            </a:r>
+          </a:p>
+          <a:p>
+            <a:pPr>
+              <a:spcBef>
+                <a:spcPts val="300"/>
+              </a:spcBef>
+            </a:pPr>
+            <a:r>
+              <a:rPr lang="en-US" sz="2100" dirty="0"/>
+              <a:t>	-Resource Utilization</a:t>
+            </a:r>
+          </a:p>
+          <a:p>
+            <a:pPr>
+              <a:spcBef>
+                <a:spcPts val="300"/>
+              </a:spcBef>
+            </a:pPr>
+            <a:r>
+              <a:rPr lang="en-US" sz="2100" dirty="0"/>
+              <a:t>	-Power Report</a:t>
+            </a:r>
+          </a:p>
+          <a:p>
+            <a:pPr>
+              <a:spcBef>
+                <a:spcPts val="300"/>
+              </a:spcBef>
+            </a:pPr>
+            <a:r>
+              <a:rPr lang="en-US" sz="2100" dirty="0"/>
+              <a:t>-Conclusions</a:t>
+            </a:r>
+          </a:p>
+        </p:txBody>
+      </p:sp>
+    </p:spTree>
+    <p:extLst>
+      <p:ext uri="{BB962C8B-B14F-4D97-AF65-F5344CB8AC3E}">
+        <p14:creationId xmlns:p14="http://schemas.microsoft.com/office/powerpoint/2010/main" val="1581128267"/>
+      </p:ext>
+    </p:extLst>
+  </p:cSld>
+  <p:clrMapOvr>
+    <a:masterClrMapping/>
+  </p:clrMapOvr>
+</p:sld>
+</file>
+
+<file path=ppt/slides/slide26.xml><?xml version="1.0" encoding="utf-8"?>
+<p:sld xmlns:a="http://schemas.openxmlformats.org/drawingml/2006/main" xmlns:r="http://schemas.openxmlformats.org/officeDocument/2006/relationships" xmlns:p="http://schemas.openxmlformats.org/presentationml/2006/main">
+  <p:cSld>
+    <p:spTree>
+      <p:nvGrpSpPr>
+        <p:cNvPr id="1" name=""/>
+        <p:cNvGrpSpPr/>
+        <p:nvPr/>
+      </p:nvGrpSpPr>
+      <p:grpSpPr>
+        <a:xfrm>
+          <a:off x="0" y="0"/>
+          <a:ext cx="0" cy="0"/>
+          <a:chOff x="0" y="0"/>
+          <a:chExt cx="0" cy="0"/>
+        </a:xfrm>
+      </p:grpSpPr>
+      <p:sp>
+        <p:nvSpPr>
+          <p:cNvPr id="4" name="Content Placeholder 2">
+            <a:extLst>
+              <a:ext uri="{FF2B5EF4-FFF2-40B4-BE49-F238E27FC236}">
+                <a16:creationId xmlns:a16="http://schemas.microsoft.com/office/drawing/2014/main" id="{447C0C06-9D20-4E1C-B34C-85D135AC9320}"/>
+              </a:ext>
+            </a:extLst>
+          </p:cNvPr>
+          <p:cNvSpPr>
+            <a:spLocks noGrp="1"/>
+          </p:cNvSpPr>
+          <p:nvPr>
+            <p:ph idx="1"/>
+          </p:nvPr>
+        </p:nvSpPr>
+        <p:spPr>
+          <a:xfrm>
+            <a:off x="587249" y="1248444"/>
+            <a:ext cx="5982227" cy="4411681"/>
+          </a:xfrm>
+        </p:spPr>
+        <p:txBody>
+          <a:bodyPr>
+            <a:normAutofit lnSpcReduction="10000"/>
+          </a:bodyPr>
+          <a:lstStyle/>
+          <a:p>
+            <a:pPr marL="0" indent="0">
+              <a:buNone/>
+            </a:pPr>
+            <a:endParaRPr lang="en-US" sz="2400" dirty="0"/>
+          </a:p>
+          <a:p>
+            <a:pPr>
+              <a:buFont typeface="Calibri" panose="020F0502020204030204" pitchFamily="34" charset="0"/>
+              <a:buChar char="⁻"/>
+            </a:pPr>
+            <a:r>
+              <a:rPr lang="en-US" sz="2400" dirty="0"/>
+              <a:t>The controller needs to:</a:t>
+            </a:r>
+          </a:p>
+          <a:p>
+            <a:pPr lvl="1">
+              <a:buFont typeface="Calibri" panose="020F0502020204030204" pitchFamily="34" charset="0"/>
+              <a:buChar char="⁻"/>
+            </a:pPr>
+            <a:r>
+              <a:rPr lang="en-US" dirty="0"/>
+              <a:t>Read data in the input buffer</a:t>
+            </a:r>
+          </a:p>
+          <a:p>
+            <a:pPr lvl="1">
+              <a:buFont typeface="Calibri" panose="020F0502020204030204" pitchFamily="34" charset="0"/>
+              <a:buChar char="⁻"/>
+            </a:pPr>
+            <a:r>
+              <a:rPr lang="en-US" dirty="0"/>
+              <a:t>Pipeline data into the matrix accelerator</a:t>
+            </a:r>
+          </a:p>
+          <a:p>
+            <a:pPr lvl="1">
+              <a:buFont typeface="Calibri" panose="020F0502020204030204" pitchFamily="34" charset="0"/>
+              <a:buChar char="⁻"/>
+            </a:pPr>
+            <a:r>
+              <a:rPr lang="en-US" dirty="0"/>
+              <a:t>Use matrix accelerator control signals to generate convolution sum</a:t>
+            </a:r>
+          </a:p>
+          <a:p>
+            <a:pPr lvl="1">
+              <a:buFont typeface="Calibri" panose="020F0502020204030204" pitchFamily="34" charset="0"/>
+              <a:buChar char="⁻"/>
+            </a:pPr>
+            <a:endParaRPr lang="en-US" dirty="0"/>
+          </a:p>
+          <a:p>
+            <a:pPr marL="274320" lvl="1" indent="0">
+              <a:buNone/>
+            </a:pPr>
+            <a:endParaRPr lang="en-US" dirty="0"/>
+          </a:p>
+          <a:p>
+            <a:pPr lvl="1">
+              <a:buFont typeface="Calibri" panose="020F0502020204030204" pitchFamily="34" charset="0"/>
+              <a:buChar char="⁻"/>
+            </a:pPr>
+            <a:endParaRPr lang="en-US" sz="1800" dirty="0"/>
+          </a:p>
+          <a:p>
+            <a:pPr>
+              <a:buFont typeface="Calibri" panose="020F0502020204030204" pitchFamily="34" charset="0"/>
+              <a:buChar char="⁻"/>
+            </a:pPr>
+            <a:r>
+              <a:rPr lang="en-US" sz="2400" dirty="0"/>
+              <a:t>The controller has three main states:</a:t>
+            </a:r>
+          </a:p>
+          <a:p>
+            <a:pPr lvl="1">
+              <a:buFont typeface="Calibri" panose="020F0502020204030204" pitchFamily="34" charset="0"/>
+              <a:buChar char="⁻"/>
+            </a:pPr>
+            <a:r>
+              <a:rPr lang="en-US" dirty="0"/>
+              <a:t>Reading data from the buffer</a:t>
+            </a:r>
+          </a:p>
+          <a:p>
+            <a:pPr lvl="1">
+              <a:buFont typeface="Calibri" panose="020F0502020204030204" pitchFamily="34" charset="0"/>
+              <a:buChar char="⁻"/>
+            </a:pPr>
+            <a:r>
+              <a:rPr lang="en-US" dirty="0"/>
+              <a:t>Multiplying the input values</a:t>
+            </a:r>
+          </a:p>
+          <a:p>
+            <a:pPr lvl="1">
+              <a:buFont typeface="Calibri" panose="020F0502020204030204" pitchFamily="34" charset="0"/>
+              <a:buChar char="⁻"/>
+            </a:pPr>
+            <a:r>
+              <a:rPr lang="en-US" dirty="0"/>
+              <a:t>Add the resulting products</a:t>
+            </a:r>
+          </a:p>
+        </p:txBody>
+      </p:sp>
+      <p:pic>
+        <p:nvPicPr>
+          <p:cNvPr id="3" name="Picture 2" descr="A close up of a clock&#10;&#10;Description automatically generated">
+            <a:extLst>
+              <a:ext uri="{FF2B5EF4-FFF2-40B4-BE49-F238E27FC236}">
+                <a16:creationId xmlns:a16="http://schemas.microsoft.com/office/drawing/2014/main" id="{991848FF-6069-4829-9A9D-8ACD0EAA2E3D}"/>
+              </a:ext>
+            </a:extLst>
+          </p:cNvPr>
+          <p:cNvPicPr>
+            <a:picLocks noChangeAspect="1"/>
+          </p:cNvPicPr>
+          <p:nvPr/>
+        </p:nvPicPr>
+        <p:blipFill>
+          <a:blip r:embed="rId3">
+            <a:extLst>
+              <a:ext uri="{28A0092B-C50C-407E-A947-70E740481C1C}">
+                <a14:useLocalDpi xmlns:a14="http://schemas.microsoft.com/office/drawing/2010/main" val="0"/>
+              </a:ext>
+            </a:extLst>
+          </a:blip>
+          <a:stretch>
+            <a:fillRect/>
+          </a:stretch>
+        </p:blipFill>
+        <p:spPr>
+          <a:xfrm>
+            <a:off x="6569476" y="326034"/>
+            <a:ext cx="5030043" cy="3238091"/>
+          </a:xfrm>
+          <a:prstGeom prst="rect">
+            <a:avLst/>
+          </a:prstGeom>
+        </p:spPr>
+      </p:pic>
+      <p:pic>
+        <p:nvPicPr>
+          <p:cNvPr id="1026" name="Picture 2">
+            <a:extLst>
+              <a:ext uri="{FF2B5EF4-FFF2-40B4-BE49-F238E27FC236}">
+                <a16:creationId xmlns:a16="http://schemas.microsoft.com/office/drawing/2014/main" id="{73327C27-0844-4866-8C13-2A46A96DE520}"/>
+              </a:ext>
+            </a:extLst>
+          </p:cNvPr>
+          <p:cNvPicPr>
+            <a:picLocks noChangeAspect="1" noChangeArrowheads="1"/>
+          </p:cNvPicPr>
+          <p:nvPr/>
+        </p:nvPicPr>
+        <p:blipFill>
+          <a:blip r:embed="rId4">
+            <a:extLst>
+              <a:ext uri="{28A0092B-C50C-407E-A947-70E740481C1C}">
+                <a14:useLocalDpi xmlns:a14="http://schemas.microsoft.com/office/drawing/2010/main" val="0"/>
+              </a:ext>
+            </a:extLst>
+          </a:blip>
+          <a:srcRect/>
+          <a:stretch>
+            <a:fillRect/>
+          </a:stretch>
+        </p:blipFill>
+        <p:spPr bwMode="auto">
+          <a:xfrm>
+            <a:off x="5622525" y="3360141"/>
+            <a:ext cx="5905500" cy="3171825"/>
+          </a:xfrm>
+          <a:prstGeom prst="rect">
+            <a:avLst/>
+          </a:prstGeom>
+          <a:noFill/>
+          <a:extLst>
+            <a:ext uri="{909E8E84-426E-40DD-AFC4-6F175D3DCCD1}">
+              <a14:hiddenFill xmlns:a14="http://schemas.microsoft.com/office/drawing/2010/main">
+                <a:solidFill>
+                  <a:srgbClr val="FFFFFF"/>
+                </a:solidFill>
+              </a14:hiddenFill>
+            </a:ext>
+          </a:extLst>
+        </p:spPr>
+      </p:pic>
+      <p:sp>
+        <p:nvSpPr>
+          <p:cNvPr id="5" name="Rectangle 4">
+            <a:extLst>
+              <a:ext uri="{FF2B5EF4-FFF2-40B4-BE49-F238E27FC236}">
+                <a16:creationId xmlns:a16="http://schemas.microsoft.com/office/drawing/2014/main" id="{CCE6E960-BFE8-4BD3-9A61-AF87F0A9FEB9}"/>
+              </a:ext>
+            </a:extLst>
+          </p:cNvPr>
+          <p:cNvSpPr/>
+          <p:nvPr/>
+        </p:nvSpPr>
+        <p:spPr>
+          <a:xfrm>
+            <a:off x="6374167" y="6329780"/>
+            <a:ext cx="2379216" cy="202186"/>
+          </a:xfrm>
+          <a:prstGeom prst="rect">
+            <a:avLst/>
+          </a:prstGeom>
+          <a:noFill/>
+          <a:ln w="38100">
+            <a:solidFill>
+              <a:srgbClr val="C00000"/>
+            </a:solidFill>
+          </a:ln>
+        </p:spPr>
+        <p:style>
+          <a:lnRef idx="2">
+            <a:schemeClr val="accent1">
+              <a:shade val="50000"/>
+            </a:schemeClr>
+          </a:lnRef>
+          <a:fillRef idx="1">
+            <a:schemeClr val="accent1"/>
+          </a:fillRef>
+          <a:effectRef idx="0">
+            <a:schemeClr val="accent1"/>
+          </a:effectRef>
+          <a:fontRef idx="minor">
+            <a:schemeClr val="lt1"/>
+          </a:fontRef>
+        </p:style>
+        <p:txBody>
+          <a:bodyPr rtlCol="0" anchor="ctr"/>
+          <a:lstStyle/>
+          <a:p>
+            <a:pPr algn="ctr"/>
+            <a:endParaRPr lang="en-US"/>
+          </a:p>
+        </p:txBody>
+      </p:sp>
+    </p:spTree>
+    <p:extLst>
+      <p:ext uri="{BB962C8B-B14F-4D97-AF65-F5344CB8AC3E}">
+        <p14:creationId xmlns:p14="http://schemas.microsoft.com/office/powerpoint/2010/main" val="1501556686"/>
+      </p:ext>
+    </p:extLst>
+  </p:cSld>
+  <p:clrMapOvr>
+    <a:masterClrMapping/>
+  </p:clrMapOvr>
+</p:sld>
+</file>
+
 <file path=ppt/slides/slide27.xml><?xml version="1.0" encoding="utf-8"?>
 <p:sld xmlns:a="http://schemas.openxmlformats.org/drawingml/2006/main" xmlns:r="http://schemas.openxmlformats.org/officeDocument/2006/relationships" xmlns:p="http://schemas.openxmlformats.org/presentationml/2006/main">
   <p:cSld>
@@ -10144,7 +12254,7 @@
         </p:spPr>
         <p:txBody>
           <a:bodyPr>
-            <a:normAutofit/>
+            <a:normAutofit fontScale="90000"/>
           </a:bodyPr>
           <a:lstStyle/>
           <a:p>
@@ -10155,7 +12265,7 @@
             </a:pPr>
             <a:r>
               <a:rPr lang="en-US" sz="4400" b="1" dirty="0"/>
-              <a:t>Matrix Controller</a:t>
+              <a:t>Convolution Accelerator Top Wrapper</a:t>
             </a:r>
           </a:p>
         </p:txBody>
@@ -10174,8 +12284,8 @@
         </p:nvSpPr>
         <p:spPr>
           <a:xfrm>
-            <a:off x="690284" y="535596"/>
-            <a:ext cx="5515207" cy="6178614"/>
+            <a:off x="690283" y="535596"/>
+            <a:ext cx="7290741" cy="6178614"/>
           </a:xfrm>
           <a:prstGeom prst="rect">
             <a:avLst/>
@@ -10282,7 +12392,7 @@
               </a:spcBef>
             </a:pPr>
             <a:r>
-              <a:rPr lang="en-US" sz="3200" b="1" dirty="0"/>
+              <a:rPr lang="en-US" sz="2100" dirty="0"/>
               <a:t>-Matrix Controller</a:t>
             </a:r>
           </a:p>
@@ -10293,7 +12403,7 @@
               </a:spcBef>
             </a:pPr>
             <a:r>
-              <a:rPr lang="en-US" sz="2100" dirty="0"/>
+              <a:rPr lang="en-US" sz="2800" b="1" dirty="0"/>
               <a:t>-Convolution Accelerator Top Wrapper</a:t>
             </a:r>
           </a:p>
@@ -10368,7 +12478,7 @@
     </p:spTree>
     <p:extLst>
       <p:ext uri="{BB962C8B-B14F-4D97-AF65-F5344CB8AC3E}">
-        <p14:creationId xmlns:p14="http://schemas.microsoft.com/office/powerpoint/2010/main" val="1581128267"/>
+        <p14:creationId xmlns:p14="http://schemas.microsoft.com/office/powerpoint/2010/main" val="3084960270"/>
       </p:ext>
     </p:extLst>
   </p:cSld>
@@ -10413,14 +12523,12 @@
         </p:nvSpPr>
         <p:spPr>
           <a:xfrm>
-            <a:off x="838200" y="1690688"/>
-            <a:ext cx="10515600" cy="4904791"/>
+            <a:off x="838200" y="1185862"/>
+            <a:ext cx="10515600" cy="4486275"/>
           </a:xfrm>
         </p:spPr>
         <p:txBody>
-          <a:bodyPr>
-            <a:normAutofit/>
-          </a:bodyPr>
+          <a:bodyPr/>
           <a:lstStyle/>
           <a:p>
             <a:pPr>
@@ -10429,14 +12537,8 @@
             </a:pPr>
             <a:r>
               <a:rPr lang="en-US" sz="2400" dirty="0"/>
-              <a:t>Now with hardware to allow for external data input, a state machine controller is needed to complete computation</a:t>
-            </a:r>
-          </a:p>
-          <a:p>
-            <a:pPr marL="0" indent="0">
-              <a:buNone/>
-            </a:pPr>
-            <a:endParaRPr lang="en-US" sz="2400" dirty="0"/>
+              <a:t>A top-level package was created to wrap the input buffer, matrix accelerator, and controller into one design</a:t>
+            </a:r>
           </a:p>
           <a:p>
             <a:pPr>
@@ -10445,92 +12547,51 @@
             </a:pPr>
             <a:r>
               <a:rPr lang="en-US" sz="2400" dirty="0"/>
-              <a:t>The controller needs to:</a:t>
-            </a:r>
-          </a:p>
-          <a:p>
-            <a:pPr lvl="1">
-              <a:buFont typeface="Calibri" panose="020F0502020204030204" pitchFamily="34" charset="0"/>
-              <a:buChar char="⁻"/>
-            </a:pPr>
-            <a:r>
-              <a:rPr lang="en-US" dirty="0"/>
-              <a:t>Read data in the input buffer</a:t>
-            </a:r>
-          </a:p>
-          <a:p>
-            <a:pPr lvl="1">
-              <a:buFont typeface="Calibri" panose="020F0502020204030204" pitchFamily="34" charset="0"/>
-              <a:buChar char="⁻"/>
-            </a:pPr>
-            <a:r>
-              <a:rPr lang="en-US" dirty="0"/>
-              <a:t>Pipeline data into the matrix accelerator</a:t>
-            </a:r>
-          </a:p>
-          <a:p>
-            <a:pPr lvl="1">
-              <a:buFont typeface="Calibri" panose="020F0502020204030204" pitchFamily="34" charset="0"/>
-              <a:buChar char="⁻"/>
-            </a:pPr>
-            <a:r>
-              <a:rPr lang="en-US" dirty="0"/>
-              <a:t>Use matrix accelerator control signals to generate convolution sum</a:t>
-            </a:r>
-          </a:p>
-          <a:p>
-            <a:pPr lvl="1">
-              <a:buFont typeface="Calibri" panose="020F0502020204030204" pitchFamily="34" charset="0"/>
-              <a:buChar char="⁻"/>
-            </a:pPr>
-            <a:endParaRPr lang="en-US" sz="1800" dirty="0"/>
-          </a:p>
-          <a:p>
-            <a:pPr>
-              <a:buFont typeface="Calibri" panose="020F0502020204030204" pitchFamily="34" charset="0"/>
-              <a:buChar char="⁻"/>
-            </a:pPr>
-            <a:r>
-              <a:rPr lang="en-US" sz="2400" dirty="0"/>
-              <a:t>The controller has three main states:</a:t>
-            </a:r>
-          </a:p>
-          <a:p>
-            <a:pPr lvl="1">
-              <a:buFont typeface="Calibri" panose="020F0502020204030204" pitchFamily="34" charset="0"/>
-              <a:buChar char="⁻"/>
-            </a:pPr>
-            <a:r>
-              <a:rPr lang="en-US" dirty="0"/>
-              <a:t>Reading data from the buffer</a:t>
-            </a:r>
-          </a:p>
-          <a:p>
-            <a:pPr lvl="1">
-              <a:buFont typeface="Calibri" panose="020F0502020204030204" pitchFamily="34" charset="0"/>
-              <a:buChar char="⁻"/>
-            </a:pPr>
-            <a:r>
-              <a:rPr lang="en-US" dirty="0"/>
-              <a:t>Multiplying the input values</a:t>
-            </a:r>
-          </a:p>
-          <a:p>
-            <a:pPr lvl="1">
-              <a:buFont typeface="Calibri" panose="020F0502020204030204" pitchFamily="34" charset="0"/>
-              <a:buChar char="⁻"/>
-            </a:pPr>
-            <a:r>
-              <a:rPr lang="en-US" dirty="0"/>
-              <a:t>Add the resulting products</a:t>
+              <a:t>Convolution Accelerator block diagram</a:t>
             </a:r>
           </a:p>
         </p:txBody>
       </p:sp>
+      <p:pic>
+        <p:nvPicPr>
+          <p:cNvPr id="5" name="Picture 4" descr="A picture containing light, photo, sitting, hanging&#10;&#10;Description automatically generated">
+            <a:extLst>
+              <a:ext uri="{FF2B5EF4-FFF2-40B4-BE49-F238E27FC236}">
+                <a16:creationId xmlns:a16="http://schemas.microsoft.com/office/drawing/2014/main" id="{0C26DC2B-72B8-4736-9D66-70FF67DB9A40}"/>
+              </a:ext>
+            </a:extLst>
+          </p:cNvPr>
+          <p:cNvPicPr>
+            <a:picLocks noChangeAspect="1"/>
+          </p:cNvPicPr>
+          <p:nvPr/>
+        </p:nvPicPr>
+        <p:blipFill>
+          <a:blip r:embed="rId3">
+            <a:extLst>
+              <a:ext uri="{28A0092B-C50C-407E-A947-70E740481C1C}">
+                <a14:useLocalDpi xmlns:a14="http://schemas.microsoft.com/office/drawing/2010/main" val="0"/>
+              </a:ext>
+            </a:extLst>
+          </a:blip>
+          <a:stretch>
+            <a:fillRect/>
+          </a:stretch>
+        </p:blipFill>
+        <p:spPr>
+          <a:xfrm>
+            <a:off x="533154" y="2924174"/>
+            <a:ext cx="11125692" cy="3053935"/>
+          </a:xfrm>
+          <a:prstGeom prst="rect">
+            <a:avLst/>
+          </a:prstGeom>
+        </p:spPr>
+      </p:pic>
     </p:spTree>
     <p:extLst>
       <p:ext uri="{BB962C8B-B14F-4D97-AF65-F5344CB8AC3E}">
-        <p14:creationId xmlns:p14="http://schemas.microsoft.com/office/powerpoint/2010/main" val="1501556686"/>
+        <p14:creationId xmlns:p14="http://schemas.microsoft.com/office/powerpoint/2010/main" val="2330474005"/>
       </p:ext>
     </p:extLst>
   </p:cSld>
@@ -10592,7 +12653,7 @@
             </a:pPr>
             <a:r>
               <a:rPr lang="en-US" sz="4400" b="1" dirty="0"/>
-              <a:t>Convolution Accelerator Top Wrapper</a:t>
+              <a:t>Enabling Partial Reconfig</a:t>
             </a:r>
           </a:p>
         </p:txBody>
@@ -10611,8 +12672,8 @@
         </p:nvSpPr>
         <p:spPr>
           <a:xfrm>
-            <a:off x="690283" y="535596"/>
-            <a:ext cx="7290741" cy="6178614"/>
+            <a:off x="690284" y="535596"/>
+            <a:ext cx="5515207" cy="6178614"/>
           </a:xfrm>
           <a:prstGeom prst="rect">
             <a:avLst/>
@@ -10730,7 +12791,7 @@
               </a:spcBef>
             </a:pPr>
             <a:r>
-              <a:rPr lang="en-US" sz="2800" b="1" dirty="0"/>
+              <a:rPr lang="en-US" sz="2100" dirty="0"/>
               <a:t>-Convolution Accelerator Top Wrapper</a:t>
             </a:r>
           </a:p>
@@ -10741,7 +12802,7 @@
               </a:spcBef>
             </a:pPr>
             <a:r>
-              <a:rPr lang="en-US" sz="2100" dirty="0"/>
+              <a:rPr lang="en-US" sz="3200" b="1" dirty="0"/>
               <a:t>-Enabling Partial Reconfig</a:t>
             </a:r>
           </a:p>
@@ -10805,7 +12866,7 @@
     </p:spTree>
     <p:extLst>
       <p:ext uri="{BB962C8B-B14F-4D97-AF65-F5344CB8AC3E}">
-        <p14:creationId xmlns:p14="http://schemas.microsoft.com/office/powerpoint/2010/main" val="3084960270"/>
+        <p14:creationId xmlns:p14="http://schemas.microsoft.com/office/powerpoint/2010/main" val="3944708698"/>
       </p:ext>
     </p:extLst>
   </p:cSld>
@@ -10913,7 +12974,7 @@
           <p:nvPr/>
         </p:nvPicPr>
         <p:blipFill>
-          <a:blip r:embed="rId2">
+          <a:blip r:embed="rId3">
             <a:extLst>
               <a:ext uri="{28A0092B-C50C-407E-A947-70E740481C1C}">
                 <a14:useLocalDpi xmlns:a14="http://schemas.microsoft.com/office/drawing/2010/main" val="0"/>
@@ -10949,7 +13010,7 @@
         <p:spPr>
           <a:xfrm>
             <a:off x="838200" y="2657475"/>
-            <a:ext cx="6684487" cy="3477875"/>
+            <a:ext cx="6684487" cy="3785652"/>
           </a:xfrm>
           <a:prstGeom prst="rect">
             <a:avLst/>
@@ -10968,7 +13029,31 @@
             </a:pPr>
             <a:r>
               <a:rPr lang="en-US" sz="2000" dirty="0"/>
-              <a:t>This is a computationally intensive step used in many image processing algorithms </a:t>
+              <a:t>This is a computationally intensive step used in many image processing algorithms</a:t>
+            </a:r>
+          </a:p>
+          <a:p>
+            <a:pPr marL="342900" indent="-342900">
+              <a:buFont typeface="Calibri" panose="020F0502020204030204" pitchFamily="34" charset="0"/>
+              <a:buChar char="⁻"/>
+            </a:pPr>
+            <a:endParaRPr lang="en-US" sz="2000" dirty="0"/>
+          </a:p>
+          <a:p>
+            <a:pPr marL="342900" indent="-342900">
+              <a:buFont typeface="Calibri" panose="020F0502020204030204" pitchFamily="34" charset="0"/>
+              <a:buChar char="⁻"/>
+            </a:pPr>
+            <a:endParaRPr lang="en-US" sz="2000" dirty="0"/>
+          </a:p>
+          <a:p>
+            <a:pPr marL="342900" indent="-342900">
+              <a:buFont typeface="Calibri" panose="020F0502020204030204" pitchFamily="34" charset="0"/>
+              <a:buChar char="⁻"/>
+            </a:pPr>
+            <a:r>
+              <a:rPr lang="en-US" sz="2000" dirty="0"/>
+              <a:t>The design must accept multiple data types</a:t>
             </a:r>
           </a:p>
           <a:p>
@@ -10978,24 +13063,7 @@
             </a:pPr>
             <a:r>
               <a:rPr lang="en-US" sz="2000" dirty="0"/>
-              <a:t>can benefit from hardware acceleration</a:t>
-            </a:r>
-          </a:p>
-          <a:p>
-            <a:pPr marL="342900" indent="-342900">
-              <a:buFont typeface="Calibri" panose="020F0502020204030204" pitchFamily="34" charset="0"/>
-              <a:buChar char="⁻"/>
-            </a:pPr>
-            <a:endParaRPr lang="en-US" sz="2000" dirty="0"/>
-          </a:p>
-          <a:p>
-            <a:pPr marL="342900" indent="-342900">
-              <a:buFont typeface="Calibri" panose="020F0502020204030204" pitchFamily="34" charset="0"/>
-              <a:buChar char="⁻"/>
-            </a:pPr>
-            <a:r>
-              <a:rPr lang="en-US" sz="2000" dirty="0"/>
-              <a:t>The design must accept multiple data types</a:t>
+              <a:t>Integer data values</a:t>
             </a:r>
           </a:p>
           <a:p>
@@ -11005,7 +13073,7 @@
             </a:pPr>
             <a:r>
               <a:rPr lang="en-US" sz="2000" dirty="0"/>
-              <a:t>Integer data values</a:t>
+              <a:t>Floating point data values</a:t>
             </a:r>
           </a:p>
           <a:p>
@@ -11015,18 +13083,16 @@
             </a:pPr>
             <a:r>
               <a:rPr lang="en-US" sz="2000" dirty="0"/>
-              <a:t>Floating point data values</a:t>
-            </a:r>
-          </a:p>
-          <a:p>
-            <a:pPr marL="800100" lvl="1" indent="-342900">
-              <a:buFont typeface="Calibri" panose="020F0502020204030204" pitchFamily="34" charset="0"/>
-              <a:buChar char="⁻"/>
-            </a:pPr>
-            <a:r>
-              <a:rPr lang="en-US" sz="2000" dirty="0"/>
-              <a:t>Fixed point data values</a:t>
-            </a:r>
+              <a:t>Fixed point </a:t>
+            </a:r>
+            <a:r>
+              <a:rPr lang="en-US" sz="2000"/>
+              <a:t>data values</a:t>
+            </a:r>
+          </a:p>
+          <a:p>
+            <a:pPr lvl="1"/>
+            <a:endParaRPr lang="en-US" sz="2000" dirty="0"/>
           </a:p>
           <a:p>
             <a:pPr lvl="1"/>
@@ -11074,69 +13140,12 @@
           <a:chExt cx="0" cy="0"/>
         </a:xfrm>
       </p:grpSpPr>
-      <p:sp>
-        <p:nvSpPr>
-          <p:cNvPr id="4" name="Content Placeholder 2">
+      <p:pic>
+        <p:nvPicPr>
+          <p:cNvPr id="11" name="Picture 10">
             <a:extLst>
               <a:ext uri="{FF2B5EF4-FFF2-40B4-BE49-F238E27FC236}">
-                <a16:creationId xmlns:a16="http://schemas.microsoft.com/office/drawing/2014/main" id="{447C0C06-9D20-4E1C-B34C-85D135AC9320}"/>
-              </a:ext>
-            </a:extLst>
-          </p:cNvPr>
-          <p:cNvSpPr>
-            <a:spLocks noGrp="1"/>
-          </p:cNvSpPr>
-          <p:nvPr>
-            <p:ph idx="1"/>
-          </p:nvPr>
-        </p:nvSpPr>
-        <p:spPr>
-          <a:xfrm>
-            <a:off x="838200" y="1690688"/>
-            <a:ext cx="10515600" cy="4486275"/>
-          </a:xfrm>
-        </p:spPr>
-        <p:txBody>
-          <a:bodyPr/>
-          <a:lstStyle/>
-          <a:p>
-            <a:pPr>
-              <a:buFont typeface="Calibri" panose="020F0502020204030204" pitchFamily="34" charset="0"/>
-              <a:buChar char="⁻"/>
-            </a:pPr>
-            <a:r>
-              <a:rPr lang="en-US" sz="2400" dirty="0"/>
-              <a:t>A top-level package was created to wrap the input buffer, matrix accelerator, and controller into one design</a:t>
-            </a:r>
-          </a:p>
-          <a:p>
-            <a:pPr>
-              <a:buFont typeface="Calibri" panose="020F0502020204030204" pitchFamily="34" charset="0"/>
-              <a:buChar char="⁻"/>
-            </a:pPr>
-            <a:r>
-              <a:rPr lang="en-US" sz="2400" dirty="0"/>
-              <a:t>Convolution Accelerator block diagram</a:t>
-            </a:r>
-          </a:p>
-          <a:p>
-            <a:pPr>
-              <a:buFont typeface="Calibri" panose="020F0502020204030204" pitchFamily="34" charset="0"/>
-              <a:buChar char="⁻"/>
-            </a:pPr>
-            <a:r>
-              <a:rPr lang="en-US" sz="2400" dirty="0"/>
-              <a:t>This device has three dynamic configurations: Integer, Floating Point, Fixed Point</a:t>
-            </a:r>
-          </a:p>
-        </p:txBody>
-      </p:sp>
-      <p:pic>
-        <p:nvPicPr>
-          <p:cNvPr id="5" name="Picture 4" descr="A picture containing light, photo, sitting, hanging&#10;&#10;Description automatically generated">
-            <a:extLst>
-              <a:ext uri="{FF2B5EF4-FFF2-40B4-BE49-F238E27FC236}">
-                <a16:creationId xmlns:a16="http://schemas.microsoft.com/office/drawing/2014/main" id="{0C26DC2B-72B8-4736-9D66-70FF67DB9A40}"/>
+                <a16:creationId xmlns:a16="http://schemas.microsoft.com/office/drawing/2014/main" id="{A8EF29F9-EACE-4457-961D-5559155700E0}"/>
               </a:ext>
             </a:extLst>
           </p:cNvPr>
@@ -11146,589 +13155,21 @@
           <p:nvPr/>
         </p:nvPicPr>
         <p:blipFill>
-          <a:blip r:embed="rId2">
-            <a:extLst>
-              <a:ext uri="{28A0092B-C50C-407E-A947-70E740481C1C}">
-                <a14:useLocalDpi xmlns:a14="http://schemas.microsoft.com/office/drawing/2010/main" val="0"/>
-              </a:ext>
-            </a:extLst>
-          </a:blip>
+          <a:blip r:embed="rId3"/>
           <a:stretch>
             <a:fillRect/>
           </a:stretch>
         </p:blipFill>
         <p:spPr>
           <a:xfrm>
-            <a:off x="533154" y="3429000"/>
-            <a:ext cx="11125692" cy="3053935"/>
+            <a:off x="5091917" y="1777364"/>
+            <a:ext cx="6261882" cy="4522470"/>
           </a:xfrm>
           <a:prstGeom prst="rect">
             <a:avLst/>
           </a:prstGeom>
         </p:spPr>
       </p:pic>
-    </p:spTree>
-    <p:extLst>
-      <p:ext uri="{BB962C8B-B14F-4D97-AF65-F5344CB8AC3E}">
-        <p14:creationId xmlns:p14="http://schemas.microsoft.com/office/powerpoint/2010/main" val="2330474005"/>
-      </p:ext>
-    </p:extLst>
-  </p:cSld>
-  <p:clrMapOvr>
-    <a:masterClrMapping/>
-  </p:clrMapOvr>
-</p:sld>
-</file>
-
-<file path=ppt/slides/slide31.xml><?xml version="1.0" encoding="utf-8"?>
-<p:sld xmlns:a="http://schemas.openxmlformats.org/drawingml/2006/main" xmlns:r="http://schemas.openxmlformats.org/officeDocument/2006/relationships" xmlns:p="http://schemas.openxmlformats.org/presentationml/2006/main">
-  <p:cSld>
-    <p:spTree>
-      <p:nvGrpSpPr>
-        <p:cNvPr id="1" name=""/>
-        <p:cNvGrpSpPr/>
-        <p:nvPr/>
-      </p:nvGrpSpPr>
-      <p:grpSpPr>
-        <a:xfrm>
-          <a:off x="0" y="0"/>
-          <a:ext cx="0" cy="0"/>
-          <a:chOff x="0" y="0"/>
-          <a:chExt cx="0" cy="0"/>
-        </a:xfrm>
-      </p:grpSpPr>
-      <p:sp>
-        <p:nvSpPr>
-          <p:cNvPr id="4" name="Content Placeholder 2">
-            <a:extLst>
-              <a:ext uri="{FF2B5EF4-FFF2-40B4-BE49-F238E27FC236}">
-                <a16:creationId xmlns:a16="http://schemas.microsoft.com/office/drawing/2014/main" id="{447C0C06-9D20-4E1C-B34C-85D135AC9320}"/>
-              </a:ext>
-            </a:extLst>
-          </p:cNvPr>
-          <p:cNvSpPr>
-            <a:spLocks noGrp="1"/>
-          </p:cNvSpPr>
-          <p:nvPr>
-            <p:ph idx="1"/>
-          </p:nvPr>
-        </p:nvSpPr>
-        <p:spPr>
-          <a:xfrm>
-            <a:off x="838200" y="1690688"/>
-            <a:ext cx="10515600" cy="4486275"/>
-          </a:xfrm>
-        </p:spPr>
-        <p:txBody>
-          <a:bodyPr/>
-          <a:lstStyle/>
-          <a:p>
-            <a:pPr>
-              <a:buFont typeface="Calibri" panose="020F0502020204030204" pitchFamily="34" charset="0"/>
-              <a:buChar char="⁻"/>
-            </a:pPr>
-            <a:r>
-              <a:rPr lang="en-US" sz="2400" dirty="0"/>
-              <a:t>This package is currently being prototyped and fails the implementation phase due to timing issues</a:t>
-            </a:r>
-          </a:p>
-          <a:p>
-            <a:pPr marL="0" indent="0">
-              <a:buNone/>
-            </a:pPr>
-            <a:endParaRPr lang="en-US" sz="2400" dirty="0"/>
-          </a:p>
-          <a:p>
-            <a:pPr>
-              <a:buFont typeface="Calibri" panose="020F0502020204030204" pitchFamily="34" charset="0"/>
-              <a:buChar char="⁻"/>
-            </a:pPr>
-            <a:r>
-              <a:rPr lang="en-US" sz="2400" dirty="0"/>
-              <a:t>Timing issues are generally caused by unstable signals or undesirable combinational logic delay</a:t>
-            </a:r>
-          </a:p>
-          <a:p>
-            <a:pPr marL="0" indent="0">
-              <a:buNone/>
-            </a:pPr>
-            <a:endParaRPr lang="en-US" sz="2400" dirty="0"/>
-          </a:p>
-          <a:p>
-            <a:pPr>
-              <a:buFont typeface="Calibri" panose="020F0502020204030204" pitchFamily="34" charset="0"/>
-              <a:buChar char="⁻"/>
-            </a:pPr>
-            <a:endParaRPr lang="en-US" sz="2400" dirty="0"/>
-          </a:p>
-        </p:txBody>
-      </p:sp>
-      <p:grpSp>
-        <p:nvGrpSpPr>
-          <p:cNvPr id="18" name="Group 17">
-            <a:extLst>
-              <a:ext uri="{FF2B5EF4-FFF2-40B4-BE49-F238E27FC236}">
-                <a16:creationId xmlns:a16="http://schemas.microsoft.com/office/drawing/2014/main" id="{631C4D9B-2DD9-4D36-BC03-5FDED2D5A4D1}"/>
-              </a:ext>
-            </a:extLst>
-          </p:cNvPr>
-          <p:cNvGrpSpPr/>
-          <p:nvPr/>
-        </p:nvGrpSpPr>
-        <p:grpSpPr>
-          <a:xfrm>
-            <a:off x="2148763" y="3923071"/>
-            <a:ext cx="7894473" cy="2569804"/>
-            <a:chOff x="1654615" y="3016251"/>
-            <a:chExt cx="8882769" cy="2938029"/>
-          </a:xfrm>
-        </p:grpSpPr>
-        <p:pic>
-          <p:nvPicPr>
-            <p:cNvPr id="6" name="Picture 5" descr="A screenshot of a computer&#10;&#10;Description automatically generated">
-              <a:extLst>
-                <a:ext uri="{FF2B5EF4-FFF2-40B4-BE49-F238E27FC236}">
-                  <a16:creationId xmlns:a16="http://schemas.microsoft.com/office/drawing/2014/main" id="{D8E22361-788E-41A2-9BF9-D94345B0815F}"/>
-                </a:ext>
-              </a:extLst>
-            </p:cNvPr>
-            <p:cNvPicPr>
-              <a:picLocks noChangeAspect="1"/>
-            </p:cNvPicPr>
-            <p:nvPr/>
-          </p:nvPicPr>
-          <p:blipFill>
-            <a:blip r:embed="rId2">
-              <a:extLst>
-                <a:ext uri="{28A0092B-C50C-407E-A947-70E740481C1C}">
-                  <a14:useLocalDpi xmlns:a14="http://schemas.microsoft.com/office/drawing/2010/main" val="0"/>
-                </a:ext>
-              </a:extLst>
-            </a:blip>
-            <a:stretch>
-              <a:fillRect/>
-            </a:stretch>
-          </p:blipFill>
-          <p:spPr>
-            <a:xfrm>
-              <a:off x="1654615" y="3016251"/>
-              <a:ext cx="8882769" cy="2938029"/>
-            </a:xfrm>
-            <a:prstGeom prst="rect">
-              <a:avLst/>
-            </a:prstGeom>
-          </p:spPr>
-        </p:pic>
-        <p:sp>
-          <p:nvSpPr>
-            <p:cNvPr id="15" name="Rectangle 14">
-              <a:extLst>
-                <a:ext uri="{FF2B5EF4-FFF2-40B4-BE49-F238E27FC236}">
-                  <a16:creationId xmlns:a16="http://schemas.microsoft.com/office/drawing/2014/main" id="{494AC8DF-8879-40E0-8F2C-2EB165D58EB7}"/>
-                </a:ext>
-              </a:extLst>
-            </p:cNvPr>
-            <p:cNvSpPr/>
-            <p:nvPr/>
-          </p:nvSpPr>
-          <p:spPr>
-            <a:xfrm>
-              <a:off x="5250426" y="4029259"/>
-              <a:ext cx="672526" cy="182880"/>
-            </a:xfrm>
-            <a:prstGeom prst="rect">
-              <a:avLst/>
-            </a:prstGeom>
-            <a:noFill/>
-            <a:ln w="28575">
-              <a:solidFill>
-                <a:srgbClr val="00B0F0"/>
-              </a:solidFill>
-            </a:ln>
-          </p:spPr>
-          <p:style>
-            <a:lnRef idx="2">
-              <a:schemeClr val="accent1">
-                <a:shade val="50000"/>
-              </a:schemeClr>
-            </a:lnRef>
-            <a:fillRef idx="1">
-              <a:schemeClr val="accent1"/>
-            </a:fillRef>
-            <a:effectRef idx="0">
-              <a:schemeClr val="accent1"/>
-            </a:effectRef>
-            <a:fontRef idx="minor">
-              <a:schemeClr val="lt1"/>
-            </a:fontRef>
-          </p:style>
-          <p:txBody>
-            <a:bodyPr rtlCol="0" anchor="ctr"/>
-            <a:lstStyle/>
-            <a:p>
-              <a:pPr algn="ctr"/>
-              <a:endParaRPr lang="en-US"/>
-            </a:p>
-          </p:txBody>
-        </p:sp>
-        <p:sp>
-          <p:nvSpPr>
-            <p:cNvPr id="17" name="Rectangle 16">
-              <a:extLst>
-                <a:ext uri="{FF2B5EF4-FFF2-40B4-BE49-F238E27FC236}">
-                  <a16:creationId xmlns:a16="http://schemas.microsoft.com/office/drawing/2014/main" id="{B45FC6D7-D406-462B-A585-047E73681C57}"/>
-                </a:ext>
-              </a:extLst>
-            </p:cNvPr>
-            <p:cNvSpPr/>
-            <p:nvPr/>
-          </p:nvSpPr>
-          <p:spPr>
-            <a:xfrm>
-              <a:off x="5250426" y="4212139"/>
-              <a:ext cx="247773" cy="182880"/>
-            </a:xfrm>
-            <a:prstGeom prst="rect">
-              <a:avLst/>
-            </a:prstGeom>
-            <a:noFill/>
-            <a:ln w="28575">
-              <a:solidFill>
-                <a:srgbClr val="00B0F0"/>
-              </a:solidFill>
-            </a:ln>
-          </p:spPr>
-          <p:style>
-            <a:lnRef idx="2">
-              <a:schemeClr val="accent1">
-                <a:shade val="50000"/>
-              </a:schemeClr>
-            </a:lnRef>
-            <a:fillRef idx="1">
-              <a:schemeClr val="accent1"/>
-            </a:fillRef>
-            <a:effectRef idx="0">
-              <a:schemeClr val="accent1"/>
-            </a:effectRef>
-            <a:fontRef idx="minor">
-              <a:schemeClr val="lt1"/>
-            </a:fontRef>
-          </p:style>
-          <p:txBody>
-            <a:bodyPr rtlCol="0" anchor="ctr"/>
-            <a:lstStyle/>
-            <a:p>
-              <a:pPr algn="ctr"/>
-              <a:endParaRPr lang="en-US"/>
-            </a:p>
-          </p:txBody>
-        </p:sp>
-      </p:grpSp>
-    </p:spTree>
-    <p:extLst>
-      <p:ext uri="{BB962C8B-B14F-4D97-AF65-F5344CB8AC3E}">
-        <p14:creationId xmlns:p14="http://schemas.microsoft.com/office/powerpoint/2010/main" val="1222651902"/>
-      </p:ext>
-    </p:extLst>
-  </p:cSld>
-  <p:clrMapOvr>
-    <a:masterClrMapping/>
-  </p:clrMapOvr>
-</p:sld>
-</file>
-
-<file path=ppt/slides/slide32.xml><?xml version="1.0" encoding="utf-8"?>
-<p:sld xmlns:a="http://schemas.openxmlformats.org/drawingml/2006/main" xmlns:r="http://schemas.openxmlformats.org/officeDocument/2006/relationships" xmlns:p="http://schemas.openxmlformats.org/presentationml/2006/main">
-  <p:cSld>
-    <p:spTree>
-      <p:nvGrpSpPr>
-        <p:cNvPr id="1" name=""/>
-        <p:cNvGrpSpPr/>
-        <p:nvPr/>
-      </p:nvGrpSpPr>
-      <p:grpSpPr>
-        <a:xfrm>
-          <a:off x="0" y="0"/>
-          <a:ext cx="0" cy="0"/>
-          <a:chOff x="0" y="0"/>
-          <a:chExt cx="0" cy="0"/>
-        </a:xfrm>
-      </p:grpSpPr>
-      <p:sp>
-        <p:nvSpPr>
-          <p:cNvPr id="2" name="Title 1">
-            <a:extLst>
-              <a:ext uri="{FF2B5EF4-FFF2-40B4-BE49-F238E27FC236}">
-                <a16:creationId xmlns:a16="http://schemas.microsoft.com/office/drawing/2014/main" id="{4F7B6B69-DEE4-48AD-9D41-357592C3F9DB}"/>
-              </a:ext>
-            </a:extLst>
-          </p:cNvPr>
-          <p:cNvSpPr>
-            <a:spLocks noGrp="1"/>
-          </p:cNvSpPr>
-          <p:nvPr>
-            <p:ph type="title"/>
-          </p:nvPr>
-        </p:nvSpPr>
-        <p:spPr>
-          <a:xfrm>
-            <a:off x="7617041" y="2750820"/>
-            <a:ext cx="3884675" cy="1356360"/>
-          </a:xfrm>
-        </p:spPr>
-        <p:txBody>
-          <a:bodyPr>
-            <a:normAutofit fontScale="90000"/>
-          </a:bodyPr>
-          <a:lstStyle/>
-          <a:p>
-            <a:pPr algn="r">
-              <a:spcBef>
-                <a:spcPts val="300"/>
-              </a:spcBef>
-            </a:pPr>
-            <a:r>
-              <a:rPr lang="en-US" sz="4400" b="1" dirty="0"/>
-              <a:t>Enabling Partial Reconfig</a:t>
-            </a:r>
-          </a:p>
-        </p:txBody>
-      </p:sp>
-      <p:sp>
-        <p:nvSpPr>
-          <p:cNvPr id="6" name="TextBox 5">
-            <a:extLst>
-              <a:ext uri="{FF2B5EF4-FFF2-40B4-BE49-F238E27FC236}">
-                <a16:creationId xmlns:a16="http://schemas.microsoft.com/office/drawing/2014/main" id="{354D8DEE-F284-4B52-8F58-8958FEB2ED40}"/>
-              </a:ext>
-            </a:extLst>
-          </p:cNvPr>
-          <p:cNvSpPr txBox="1"/>
-          <p:nvPr/>
-        </p:nvSpPr>
-        <p:spPr>
-          <a:xfrm>
-            <a:off x="690284" y="535596"/>
-            <a:ext cx="5515207" cy="6178614"/>
-          </a:xfrm>
-          <a:prstGeom prst="rect">
-            <a:avLst/>
-          </a:prstGeom>
-          <a:noFill/>
-        </p:spPr>
-        <p:txBody>
-          <a:bodyPr wrap="square" rtlCol="0">
-            <a:spAutoFit/>
-          </a:bodyPr>
-          <a:lstStyle/>
-          <a:p>
-            <a:pPr>
-              <a:spcBef>
-                <a:spcPts val="300"/>
-              </a:spcBef>
-            </a:pPr>
-            <a:r>
-              <a:rPr lang="en-US" sz="2100" dirty="0"/>
-              <a:t>-Design Objective</a:t>
-            </a:r>
-          </a:p>
-          <a:p>
-            <a:pPr>
-              <a:spcBef>
-                <a:spcPts val="300"/>
-              </a:spcBef>
-            </a:pPr>
-            <a:r>
-              <a:rPr lang="en-US" sz="2100" dirty="0"/>
-              <a:t>-Intro to Vivado</a:t>
-            </a:r>
-          </a:p>
-          <a:p>
-            <a:pPr>
-              <a:spcBef>
-                <a:spcPts val="300"/>
-              </a:spcBef>
-            </a:pPr>
-            <a:r>
-              <a:rPr lang="en-US" sz="2100" dirty="0"/>
-              <a:t>-Learn Verilog</a:t>
-            </a:r>
-          </a:p>
-          <a:p>
-            <a:pPr>
-              <a:spcBef>
-                <a:spcPts val="300"/>
-              </a:spcBef>
-            </a:pPr>
-            <a:r>
-              <a:rPr lang="en-US" sz="2100" dirty="0"/>
-              <a:t>-Partial Reconfig Multipliers</a:t>
-            </a:r>
-          </a:p>
-          <a:p>
-            <a:pPr>
-              <a:spcBef>
-                <a:spcPts val="300"/>
-              </a:spcBef>
-            </a:pPr>
-            <a:r>
-              <a:rPr lang="en-US" sz="2100" dirty="0"/>
-              <a:t>-Crossbar Data Switch</a:t>
-            </a:r>
-          </a:p>
-          <a:p>
-            <a:pPr>
-              <a:spcBef>
-                <a:spcPts val="300"/>
-              </a:spcBef>
-            </a:pPr>
-            <a:r>
-              <a:rPr lang="en-US" sz="2100" dirty="0"/>
-              <a:t>-Partial Reconfig Adder</a:t>
-            </a:r>
-          </a:p>
-          <a:p>
-            <a:pPr>
-              <a:spcBef>
-                <a:spcPts val="300"/>
-              </a:spcBef>
-            </a:pPr>
-            <a:r>
-              <a:rPr lang="en-US" sz="2100" dirty="0"/>
-              <a:t>-Matrix Accelerator</a:t>
-            </a:r>
-          </a:p>
-          <a:p>
-            <a:pPr>
-              <a:spcBef>
-                <a:spcPts val="300"/>
-              </a:spcBef>
-            </a:pPr>
-            <a:r>
-              <a:rPr lang="en-US" sz="2100" dirty="0"/>
-              <a:t>-Asynchronous FIFO</a:t>
-            </a:r>
-          </a:p>
-          <a:p>
-            <a:pPr>
-              <a:spcBef>
-                <a:spcPts val="300"/>
-              </a:spcBef>
-            </a:pPr>
-            <a:r>
-              <a:rPr lang="en-US" sz="2100" dirty="0"/>
-              <a:t>-Matrix Controller</a:t>
-            </a:r>
-          </a:p>
-          <a:p>
-            <a:pPr>
-              <a:spcBef>
-                <a:spcPts val="300"/>
-              </a:spcBef>
-            </a:pPr>
-            <a:r>
-              <a:rPr lang="en-US" sz="2100" dirty="0"/>
-              <a:t>-Convolution Accelerator Top Wrapper</a:t>
-            </a:r>
-          </a:p>
-          <a:p>
-            <a:pPr>
-              <a:spcBef>
-                <a:spcPts val="300"/>
-              </a:spcBef>
-            </a:pPr>
-            <a:r>
-              <a:rPr lang="en-US" sz="3200" b="1" dirty="0"/>
-              <a:t>-Enabling Partial Reconfig</a:t>
-            </a:r>
-          </a:p>
-          <a:p>
-            <a:pPr>
-              <a:spcBef>
-                <a:spcPts val="300"/>
-              </a:spcBef>
-            </a:pPr>
-            <a:r>
-              <a:rPr lang="en-US" sz="2100" dirty="0"/>
-              <a:t>-Dynamic Resources </a:t>
-            </a:r>
-          </a:p>
-          <a:p>
-            <a:pPr>
-              <a:spcBef>
-                <a:spcPts val="300"/>
-              </a:spcBef>
-            </a:pPr>
-            <a:r>
-              <a:rPr lang="en-US" sz="2100" dirty="0"/>
-              <a:t>	-Floorplan</a:t>
-            </a:r>
-          </a:p>
-          <a:p>
-            <a:pPr>
-              <a:spcBef>
-                <a:spcPts val="300"/>
-              </a:spcBef>
-            </a:pPr>
-            <a:r>
-              <a:rPr lang="en-US" sz="2100" dirty="0"/>
-              <a:t>	-Resource Utilization</a:t>
-            </a:r>
-          </a:p>
-          <a:p>
-            <a:pPr>
-              <a:spcBef>
-                <a:spcPts val="300"/>
-              </a:spcBef>
-            </a:pPr>
-            <a:r>
-              <a:rPr lang="en-US" sz="2100" dirty="0"/>
-              <a:t>	-Power Report</a:t>
-            </a:r>
-          </a:p>
-          <a:p>
-            <a:pPr>
-              <a:spcBef>
-                <a:spcPts val="300"/>
-              </a:spcBef>
-            </a:pPr>
-            <a:r>
-              <a:rPr lang="en-US" sz="2100" dirty="0"/>
-              <a:t>-Conclusions</a:t>
-            </a:r>
-          </a:p>
-        </p:txBody>
-      </p:sp>
-    </p:spTree>
-    <p:extLst>
-      <p:ext uri="{BB962C8B-B14F-4D97-AF65-F5344CB8AC3E}">
-        <p14:creationId xmlns:p14="http://schemas.microsoft.com/office/powerpoint/2010/main" val="3944708698"/>
-      </p:ext>
-    </p:extLst>
-  </p:cSld>
-  <p:clrMapOvr>
-    <a:masterClrMapping/>
-  </p:clrMapOvr>
-</p:sld>
-</file>
-
-<file path=ppt/slides/slide33.xml><?xml version="1.0" encoding="utf-8"?>
-<p:sld xmlns:a="http://schemas.openxmlformats.org/drawingml/2006/main" xmlns:r="http://schemas.openxmlformats.org/officeDocument/2006/relationships" xmlns:p="http://schemas.openxmlformats.org/presentationml/2006/main">
-  <p:cSld>
-    <p:spTree>
-      <p:nvGrpSpPr>
-        <p:cNvPr id="1" name=""/>
-        <p:cNvGrpSpPr/>
-        <p:nvPr/>
-      </p:nvGrpSpPr>
-      <p:grpSpPr>
-        <a:xfrm>
-          <a:off x="0" y="0"/>
-          <a:ext cx="0" cy="0"/>
-          <a:chOff x="0" y="0"/>
-          <a:chExt cx="0" cy="0"/>
-        </a:xfrm>
-      </p:grpSpPr>
       <p:sp>
         <p:nvSpPr>
           <p:cNvPr id="5" name="Content Placeholder 2">
@@ -11747,7 +13188,7 @@
         </p:nvSpPr>
         <p:spPr>
           <a:xfrm>
-            <a:off x="838200" y="1690688"/>
+            <a:off x="838200" y="1054091"/>
             <a:ext cx="10515600" cy="1011217"/>
           </a:xfrm>
         </p:spPr>
@@ -11768,35 +13209,6 @@
           </a:p>
         </p:txBody>
       </p:sp>
-      <p:pic>
-        <p:nvPicPr>
-          <p:cNvPr id="7" name="Picture 6">
-            <a:extLst>
-              <a:ext uri="{FF2B5EF4-FFF2-40B4-BE49-F238E27FC236}">
-                <a16:creationId xmlns:a16="http://schemas.microsoft.com/office/drawing/2014/main" id="{5D87A3B7-B81E-41A2-A802-4A2E5E05483D}"/>
-              </a:ext>
-            </a:extLst>
-          </p:cNvPr>
-          <p:cNvPicPr>
-            <a:picLocks noChangeAspect="1"/>
-          </p:cNvPicPr>
-          <p:nvPr/>
-        </p:nvPicPr>
-        <p:blipFill rotWithShape="1">
-          <a:blip r:embed="rId3"/>
-          <a:srcRect r="59335"/>
-          <a:stretch/>
-        </p:blipFill>
-        <p:spPr>
-          <a:xfrm>
-            <a:off x="8599551" y="2701905"/>
-            <a:ext cx="2754249" cy="3547796"/>
-          </a:xfrm>
-          <a:prstGeom prst="rect">
-            <a:avLst/>
-          </a:prstGeom>
-        </p:spPr>
-      </p:pic>
       <p:sp>
         <p:nvSpPr>
           <p:cNvPr id="8" name="Content Placeholder 2">
@@ -11813,8 +13225,8 @@
         </p:nvSpPr>
         <p:spPr>
           <a:xfrm>
-            <a:off x="838200" y="2701905"/>
-            <a:ext cx="7761351" cy="3790969"/>
+            <a:off x="838201" y="2701905"/>
+            <a:ext cx="4381870" cy="3790969"/>
           </a:xfrm>
           <a:prstGeom prst="rect">
             <a:avLst/>
@@ -12010,20 +13422,18 @@
               <a:buFont typeface="Calibri" panose="020F0502020204030204" pitchFamily="34" charset="0"/>
               <a:buChar char="⁻"/>
             </a:pPr>
+            <a:endParaRPr lang="en-US" sz="2400" dirty="0"/>
+          </a:p>
+          <a:p>
+            <a:pPr>
+              <a:buFont typeface="Calibri" panose="020F0502020204030204" pitchFamily="34" charset="0"/>
+              <a:buChar char="⁻"/>
+            </a:pPr>
             <a:r>
               <a:rPr lang="en-US" sz="2400" dirty="0"/>
               <a:t>When converting a project to partially reconfigurable, simulation is no longer available</a:t>
             </a:r>
-          </a:p>
-          <a:p>
-            <a:pPr lvl="1">
-              <a:buFont typeface="Calibri" panose="020F0502020204030204" pitchFamily="34" charset="0"/>
-              <a:buChar char="⁻"/>
-            </a:pPr>
-            <a:r>
-              <a:rPr lang="en-US" sz="2000" dirty="0"/>
-              <a:t>It is recommended to flesh out much of a PR design while static, then create a new project for a dynamic version</a:t>
-            </a:r>
+            <a:endParaRPr lang="en-US" sz="2000" dirty="0"/>
           </a:p>
         </p:txBody>
       </p:sp>
@@ -12041,8 +13451,8 @@
         </p:nvSpPr>
         <p:spPr>
           <a:xfrm>
-            <a:off x="8782050" y="3975099"/>
-            <a:ext cx="876300" cy="127001"/>
+            <a:off x="5337810" y="3381375"/>
+            <a:ext cx="1055370" cy="219075"/>
           </a:xfrm>
           <a:prstGeom prst="rect">
             <a:avLst/>
@@ -12093,8 +13503,8 @@
         </p:nvSpPr>
         <p:spPr>
           <a:xfrm>
-            <a:off x="9976675" y="3975099"/>
-            <a:ext cx="767525" cy="127001"/>
+            <a:off x="6905625" y="3381375"/>
+            <a:ext cx="873125" cy="219075"/>
           </a:xfrm>
           <a:prstGeom prst="rect">
             <a:avLst/>
@@ -12144,7 +13554,7 @@
 </p:sld>
 </file>
 
-<file path=ppt/slides/slide34.xml><?xml version="1.0" encoding="utf-8"?>
+<file path=ppt/slides/slide31.xml><?xml version="1.0" encoding="utf-8"?>
 <p:sld xmlns:a="http://schemas.openxmlformats.org/drawingml/2006/main" xmlns:r="http://schemas.openxmlformats.org/officeDocument/2006/relationships" xmlns:p="http://schemas.openxmlformats.org/presentationml/2006/main">
   <p:cSld>
     <p:spTree>
@@ -12303,7 +13713,7 @@
 </p:sld>
 </file>
 
-<file path=ppt/slides/slide35.xml><?xml version="1.0" encoding="utf-8"?>
+<file path=ppt/slides/slide32.xml><?xml version="1.0" encoding="utf-8"?>
 <p:sld xmlns:a="http://schemas.openxmlformats.org/drawingml/2006/main" xmlns:r="http://schemas.openxmlformats.org/officeDocument/2006/relationships" xmlns:p="http://schemas.openxmlformats.org/presentationml/2006/main">
   <p:cSld>
     <p:spTree>
@@ -12458,7 +13868,7 @@
 </p:sld>
 </file>
 
-<file path=ppt/slides/slide36.xml><?xml version="1.0" encoding="utf-8"?>
+<file path=ppt/slides/slide33.xml><?xml version="1.0" encoding="utf-8"?>
 <p:sld xmlns:a="http://schemas.openxmlformats.org/drawingml/2006/main" xmlns:r="http://schemas.openxmlformats.org/officeDocument/2006/relationships" xmlns:p="http://schemas.openxmlformats.org/presentationml/2006/main">
   <p:cSld>
     <p:spTree>
@@ -12566,7 +13976,7 @@
 </p:sld>
 </file>
 
-<file path=ppt/slides/slide37.xml><?xml version="1.0" encoding="utf-8"?>
+<file path=ppt/slides/slide34.xml><?xml version="1.0" encoding="utf-8"?>
 <p:sld xmlns:a="http://schemas.openxmlformats.org/drawingml/2006/main" xmlns:r="http://schemas.openxmlformats.org/officeDocument/2006/relationships" xmlns:p="http://schemas.openxmlformats.org/presentationml/2006/main">
   <p:cSld>
     <p:spTree>
@@ -12613,8 +14023,8 @@
         </p:blipFill>
         <p:spPr>
           <a:xfrm>
-            <a:off x="6538088" y="1905258"/>
-            <a:ext cx="4129732" cy="4038600"/>
+            <a:off x="6336150" y="929858"/>
+            <a:ext cx="5111072" cy="4998284"/>
           </a:xfrm>
         </p:spPr>
       </p:pic>
@@ -12632,7 +14042,7 @@
         </p:nvSpPr>
         <p:spPr>
           <a:xfrm>
-            <a:off x="838200" y="1690688"/>
+            <a:off x="258084" y="1388441"/>
             <a:ext cx="5562846" cy="4081117"/>
           </a:xfrm>
           <a:prstGeom prst="rect">
@@ -12676,13 +14086,30 @@
               <a:buFont typeface="Calibri" panose="020F0502020204030204" pitchFamily="34" charset="0"/>
               <a:buChar char="⁻"/>
             </a:pPr>
-            <a:r>
-              <a:rPr lang="en-US" sz="2400" dirty="0"/>
-              <a:t>This pBlock should contain only the dynamic module. Static modules will be placed and routed automatically</a:t>
-            </a:r>
-          </a:p>
-          <a:p>
-            <a:pPr marL="57150" indent="-228600">
+            <a:endParaRPr lang="en-US" sz="2400" dirty="0"/>
+          </a:p>
+          <a:p>
+            <a:pPr marL="342900" indent="-228600">
+              <a:lnSpc>
+                <a:spcPct val="90000"/>
+              </a:lnSpc>
+              <a:buFont typeface="Calibri" panose="020F0502020204030204" pitchFamily="34" charset="0"/>
+              <a:buChar char="⁻"/>
+            </a:pPr>
+            <a:endParaRPr lang="en-US" sz="2400" dirty="0"/>
+          </a:p>
+          <a:p>
+            <a:pPr marL="342900" indent="-228600">
+              <a:lnSpc>
+                <a:spcPct val="90000"/>
+              </a:lnSpc>
+              <a:buFont typeface="Calibri" panose="020F0502020204030204" pitchFamily="34" charset="0"/>
+              <a:buChar char="⁻"/>
+            </a:pPr>
+            <a:endParaRPr lang="en-US" sz="2400" dirty="0"/>
+          </a:p>
+          <a:p>
+            <a:pPr marL="342900" indent="-228600">
               <a:lnSpc>
                 <a:spcPct val="90000"/>
               </a:lnSpc>
@@ -12722,8 +14149,8 @@
         </p:nvCxnSpPr>
         <p:spPr>
           <a:xfrm>
-            <a:off x="7898607" y="4945857"/>
-            <a:ext cx="488254" cy="330362"/>
+            <a:off x="8377338" y="4936033"/>
+            <a:ext cx="270221" cy="341921"/>
           </a:xfrm>
           <a:prstGeom prst="straightConnector1">
             <a:avLst/>
@@ -12764,8 +14191,8 @@
         </p:nvSpPr>
         <p:spPr>
           <a:xfrm>
-            <a:off x="8412956" y="5276219"/>
-            <a:ext cx="1178719" cy="362581"/>
+            <a:off x="8647559" y="5086350"/>
+            <a:ext cx="1363216" cy="383208"/>
           </a:xfrm>
           <a:prstGeom prst="rect">
             <a:avLst/>
@@ -12816,8 +14243,8 @@
         </p:nvSpPr>
         <p:spPr>
           <a:xfrm>
-            <a:off x="7010499" y="4741068"/>
-            <a:ext cx="862013" cy="461665"/>
+            <a:off x="7419976" y="4474368"/>
+            <a:ext cx="957362" cy="461665"/>
           </a:xfrm>
           <a:prstGeom prst="rect">
             <a:avLst/>
@@ -12860,8 +14287,8 @@
         </p:nvCxnSpPr>
         <p:spPr>
           <a:xfrm flipH="1">
-            <a:off x="9576430" y="4679788"/>
-            <a:ext cx="228502" cy="366081"/>
+            <a:off x="10086975" y="3749044"/>
+            <a:ext cx="152400" cy="610960"/>
           </a:xfrm>
           <a:prstGeom prst="straightConnector1">
             <a:avLst/>
@@ -12902,8 +14329,8 @@
         </p:nvSpPr>
         <p:spPr>
           <a:xfrm>
-            <a:off x="8693441" y="5074443"/>
-            <a:ext cx="873919" cy="166687"/>
+            <a:off x="9024204" y="4362385"/>
+            <a:ext cx="1896209" cy="721584"/>
           </a:xfrm>
           <a:prstGeom prst="rect">
             <a:avLst/>
@@ -12954,7 +14381,7 @@
         </p:nvSpPr>
         <p:spPr>
           <a:xfrm>
-            <a:off x="9690680" y="4167419"/>
+            <a:off x="9870524" y="3287379"/>
             <a:ext cx="878465" cy="461665"/>
           </a:xfrm>
           <a:prstGeom prst="rect">
@@ -12995,7 +14422,7 @@
 </p:sld>
 </file>
 
-<file path=ppt/slides/slide38.xml><?xml version="1.0" encoding="utf-8"?>
+<file path=ppt/slides/slide35.xml><?xml version="1.0" encoding="utf-8"?>
 <p:sld xmlns:a="http://schemas.openxmlformats.org/drawingml/2006/main" xmlns:r="http://schemas.openxmlformats.org/officeDocument/2006/relationships" xmlns:p="http://schemas.openxmlformats.org/presentationml/2006/main">
   <p:cSld>
     <p:spTree>
@@ -13281,7 +14708,7 @@
 </p:sld>
 </file>
 
-<file path=ppt/slides/slide39.xml><?xml version="1.0" encoding="utf-8"?>
+<file path=ppt/slides/slide36.xml><?xml version="1.0" encoding="utf-8"?>
 <p:sld xmlns:a="http://schemas.openxmlformats.org/drawingml/2006/main" xmlns:r="http://schemas.openxmlformats.org/officeDocument/2006/relationships" xmlns:p="http://schemas.openxmlformats.org/presentationml/2006/main">
   <p:cSld>
     <p:spTree>
@@ -13592,7 +15019,7 @@
 </p:sld>
 </file>
 
-<file path=ppt/slides/slide4.xml><?xml version="1.0" encoding="utf-8"?>
+<file path=ppt/slides/slide37.xml><?xml version="1.0" encoding="utf-8"?>
 <p:sld xmlns:a="http://schemas.openxmlformats.org/drawingml/2006/main" xmlns:r="http://schemas.openxmlformats.org/officeDocument/2006/relationships" xmlns:p="http://schemas.openxmlformats.org/presentationml/2006/main">
   <p:cSld>
     <p:spTree>
@@ -13627,279 +15054,6 @@
         </p:nvSpPr>
         <p:spPr>
           <a:xfrm>
-            <a:off x="7617041" y="2750820"/>
-            <a:ext cx="3884675" cy="1356360"/>
-          </a:xfrm>
-        </p:spPr>
-        <p:txBody>
-          <a:bodyPr/>
-          <a:lstStyle/>
-          <a:p>
-            <a:pPr algn="r">
-              <a:spcBef>
-                <a:spcPts val="300"/>
-              </a:spcBef>
-            </a:pPr>
-            <a:r>
-              <a:rPr lang="en-US" b="1" dirty="0"/>
-              <a:t>Intro to Vivado</a:t>
-            </a:r>
-          </a:p>
-        </p:txBody>
-      </p:sp>
-      <p:sp>
-        <p:nvSpPr>
-          <p:cNvPr id="6" name="TextBox 5">
-            <a:extLst>
-              <a:ext uri="{FF2B5EF4-FFF2-40B4-BE49-F238E27FC236}">
-                <a16:creationId xmlns:a16="http://schemas.microsoft.com/office/drawing/2014/main" id="{354D8DEE-F284-4B52-8F58-8958FEB2ED40}"/>
-              </a:ext>
-            </a:extLst>
-          </p:cNvPr>
-          <p:cNvSpPr txBox="1"/>
-          <p:nvPr/>
-        </p:nvSpPr>
-        <p:spPr>
-          <a:xfrm>
-            <a:off x="690284" y="535596"/>
-            <a:ext cx="4707339" cy="6070893"/>
-          </a:xfrm>
-          <a:prstGeom prst="rect">
-            <a:avLst/>
-          </a:prstGeom>
-          <a:noFill/>
-        </p:spPr>
-        <p:txBody>
-          <a:bodyPr wrap="square" rtlCol="0">
-            <a:spAutoFit/>
-          </a:bodyPr>
-          <a:lstStyle/>
-          <a:p>
-            <a:pPr>
-              <a:spcBef>
-                <a:spcPts val="300"/>
-              </a:spcBef>
-            </a:pPr>
-            <a:r>
-              <a:rPr lang="en-US" sz="2100" dirty="0"/>
-              <a:t>-Design Objective</a:t>
-            </a:r>
-          </a:p>
-          <a:p>
-            <a:pPr>
-              <a:spcBef>
-                <a:spcPts val="300"/>
-              </a:spcBef>
-            </a:pPr>
-            <a:r>
-              <a:rPr lang="en-US" sz="3200" b="1" dirty="0"/>
-              <a:t>-Intro to Vivado</a:t>
-            </a:r>
-          </a:p>
-          <a:p>
-            <a:pPr>
-              <a:spcBef>
-                <a:spcPts val="300"/>
-              </a:spcBef>
-            </a:pPr>
-            <a:r>
-              <a:rPr lang="en-US" sz="2100" dirty="0"/>
-              <a:t>-Learn Verilog</a:t>
-            </a:r>
-          </a:p>
-          <a:p>
-            <a:pPr>
-              <a:spcBef>
-                <a:spcPts val="300"/>
-              </a:spcBef>
-            </a:pPr>
-            <a:r>
-              <a:rPr lang="en-US" sz="2100" dirty="0"/>
-              <a:t>-Partial Reconfig Multipliers</a:t>
-            </a:r>
-          </a:p>
-          <a:p>
-            <a:pPr>
-              <a:spcBef>
-                <a:spcPts val="300"/>
-              </a:spcBef>
-            </a:pPr>
-            <a:r>
-              <a:rPr lang="en-US" sz="2100" dirty="0"/>
-              <a:t>-Crossbar Data Switch</a:t>
-            </a:r>
-          </a:p>
-          <a:p>
-            <a:pPr>
-              <a:spcBef>
-                <a:spcPts val="300"/>
-              </a:spcBef>
-            </a:pPr>
-            <a:r>
-              <a:rPr lang="en-US" sz="2100" dirty="0"/>
-              <a:t>-Partial Reconfig Adder</a:t>
-            </a:r>
-          </a:p>
-          <a:p>
-            <a:pPr>
-              <a:spcBef>
-                <a:spcPts val="300"/>
-              </a:spcBef>
-            </a:pPr>
-            <a:r>
-              <a:rPr lang="en-US" sz="2100" dirty="0"/>
-              <a:t>-Matrix Accelerator</a:t>
-            </a:r>
-          </a:p>
-          <a:p>
-            <a:pPr>
-              <a:spcBef>
-                <a:spcPts val="300"/>
-              </a:spcBef>
-            </a:pPr>
-            <a:r>
-              <a:rPr lang="en-US" sz="2100" dirty="0"/>
-              <a:t>-Asynchronous FIFO</a:t>
-            </a:r>
-          </a:p>
-          <a:p>
-            <a:pPr>
-              <a:spcBef>
-                <a:spcPts val="300"/>
-              </a:spcBef>
-            </a:pPr>
-            <a:r>
-              <a:rPr lang="en-US" sz="2100" dirty="0"/>
-              <a:t>-Matrix Controller</a:t>
-            </a:r>
-          </a:p>
-          <a:p>
-            <a:pPr>
-              <a:spcBef>
-                <a:spcPts val="300"/>
-              </a:spcBef>
-            </a:pPr>
-            <a:r>
-              <a:rPr lang="en-US" sz="2100" dirty="0"/>
-              <a:t>-Convolution Accelerator Top Wrapper</a:t>
-            </a:r>
-          </a:p>
-          <a:p>
-            <a:pPr>
-              <a:spcBef>
-                <a:spcPts val="300"/>
-              </a:spcBef>
-            </a:pPr>
-            <a:r>
-              <a:rPr lang="en-US" sz="2100" dirty="0"/>
-              <a:t>-Enabling Partial Reconfig</a:t>
-            </a:r>
-          </a:p>
-          <a:p>
-            <a:pPr>
-              <a:spcBef>
-                <a:spcPts val="300"/>
-              </a:spcBef>
-            </a:pPr>
-            <a:r>
-              <a:rPr lang="en-US" sz="2100" dirty="0"/>
-              <a:t>-Dynamic Resources </a:t>
-            </a:r>
-          </a:p>
-          <a:p>
-            <a:pPr>
-              <a:spcBef>
-                <a:spcPts val="300"/>
-              </a:spcBef>
-            </a:pPr>
-            <a:r>
-              <a:rPr lang="en-US" sz="2100" dirty="0"/>
-              <a:t>	-Floorplan</a:t>
-            </a:r>
-          </a:p>
-          <a:p>
-            <a:pPr>
-              <a:spcBef>
-                <a:spcPts val="300"/>
-              </a:spcBef>
-            </a:pPr>
-            <a:r>
-              <a:rPr lang="en-US" sz="2100" dirty="0"/>
-              <a:t>	-Resource Utilization</a:t>
-            </a:r>
-          </a:p>
-          <a:p>
-            <a:pPr>
-              <a:spcBef>
-                <a:spcPts val="300"/>
-              </a:spcBef>
-            </a:pPr>
-            <a:r>
-              <a:rPr lang="en-US" sz="2100" dirty="0"/>
-              <a:t>	-Power Report</a:t>
-            </a:r>
-          </a:p>
-          <a:p>
-            <a:pPr>
-              <a:spcBef>
-                <a:spcPts val="300"/>
-              </a:spcBef>
-            </a:pPr>
-            <a:r>
-              <a:rPr lang="en-US" sz="2100" dirty="0"/>
-              <a:t>-Conclusions</a:t>
-            </a:r>
-          </a:p>
-        </p:txBody>
-      </p:sp>
-    </p:spTree>
-    <p:extLst>
-      <p:ext uri="{BB962C8B-B14F-4D97-AF65-F5344CB8AC3E}">
-        <p14:creationId xmlns:p14="http://schemas.microsoft.com/office/powerpoint/2010/main" val="2599770126"/>
-      </p:ext>
-    </p:extLst>
-  </p:cSld>
-  <p:clrMapOvr>
-    <a:masterClrMapping/>
-  </p:clrMapOvr>
-</p:sld>
-</file>
-
-<file path=ppt/slides/slide40.xml><?xml version="1.0" encoding="utf-8"?>
-<p:sld xmlns:a="http://schemas.openxmlformats.org/drawingml/2006/main" xmlns:r="http://schemas.openxmlformats.org/officeDocument/2006/relationships" xmlns:p="http://schemas.openxmlformats.org/presentationml/2006/main">
-  <p:cSld>
-    <p:spTree>
-      <p:nvGrpSpPr>
-        <p:cNvPr id="1" name=""/>
-        <p:cNvGrpSpPr/>
-        <p:nvPr/>
-      </p:nvGrpSpPr>
-      <p:grpSpPr>
-        <a:xfrm>
-          <a:off x="0" y="0"/>
-          <a:ext cx="0" cy="0"/>
-          <a:chOff x="0" y="0"/>
-          <a:chExt cx="0" cy="0"/>
-        </a:xfrm>
-      </p:grpSpPr>
-      <p:sp>
-        <p:nvSpPr>
-          <p:cNvPr id="2" name="Title 1">
-            <a:extLst>
-              <a:ext uri="{FF2B5EF4-FFF2-40B4-BE49-F238E27FC236}">
-                <a16:creationId xmlns:a16="http://schemas.microsoft.com/office/drawing/2014/main" id="{4F7B6B69-DEE4-48AD-9D41-357592C3F9DB}"/>
-              </a:ext>
-            </a:extLst>
-          </p:cNvPr>
-          <p:cNvSpPr>
-            <a:spLocks noGrp="1"/>
-          </p:cNvSpPr>
-          <p:nvPr>
-            <p:ph type="title"/>
-          </p:nvPr>
-        </p:nvSpPr>
-        <p:spPr>
-          <a:xfrm>
             <a:off x="6649375" y="2750820"/>
             <a:ext cx="4852341" cy="1356360"/>
           </a:xfrm>
@@ -14156,7 +15310,7 @@
 </p:sld>
 </file>
 
-<file path=ppt/slides/slide41.xml><?xml version="1.0" encoding="utf-8"?>
+<file path=ppt/slides/slide38.xml><?xml version="1.0" encoding="utf-8"?>
 <p:sld xmlns:a="http://schemas.openxmlformats.org/drawingml/2006/main" xmlns:r="http://schemas.openxmlformats.org/officeDocument/2006/relationships" xmlns:p="http://schemas.openxmlformats.org/presentationml/2006/main">
   <p:cSld>
     <p:spTree>
@@ -14599,7 +15753,7 @@
 </p:sld>
 </file>
 
-<file path=ppt/slides/slide42.xml><?xml version="1.0" encoding="utf-8"?>
+<file path=ppt/slides/slide39.xml><?xml version="1.0" encoding="utf-8"?>
 <p:sld xmlns:a="http://schemas.openxmlformats.org/drawingml/2006/main" xmlns:r="http://schemas.openxmlformats.org/officeDocument/2006/relationships" xmlns:p="http://schemas.openxmlformats.org/presentationml/2006/main">
   <p:cSld>
     <p:spTree>
@@ -14885,7 +16039,280 @@
 </p:sld>
 </file>
 
-<file path=ppt/slides/slide43.xml><?xml version="1.0" encoding="utf-8"?>
+<file path=ppt/slides/slide4.xml><?xml version="1.0" encoding="utf-8"?>
+<p:sld xmlns:a="http://schemas.openxmlformats.org/drawingml/2006/main" xmlns:r="http://schemas.openxmlformats.org/officeDocument/2006/relationships" xmlns:p="http://schemas.openxmlformats.org/presentationml/2006/main">
+  <p:cSld>
+    <p:spTree>
+      <p:nvGrpSpPr>
+        <p:cNvPr id="1" name=""/>
+        <p:cNvGrpSpPr/>
+        <p:nvPr/>
+      </p:nvGrpSpPr>
+      <p:grpSpPr>
+        <a:xfrm>
+          <a:off x="0" y="0"/>
+          <a:ext cx="0" cy="0"/>
+          <a:chOff x="0" y="0"/>
+          <a:chExt cx="0" cy="0"/>
+        </a:xfrm>
+      </p:grpSpPr>
+      <p:sp>
+        <p:nvSpPr>
+          <p:cNvPr id="2" name="Title 1">
+            <a:extLst>
+              <a:ext uri="{FF2B5EF4-FFF2-40B4-BE49-F238E27FC236}">
+                <a16:creationId xmlns:a16="http://schemas.microsoft.com/office/drawing/2014/main" id="{4F7B6B69-DEE4-48AD-9D41-357592C3F9DB}"/>
+              </a:ext>
+            </a:extLst>
+          </p:cNvPr>
+          <p:cNvSpPr>
+            <a:spLocks noGrp="1"/>
+          </p:cNvSpPr>
+          <p:nvPr>
+            <p:ph type="title"/>
+          </p:nvPr>
+        </p:nvSpPr>
+        <p:spPr>
+          <a:xfrm>
+            <a:off x="7617041" y="2750820"/>
+            <a:ext cx="3884675" cy="1356360"/>
+          </a:xfrm>
+        </p:spPr>
+        <p:txBody>
+          <a:bodyPr/>
+          <a:lstStyle/>
+          <a:p>
+            <a:pPr algn="r">
+              <a:spcBef>
+                <a:spcPts val="300"/>
+              </a:spcBef>
+            </a:pPr>
+            <a:r>
+              <a:rPr lang="en-US" b="1" dirty="0"/>
+              <a:t>Intro to Vivado</a:t>
+            </a:r>
+          </a:p>
+        </p:txBody>
+      </p:sp>
+      <p:sp>
+        <p:nvSpPr>
+          <p:cNvPr id="6" name="TextBox 5">
+            <a:extLst>
+              <a:ext uri="{FF2B5EF4-FFF2-40B4-BE49-F238E27FC236}">
+                <a16:creationId xmlns:a16="http://schemas.microsoft.com/office/drawing/2014/main" id="{354D8DEE-F284-4B52-8F58-8958FEB2ED40}"/>
+              </a:ext>
+            </a:extLst>
+          </p:cNvPr>
+          <p:cNvSpPr txBox="1"/>
+          <p:nvPr/>
+        </p:nvSpPr>
+        <p:spPr>
+          <a:xfrm>
+            <a:off x="690284" y="535596"/>
+            <a:ext cx="4707339" cy="6070893"/>
+          </a:xfrm>
+          <a:prstGeom prst="rect">
+            <a:avLst/>
+          </a:prstGeom>
+          <a:noFill/>
+        </p:spPr>
+        <p:txBody>
+          <a:bodyPr wrap="square" rtlCol="0">
+            <a:spAutoFit/>
+          </a:bodyPr>
+          <a:lstStyle/>
+          <a:p>
+            <a:pPr>
+              <a:spcBef>
+                <a:spcPts val="300"/>
+              </a:spcBef>
+            </a:pPr>
+            <a:r>
+              <a:rPr lang="en-US" sz="2100" dirty="0"/>
+              <a:t>-Design Objective</a:t>
+            </a:r>
+          </a:p>
+          <a:p>
+            <a:pPr>
+              <a:spcBef>
+                <a:spcPts val="300"/>
+              </a:spcBef>
+            </a:pPr>
+            <a:r>
+              <a:rPr lang="en-US" sz="3200" b="1" dirty="0"/>
+              <a:t>-Intro to Vivado</a:t>
+            </a:r>
+          </a:p>
+          <a:p>
+            <a:pPr>
+              <a:spcBef>
+                <a:spcPts val="300"/>
+              </a:spcBef>
+            </a:pPr>
+            <a:r>
+              <a:rPr lang="en-US" sz="2100" dirty="0"/>
+              <a:t>-Learn Verilog</a:t>
+            </a:r>
+          </a:p>
+          <a:p>
+            <a:pPr>
+              <a:spcBef>
+                <a:spcPts val="300"/>
+              </a:spcBef>
+            </a:pPr>
+            <a:r>
+              <a:rPr lang="en-US" sz="2100" dirty="0"/>
+              <a:t>-Partial Reconfig Multipliers</a:t>
+            </a:r>
+          </a:p>
+          <a:p>
+            <a:pPr>
+              <a:spcBef>
+                <a:spcPts val="300"/>
+              </a:spcBef>
+            </a:pPr>
+            <a:r>
+              <a:rPr lang="en-US" sz="2100" dirty="0"/>
+              <a:t>-Crossbar Data Switch</a:t>
+            </a:r>
+          </a:p>
+          <a:p>
+            <a:pPr>
+              <a:spcBef>
+                <a:spcPts val="300"/>
+              </a:spcBef>
+            </a:pPr>
+            <a:r>
+              <a:rPr lang="en-US" sz="2100" dirty="0"/>
+              <a:t>-Partial Reconfig Adder</a:t>
+            </a:r>
+          </a:p>
+          <a:p>
+            <a:pPr>
+              <a:spcBef>
+                <a:spcPts val="300"/>
+              </a:spcBef>
+            </a:pPr>
+            <a:r>
+              <a:rPr lang="en-US" sz="2100" dirty="0"/>
+              <a:t>-Matrix Accelerator</a:t>
+            </a:r>
+          </a:p>
+          <a:p>
+            <a:pPr>
+              <a:spcBef>
+                <a:spcPts val="300"/>
+              </a:spcBef>
+            </a:pPr>
+            <a:r>
+              <a:rPr lang="en-US" sz="2100" dirty="0"/>
+              <a:t>-Asynchronous FIFO</a:t>
+            </a:r>
+          </a:p>
+          <a:p>
+            <a:pPr>
+              <a:spcBef>
+                <a:spcPts val="300"/>
+              </a:spcBef>
+            </a:pPr>
+            <a:r>
+              <a:rPr lang="en-US" sz="2100" dirty="0"/>
+              <a:t>-Matrix Controller</a:t>
+            </a:r>
+          </a:p>
+          <a:p>
+            <a:pPr>
+              <a:spcBef>
+                <a:spcPts val="300"/>
+              </a:spcBef>
+            </a:pPr>
+            <a:r>
+              <a:rPr lang="en-US" sz="2100" dirty="0"/>
+              <a:t>-Convolution Accelerator Top Wrapper</a:t>
+            </a:r>
+          </a:p>
+          <a:p>
+            <a:pPr>
+              <a:spcBef>
+                <a:spcPts val="300"/>
+              </a:spcBef>
+            </a:pPr>
+            <a:r>
+              <a:rPr lang="en-US" sz="2100" dirty="0"/>
+              <a:t>-Enabling Partial Reconfig</a:t>
+            </a:r>
+          </a:p>
+          <a:p>
+            <a:pPr>
+              <a:spcBef>
+                <a:spcPts val="300"/>
+              </a:spcBef>
+            </a:pPr>
+            <a:r>
+              <a:rPr lang="en-US" sz="2100" dirty="0"/>
+              <a:t>-Dynamic Resources </a:t>
+            </a:r>
+          </a:p>
+          <a:p>
+            <a:pPr>
+              <a:spcBef>
+                <a:spcPts val="300"/>
+              </a:spcBef>
+            </a:pPr>
+            <a:r>
+              <a:rPr lang="en-US" sz="2100" dirty="0"/>
+              <a:t>	-Floorplan</a:t>
+            </a:r>
+          </a:p>
+          <a:p>
+            <a:pPr>
+              <a:spcBef>
+                <a:spcPts val="300"/>
+              </a:spcBef>
+            </a:pPr>
+            <a:r>
+              <a:rPr lang="en-US" sz="2100" dirty="0"/>
+              <a:t>	-Resource Utilization</a:t>
+            </a:r>
+          </a:p>
+          <a:p>
+            <a:pPr>
+              <a:spcBef>
+                <a:spcPts val="300"/>
+              </a:spcBef>
+            </a:pPr>
+            <a:r>
+              <a:rPr lang="en-US" sz="2100" dirty="0"/>
+              <a:t>	-Power Report</a:t>
+            </a:r>
+          </a:p>
+          <a:p>
+            <a:pPr>
+              <a:spcBef>
+                <a:spcPts val="300"/>
+              </a:spcBef>
+            </a:pPr>
+            <a:r>
+              <a:rPr lang="en-US" sz="2100" dirty="0"/>
+              <a:t>-Conclusions</a:t>
+            </a:r>
+          </a:p>
+        </p:txBody>
+      </p:sp>
+    </p:spTree>
+    <p:extLst>
+      <p:ext uri="{BB962C8B-B14F-4D97-AF65-F5344CB8AC3E}">
+        <p14:creationId xmlns:p14="http://schemas.microsoft.com/office/powerpoint/2010/main" val="2599770126"/>
+      </p:ext>
+    </p:extLst>
+  </p:cSld>
+  <p:clrMapOvr>
+    <a:masterClrMapping/>
+  </p:clrMapOvr>
+</p:sld>
+</file>
+
+<file path=ppt/slides/slide40.xml><?xml version="1.0" encoding="utf-8"?>
 <p:sld xmlns:a="http://schemas.openxmlformats.org/drawingml/2006/main" xmlns:r="http://schemas.openxmlformats.org/officeDocument/2006/relationships" xmlns:p="http://schemas.openxmlformats.org/presentationml/2006/main">
   <p:cSld>
     <p:spTree>
@@ -15167,7 +16594,7 @@
 </p:sld>
 </file>
 
-<file path=ppt/slides/slide44.xml><?xml version="1.0" encoding="utf-8"?>
+<file path=ppt/slides/slide41.xml><?xml version="1.0" encoding="utf-8"?>
 <p:sld xmlns:a="http://schemas.openxmlformats.org/drawingml/2006/main" xmlns:r="http://schemas.openxmlformats.org/officeDocument/2006/relationships" xmlns:p="http://schemas.openxmlformats.org/presentationml/2006/main">
   <p:cSld>
     <p:spTree>
@@ -15442,7 +16869,7 @@
 </p:sld>
 </file>
 
-<file path=ppt/slides/slide45.xml><?xml version="1.0" encoding="utf-8"?>
+<file path=ppt/slides/slide42.xml><?xml version="1.0" encoding="utf-8"?>
 <p:sld xmlns:a="http://schemas.openxmlformats.org/drawingml/2006/main" xmlns:r="http://schemas.openxmlformats.org/officeDocument/2006/relationships" xmlns:p="http://schemas.openxmlformats.org/presentationml/2006/main">
   <p:cSld>
     <p:spTree>
@@ -15576,7 +17003,7 @@
 </p:sld>
 </file>
 
-<file path=ppt/slides/slide46.xml><?xml version="1.0" encoding="utf-8"?>
+<file path=ppt/slides/slide43.xml><?xml version="1.0" encoding="utf-8"?>
 <p:sld xmlns:a="http://schemas.openxmlformats.org/drawingml/2006/main" xmlns:r="http://schemas.openxmlformats.org/officeDocument/2006/relationships" xmlns:p="http://schemas.openxmlformats.org/presentationml/2006/main">
   <p:cSld>
     <p:spTree>
@@ -15677,8 +17104,8 @@
         </p:nvSpPr>
         <p:spPr>
           <a:xfrm>
-            <a:off x="1159564" y="1409700"/>
-            <a:ext cx="9872871" cy="4038600"/>
+            <a:off x="1159564" y="1136342"/>
+            <a:ext cx="9872871" cy="4311958"/>
           </a:xfrm>
         </p:spPr>
         <p:txBody>
@@ -15697,60 +17124,106 @@
             </a:r>
           </a:p>
           <a:p>
-            <a:pPr marL="0" indent="0">
-              <a:buNone/>
-            </a:pPr>
-            <a:endParaRPr lang="en-US" dirty="0"/>
-          </a:p>
-          <a:p>
             <a:pPr>
               <a:buFont typeface="Calibri" panose="020F0502020204030204" pitchFamily="34" charset="0"/>
               <a:buChar char="⁻"/>
             </a:pPr>
+            <a:endParaRPr lang="en-US" dirty="0"/>
+          </a:p>
+          <a:p>
+            <a:pPr>
+              <a:buFont typeface="Calibri" panose="020F0502020204030204" pitchFamily="34" charset="0"/>
+              <a:buChar char="⁻"/>
+            </a:pPr>
             <a:r>
               <a:rPr lang="en-US" dirty="0"/>
               <a:t>Vivado offers design development using HDL or the built in IP Integrator using block diagrams</a:t>
             </a:r>
           </a:p>
           <a:p>
-            <a:pPr lvl="1">
+            <a:pPr>
               <a:buFont typeface="Calibri" panose="020F0502020204030204" pitchFamily="34" charset="0"/>
               <a:buChar char="⁻"/>
             </a:pPr>
-            <a:r>
-              <a:rPr lang="en-US" dirty="0"/>
-              <a:t>These block diagrams can compose of either base IPs provided by Xilinx or user custom IPs that are imported/created within the project</a:t>
-            </a:r>
-          </a:p>
-          <a:p>
-            <a:pPr lvl="1">
+            <a:endParaRPr lang="en-US" dirty="0"/>
+          </a:p>
+          <a:p>
+            <a:pPr>
               <a:buFont typeface="Calibri" panose="020F0502020204030204" pitchFamily="34" charset="0"/>
               <a:buChar char="⁻"/>
             </a:pPr>
             <a:r>
               <a:rPr lang="en-US" dirty="0"/>
-              <a:t>The HDL defining these Xilinx based IPs are not viewable by end-user</a:t>
-            </a:r>
-          </a:p>
-          <a:p>
-            <a:pPr lvl="1">
-              <a:buFont typeface="Calibri" panose="020F0502020204030204" pitchFamily="34" charset="0"/>
-              <a:buChar char="⁻"/>
-            </a:pPr>
-            <a:endParaRPr lang="en-US" dirty="0"/>
-          </a:p>
-          <a:p>
-            <a:pPr>
-              <a:buFont typeface="Calibri" panose="020F0502020204030204" pitchFamily="34" charset="0"/>
-              <a:buChar char="⁻"/>
-            </a:pPr>
-            <a:r>
-              <a:rPr lang="en-US" dirty="0"/>
               <a:t>Often both development forms are used when working on a design</a:t>
             </a:r>
           </a:p>
         </p:txBody>
       </p:sp>
+      <p:pic>
+        <p:nvPicPr>
+          <p:cNvPr id="2" name="Picture 1">
+            <a:extLst>
+              <a:ext uri="{FF2B5EF4-FFF2-40B4-BE49-F238E27FC236}">
+                <a16:creationId xmlns:a16="http://schemas.microsoft.com/office/drawing/2014/main" id="{8578BFEA-2681-47F1-B3BB-76F2FAC26AD9}"/>
+              </a:ext>
+            </a:extLst>
+          </p:cNvPr>
+          <p:cNvPicPr>
+            <a:picLocks noChangeAspect="1"/>
+          </p:cNvPicPr>
+          <p:nvPr/>
+        </p:nvPicPr>
+        <p:blipFill>
+          <a:blip r:embed="rId3"/>
+          <a:stretch>
+            <a:fillRect/>
+          </a:stretch>
+        </p:blipFill>
+        <p:spPr>
+          <a:xfrm>
+            <a:off x="1159564" y="4073602"/>
+            <a:ext cx="4038600" cy="2181225"/>
+          </a:xfrm>
+          <a:prstGeom prst="rect">
+            <a:avLst/>
+          </a:prstGeom>
+        </p:spPr>
+      </p:pic>
+      <p:pic>
+        <p:nvPicPr>
+          <p:cNvPr id="7" name="Picture 6" descr="A screenshot of a cell phone&#10;&#10;Description automatically generated">
+            <a:extLst>
+              <a:ext uri="{FF2B5EF4-FFF2-40B4-BE49-F238E27FC236}">
+                <a16:creationId xmlns:a16="http://schemas.microsoft.com/office/drawing/2014/main" id="{BF4459F9-54B9-4E96-975D-FE05695357D7}"/>
+              </a:ext>
+            </a:extLst>
+          </p:cNvPr>
+          <p:cNvPicPr>
+            <a:picLocks noChangeAspect="1"/>
+          </p:cNvPicPr>
+          <p:nvPr/>
+        </p:nvPicPr>
+        <p:blipFill rotWithShape="1">
+          <a:blip r:embed="rId4">
+            <a:extLst>
+              <a:ext uri="{28A0092B-C50C-407E-A947-70E740481C1C}">
+                <a14:useLocalDpi xmlns:a14="http://schemas.microsoft.com/office/drawing/2010/main" val="0"/>
+              </a:ext>
+            </a:extLst>
+          </a:blip>
+          <a:srcRect t="17408" b="8703"/>
+          <a:stretch/>
+        </p:blipFill>
+        <p:spPr>
+          <a:xfrm>
+            <a:off x="7739270" y="4303455"/>
+            <a:ext cx="3450616" cy="1951372"/>
+          </a:xfrm>
+          <a:prstGeom prst="rect">
+            <a:avLst/>
+          </a:prstGeom>
+        </p:spPr>
+      </p:pic>
     </p:spTree>
     <p:extLst>
       <p:ext uri="{BB962C8B-B14F-4D97-AF65-F5344CB8AC3E}">
@@ -16359,8 +17832,8 @@
         </p:nvSpPr>
         <p:spPr>
           <a:xfrm>
-            <a:off x="838200" y="900576"/>
-            <a:ext cx="10515600" cy="4486275"/>
+            <a:off x="838200" y="1109709"/>
+            <a:ext cx="10515600" cy="4277142"/>
           </a:xfrm>
         </p:spPr>
         <p:txBody>
@@ -16372,7 +17845,7 @@
               <a:buChar char="⁻"/>
             </a:pPr>
             <a:r>
-              <a:rPr lang="en-US" dirty="0"/>
+              <a:rPr lang="en-US" sz="2400" dirty="0"/>
               <a:t>With a simple understanding of Verilog, basic designs were created and tested:</a:t>
             </a:r>
           </a:p>
@@ -16426,29 +17899,6 @@
               <a:rPr lang="en-US" dirty="0"/>
               <a:t>)</a:t>
             </a:r>
-          </a:p>
-          <a:p>
-            <a:pPr marL="914400" lvl="1" indent="-457200">
-              <a:buAutoNum type="arabicPeriod"/>
-            </a:pPr>
-            <a:r>
-              <a:rPr lang="en-US" dirty="0"/>
-              <a:t>Variable data slicer		(</a:t>
-            </a:r>
-            <a:r>
-              <a:rPr lang="en-US" dirty="0" err="1"/>
-              <a:t>dataSplit.v</a:t>
-            </a:r>
-            <a:r>
-              <a:rPr lang="en-US" dirty="0"/>
-              <a:t>)</a:t>
-            </a:r>
-          </a:p>
-          <a:p>
-            <a:pPr marL="914400" lvl="1" indent="-457200">
-              <a:buAutoNum type="arabicPeriod"/>
-            </a:pPr>
-            <a:endParaRPr lang="en-US" dirty="0"/>
           </a:p>
         </p:txBody>
       </p:sp>

--- a/Documents/Presentations/Presentation1.pptx
+++ b/Documents/Presentations/Presentation1.pptx
@@ -11,12 +11,12 @@
     <p:sldId id="257" r:id="rId2"/>
     <p:sldId id="301" r:id="rId3"/>
     <p:sldId id="300" r:id="rId4"/>
-    <p:sldId id="302" r:id="rId5"/>
-    <p:sldId id="259" r:id="rId6"/>
-    <p:sldId id="261" r:id="rId7"/>
-    <p:sldId id="303" r:id="rId8"/>
-    <p:sldId id="263" r:id="rId9"/>
-    <p:sldId id="262" r:id="rId10"/>
+    <p:sldId id="303" r:id="rId5"/>
+    <p:sldId id="263" r:id="rId6"/>
+    <p:sldId id="262" r:id="rId7"/>
+    <p:sldId id="302" r:id="rId8"/>
+    <p:sldId id="259" r:id="rId9"/>
+    <p:sldId id="261" r:id="rId10"/>
     <p:sldId id="304" r:id="rId11"/>
     <p:sldId id="265" r:id="rId12"/>
     <p:sldId id="267" r:id="rId13"/>
@@ -157,12 +157,12 @@
             <p14:sldId id="257"/>
             <p14:sldId id="301"/>
             <p14:sldId id="300"/>
+            <p14:sldId id="303"/>
+            <p14:sldId id="263"/>
+            <p14:sldId id="262"/>
             <p14:sldId id="302"/>
             <p14:sldId id="259"/>
             <p14:sldId id="261"/>
-            <p14:sldId id="303"/>
-            <p14:sldId id="263"/>
-            <p14:sldId id="262"/>
             <p14:sldId id="304"/>
             <p14:sldId id="265"/>
             <p14:sldId id="267"/>
@@ -743,52 +743,6 @@
           <a:bodyPr/>
           <a:lstStyle/>
           <a:p>
-            <a:pPr marL="0" marR="0" lvl="0" indent="0" algn="l" defTabSz="914400" rtl="0" eaLnBrk="1" fontAlgn="auto" latinLnBrk="0" hangingPunct="1">
-              <a:lnSpc>
-                <a:spcPct val="100000"/>
-              </a:lnSpc>
-              <a:spcBef>
-                <a:spcPts val="0"/>
-              </a:spcBef>
-              <a:spcAft>
-                <a:spcPts val="0"/>
-              </a:spcAft>
-              <a:buClrTx/>
-              <a:buSzTx/>
-              <a:buFontTx/>
-              <a:buNone/>
-              <a:tabLst/>
-              <a:defRPr/>
-            </a:pPr>
-            <a:r>
-              <a:rPr lang="en-US" sz="1200" dirty="0"/>
-              <a:t>-Now with hardware to allow for external data input, a state machine controller is needed to complete computation</a:t>
-            </a:r>
-          </a:p>
-          <a:p>
-            <a:pPr marL="0" marR="0" lvl="0" indent="0" algn="l" defTabSz="914400" rtl="0" eaLnBrk="1" fontAlgn="auto" latinLnBrk="0" hangingPunct="1">
-              <a:lnSpc>
-                <a:spcPct val="100000"/>
-              </a:lnSpc>
-              <a:spcBef>
-                <a:spcPts val="0"/>
-              </a:spcBef>
-              <a:spcAft>
-                <a:spcPts val="0"/>
-              </a:spcAft>
-              <a:buClrTx/>
-              <a:buSzTx/>
-              <a:buFontTx/>
-              <a:buNone/>
-              <a:tabLst/>
-              <a:defRPr/>
-            </a:pPr>
-            <a:r>
-              <a:rPr lang="en-US" sz="1200" dirty="0"/>
-              <a:t>-Not complete with design because data throughput is very slow due to bad controller logic</a:t>
-            </a:r>
-          </a:p>
-          <a:p>
             <a:endParaRPr lang="en-US" dirty="0"/>
           </a:p>
         </p:txBody>
@@ -810,7 +764,7 @@
           <a:p>
             <a:fld id="{8DC22F4E-92E3-4860-8641-150BB6826707}" type="slidenum">
               <a:rPr lang="en-US" smtClean="0"/>
-              <a:t>26</a:t>
+              <a:t>23</a:t>
             </a:fld>
             <a:endParaRPr lang="en-US"/>
           </a:p>
@@ -819,7 +773,7 @@
     </p:spTree>
     <p:extLst>
       <p:ext uri="{BB962C8B-B14F-4D97-AF65-F5344CB8AC3E}">
-        <p14:creationId xmlns:p14="http://schemas.microsoft.com/office/powerpoint/2010/main" val="3812795430"/>
+        <p14:creationId xmlns:p14="http://schemas.microsoft.com/office/powerpoint/2010/main" val="3829908795"/>
       </p:ext>
     </p:extLst>
   </p:cSld>
@@ -873,10 +827,29 @@
           <a:bodyPr/>
           <a:lstStyle/>
           <a:p>
+            <a:pPr marL="0" marR="0" lvl="0" indent="0" algn="l" defTabSz="914400" rtl="0" eaLnBrk="1" fontAlgn="auto" latinLnBrk="0" hangingPunct="1">
+              <a:lnSpc>
+                <a:spcPct val="100000"/>
+              </a:lnSpc>
+              <a:spcBef>
+                <a:spcPts val="0"/>
+              </a:spcBef>
+              <a:spcAft>
+                <a:spcPts val="0"/>
+              </a:spcAft>
+              <a:buClrTx/>
+              <a:buSzTx/>
+              <a:buFontTx/>
+              <a:buNone/>
+              <a:tabLst/>
+              <a:defRPr/>
+            </a:pPr>
             <a:r>
               <a:rPr lang="en-US" sz="1200" dirty="0"/>
-              <a:t>This device has three dynamic configurations: Integer, Floating Point, Fixed Point</a:t>
-            </a:r>
+              <a:t>A bitstream and block diagram was generated to program the FPGA with the Python3 interface</a:t>
+            </a:r>
+          </a:p>
+          <a:p>
             <a:endParaRPr lang="en-US" dirty="0"/>
           </a:p>
         </p:txBody>
@@ -898,7 +871,7 @@
           <a:p>
             <a:fld id="{8DC22F4E-92E3-4860-8641-150BB6826707}" type="slidenum">
               <a:rPr lang="en-US" smtClean="0"/>
-              <a:t>28</a:t>
+              <a:t>24</a:t>
             </a:fld>
             <a:endParaRPr lang="en-US"/>
           </a:p>
@@ -907,7 +880,7 @@
     </p:spTree>
     <p:extLst>
       <p:ext uri="{BB962C8B-B14F-4D97-AF65-F5344CB8AC3E}">
-        <p14:creationId xmlns:p14="http://schemas.microsoft.com/office/powerpoint/2010/main" val="1603264962"/>
+        <p14:creationId xmlns:p14="http://schemas.microsoft.com/office/powerpoint/2010/main" val="3711671553"/>
       </p:ext>
     </p:extLst>
   </p:cSld>
@@ -961,27 +934,53 @@
           <a:bodyPr/>
           <a:lstStyle/>
           <a:p>
+            <a:pPr marL="0" marR="0" lvl="0" indent="0" algn="l" defTabSz="914400" rtl="0" eaLnBrk="1" fontAlgn="auto" latinLnBrk="0" hangingPunct="1">
+              <a:lnSpc>
+                <a:spcPct val="100000"/>
+              </a:lnSpc>
+              <a:spcBef>
+                <a:spcPts val="0"/>
+              </a:spcBef>
+              <a:spcAft>
+                <a:spcPts val="0"/>
+              </a:spcAft>
+              <a:buClrTx/>
+              <a:buSzTx/>
+              <a:buFontTx/>
+              <a:buNone/>
+              <a:tabLst/>
+              <a:defRPr/>
+            </a:pPr>
+            <a:r>
+              <a:rPr lang="en-US" sz="1200" dirty="0"/>
+              <a:t>-Now with hardware to allow for external data input, a state machine controller is needed to complete computation</a:t>
+            </a:r>
+          </a:p>
+          <a:p>
+            <a:pPr marL="0" marR="0" lvl="0" indent="0" algn="l" defTabSz="914400" rtl="0" eaLnBrk="1" fontAlgn="auto" latinLnBrk="0" hangingPunct="1">
+              <a:lnSpc>
+                <a:spcPct val="100000"/>
+              </a:lnSpc>
+              <a:spcBef>
+                <a:spcPts val="0"/>
+              </a:spcBef>
+              <a:spcAft>
+                <a:spcPts val="0"/>
+              </a:spcAft>
+              <a:buClrTx/>
+              <a:buSzTx/>
+              <a:buFontTx/>
+              <a:buNone/>
+              <a:tabLst/>
+              <a:defRPr/>
+            </a:pPr>
+            <a:r>
+              <a:rPr lang="en-US" sz="1200" dirty="0"/>
+              <a:t>-Not complete with design because data throughput is very slow due to bad controller logic</a:t>
+            </a:r>
+          </a:p>
+          <a:p>
             <a:endParaRPr lang="en-US" dirty="0"/>
-          </a:p>
-          <a:p>
-            <a:pPr>
-              <a:buFont typeface="Calibri" panose="020F0502020204030204" pitchFamily="34" charset="0"/>
-              <a:buChar char="⁻"/>
-            </a:pPr>
-            <a:r>
-              <a:rPr lang="en-US" sz="2400" dirty="0"/>
-              <a:t>When converting a project to partially reconfigurable, simulation is no longer available</a:t>
-            </a:r>
-          </a:p>
-          <a:p>
-            <a:pPr lvl="1">
-              <a:buFont typeface="Calibri" panose="020F0502020204030204" pitchFamily="34" charset="0"/>
-              <a:buChar char="⁻"/>
-            </a:pPr>
-            <a:r>
-              <a:rPr lang="en-US" sz="2000" dirty="0"/>
-              <a:t>It is recommended to flesh out much of a PR design while static, then create a new project for a dynamic version</a:t>
-            </a:r>
           </a:p>
         </p:txBody>
       </p:sp>
@@ -1002,7 +1001,7 @@
           <a:p>
             <a:fld id="{8DC22F4E-92E3-4860-8641-150BB6826707}" type="slidenum">
               <a:rPr lang="en-US" smtClean="0"/>
-              <a:t>30</a:t>
+              <a:t>26</a:t>
             </a:fld>
             <a:endParaRPr lang="en-US"/>
           </a:p>
@@ -1011,7 +1010,7 @@
     </p:spTree>
     <p:extLst>
       <p:ext uri="{BB962C8B-B14F-4D97-AF65-F5344CB8AC3E}">
-        <p14:creationId xmlns:p14="http://schemas.microsoft.com/office/powerpoint/2010/main" val="2337235848"/>
+        <p14:creationId xmlns:p14="http://schemas.microsoft.com/office/powerpoint/2010/main" val="3812795430"/>
       </p:ext>
     </p:extLst>
   </p:cSld>
@@ -1066,21 +1065,10 @@
           <a:lstStyle/>
           <a:p>
             <a:r>
-              <a:rPr lang="en-US" dirty="0"/>
-              <a:t>Mention how Vivado makes the whole project PR</a:t>
-            </a:r>
-          </a:p>
-          <a:p>
-            <a:r>
-              <a:rPr lang="en-US" dirty="0"/>
-              <a:t>When a project is PR, can’t to simulation</a:t>
-            </a:r>
-          </a:p>
-          <a:p>
-            <a:r>
-              <a:rPr lang="en-US" dirty="0"/>
-              <a:t>A static and dynamic version of the project was created</a:t>
-            </a:r>
+              <a:rPr lang="en-US" sz="1200" dirty="0"/>
+              <a:t>This device has three dynamic configurations: Integer, Floating Point, Fixed Point</a:t>
+            </a:r>
+            <a:endParaRPr lang="en-US" dirty="0"/>
           </a:p>
         </p:txBody>
       </p:sp>
@@ -1101,7 +1089,7 @@
           <a:p>
             <a:fld id="{8DC22F4E-92E3-4860-8641-150BB6826707}" type="slidenum">
               <a:rPr lang="en-US" smtClean="0"/>
-              <a:t>31</a:t>
+              <a:t>28</a:t>
             </a:fld>
             <a:endParaRPr lang="en-US"/>
           </a:p>
@@ -1110,7 +1098,7 @@
     </p:spTree>
     <p:extLst>
       <p:ext uri="{BB962C8B-B14F-4D97-AF65-F5344CB8AC3E}">
-        <p14:creationId xmlns:p14="http://schemas.microsoft.com/office/powerpoint/2010/main" val="4256367984"/>
+        <p14:creationId xmlns:p14="http://schemas.microsoft.com/office/powerpoint/2010/main" val="1603264962"/>
       </p:ext>
     </p:extLst>
   </p:cSld>
@@ -1164,21 +1152,26 @@
           <a:bodyPr/>
           <a:lstStyle/>
           <a:p>
-            <a:r>
-              <a:rPr lang="en-US" dirty="0"/>
-              <a:t>Mention how Vivado makes the whole project PR</a:t>
-            </a:r>
-          </a:p>
-          <a:p>
-            <a:r>
-              <a:rPr lang="en-US" dirty="0"/>
-              <a:t>When a project is PR, can’t to simulation</a:t>
-            </a:r>
-          </a:p>
-          <a:p>
-            <a:r>
-              <a:rPr lang="en-US" dirty="0"/>
-              <a:t>A static and dynamic version of the project was created</a:t>
+            <a:endParaRPr lang="en-US" dirty="0"/>
+          </a:p>
+          <a:p>
+            <a:pPr>
+              <a:buFont typeface="Calibri" panose="020F0502020204030204" pitchFamily="34" charset="0"/>
+              <a:buChar char="⁻"/>
+            </a:pPr>
+            <a:r>
+              <a:rPr lang="en-US" sz="2400" dirty="0"/>
+              <a:t>When converting a project to partially reconfigurable, simulation is no longer available</a:t>
+            </a:r>
+          </a:p>
+          <a:p>
+            <a:pPr lvl="1">
+              <a:buFont typeface="Calibri" panose="020F0502020204030204" pitchFamily="34" charset="0"/>
+              <a:buChar char="⁻"/>
+            </a:pPr>
+            <a:r>
+              <a:rPr lang="en-US" sz="2000" dirty="0"/>
+              <a:t>It is recommended to flesh out much of a PR design while static, then create a new project for a dynamic version</a:t>
             </a:r>
           </a:p>
         </p:txBody>
@@ -1200,7 +1193,7 @@
           <a:p>
             <a:fld id="{8DC22F4E-92E3-4860-8641-150BB6826707}" type="slidenum">
               <a:rPr lang="en-US" smtClean="0"/>
-              <a:t>32</a:t>
+              <a:t>30</a:t>
             </a:fld>
             <a:endParaRPr lang="en-US"/>
           </a:p>
@@ -1209,7 +1202,7 @@
     </p:spTree>
     <p:extLst>
       <p:ext uri="{BB962C8B-B14F-4D97-AF65-F5344CB8AC3E}">
-        <p14:creationId xmlns:p14="http://schemas.microsoft.com/office/powerpoint/2010/main" val="3363383359"/>
+        <p14:creationId xmlns:p14="http://schemas.microsoft.com/office/powerpoint/2010/main" val="2337235848"/>
       </p:ext>
     </p:extLst>
   </p:cSld>
@@ -1299,7 +1292,7 @@
           <a:p>
             <a:fld id="{8DC22F4E-92E3-4860-8641-150BB6826707}" type="slidenum">
               <a:rPr lang="en-US" smtClean="0"/>
-              <a:t>33</a:t>
+              <a:t>31</a:t>
             </a:fld>
             <a:endParaRPr lang="en-US"/>
           </a:p>
@@ -1308,7 +1301,7 @@
     </p:spTree>
     <p:extLst>
       <p:ext uri="{BB962C8B-B14F-4D97-AF65-F5344CB8AC3E}">
-        <p14:creationId xmlns:p14="http://schemas.microsoft.com/office/powerpoint/2010/main" val="1353720928"/>
+        <p14:creationId xmlns:p14="http://schemas.microsoft.com/office/powerpoint/2010/main" val="4256367984"/>
       </p:ext>
     </p:extLst>
   </p:cSld>
@@ -1364,40 +1357,20 @@
           <a:p>
             <a:r>
               <a:rPr lang="en-US" dirty="0"/>
-              <a:t>This is not a screenshot of the convolution accelerator. This was just a design that had less going on visually and was easier to demonstrate the components</a:t>
-            </a:r>
-          </a:p>
-          <a:p>
-            <a:endParaRPr lang="en-US" dirty="0"/>
-          </a:p>
-          <a:p>
-            <a:pPr marL="342900" indent="-228600">
-              <a:lnSpc>
-                <a:spcPct val="90000"/>
-              </a:lnSpc>
-              <a:buFont typeface="Calibri" panose="020F0502020204030204" pitchFamily="34" charset="0"/>
-              <a:buChar char="⁻"/>
-            </a:pPr>
-            <a:r>
-              <a:rPr lang="en-US" sz="2400" dirty="0"/>
-              <a:t>Each reconfigurable partition requires a dedicated pBlock to dictate the hardware available for reconfiguration</a:t>
-            </a:r>
-          </a:p>
-          <a:p>
-            <a:pPr marL="800100" lvl="1" indent="-228600">
-              <a:lnSpc>
-                <a:spcPct val="90000"/>
-              </a:lnSpc>
-              <a:buFont typeface="Calibri" panose="020F0502020204030204" pitchFamily="34" charset="0"/>
-              <a:buChar char="⁻"/>
-            </a:pPr>
-            <a:r>
-              <a:rPr lang="en-US" sz="2400" dirty="0"/>
-              <a:t>This pBlock should contain only the dynamic module. Static modules will be placed and routed automatically</a:t>
-            </a:r>
-          </a:p>
-          <a:p>
-            <a:endParaRPr lang="en-US" dirty="0"/>
+              <a:t>Mention how Vivado makes the whole project PR</a:t>
+            </a:r>
+          </a:p>
+          <a:p>
+            <a:r>
+              <a:rPr lang="en-US" dirty="0"/>
+              <a:t>When a project is PR, can’t to simulation</a:t>
+            </a:r>
+          </a:p>
+          <a:p>
+            <a:r>
+              <a:rPr lang="en-US" dirty="0"/>
+              <a:t>A static and dynamic version of the project was created</a:t>
+            </a:r>
           </a:p>
         </p:txBody>
       </p:sp>
@@ -1418,7 +1391,7 @@
           <a:p>
             <a:fld id="{8DC22F4E-92E3-4860-8641-150BB6826707}" type="slidenum">
               <a:rPr lang="en-US" smtClean="0"/>
-              <a:t>34</a:t>
+              <a:t>32</a:t>
             </a:fld>
             <a:endParaRPr lang="en-US"/>
           </a:p>
@@ -1427,7 +1400,7 @@
     </p:spTree>
     <p:extLst>
       <p:ext uri="{BB962C8B-B14F-4D97-AF65-F5344CB8AC3E}">
-        <p14:creationId xmlns:p14="http://schemas.microsoft.com/office/powerpoint/2010/main" val="303907404"/>
+        <p14:creationId xmlns:p14="http://schemas.microsoft.com/office/powerpoint/2010/main" val="3363383359"/>
       </p:ext>
     </p:extLst>
   </p:cSld>
@@ -1483,24 +1456,19 @@
           <a:p>
             <a:r>
               <a:rPr lang="en-US" dirty="0"/>
-              <a:t>Floating point uses much </a:t>
-            </a:r>
-            <a:r>
-              <a:rPr lang="en-US" dirty="0" err="1"/>
-              <a:t>much</a:t>
-            </a:r>
+              <a:t>Mention how Vivado makes the whole project PR</a:t>
+            </a:r>
+          </a:p>
+          <a:p>
             <a:r>
               <a:rPr lang="en-US" dirty="0"/>
-              <a:t> more device resources</a:t>
-            </a:r>
-          </a:p>
-          <a:p>
-            <a:endParaRPr lang="en-US" dirty="0"/>
+              <a:t>When a project is PR, can’t to simulation</a:t>
+            </a:r>
           </a:p>
           <a:p>
             <a:r>
               <a:rPr lang="en-US" dirty="0"/>
-              <a:t>Even with high utilization of resources from floating point, design uses about 10% of available LUTs on Pynq-Z2</a:t>
+              <a:t>A static and dynamic version of the project was created</a:t>
             </a:r>
           </a:p>
         </p:txBody>
@@ -1522,7 +1490,7 @@
           <a:p>
             <a:fld id="{8DC22F4E-92E3-4860-8641-150BB6826707}" type="slidenum">
               <a:rPr lang="en-US" smtClean="0"/>
-              <a:t>38</a:t>
+              <a:t>33</a:t>
             </a:fld>
             <a:endParaRPr lang="en-US"/>
           </a:p>
@@ -1531,7 +1499,214 @@
     </p:spTree>
     <p:extLst>
       <p:ext uri="{BB962C8B-B14F-4D97-AF65-F5344CB8AC3E}">
-        <p14:creationId xmlns:p14="http://schemas.microsoft.com/office/powerpoint/2010/main" val="2448023131"/>
+        <p14:creationId xmlns:p14="http://schemas.microsoft.com/office/powerpoint/2010/main" val="1353720928"/>
+      </p:ext>
+    </p:extLst>
+  </p:cSld>
+  <p:clrMapOvr>
+    <a:masterClrMapping/>
+  </p:clrMapOvr>
+</p:notes>
+</file>
+
+<file path=ppt/notesSlides/notesSlide18.xml><?xml version="1.0" encoding="utf-8"?>
+<p:notes xmlns:a="http://schemas.openxmlformats.org/drawingml/2006/main" xmlns:r="http://schemas.openxmlformats.org/officeDocument/2006/relationships" xmlns:p="http://schemas.openxmlformats.org/presentationml/2006/main">
+  <p:cSld>
+    <p:spTree>
+      <p:nvGrpSpPr>
+        <p:cNvPr id="1" name=""/>
+        <p:cNvGrpSpPr/>
+        <p:nvPr/>
+      </p:nvGrpSpPr>
+      <p:grpSpPr>
+        <a:xfrm>
+          <a:off x="0" y="0"/>
+          <a:ext cx="0" cy="0"/>
+          <a:chOff x="0" y="0"/>
+          <a:chExt cx="0" cy="0"/>
+        </a:xfrm>
+      </p:grpSpPr>
+      <p:sp>
+        <p:nvSpPr>
+          <p:cNvPr id="2" name="Slide Image Placeholder 1"/>
+          <p:cNvSpPr>
+            <a:spLocks noGrp="1" noRot="1" noChangeAspect="1"/>
+          </p:cNvSpPr>
+          <p:nvPr>
+            <p:ph type="sldImg"/>
+          </p:nvPr>
+        </p:nvSpPr>
+        <p:spPr/>
+      </p:sp>
+      <p:sp>
+        <p:nvSpPr>
+          <p:cNvPr id="3" name="Notes Placeholder 2"/>
+          <p:cNvSpPr>
+            <a:spLocks noGrp="1"/>
+          </p:cNvSpPr>
+          <p:nvPr>
+            <p:ph type="body" idx="1"/>
+          </p:nvPr>
+        </p:nvSpPr>
+        <p:spPr/>
+        <p:txBody>
+          <a:bodyPr/>
+          <a:lstStyle/>
+          <a:p>
+            <a:r>
+              <a:rPr lang="en-US" dirty="0"/>
+              <a:t>This is not a screenshot of the convolution accelerator. This was just a design that had less going on visually and was easier to demonstrate the components</a:t>
+            </a:r>
+          </a:p>
+          <a:p>
+            <a:endParaRPr lang="en-US" dirty="0"/>
+          </a:p>
+          <a:p>
+            <a:pPr marL="342900" indent="-228600">
+              <a:lnSpc>
+                <a:spcPct val="90000"/>
+              </a:lnSpc>
+              <a:buFont typeface="Calibri" panose="020F0502020204030204" pitchFamily="34" charset="0"/>
+              <a:buChar char="⁻"/>
+            </a:pPr>
+            <a:r>
+              <a:rPr lang="en-US" sz="2400" dirty="0"/>
+              <a:t>Each reconfigurable partition requires a dedicated pBlock to dictate the hardware available for reconfiguration</a:t>
+            </a:r>
+          </a:p>
+          <a:p>
+            <a:pPr marL="800100" lvl="1" indent="-228600">
+              <a:lnSpc>
+                <a:spcPct val="90000"/>
+              </a:lnSpc>
+              <a:buFont typeface="Calibri" panose="020F0502020204030204" pitchFamily="34" charset="0"/>
+              <a:buChar char="⁻"/>
+            </a:pPr>
+            <a:r>
+              <a:rPr lang="en-US" sz="2400" dirty="0"/>
+              <a:t>This pBlock should contain only the dynamic module. Static modules will be placed and routed automatically</a:t>
+            </a:r>
+          </a:p>
+          <a:p>
+            <a:endParaRPr lang="en-US" dirty="0"/>
+          </a:p>
+        </p:txBody>
+      </p:sp>
+      <p:sp>
+        <p:nvSpPr>
+          <p:cNvPr id="4" name="Slide Number Placeholder 3"/>
+          <p:cNvSpPr>
+            <a:spLocks noGrp="1"/>
+          </p:cNvSpPr>
+          <p:nvPr>
+            <p:ph type="sldNum" sz="quarter" idx="5"/>
+          </p:nvPr>
+        </p:nvSpPr>
+        <p:spPr/>
+        <p:txBody>
+          <a:bodyPr/>
+          <a:lstStyle/>
+          <a:p>
+            <a:fld id="{8DC22F4E-92E3-4860-8641-150BB6826707}" type="slidenum">
+              <a:rPr lang="en-US" smtClean="0"/>
+              <a:t>34</a:t>
+            </a:fld>
+            <a:endParaRPr lang="en-US"/>
+          </a:p>
+        </p:txBody>
+      </p:sp>
+    </p:spTree>
+    <p:extLst>
+      <p:ext uri="{BB962C8B-B14F-4D97-AF65-F5344CB8AC3E}">
+        <p14:creationId xmlns:p14="http://schemas.microsoft.com/office/powerpoint/2010/main" val="303907404"/>
+      </p:ext>
+    </p:extLst>
+  </p:cSld>
+  <p:clrMapOvr>
+    <a:masterClrMapping/>
+  </p:clrMapOvr>
+</p:notes>
+</file>
+
+<file path=ppt/notesSlides/notesSlide19.xml><?xml version="1.0" encoding="utf-8"?>
+<p:notes xmlns:a="http://schemas.openxmlformats.org/drawingml/2006/main" xmlns:r="http://schemas.openxmlformats.org/officeDocument/2006/relationships" xmlns:p="http://schemas.openxmlformats.org/presentationml/2006/main">
+  <p:cSld>
+    <p:spTree>
+      <p:nvGrpSpPr>
+        <p:cNvPr id="1" name=""/>
+        <p:cNvGrpSpPr/>
+        <p:nvPr/>
+      </p:nvGrpSpPr>
+      <p:grpSpPr>
+        <a:xfrm>
+          <a:off x="0" y="0"/>
+          <a:ext cx="0" cy="0"/>
+          <a:chOff x="0" y="0"/>
+          <a:chExt cx="0" cy="0"/>
+        </a:xfrm>
+      </p:grpSpPr>
+      <p:sp>
+        <p:nvSpPr>
+          <p:cNvPr id="2" name="Slide Image Placeholder 1"/>
+          <p:cNvSpPr>
+            <a:spLocks noGrp="1" noRot="1" noChangeAspect="1"/>
+          </p:cNvSpPr>
+          <p:nvPr>
+            <p:ph type="sldImg"/>
+          </p:nvPr>
+        </p:nvSpPr>
+        <p:spPr/>
+      </p:sp>
+      <p:sp>
+        <p:nvSpPr>
+          <p:cNvPr id="3" name="Notes Placeholder 2"/>
+          <p:cNvSpPr>
+            <a:spLocks noGrp="1"/>
+          </p:cNvSpPr>
+          <p:nvPr>
+            <p:ph type="body" idx="1"/>
+          </p:nvPr>
+        </p:nvSpPr>
+        <p:spPr/>
+        <p:txBody>
+          <a:bodyPr/>
+          <a:lstStyle/>
+          <a:p>
+            <a:r>
+              <a:rPr lang="en-GB" dirty="0"/>
+              <a:t>Technically not the most recent but should be mostly accurate</a:t>
+            </a:r>
+            <a:endParaRPr lang="en-US" dirty="0"/>
+          </a:p>
+        </p:txBody>
+      </p:sp>
+      <p:sp>
+        <p:nvSpPr>
+          <p:cNvPr id="4" name="Slide Number Placeholder 3"/>
+          <p:cNvSpPr>
+            <a:spLocks noGrp="1"/>
+          </p:cNvSpPr>
+          <p:nvPr>
+            <p:ph type="sldNum" sz="quarter" idx="5"/>
+          </p:nvPr>
+        </p:nvSpPr>
+        <p:spPr/>
+        <p:txBody>
+          <a:bodyPr/>
+          <a:lstStyle/>
+          <a:p>
+            <a:fld id="{8DC22F4E-92E3-4860-8641-150BB6826707}" type="slidenum">
+              <a:rPr lang="en-US" smtClean="0"/>
+              <a:t>36</a:t>
+            </a:fld>
+            <a:endParaRPr lang="en-US"/>
+          </a:p>
+        </p:txBody>
+      </p:sp>
+    </p:spTree>
+    <p:extLst>
+      <p:ext uri="{BB962C8B-B14F-4D97-AF65-F5344CB8AC3E}">
+        <p14:creationId xmlns:p14="http://schemas.microsoft.com/office/powerpoint/2010/main" val="582218362"/>
       </p:ext>
     </p:extLst>
   </p:cSld>
@@ -1645,6 +1820,511 @@
 </p:notes>
 </file>
 
+<file path=ppt/notesSlides/notesSlide20.xml><?xml version="1.0" encoding="utf-8"?>
+<p:notes xmlns:a="http://schemas.openxmlformats.org/drawingml/2006/main" xmlns:r="http://schemas.openxmlformats.org/officeDocument/2006/relationships" xmlns:p="http://schemas.openxmlformats.org/presentationml/2006/main">
+  <p:cSld>
+    <p:spTree>
+      <p:nvGrpSpPr>
+        <p:cNvPr id="1" name=""/>
+        <p:cNvGrpSpPr/>
+        <p:nvPr/>
+      </p:nvGrpSpPr>
+      <p:grpSpPr>
+        <a:xfrm>
+          <a:off x="0" y="0"/>
+          <a:ext cx="0" cy="0"/>
+          <a:chOff x="0" y="0"/>
+          <a:chExt cx="0" cy="0"/>
+        </a:xfrm>
+      </p:grpSpPr>
+      <p:sp>
+        <p:nvSpPr>
+          <p:cNvPr id="2" name="Slide Image Placeholder 1"/>
+          <p:cNvSpPr>
+            <a:spLocks noGrp="1" noRot="1" noChangeAspect="1"/>
+          </p:cNvSpPr>
+          <p:nvPr>
+            <p:ph type="sldImg"/>
+          </p:nvPr>
+        </p:nvSpPr>
+        <p:spPr/>
+      </p:sp>
+      <p:sp>
+        <p:nvSpPr>
+          <p:cNvPr id="3" name="Notes Placeholder 2"/>
+          <p:cNvSpPr>
+            <a:spLocks noGrp="1"/>
+          </p:cNvSpPr>
+          <p:nvPr>
+            <p:ph type="body" idx="1"/>
+          </p:nvPr>
+        </p:nvSpPr>
+        <p:spPr/>
+        <p:txBody>
+          <a:bodyPr/>
+          <a:lstStyle/>
+          <a:p>
+            <a:r>
+              <a:rPr lang="en-US" dirty="0"/>
+              <a:t>Floating point uses much </a:t>
+            </a:r>
+            <a:r>
+              <a:rPr lang="en-US" dirty="0" err="1"/>
+              <a:t>much</a:t>
+            </a:r>
+            <a:r>
+              <a:rPr lang="en-US" dirty="0"/>
+              <a:t> more device resources</a:t>
+            </a:r>
+          </a:p>
+          <a:p>
+            <a:endParaRPr lang="en-US" dirty="0"/>
+          </a:p>
+          <a:p>
+            <a:r>
+              <a:rPr lang="en-US" dirty="0"/>
+              <a:t>Even with high utilization of resources from floating point, design uses about 10% of available LUTs on Pynq-Z2</a:t>
+            </a:r>
+          </a:p>
+          <a:p>
+            <a:endParaRPr lang="en-US" dirty="0"/>
+          </a:p>
+          <a:p>
+            <a:r>
+              <a:rPr lang="en-GB" dirty="0"/>
+              <a:t>Technically not the most recent but should be mostly accurate</a:t>
+            </a:r>
+            <a:endParaRPr lang="en-US" dirty="0"/>
+          </a:p>
+        </p:txBody>
+      </p:sp>
+      <p:sp>
+        <p:nvSpPr>
+          <p:cNvPr id="4" name="Slide Number Placeholder 3"/>
+          <p:cNvSpPr>
+            <a:spLocks noGrp="1"/>
+          </p:cNvSpPr>
+          <p:nvPr>
+            <p:ph type="sldNum" sz="quarter" idx="5"/>
+          </p:nvPr>
+        </p:nvSpPr>
+        <p:spPr/>
+        <p:txBody>
+          <a:bodyPr/>
+          <a:lstStyle/>
+          <a:p>
+            <a:fld id="{8DC22F4E-92E3-4860-8641-150BB6826707}" type="slidenum">
+              <a:rPr lang="en-US" smtClean="0"/>
+              <a:t>38</a:t>
+            </a:fld>
+            <a:endParaRPr lang="en-US"/>
+          </a:p>
+        </p:txBody>
+      </p:sp>
+    </p:spTree>
+    <p:extLst>
+      <p:ext uri="{BB962C8B-B14F-4D97-AF65-F5344CB8AC3E}">
+        <p14:creationId xmlns:p14="http://schemas.microsoft.com/office/powerpoint/2010/main" val="2448023131"/>
+      </p:ext>
+    </p:extLst>
+  </p:cSld>
+  <p:clrMapOvr>
+    <a:masterClrMapping/>
+  </p:clrMapOvr>
+</p:notes>
+</file>
+
+<file path=ppt/notesSlides/notesSlide21.xml><?xml version="1.0" encoding="utf-8"?>
+<p:notes xmlns:a="http://schemas.openxmlformats.org/drawingml/2006/main" xmlns:r="http://schemas.openxmlformats.org/officeDocument/2006/relationships" xmlns:p="http://schemas.openxmlformats.org/presentationml/2006/main">
+  <p:cSld>
+    <p:spTree>
+      <p:nvGrpSpPr>
+        <p:cNvPr id="1" name=""/>
+        <p:cNvGrpSpPr/>
+        <p:nvPr/>
+      </p:nvGrpSpPr>
+      <p:grpSpPr>
+        <a:xfrm>
+          <a:off x="0" y="0"/>
+          <a:ext cx="0" cy="0"/>
+          <a:chOff x="0" y="0"/>
+          <a:chExt cx="0" cy="0"/>
+        </a:xfrm>
+      </p:grpSpPr>
+      <p:sp>
+        <p:nvSpPr>
+          <p:cNvPr id="2" name="Slide Image Placeholder 1"/>
+          <p:cNvSpPr>
+            <a:spLocks noGrp="1" noRot="1" noChangeAspect="1"/>
+          </p:cNvSpPr>
+          <p:nvPr>
+            <p:ph type="sldImg"/>
+          </p:nvPr>
+        </p:nvSpPr>
+        <p:spPr/>
+      </p:sp>
+      <p:sp>
+        <p:nvSpPr>
+          <p:cNvPr id="3" name="Notes Placeholder 2"/>
+          <p:cNvSpPr>
+            <a:spLocks noGrp="1"/>
+          </p:cNvSpPr>
+          <p:nvPr>
+            <p:ph type="body" idx="1"/>
+          </p:nvPr>
+        </p:nvSpPr>
+        <p:spPr/>
+        <p:txBody>
+          <a:bodyPr/>
+          <a:lstStyle/>
+          <a:p>
+            <a:r>
+              <a:rPr lang="en-GB" dirty="0"/>
+              <a:t>Technically not the most recent but should be mostly accurate</a:t>
+            </a:r>
+            <a:endParaRPr lang="en-US" dirty="0"/>
+          </a:p>
+        </p:txBody>
+      </p:sp>
+      <p:sp>
+        <p:nvSpPr>
+          <p:cNvPr id="4" name="Slide Number Placeholder 3"/>
+          <p:cNvSpPr>
+            <a:spLocks noGrp="1"/>
+          </p:cNvSpPr>
+          <p:nvPr>
+            <p:ph type="sldNum" sz="quarter" idx="5"/>
+          </p:nvPr>
+        </p:nvSpPr>
+        <p:spPr/>
+        <p:txBody>
+          <a:bodyPr/>
+          <a:lstStyle/>
+          <a:p>
+            <a:fld id="{8DC22F4E-92E3-4860-8641-150BB6826707}" type="slidenum">
+              <a:rPr lang="en-US" smtClean="0"/>
+              <a:t>40</a:t>
+            </a:fld>
+            <a:endParaRPr lang="en-US"/>
+          </a:p>
+        </p:txBody>
+      </p:sp>
+    </p:spTree>
+    <p:extLst>
+      <p:ext uri="{BB962C8B-B14F-4D97-AF65-F5344CB8AC3E}">
+        <p14:creationId xmlns:p14="http://schemas.microsoft.com/office/powerpoint/2010/main" val="299847075"/>
+      </p:ext>
+    </p:extLst>
+  </p:cSld>
+  <p:clrMapOvr>
+    <a:masterClrMapping/>
+  </p:clrMapOvr>
+</p:notes>
+</file>
+
+<file path=ppt/notesSlides/notesSlide22.xml><?xml version="1.0" encoding="utf-8"?>
+<p:notes xmlns:a="http://schemas.openxmlformats.org/drawingml/2006/main" xmlns:r="http://schemas.openxmlformats.org/officeDocument/2006/relationships" xmlns:p="http://schemas.openxmlformats.org/presentationml/2006/main">
+  <p:cSld>
+    <p:spTree>
+      <p:nvGrpSpPr>
+        <p:cNvPr id="1" name=""/>
+        <p:cNvGrpSpPr/>
+        <p:nvPr/>
+      </p:nvGrpSpPr>
+      <p:grpSpPr>
+        <a:xfrm>
+          <a:off x="0" y="0"/>
+          <a:ext cx="0" cy="0"/>
+          <a:chOff x="0" y="0"/>
+          <a:chExt cx="0" cy="0"/>
+        </a:xfrm>
+      </p:grpSpPr>
+      <p:sp>
+        <p:nvSpPr>
+          <p:cNvPr id="2" name="Slide Image Placeholder 1"/>
+          <p:cNvSpPr>
+            <a:spLocks noGrp="1" noRot="1" noChangeAspect="1"/>
+          </p:cNvSpPr>
+          <p:nvPr>
+            <p:ph type="sldImg"/>
+          </p:nvPr>
+        </p:nvSpPr>
+        <p:spPr/>
+      </p:sp>
+      <p:sp>
+        <p:nvSpPr>
+          <p:cNvPr id="3" name="Notes Placeholder 2"/>
+          <p:cNvSpPr>
+            <a:spLocks noGrp="1"/>
+          </p:cNvSpPr>
+          <p:nvPr>
+            <p:ph type="body" idx="1"/>
+          </p:nvPr>
+        </p:nvSpPr>
+        <p:spPr/>
+        <p:txBody>
+          <a:bodyPr/>
+          <a:lstStyle/>
+          <a:p>
+            <a:endParaRPr lang="en-US" dirty="0"/>
+          </a:p>
+        </p:txBody>
+      </p:sp>
+      <p:sp>
+        <p:nvSpPr>
+          <p:cNvPr id="4" name="Slide Number Placeholder 3"/>
+          <p:cNvSpPr>
+            <a:spLocks noGrp="1"/>
+          </p:cNvSpPr>
+          <p:nvPr>
+            <p:ph type="sldNum" sz="quarter" idx="5"/>
+          </p:nvPr>
+        </p:nvSpPr>
+        <p:spPr/>
+        <p:txBody>
+          <a:bodyPr/>
+          <a:lstStyle/>
+          <a:p>
+            <a:fld id="{8DC22F4E-92E3-4860-8641-150BB6826707}" type="slidenum">
+              <a:rPr lang="en-US" smtClean="0"/>
+              <a:t>41</a:t>
+            </a:fld>
+            <a:endParaRPr lang="en-US"/>
+          </a:p>
+        </p:txBody>
+      </p:sp>
+    </p:spTree>
+    <p:extLst>
+      <p:ext uri="{BB962C8B-B14F-4D97-AF65-F5344CB8AC3E}">
+        <p14:creationId xmlns:p14="http://schemas.microsoft.com/office/powerpoint/2010/main" val="2454088602"/>
+      </p:ext>
+    </p:extLst>
+  </p:cSld>
+  <p:clrMapOvr>
+    <a:masterClrMapping/>
+  </p:clrMapOvr>
+</p:notes>
+</file>
+
+<file path=ppt/notesSlides/notesSlide23.xml><?xml version="1.0" encoding="utf-8"?>
+<p:notes xmlns:a="http://schemas.openxmlformats.org/drawingml/2006/main" xmlns:r="http://schemas.openxmlformats.org/officeDocument/2006/relationships" xmlns:p="http://schemas.openxmlformats.org/presentationml/2006/main">
+  <p:cSld>
+    <p:spTree>
+      <p:nvGrpSpPr>
+        <p:cNvPr id="1" name=""/>
+        <p:cNvGrpSpPr/>
+        <p:nvPr/>
+      </p:nvGrpSpPr>
+      <p:grpSpPr>
+        <a:xfrm>
+          <a:off x="0" y="0"/>
+          <a:ext cx="0" cy="0"/>
+          <a:chOff x="0" y="0"/>
+          <a:chExt cx="0" cy="0"/>
+        </a:xfrm>
+      </p:grpSpPr>
+      <p:sp>
+        <p:nvSpPr>
+          <p:cNvPr id="2" name="Slide Image Placeholder 1"/>
+          <p:cNvSpPr>
+            <a:spLocks noGrp="1" noRot="1" noChangeAspect="1"/>
+          </p:cNvSpPr>
+          <p:nvPr>
+            <p:ph type="sldImg"/>
+          </p:nvPr>
+        </p:nvSpPr>
+        <p:spPr/>
+      </p:sp>
+      <p:sp>
+        <p:nvSpPr>
+          <p:cNvPr id="3" name="Notes Placeholder 2"/>
+          <p:cNvSpPr>
+            <a:spLocks noGrp="1"/>
+          </p:cNvSpPr>
+          <p:nvPr>
+            <p:ph type="body" idx="1"/>
+          </p:nvPr>
+        </p:nvSpPr>
+        <p:spPr/>
+        <p:txBody>
+          <a:bodyPr/>
+          <a:lstStyle/>
+          <a:p>
+            <a:pPr>
+              <a:buFont typeface="Calibri" panose="020F0502020204030204" pitchFamily="34" charset="0"/>
+              <a:buChar char="⁻"/>
+            </a:pPr>
+            <a:r>
+              <a:rPr lang="en-US" sz="2800" dirty="0"/>
+              <a:t>While much of the development process for RTL has streamlined by Xilinx, many times development and debugging could be quite tedious</a:t>
+            </a:r>
+          </a:p>
+          <a:p>
+            <a:pPr lvl="1">
+              <a:buFont typeface="Calibri" panose="020F0502020204030204" pitchFamily="34" charset="0"/>
+              <a:buChar char="⁻"/>
+            </a:pPr>
+            <a:r>
+              <a:rPr lang="en-US" sz="2800" dirty="0"/>
+              <a:t>Much of the development process is very well documented for users of </a:t>
+            </a:r>
+            <a:r>
+              <a:rPr lang="en-US" sz="2800" dirty="0" err="1"/>
+              <a:t>Tcl</a:t>
+            </a:r>
+            <a:r>
+              <a:rPr lang="en-US" sz="2800" dirty="0"/>
+              <a:t> but nothing else</a:t>
+            </a:r>
+          </a:p>
+          <a:p>
+            <a:pPr lvl="2">
+              <a:buFont typeface="Calibri" panose="020F0502020204030204" pitchFamily="34" charset="0"/>
+              <a:buChar char="⁻"/>
+            </a:pPr>
+            <a:r>
+              <a:rPr lang="en-US" sz="2400" dirty="0"/>
+              <a:t>This often led to scrolling through forum posting for information rather than being able to rely on the official documentation</a:t>
+            </a:r>
+            <a:endParaRPr lang="en-US" sz="4200" dirty="0"/>
+          </a:p>
+          <a:p>
+            <a:pPr marL="45720" indent="0">
+              <a:buNone/>
+            </a:pPr>
+            <a:endParaRPr lang="en-US" sz="2800" dirty="0"/>
+          </a:p>
+          <a:p>
+            <a:pPr>
+              <a:buFont typeface="Calibri" panose="020F0502020204030204" pitchFamily="34" charset="0"/>
+              <a:buChar char="⁻"/>
+            </a:pPr>
+            <a:r>
+              <a:rPr lang="en-US" sz="2800" dirty="0"/>
+              <a:t>The Convolution Accelerator controller needs new logic or pipeline to speed up</a:t>
+            </a:r>
+          </a:p>
+          <a:p>
+            <a:pPr lvl="1">
+              <a:buFont typeface="Calibri" panose="020F0502020204030204" pitchFamily="34" charset="0"/>
+              <a:buChar char="⁻"/>
+            </a:pPr>
+            <a:r>
+              <a:rPr lang="en-US" sz="2600" dirty="0"/>
+              <a:t>When testing the design as is, I’ve found that much of the time for completing convolution is due to loading. I need to restructure my pipeline to allow for loading more than one data set at a time</a:t>
+            </a:r>
+          </a:p>
+          <a:p>
+            <a:pPr lvl="1">
+              <a:buFont typeface="Calibri" panose="020F0502020204030204" pitchFamily="34" charset="0"/>
+              <a:buChar char="⁻"/>
+            </a:pPr>
+            <a:r>
+              <a:rPr lang="en-US" sz="2600" dirty="0"/>
+              <a:t>Adding a buffer to hold the filter set is also in progress</a:t>
+            </a:r>
+          </a:p>
+          <a:p>
+            <a:pPr marL="45720" indent="0">
+              <a:buNone/>
+            </a:pPr>
+            <a:endParaRPr lang="en-US" sz="2800" dirty="0"/>
+          </a:p>
+          <a:p>
+            <a:pPr>
+              <a:buFont typeface="Calibri" panose="020F0502020204030204" pitchFamily="34" charset="0"/>
+              <a:buChar char="⁻"/>
+            </a:pPr>
+            <a:r>
+              <a:rPr lang="en-US" sz="2800" dirty="0"/>
+              <a:t>Floating point calculation needs work</a:t>
+            </a:r>
+          </a:p>
+          <a:p>
+            <a:pPr lvl="1">
+              <a:buFont typeface="Calibri" panose="020F0502020204030204" pitchFamily="34" charset="0"/>
+              <a:buChar char="⁻"/>
+            </a:pPr>
+            <a:r>
+              <a:rPr lang="en-US" sz="2600" dirty="0"/>
+              <a:t>Due to timing failure, this part of the design is not functioning properly.</a:t>
+            </a:r>
+          </a:p>
+          <a:p>
+            <a:pPr lvl="1">
+              <a:buFont typeface="Calibri" panose="020F0502020204030204" pitchFamily="34" charset="0"/>
+              <a:buChar char="⁻"/>
+            </a:pPr>
+            <a:r>
+              <a:rPr lang="en-US" sz="2600" dirty="0"/>
+              <a:t>A likely next step would be to break up my math computation across more clocks</a:t>
+            </a:r>
+          </a:p>
+          <a:p>
+            <a:pPr>
+              <a:buFont typeface="Calibri" panose="020F0502020204030204" pitchFamily="34" charset="0"/>
+              <a:buChar char="⁻"/>
+            </a:pPr>
+            <a:endParaRPr lang="en-US" sz="2800" dirty="0"/>
+          </a:p>
+          <a:p>
+            <a:pPr>
+              <a:buFont typeface="Calibri" panose="020F0502020204030204" pitchFamily="34" charset="0"/>
+              <a:buChar char="⁻"/>
+            </a:pPr>
+            <a:r>
+              <a:rPr lang="en-US" sz="2800" dirty="0"/>
+              <a:t>Produce an actual feature map ASAP</a:t>
+            </a:r>
+          </a:p>
+          <a:p>
+            <a:pPr lvl="1">
+              <a:buFont typeface="Calibri" panose="020F0502020204030204" pitchFamily="34" charset="0"/>
+              <a:buChar char="⁻"/>
+            </a:pPr>
+            <a:r>
+              <a:rPr lang="en-US" sz="2600" dirty="0"/>
+              <a:t>Since integer/fixed point is currently working, I would like to begin producing feature maps</a:t>
+            </a:r>
+          </a:p>
+        </p:txBody>
+      </p:sp>
+      <p:sp>
+        <p:nvSpPr>
+          <p:cNvPr id="4" name="Slide Number Placeholder 3"/>
+          <p:cNvSpPr>
+            <a:spLocks noGrp="1"/>
+          </p:cNvSpPr>
+          <p:nvPr>
+            <p:ph type="sldNum" sz="quarter" idx="5"/>
+          </p:nvPr>
+        </p:nvSpPr>
+        <p:spPr/>
+        <p:txBody>
+          <a:bodyPr/>
+          <a:lstStyle/>
+          <a:p>
+            <a:fld id="{8DC22F4E-92E3-4860-8641-150BB6826707}" type="slidenum">
+              <a:rPr lang="en-US" smtClean="0"/>
+              <a:t>42</a:t>
+            </a:fld>
+            <a:endParaRPr lang="en-US"/>
+          </a:p>
+        </p:txBody>
+      </p:sp>
+    </p:spTree>
+    <p:extLst>
+      <p:ext uri="{BB962C8B-B14F-4D97-AF65-F5344CB8AC3E}">
+        <p14:creationId xmlns:p14="http://schemas.microsoft.com/office/powerpoint/2010/main" val="2126116630"/>
+      </p:ext>
+    </p:extLst>
+  </p:cSld>
+  <p:clrMapOvr>
+    <a:masterClrMapping/>
+  </p:clrMapOvr>
+</p:notes>
+</file>
+
 <file path=ppt/notesSlides/notesSlide3.xml><?xml version="1.0" encoding="utf-8"?>
 <p:notes xmlns:a="http://schemas.openxmlformats.org/drawingml/2006/main" xmlns:r="http://schemas.openxmlformats.org/officeDocument/2006/relationships" xmlns:p="http://schemas.openxmlformats.org/presentationml/2006/main">
   <p:cSld>
@@ -1747,7 +2427,7 @@
           <a:p>
             <a:fld id="{8DC22F4E-92E3-4860-8641-150BB6826707}" type="slidenum">
               <a:rPr lang="en-US" smtClean="0"/>
-              <a:t>5</a:t>
+              <a:t>8</a:t>
             </a:fld>
             <a:endParaRPr lang="en-US"/>
           </a:p>
@@ -2344,7 +3024,7 @@
           <a:p>
             <a:fld id="{8DC22F4E-92E3-4860-8641-150BB6826707}" type="slidenum">
               <a:rPr lang="en-US" smtClean="0"/>
-              <a:t>22</a:t>
+              <a:t>19</a:t>
             </a:fld>
             <a:endParaRPr lang="en-US"/>
           </a:p>
@@ -2353,7 +3033,7 @@
     </p:spTree>
     <p:extLst>
       <p:ext uri="{BB962C8B-B14F-4D97-AF65-F5344CB8AC3E}">
-        <p14:creationId xmlns:p14="http://schemas.microsoft.com/office/powerpoint/2010/main" val="3989831189"/>
+        <p14:creationId xmlns:p14="http://schemas.microsoft.com/office/powerpoint/2010/main" val="2640357726"/>
       </p:ext>
     </p:extLst>
   </p:cSld>
@@ -2428,7 +3108,7 @@
           <a:p>
             <a:fld id="{8DC22F4E-92E3-4860-8641-150BB6826707}" type="slidenum">
               <a:rPr lang="en-US" smtClean="0"/>
-              <a:t>23</a:t>
+              <a:t>22</a:t>
             </a:fld>
             <a:endParaRPr lang="en-US"/>
           </a:p>
@@ -2437,7 +3117,7 @@
     </p:spTree>
     <p:extLst>
       <p:ext uri="{BB962C8B-B14F-4D97-AF65-F5344CB8AC3E}">
-        <p14:creationId xmlns:p14="http://schemas.microsoft.com/office/powerpoint/2010/main" val="3829908795"/>
+        <p14:creationId xmlns:p14="http://schemas.microsoft.com/office/powerpoint/2010/main" val="3989831189"/>
       </p:ext>
     </p:extLst>
   </p:cSld>
@@ -5729,13 +6409,6 @@
           </a:bodyPr>
           <a:lstStyle/>
           <a:p>
-            <a:r>
-              <a:rPr lang="en-US" sz="5400" b="0" dirty="0">
-                <a:latin typeface="Calibri" panose="020F0502020204030204" pitchFamily="34" charset="0"/>
-                <a:cs typeface="Calibri" panose="020F0502020204030204" pitchFamily="34" charset="0"/>
-              </a:rPr>
-              <a:t>Dynamic Hardware</a:t>
-            </a:r>
             <a:br>
               <a:rPr lang="en-US" sz="5400" b="0" dirty="0">
                 <a:latin typeface="Calibri" panose="020F0502020204030204" pitchFamily="34" charset="0"/>
@@ -5760,7 +6433,7 @@
                 <a:latin typeface="Calibri" panose="020F0502020204030204" pitchFamily="34" charset="0"/>
                 <a:cs typeface="Calibri" panose="020F0502020204030204" pitchFamily="34" charset="0"/>
               </a:rPr>
-              <a:t>Design</a:t>
+              <a:t>Dynamic Hardware</a:t>
             </a:r>
           </a:p>
         </p:txBody>
@@ -5891,7 +6564,7 @@
         <p:spPr>
           <a:xfrm>
             <a:off x="690284" y="535596"/>
-            <a:ext cx="5515207" cy="6178614"/>
+            <a:ext cx="5515207" cy="6009337"/>
           </a:xfrm>
           <a:prstGeom prst="rect">
             <a:avLst/>
@@ -5922,18 +6595,18 @@
             </a:pPr>
             <a:r>
               <a:rPr lang="en-US" sz="2100" dirty="0"/>
+              <a:t>-Learn Verilog</a:t>
+            </a:r>
+          </a:p>
+          <a:p>
+            <a:pPr>
+              <a:spcBef>
+                <a:spcPts val="300"/>
+              </a:spcBef>
+            </a:pPr>
+            <a:r>
+              <a:rPr lang="en-US" sz="2100" dirty="0"/>
               <a:t>-Intro to Vivado</a:t>
-            </a:r>
-          </a:p>
-          <a:p>
-            <a:pPr>
-              <a:spcBef>
-                <a:spcPts val="300"/>
-              </a:spcBef>
-            </a:pPr>
-            <a:r>
-              <a:rPr lang="en-US" sz="2100" dirty="0"/>
-              <a:t>-Learn Verilog</a:t>
             </a:r>
           </a:p>
           <a:p>
@@ -6829,7 +7502,7 @@
         <p:spPr>
           <a:xfrm>
             <a:off x="690284" y="535596"/>
-            <a:ext cx="5515207" cy="6178614"/>
+            <a:ext cx="5515207" cy="6009337"/>
           </a:xfrm>
           <a:prstGeom prst="rect">
             <a:avLst/>
@@ -6860,18 +7533,18 @@
             </a:pPr>
             <a:r>
               <a:rPr lang="en-US" sz="2100" dirty="0"/>
+              <a:t>-Learn Verilog</a:t>
+            </a:r>
+          </a:p>
+          <a:p>
+            <a:pPr>
+              <a:spcBef>
+                <a:spcPts val="300"/>
+              </a:spcBef>
+            </a:pPr>
+            <a:r>
+              <a:rPr lang="en-US" sz="2100" dirty="0"/>
               <a:t>-Intro to Vivado</a:t>
-            </a:r>
-          </a:p>
-          <a:p>
-            <a:pPr>
-              <a:spcBef>
-                <a:spcPts val="300"/>
-              </a:spcBef>
-            </a:pPr>
-            <a:r>
-              <a:rPr lang="en-US" sz="2100" dirty="0"/>
-              <a:t>-Learn Verilog</a:t>
             </a:r>
           </a:p>
           <a:p>
@@ -8594,7 +9267,7 @@
         <p:spPr>
           <a:xfrm>
             <a:off x="690284" y="535596"/>
-            <a:ext cx="5515207" cy="6178614"/>
+            <a:ext cx="5515207" cy="6009337"/>
           </a:xfrm>
           <a:prstGeom prst="rect">
             <a:avLst/>
@@ -8625,18 +9298,18 @@
             </a:pPr>
             <a:r>
               <a:rPr lang="en-US" sz="2100" dirty="0"/>
+              <a:t>-Learn Verilog</a:t>
+            </a:r>
+          </a:p>
+          <a:p>
+            <a:pPr>
+              <a:spcBef>
+                <a:spcPts val="300"/>
+              </a:spcBef>
+            </a:pPr>
+            <a:r>
+              <a:rPr lang="en-US" sz="2100" dirty="0"/>
               <a:t>-Intro to Vivado</a:t>
-            </a:r>
-          </a:p>
-          <a:p>
-            <a:pPr>
-              <a:spcBef>
-                <a:spcPts val="300"/>
-              </a:spcBef>
-            </a:pPr>
-            <a:r>
-              <a:rPr lang="en-US" sz="2100" dirty="0"/>
-              <a:t>-Learn Verilog</a:t>
             </a:r>
           </a:p>
           <a:p>
@@ -8845,7 +9518,7 @@
               <a:buChar char="⁻"/>
             </a:pPr>
             <a:r>
-              <a:rPr lang="en-US" dirty="0"/>
+              <a:rPr lang="en-US" sz="2800" dirty="0"/>
               <a:t>With a method to now compute many products in parallel and sort them, a device was needed to accumulate the sum of products</a:t>
             </a:r>
           </a:p>
@@ -8862,7 +9535,7 @@
               <a:buChar char="⁻"/>
             </a:pPr>
             <a:r>
-              <a:rPr lang="en-US" dirty="0"/>
+              <a:rPr lang="en-US" sz="2800" dirty="0"/>
               <a:t>2 Partition definitions were created:</a:t>
             </a:r>
           </a:p>
@@ -8872,7 +9545,7 @@
               <a:buChar char="⁻"/>
             </a:pPr>
             <a:r>
-              <a:rPr lang="en-US" dirty="0"/>
+              <a:rPr lang="en-US" sz="2800" dirty="0"/>
               <a:t>Integer/Fixed Point Adder</a:t>
             </a:r>
           </a:p>
@@ -8882,7 +9555,7 @@
               <a:buChar char="⁻"/>
             </a:pPr>
             <a:r>
-              <a:rPr lang="en-US" dirty="0"/>
+              <a:rPr lang="en-US" sz="2800" dirty="0"/>
               <a:t>Floating Point Adder</a:t>
             </a:r>
           </a:p>
@@ -8923,7 +9596,7 @@
         </p:blipFill>
         <p:spPr>
           <a:xfrm>
-            <a:off x="4089601" y="4028752"/>
+            <a:off x="6291379" y="3884373"/>
             <a:ext cx="4012797" cy="2380926"/>
           </a:xfrm>
           <a:prstGeom prst="rect">
@@ -9016,7 +9689,7 @@
         <p:spPr>
           <a:xfrm>
             <a:off x="690284" y="535596"/>
-            <a:ext cx="5515207" cy="6178614"/>
+            <a:ext cx="5515207" cy="6009337"/>
           </a:xfrm>
           <a:prstGeom prst="rect">
             <a:avLst/>
@@ -9047,18 +9720,18 @@
             </a:pPr>
             <a:r>
               <a:rPr lang="en-US" sz="2100" dirty="0"/>
+              <a:t>-Learn Verilog</a:t>
+            </a:r>
+          </a:p>
+          <a:p>
+            <a:pPr>
+              <a:spcBef>
+                <a:spcPts val="300"/>
+              </a:spcBef>
+            </a:pPr>
+            <a:r>
+              <a:rPr lang="en-US" sz="2100" dirty="0"/>
               <a:t>-Intro to Vivado</a:t>
-            </a:r>
-          </a:p>
-          <a:p>
-            <a:pPr>
-              <a:spcBef>
-                <a:spcPts val="300"/>
-              </a:spcBef>
-            </a:pPr>
-            <a:r>
-              <a:rPr lang="en-US" sz="2100" dirty="0"/>
-              <a:t>-Learn Verilog</a:t>
             </a:r>
           </a:p>
           <a:p>
@@ -9269,14 +9942,14 @@
               <a:buChar char="⁻"/>
             </a:pPr>
             <a:r>
-              <a:rPr lang="en-US" sz="2000" dirty="0"/>
+              <a:rPr lang="en-US" sz="2800" dirty="0"/>
               <a:t>The devices were then packaged into a single IP, </a:t>
             </a:r>
             <a:r>
-              <a:rPr lang="en-US" sz="2000" dirty="0" err="1"/>
+              <a:rPr lang="en-US" sz="2800" dirty="0" err="1"/>
               <a:t>matrixAcclerator</a:t>
             </a:r>
-            <a:endParaRPr lang="en-US" sz="2000" dirty="0"/>
+            <a:endParaRPr lang="en-US" sz="2800" dirty="0"/>
           </a:p>
           <a:p>
             <a:pPr lvl="1">
@@ -9284,7 +9957,7 @@
               <a:buChar char="⁻"/>
             </a:pPr>
             <a:r>
-              <a:rPr lang="en-US" sz="1800" dirty="0"/>
+              <a:rPr lang="en-US" sz="2400" dirty="0"/>
               <a:t>This device has a lot of I/O and no control logic</a:t>
             </a:r>
           </a:p>
@@ -9294,7 +9967,7 @@
               <a:buChar char="⁻"/>
             </a:pPr>
             <a:r>
-              <a:rPr lang="en-US" sz="1800" dirty="0"/>
+              <a:rPr lang="en-US" sz="2400" dirty="0"/>
               <a:t>It must be packaged with a controller IP</a:t>
             </a:r>
           </a:p>
@@ -9321,7 +9994,7 @@
         </p:nvGrpSpPr>
         <p:grpSpPr>
           <a:xfrm>
-            <a:off x="4601050" y="2696655"/>
+            <a:off x="4296004" y="2865097"/>
             <a:ext cx="3599992" cy="3481933"/>
             <a:chOff x="610092" y="3010942"/>
             <a:chExt cx="3753546" cy="3759740"/>
@@ -9382,7 +10055,7 @@
                 <p:nvPr/>
               </p:nvPicPr>
               <p:blipFill>
-                <a:blip r:embed="rId2">
+                <a:blip r:embed="rId3">
                   <a:extLst>
                     <a:ext uri="{28A0092B-C50C-407E-A947-70E740481C1C}">
                       <a14:useLocalDpi xmlns:a14="http://schemas.microsoft.com/office/drawing/2010/main" val="0"/>
@@ -10393,7 +11066,7 @@
         <p:spPr>
           <a:xfrm>
             <a:off x="690284" y="535596"/>
-            <a:ext cx="5515207" cy="6178614"/>
+            <a:ext cx="5515207" cy="6009337"/>
           </a:xfrm>
           <a:prstGeom prst="rect">
             <a:avLst/>
@@ -10424,18 +11097,18 @@
             </a:pPr>
             <a:r>
               <a:rPr lang="en-US" sz="2100" dirty="0"/>
+              <a:t>-Learn Verilog</a:t>
+            </a:r>
+          </a:p>
+          <a:p>
+            <a:pPr>
+              <a:spcBef>
+                <a:spcPts val="300"/>
+              </a:spcBef>
+            </a:pPr>
+            <a:r>
+              <a:rPr lang="en-US" sz="2100" dirty="0"/>
               <a:t>-Intro to Vivado</a:t>
-            </a:r>
-          </a:p>
-          <a:p>
-            <a:pPr>
-              <a:spcBef>
-                <a:spcPts val="300"/>
-              </a:spcBef>
-            </a:pPr>
-            <a:r>
-              <a:rPr lang="en-US" sz="2100" dirty="0"/>
-              <a:t>-Learn Verilog</a:t>
             </a:r>
           </a:p>
           <a:p>
@@ -10631,13 +11304,13 @@
         </p:nvSpPr>
         <p:spPr>
           <a:xfrm>
-            <a:off x="1532658" y="1375432"/>
-            <a:ext cx="4015003" cy="2053568"/>
+            <a:off x="698158" y="1375432"/>
+            <a:ext cx="5680586" cy="2053568"/>
           </a:xfrm>
         </p:spPr>
         <p:txBody>
           <a:bodyPr>
-            <a:normAutofit/>
+            <a:normAutofit fontScale="92500" lnSpcReduction="10000"/>
           </a:bodyPr>
           <a:lstStyle/>
           <a:p>
@@ -10653,7 +11326,7 @@
               <a:buChar char="⁻"/>
             </a:pPr>
             <a:r>
-              <a:rPr lang="en-US" dirty="0"/>
+              <a:rPr lang="en-US" sz="2800" dirty="0"/>
               <a:t>The convolution accelerator needs much data input</a:t>
             </a:r>
           </a:p>
@@ -10663,7 +11336,7 @@
               <a:buChar char="⁻"/>
             </a:pPr>
             <a:r>
-              <a:rPr lang="en-US" dirty="0"/>
+              <a:rPr lang="en-US" sz="2800" dirty="0"/>
               <a:t>Data Set (Image Values)</a:t>
             </a:r>
           </a:p>
@@ -10673,7 +11346,7 @@
               <a:buChar char="⁻"/>
             </a:pPr>
             <a:r>
-              <a:rPr lang="en-US" dirty="0"/>
+              <a:rPr lang="en-US" sz="2800" dirty="0"/>
               <a:t>Filter Set (Filter Values)</a:t>
             </a:r>
           </a:p>
@@ -10979,7 +11652,7 @@
         </p:spPr>
         <p:txBody>
           <a:bodyPr vert="horz" lIns="91440" tIns="45720" rIns="91440" bIns="45720" rtlCol="0">
-            <a:normAutofit/>
+            <a:normAutofit lnSpcReduction="10000"/>
           </a:bodyPr>
           <a:lstStyle>
             <a:lvl1pPr marL="228600" indent="-182880" algn="l" defTabSz="914400" rtl="0" eaLnBrk="1" latinLnBrk="0" hangingPunct="1">
@@ -11211,7 +11884,7 @@
               <a:buChar char="⁻"/>
             </a:pPr>
             <a:r>
-              <a:rPr lang="en-US" dirty="0"/>
+              <a:rPr lang="en-US" sz="2800" dirty="0"/>
               <a:t>Since the program will not be able to load values and operate the FPGA properly, an asynchronous FIFO buffer was used to input a data set across the clock domains</a:t>
             </a:r>
           </a:p>
@@ -11220,7 +11893,7 @@
               <a:buFont typeface="Calibri" panose="020F0502020204030204" pitchFamily="34" charset="0"/>
               <a:buChar char="⁻"/>
             </a:pPr>
-            <a:endParaRPr lang="en-US" dirty="0"/>
+            <a:endParaRPr lang="en-US" sz="2800" dirty="0"/>
           </a:p>
         </p:txBody>
       </p:sp>
@@ -11485,8 +12158,8 @@
         </p:nvSpPr>
         <p:spPr>
           <a:xfrm>
-            <a:off x="838200" y="1690688"/>
-            <a:ext cx="10515600" cy="646331"/>
+            <a:off x="879496" y="1015702"/>
+            <a:ext cx="10515600" cy="954107"/>
           </a:xfrm>
           <a:prstGeom prst="rect">
             <a:avLst/>
@@ -11504,18 +12177,16 @@
               <a:buChar char="⁻"/>
             </a:pPr>
             <a:r>
-              <a:rPr lang="en-US" dirty="0"/>
-              <a:t>To verify this FIFO design was suitable, it was first tested in Vivado simulation</a:t>
-            </a:r>
-          </a:p>
-          <a:p>
-            <a:pPr marL="285750" indent="-285750">
-              <a:buFont typeface="Calibri" panose="020F0502020204030204" pitchFamily="34" charset="0"/>
-              <a:buChar char="⁻"/>
-            </a:pPr>
-            <a:r>
-              <a:rPr lang="en-US" dirty="0"/>
-              <a:t>Next, a bitstream and block diagram was generated to program the FPGA with the Python3 interface</a:t>
+              <a:rPr lang="en-US" sz="2800" dirty="0"/>
+              <a:t>To verify this FIFO design was suitable, it was first tested in </a:t>
+            </a:r>
+            <a:r>
+              <a:rPr lang="en-US" sz="2800" dirty="0" err="1"/>
+              <a:t>Vivado</a:t>
+            </a:r>
+            <a:r>
+              <a:rPr lang="en-US" sz="2800" dirty="0"/>
+              <a:t> simulation</a:t>
             </a:r>
           </a:p>
         </p:txBody>
@@ -11534,8 +12205,8 @@
         </p:nvSpPr>
         <p:spPr>
           <a:xfrm>
-            <a:off x="879496" y="3427354"/>
-            <a:ext cx="4882034" cy="2031325"/>
+            <a:off x="879496" y="2268796"/>
+            <a:ext cx="4882034" cy="3785652"/>
           </a:xfrm>
           <a:prstGeom prst="rect">
             <a:avLst/>
@@ -11553,12 +12224,12 @@
               <a:buChar char="⁻"/>
             </a:pPr>
             <a:r>
-              <a:rPr lang="en-US" dirty="0"/>
+              <a:rPr lang="en-US" sz="2400" dirty="0"/>
               <a:t>In the Python environment, the buffer would be filled with a random data set</a:t>
             </a:r>
           </a:p>
           <a:p>
-            <a:endParaRPr lang="en-US" dirty="0"/>
+            <a:endParaRPr lang="en-US" sz="2400" dirty="0"/>
           </a:p>
           <a:p>
             <a:pPr marL="285750" indent="-285750">
@@ -11566,7 +12237,7 @@
               <a:buChar char="⁻"/>
             </a:pPr>
             <a:r>
-              <a:rPr lang="en-US" dirty="0"/>
+              <a:rPr lang="en-US" sz="2400" dirty="0"/>
               <a:t>Next, the buffer data would be extracted and compared with original input</a:t>
             </a:r>
           </a:p>
@@ -11575,7 +12246,7 @@
               <a:buFont typeface="Calibri" panose="020F0502020204030204" pitchFamily="34" charset="0"/>
               <a:buChar char="⁻"/>
             </a:pPr>
-            <a:endParaRPr lang="en-US" dirty="0"/>
+            <a:endParaRPr lang="en-US" sz="2400" dirty="0"/>
           </a:p>
           <a:p>
             <a:pPr marL="285750" indent="-285750">
@@ -11583,7 +12254,7 @@
               <a:buChar char="⁻"/>
             </a:pPr>
             <a:r>
-              <a:rPr lang="en-US" dirty="0"/>
+              <a:rPr lang="en-US" sz="2400" dirty="0"/>
               <a:t>The load/compare times were also tracked</a:t>
             </a:r>
           </a:p>
@@ -11604,7 +12275,7 @@
           <p:nvPr/>
         </p:nvPicPr>
         <p:blipFill>
-          <a:blip r:embed="rId2">
+          <a:blip r:embed="rId3">
             <a:extLst>
               <a:ext uri="{28A0092B-C50C-407E-A947-70E740481C1C}">
                 <a14:useLocalDpi xmlns:a14="http://schemas.microsoft.com/office/drawing/2010/main" val="0"/>
@@ -11617,7 +12288,7 @@
         </p:blipFill>
         <p:spPr>
           <a:xfrm>
-            <a:off x="5761530" y="2831585"/>
+            <a:off x="5761530" y="2550190"/>
             <a:ext cx="5633566" cy="3222864"/>
           </a:xfrm>
           <a:prstGeom prst="rect">
@@ -11710,7 +12381,7 @@
         <p:spPr>
           <a:xfrm>
             <a:off x="690284" y="535596"/>
-            <a:ext cx="5515207" cy="6178614"/>
+            <a:ext cx="5515207" cy="6009337"/>
           </a:xfrm>
           <a:prstGeom prst="rect">
             <a:avLst/>
@@ -11741,18 +12412,18 @@
             </a:pPr>
             <a:r>
               <a:rPr lang="en-US" sz="2100" dirty="0"/>
+              <a:t>-Learn Verilog</a:t>
+            </a:r>
+          </a:p>
+          <a:p>
+            <a:pPr>
+              <a:spcBef>
+                <a:spcPts val="300"/>
+              </a:spcBef>
+            </a:pPr>
+            <a:r>
+              <a:rPr lang="en-US" sz="2100" dirty="0"/>
               <a:t>-Intro to Vivado</a:t>
-            </a:r>
-          </a:p>
-          <a:p>
-            <a:pPr>
-              <a:spcBef>
-                <a:spcPts val="300"/>
-              </a:spcBef>
-            </a:pPr>
-            <a:r>
-              <a:rPr lang="en-US" sz="2100" dirty="0"/>
-              <a:t>-Learn Verilog</a:t>
             </a:r>
           </a:p>
           <a:p>
@@ -11948,13 +12619,13 @@
         </p:nvSpPr>
         <p:spPr>
           <a:xfrm>
-            <a:off x="587249" y="1248444"/>
-            <a:ext cx="5982227" cy="4411681"/>
+            <a:off x="587249" y="648689"/>
+            <a:ext cx="5982227" cy="2322532"/>
           </a:xfrm>
         </p:spPr>
         <p:txBody>
           <a:bodyPr>
-            <a:normAutofit lnSpcReduction="10000"/>
+            <a:normAutofit fontScale="92500" lnSpcReduction="10000"/>
           </a:bodyPr>
           <a:lstStyle/>
           <a:p>
@@ -11969,7 +12640,7 @@
               <a:buChar char="⁻"/>
             </a:pPr>
             <a:r>
-              <a:rPr lang="en-US" sz="2400" dirty="0"/>
+              <a:rPr lang="en-US" sz="3000" dirty="0"/>
               <a:t>The controller needs to:</a:t>
             </a:r>
           </a:p>
@@ -11979,7 +12650,7 @@
               <a:buChar char="⁻"/>
             </a:pPr>
             <a:r>
-              <a:rPr lang="en-US" dirty="0"/>
+              <a:rPr lang="en-US" sz="2600" dirty="0"/>
               <a:t>Read data in the input buffer</a:t>
             </a:r>
           </a:p>
@@ -11989,7 +12660,7 @@
               <a:buChar char="⁻"/>
             </a:pPr>
             <a:r>
-              <a:rPr lang="en-US" dirty="0"/>
+              <a:rPr lang="en-US" sz="2600" dirty="0"/>
               <a:t>Pipeline data into the matrix accelerator</a:t>
             </a:r>
           </a:p>
@@ -11999,68 +12670,8 @@
               <a:buChar char="⁻"/>
             </a:pPr>
             <a:r>
-              <a:rPr lang="en-US" dirty="0"/>
+              <a:rPr lang="en-US" sz="2600" dirty="0"/>
               <a:t>Use matrix accelerator control signals to generate convolution sum</a:t>
-            </a:r>
-          </a:p>
-          <a:p>
-            <a:pPr lvl="1">
-              <a:buFont typeface="Calibri" panose="020F0502020204030204" pitchFamily="34" charset="0"/>
-              <a:buChar char="⁻"/>
-            </a:pPr>
-            <a:endParaRPr lang="en-US" dirty="0"/>
-          </a:p>
-          <a:p>
-            <a:pPr marL="274320" lvl="1" indent="0">
-              <a:buNone/>
-            </a:pPr>
-            <a:endParaRPr lang="en-US" dirty="0"/>
-          </a:p>
-          <a:p>
-            <a:pPr lvl="1">
-              <a:buFont typeface="Calibri" panose="020F0502020204030204" pitchFamily="34" charset="0"/>
-              <a:buChar char="⁻"/>
-            </a:pPr>
-            <a:endParaRPr lang="en-US" sz="1800" dirty="0"/>
-          </a:p>
-          <a:p>
-            <a:pPr>
-              <a:buFont typeface="Calibri" panose="020F0502020204030204" pitchFamily="34" charset="0"/>
-              <a:buChar char="⁻"/>
-            </a:pPr>
-            <a:r>
-              <a:rPr lang="en-US" sz="2400" dirty="0"/>
-              <a:t>The controller has three main states:</a:t>
-            </a:r>
-          </a:p>
-          <a:p>
-            <a:pPr lvl="1">
-              <a:buFont typeface="Calibri" panose="020F0502020204030204" pitchFamily="34" charset="0"/>
-              <a:buChar char="⁻"/>
-            </a:pPr>
-            <a:r>
-              <a:rPr lang="en-US" dirty="0"/>
-              <a:t>Reading data from the buffer</a:t>
-            </a:r>
-          </a:p>
-          <a:p>
-            <a:pPr lvl="1">
-              <a:buFont typeface="Calibri" panose="020F0502020204030204" pitchFamily="34" charset="0"/>
-              <a:buChar char="⁻"/>
-            </a:pPr>
-            <a:r>
-              <a:rPr lang="en-US" dirty="0"/>
-              <a:t>Multiplying the input values</a:t>
-            </a:r>
-          </a:p>
-          <a:p>
-            <a:pPr lvl="1">
-              <a:buFont typeface="Calibri" panose="020F0502020204030204" pitchFamily="34" charset="0"/>
-              <a:buChar char="⁻"/>
-            </a:pPr>
-            <a:r>
-              <a:rPr lang="en-US" dirty="0"/>
-              <a:t>Add the resulting products</a:t>
             </a:r>
           </a:p>
         </p:txBody>
@@ -12130,7 +12741,7 @@
         </p:blipFill>
         <p:spPr bwMode="auto">
           <a:xfrm>
-            <a:off x="5622525" y="3360141"/>
+            <a:off x="5694019" y="3293875"/>
             <a:ext cx="5905500" cy="3171825"/>
           </a:xfrm>
           <a:prstGeom prst="rect">
@@ -12162,7 +12773,7 @@
         </p:nvSpPr>
         <p:spPr>
           <a:xfrm>
-            <a:off x="6374167" y="6329780"/>
+            <a:off x="6422295" y="6245556"/>
             <a:ext cx="2379216" cy="202186"/>
           </a:xfrm>
           <a:prstGeom prst="rect">
@@ -12200,6 +12811,299 @@
           </a:p>
         </p:txBody>
       </p:sp>
+      <p:sp>
+        <p:nvSpPr>
+          <p:cNvPr id="6" name="Content Placeholder 2">
+            <a:extLst>
+              <a:ext uri="{FF2B5EF4-FFF2-40B4-BE49-F238E27FC236}">
+                <a16:creationId xmlns:a16="http://schemas.microsoft.com/office/drawing/2014/main" id="{F98FD91A-B4B1-4A01-880D-D83999846E6B}"/>
+              </a:ext>
+            </a:extLst>
+          </p:cNvPr>
+          <p:cNvSpPr txBox="1">
+            <a:spLocks/>
+          </p:cNvSpPr>
+          <p:nvPr/>
+        </p:nvSpPr>
+        <p:spPr>
+          <a:xfrm>
+            <a:off x="587250" y="3564125"/>
+            <a:ext cx="5106770" cy="2411661"/>
+          </a:xfrm>
+          <a:prstGeom prst="rect">
+            <a:avLst/>
+          </a:prstGeom>
+        </p:spPr>
+        <p:txBody>
+          <a:bodyPr vert="horz" lIns="91440" tIns="45720" rIns="91440" bIns="45720" rtlCol="0">
+            <a:normAutofit/>
+          </a:bodyPr>
+          <a:lstStyle>
+            <a:lvl1pPr marL="228600" indent="-182880" algn="l" defTabSz="914400" rtl="0" eaLnBrk="1" latinLnBrk="0" hangingPunct="1">
+              <a:lnSpc>
+                <a:spcPct val="90000"/>
+              </a:lnSpc>
+              <a:spcBef>
+                <a:spcPts val="1400"/>
+              </a:spcBef>
+              <a:buClr>
+                <a:schemeClr val="tx1"/>
+              </a:buClr>
+              <a:buSzPct val="80000"/>
+              <a:buFont typeface="Corbel" pitchFamily="34" charset="0"/>
+              <a:buChar char="•"/>
+              <a:defRPr sz="2200" kern="1200">
+                <a:solidFill>
+                  <a:schemeClr val="tx1"/>
+                </a:solidFill>
+                <a:latin typeface="+mn-lt"/>
+                <a:ea typeface="+mn-ea"/>
+                <a:cs typeface="+mn-cs"/>
+              </a:defRPr>
+            </a:lvl1pPr>
+            <a:lvl2pPr marL="457200" indent="-182880" algn="l" defTabSz="914400" rtl="0" eaLnBrk="1" latinLnBrk="0" hangingPunct="1">
+              <a:lnSpc>
+                <a:spcPct val="90000"/>
+              </a:lnSpc>
+              <a:spcBef>
+                <a:spcPts val="200"/>
+              </a:spcBef>
+              <a:spcAft>
+                <a:spcPts val="400"/>
+              </a:spcAft>
+              <a:buClr>
+                <a:schemeClr val="tx1"/>
+              </a:buClr>
+              <a:buSzPct val="80000"/>
+              <a:buFont typeface="Corbel" pitchFamily="34" charset="0"/>
+              <a:buChar char="•"/>
+              <a:defRPr sz="2000" kern="1200">
+                <a:solidFill>
+                  <a:schemeClr val="tx1"/>
+                </a:solidFill>
+                <a:latin typeface="+mn-lt"/>
+                <a:ea typeface="+mn-ea"/>
+                <a:cs typeface="+mn-cs"/>
+              </a:defRPr>
+            </a:lvl2pPr>
+            <a:lvl3pPr marL="731520" indent="-182880" algn="l" defTabSz="914400" rtl="0" eaLnBrk="1" latinLnBrk="0" hangingPunct="1">
+              <a:lnSpc>
+                <a:spcPct val="90000"/>
+              </a:lnSpc>
+              <a:spcBef>
+                <a:spcPts val="200"/>
+              </a:spcBef>
+              <a:spcAft>
+                <a:spcPts val="400"/>
+              </a:spcAft>
+              <a:buClr>
+                <a:schemeClr val="tx1"/>
+              </a:buClr>
+              <a:buSzPct val="80000"/>
+              <a:buFont typeface="Corbel" pitchFamily="34" charset="0"/>
+              <a:buChar char="•"/>
+              <a:defRPr sz="1800" kern="1200">
+                <a:solidFill>
+                  <a:schemeClr val="tx1"/>
+                </a:solidFill>
+                <a:latin typeface="+mn-lt"/>
+                <a:ea typeface="+mn-ea"/>
+                <a:cs typeface="+mn-cs"/>
+              </a:defRPr>
+            </a:lvl3pPr>
+            <a:lvl4pPr marL="1005840" indent="-182880" algn="l" defTabSz="914400" rtl="0" eaLnBrk="1" latinLnBrk="0" hangingPunct="1">
+              <a:lnSpc>
+                <a:spcPct val="90000"/>
+              </a:lnSpc>
+              <a:spcBef>
+                <a:spcPts val="200"/>
+              </a:spcBef>
+              <a:spcAft>
+                <a:spcPts val="400"/>
+              </a:spcAft>
+              <a:buClr>
+                <a:schemeClr val="tx1"/>
+              </a:buClr>
+              <a:buSzPct val="80000"/>
+              <a:buFont typeface="Corbel" pitchFamily="34" charset="0"/>
+              <a:buChar char="•"/>
+              <a:defRPr sz="1600" kern="1200">
+                <a:solidFill>
+                  <a:schemeClr val="tx1"/>
+                </a:solidFill>
+                <a:latin typeface="+mn-lt"/>
+                <a:ea typeface="+mn-ea"/>
+                <a:cs typeface="+mn-cs"/>
+              </a:defRPr>
+            </a:lvl4pPr>
+            <a:lvl5pPr marL="1280160" indent="-182880" algn="l" defTabSz="914400" rtl="0" eaLnBrk="1" latinLnBrk="0" hangingPunct="1">
+              <a:lnSpc>
+                <a:spcPct val="90000"/>
+              </a:lnSpc>
+              <a:spcBef>
+                <a:spcPts val="200"/>
+              </a:spcBef>
+              <a:spcAft>
+                <a:spcPts val="400"/>
+              </a:spcAft>
+              <a:buClr>
+                <a:schemeClr val="tx1"/>
+              </a:buClr>
+              <a:buSzPct val="80000"/>
+              <a:buFont typeface="Corbel" pitchFamily="34" charset="0"/>
+              <a:buChar char="•"/>
+              <a:defRPr sz="1600" kern="1200">
+                <a:solidFill>
+                  <a:schemeClr val="tx1"/>
+                </a:solidFill>
+                <a:latin typeface="+mn-lt"/>
+                <a:ea typeface="+mn-ea"/>
+                <a:cs typeface="+mn-cs"/>
+              </a:defRPr>
+            </a:lvl5pPr>
+            <a:lvl6pPr marL="1600000" indent="-228600" algn="l" defTabSz="914400" rtl="0" eaLnBrk="1" latinLnBrk="0" hangingPunct="1">
+              <a:lnSpc>
+                <a:spcPct val="90000"/>
+              </a:lnSpc>
+              <a:spcBef>
+                <a:spcPts val="200"/>
+              </a:spcBef>
+              <a:spcAft>
+                <a:spcPts val="400"/>
+              </a:spcAft>
+              <a:buClr>
+                <a:schemeClr val="tx1"/>
+              </a:buClr>
+              <a:buSzPct val="80000"/>
+              <a:buFont typeface="Corbel" pitchFamily="34" charset="0"/>
+              <a:buChar char="•"/>
+              <a:defRPr sz="1600" kern="1200">
+                <a:solidFill>
+                  <a:schemeClr val="tx1"/>
+                </a:solidFill>
+                <a:latin typeface="+mn-lt"/>
+                <a:ea typeface="+mn-ea"/>
+                <a:cs typeface="+mn-cs"/>
+              </a:defRPr>
+            </a:lvl6pPr>
+            <a:lvl7pPr marL="1900000" indent="-228600" algn="l" defTabSz="914400" rtl="0" eaLnBrk="1" latinLnBrk="0" hangingPunct="1">
+              <a:lnSpc>
+                <a:spcPct val="90000"/>
+              </a:lnSpc>
+              <a:spcBef>
+                <a:spcPts val="200"/>
+              </a:spcBef>
+              <a:spcAft>
+                <a:spcPts val="400"/>
+              </a:spcAft>
+              <a:buClr>
+                <a:schemeClr val="tx1"/>
+              </a:buClr>
+              <a:buSzPct val="80000"/>
+              <a:buFont typeface="Corbel" pitchFamily="34" charset="0"/>
+              <a:buChar char="•"/>
+              <a:defRPr sz="1600" kern="1200">
+                <a:solidFill>
+                  <a:schemeClr val="tx1"/>
+                </a:solidFill>
+                <a:latin typeface="+mn-lt"/>
+                <a:ea typeface="+mn-ea"/>
+                <a:cs typeface="+mn-cs"/>
+              </a:defRPr>
+            </a:lvl7pPr>
+            <a:lvl8pPr marL="2200000" indent="-228600" algn="l" defTabSz="914400" rtl="0" eaLnBrk="1" latinLnBrk="0" hangingPunct="1">
+              <a:lnSpc>
+                <a:spcPct val="90000"/>
+              </a:lnSpc>
+              <a:spcBef>
+                <a:spcPts val="200"/>
+              </a:spcBef>
+              <a:spcAft>
+                <a:spcPts val="400"/>
+              </a:spcAft>
+              <a:buClr>
+                <a:schemeClr val="tx1"/>
+              </a:buClr>
+              <a:buSzPct val="80000"/>
+              <a:buFont typeface="Corbel" pitchFamily="34" charset="0"/>
+              <a:buChar char="•"/>
+              <a:defRPr sz="1600" kern="1200">
+                <a:solidFill>
+                  <a:schemeClr val="tx1"/>
+                </a:solidFill>
+                <a:latin typeface="+mn-lt"/>
+                <a:ea typeface="+mn-ea"/>
+                <a:cs typeface="+mn-cs"/>
+              </a:defRPr>
+            </a:lvl8pPr>
+            <a:lvl9pPr marL="2500000" indent="-228600" algn="l" defTabSz="914400" rtl="0" eaLnBrk="1" latinLnBrk="0" hangingPunct="1">
+              <a:lnSpc>
+                <a:spcPct val="90000"/>
+              </a:lnSpc>
+              <a:spcBef>
+                <a:spcPts val="200"/>
+              </a:spcBef>
+              <a:spcAft>
+                <a:spcPts val="400"/>
+              </a:spcAft>
+              <a:buClr>
+                <a:schemeClr val="tx1"/>
+              </a:buClr>
+              <a:buSzPct val="80000"/>
+              <a:buFont typeface="Corbel" pitchFamily="34" charset="0"/>
+              <a:buChar char="•"/>
+              <a:defRPr sz="1600" kern="1200">
+                <a:solidFill>
+                  <a:schemeClr val="tx1"/>
+                </a:solidFill>
+                <a:latin typeface="+mn-lt"/>
+                <a:ea typeface="+mn-ea"/>
+                <a:cs typeface="+mn-cs"/>
+              </a:defRPr>
+            </a:lvl9pPr>
+          </a:lstStyle>
+          <a:p>
+            <a:pPr>
+              <a:buFont typeface="Calibri" panose="020F0502020204030204" pitchFamily="34" charset="0"/>
+              <a:buChar char="⁻"/>
+            </a:pPr>
+            <a:r>
+              <a:rPr lang="en-US" sz="3000" dirty="0"/>
+              <a:t>The controller has three main states:</a:t>
+            </a:r>
+          </a:p>
+          <a:p>
+            <a:pPr lvl="1">
+              <a:buFont typeface="Calibri" panose="020F0502020204030204" pitchFamily="34" charset="0"/>
+              <a:buChar char="⁻"/>
+            </a:pPr>
+            <a:r>
+              <a:rPr lang="en-US" sz="2600" dirty="0"/>
+              <a:t>Reading data from the buffer</a:t>
+            </a:r>
+          </a:p>
+          <a:p>
+            <a:pPr lvl="1">
+              <a:buFont typeface="Calibri" panose="020F0502020204030204" pitchFamily="34" charset="0"/>
+              <a:buChar char="⁻"/>
+            </a:pPr>
+            <a:r>
+              <a:rPr lang="en-US" sz="2600" dirty="0"/>
+              <a:t>Multiplying the input values</a:t>
+            </a:r>
+          </a:p>
+          <a:p>
+            <a:pPr lvl="1">
+              <a:buFont typeface="Calibri" panose="020F0502020204030204" pitchFamily="34" charset="0"/>
+              <a:buChar char="⁻"/>
+            </a:pPr>
+            <a:r>
+              <a:rPr lang="en-US" sz="2600" dirty="0"/>
+              <a:t>Add the resulting products</a:t>
+            </a:r>
+          </a:p>
+        </p:txBody>
+      </p:sp>
     </p:spTree>
     <p:extLst>
       <p:ext uri="{BB962C8B-B14F-4D97-AF65-F5344CB8AC3E}">
@@ -12285,7 +13189,7 @@
         <p:spPr>
           <a:xfrm>
             <a:off x="690283" y="535596"/>
-            <a:ext cx="7290741" cy="6178614"/>
+            <a:ext cx="7290741" cy="5947782"/>
           </a:xfrm>
           <a:prstGeom prst="rect">
             <a:avLst/>
@@ -12316,18 +13220,18 @@
             </a:pPr>
             <a:r>
               <a:rPr lang="en-US" sz="2100" dirty="0"/>
+              <a:t>-Learn Verilog</a:t>
+            </a:r>
+          </a:p>
+          <a:p>
+            <a:pPr>
+              <a:spcBef>
+                <a:spcPts val="300"/>
+              </a:spcBef>
+            </a:pPr>
+            <a:r>
+              <a:rPr lang="en-US" sz="2100" dirty="0"/>
               <a:t>-Intro to Vivado</a:t>
-            </a:r>
-          </a:p>
-          <a:p>
-            <a:pPr>
-              <a:spcBef>
-                <a:spcPts val="300"/>
-              </a:spcBef>
-            </a:pPr>
-            <a:r>
-              <a:rPr lang="en-US" sz="2100" dirty="0"/>
-              <a:t>-Learn Verilog</a:t>
             </a:r>
           </a:p>
           <a:p>
@@ -12673,7 +13577,7 @@
         <p:spPr>
           <a:xfrm>
             <a:off x="690284" y="535596"/>
-            <a:ext cx="5515207" cy="6178614"/>
+            <a:ext cx="5515207" cy="6009337"/>
           </a:xfrm>
           <a:prstGeom prst="rect">
             <a:avLst/>
@@ -12704,18 +13608,18 @@
             </a:pPr>
             <a:r>
               <a:rPr lang="en-US" sz="2100" dirty="0"/>
+              <a:t>-Learn Verilog</a:t>
+            </a:r>
+          </a:p>
+          <a:p>
+            <a:pPr>
+              <a:spcBef>
+                <a:spcPts val="300"/>
+              </a:spcBef>
+            </a:pPr>
+            <a:r>
+              <a:rPr lang="en-US" sz="2100" dirty="0"/>
               <a:t>-Intro to Vivado</a:t>
-            </a:r>
-          </a:p>
-          <a:p>
-            <a:pPr>
-              <a:spcBef>
-                <a:spcPts val="300"/>
-              </a:spcBef>
-            </a:pPr>
-            <a:r>
-              <a:rPr lang="en-US" sz="2100" dirty="0"/>
-              <a:t>-Learn Verilog</a:t>
             </a:r>
           </a:p>
           <a:p>
@@ -13162,7 +14066,7 @@
         </p:blipFill>
         <p:spPr>
           <a:xfrm>
-            <a:off x="5091917" y="1777364"/>
+            <a:off x="5337810" y="1970404"/>
             <a:ext cx="6261882" cy="4522470"/>
           </a:xfrm>
           <a:prstGeom prst="rect">
@@ -13203,7 +14107,7 @@
               <a:buChar char="⁻"/>
             </a:pPr>
             <a:r>
-              <a:rPr lang="en-US" sz="2400" dirty="0"/>
+              <a:rPr lang="en-US" sz="2800" dirty="0"/>
               <a:t>Using Vivado’s partial reconfiguration wizard, designs can become dynamically reconfigurable</a:t>
             </a:r>
           </a:p>
@@ -13225,8 +14129,8 @@
         </p:nvSpPr>
         <p:spPr>
           <a:xfrm>
-            <a:off x="838201" y="2701905"/>
-            <a:ext cx="4381870" cy="3790969"/>
+            <a:off x="838201" y="2336154"/>
+            <a:ext cx="4241733" cy="3790969"/>
           </a:xfrm>
           <a:prstGeom prst="rect">
             <a:avLst/>
@@ -13234,7 +14138,7 @@
         </p:spPr>
         <p:txBody>
           <a:bodyPr vert="horz" lIns="91440" tIns="45720" rIns="91440" bIns="45720" rtlCol="0">
-            <a:normAutofit/>
+            <a:normAutofit fontScale="92500" lnSpcReduction="10000"/>
           </a:bodyPr>
           <a:lstStyle>
             <a:lvl1pPr marL="228600" indent="-228600" algn="l" defTabSz="914400" rtl="0" eaLnBrk="1" latinLnBrk="0" hangingPunct="1">
@@ -13406,7 +14310,7 @@
               <a:buChar char="⁻"/>
             </a:pPr>
             <a:r>
-              <a:rPr lang="en-US" sz="2400" dirty="0"/>
+              <a:rPr lang="en-US" dirty="0"/>
               <a:t>This allows for partitions of the FPGA to be reprogrammed during runtime</a:t>
             </a:r>
           </a:p>
@@ -13415,14 +14319,14 @@
               <a:buFont typeface="Calibri" panose="020F0502020204030204" pitchFamily="34" charset="0"/>
               <a:buChar char="⁻"/>
             </a:pPr>
-            <a:endParaRPr lang="en-US" sz="2400" dirty="0"/>
+            <a:endParaRPr lang="en-US" dirty="0"/>
           </a:p>
           <a:p>
             <a:pPr>
               <a:buFont typeface="Calibri" panose="020F0502020204030204" pitchFamily="34" charset="0"/>
               <a:buChar char="⁻"/>
             </a:pPr>
-            <a:endParaRPr lang="en-US" sz="2400" dirty="0"/>
+            <a:endParaRPr lang="en-US" dirty="0"/>
           </a:p>
           <a:p>
             <a:pPr>
@@ -13430,10 +14334,10 @@
               <a:buChar char="⁻"/>
             </a:pPr>
             <a:r>
-              <a:rPr lang="en-US" sz="2400" dirty="0"/>
+              <a:rPr lang="en-US" dirty="0"/>
               <a:t>When converting a project to partially reconfigurable, simulation is no longer available</a:t>
             </a:r>
-            <a:endParaRPr lang="en-US" sz="2000" dirty="0"/>
+            <a:endParaRPr lang="en-US" sz="2400" dirty="0"/>
           </a:p>
         </p:txBody>
       </p:sp>
@@ -13451,7 +14355,7 @@
         </p:nvSpPr>
         <p:spPr>
           <a:xfrm>
-            <a:off x="5337810" y="3381375"/>
+            <a:off x="5592379" y="3585911"/>
             <a:ext cx="1055370" cy="219075"/>
           </a:xfrm>
           <a:prstGeom prst="rect">
@@ -13503,7 +14407,7 @@
         </p:nvSpPr>
         <p:spPr>
           <a:xfrm>
-            <a:off x="6905625" y="3381375"/>
+            <a:off x="7160194" y="3585911"/>
             <a:ext cx="873125" cy="219075"/>
           </a:xfrm>
           <a:prstGeom prst="rect">
@@ -13899,7 +14803,7 @@
         </p:nvSpPr>
         <p:spPr>
           <a:xfrm>
-            <a:off x="838200" y="1690688"/>
+            <a:off x="1920875" y="689909"/>
             <a:ext cx="8350250" cy="867930"/>
           </a:xfrm>
           <a:prstGeom prst="rect">
@@ -13929,10 +14833,10 @@
       </p:sp>
       <p:pic>
         <p:nvPicPr>
-          <p:cNvPr id="6" name="Picture 5" descr="A screenshot of a cell phone&#10;&#10;Description automatically generated">
+          <p:cNvPr id="4" name="Picture 3" descr="A screenshot of a cell phone&#10;&#10;Description automatically generated">
             <a:extLst>
               <a:ext uri="{FF2B5EF4-FFF2-40B4-BE49-F238E27FC236}">
-                <a16:creationId xmlns:a16="http://schemas.microsoft.com/office/drawing/2014/main" id="{7C511ECA-402E-4AB9-BCFF-8500E1565674}"/>
+                <a16:creationId xmlns:a16="http://schemas.microsoft.com/office/drawing/2014/main" id="{70A5DBED-228C-419C-A453-0D97CE4D31CE}"/>
               </a:ext>
             </a:extLst>
           </p:cNvPr>
@@ -13955,14 +14859,299 @@
         </p:blipFill>
         <p:spPr>
           <a:xfrm>
-            <a:off x="4389437" y="2603804"/>
-            <a:ext cx="3209925" cy="3889071"/>
+            <a:off x="4011432" y="1557839"/>
+            <a:ext cx="4169136" cy="4983794"/>
           </a:xfrm>
           <a:prstGeom prst="rect">
             <a:avLst/>
           </a:prstGeom>
         </p:spPr>
       </p:pic>
+      <p:sp>
+        <p:nvSpPr>
+          <p:cNvPr id="7" name="Rectangle 6">
+            <a:extLst>
+              <a:ext uri="{FF2B5EF4-FFF2-40B4-BE49-F238E27FC236}">
+                <a16:creationId xmlns:a16="http://schemas.microsoft.com/office/drawing/2014/main" id="{B2DC4F20-0228-490F-9602-900A80E198C5}"/>
+              </a:ext>
+            </a:extLst>
+          </p:cNvPr>
+          <p:cNvSpPr/>
+          <p:nvPr/>
+        </p:nvSpPr>
+        <p:spPr>
+          <a:xfrm>
+            <a:off x="4909754" y="3677351"/>
+            <a:ext cx="2227646" cy="1255329"/>
+          </a:xfrm>
+          <a:prstGeom prst="rect">
+            <a:avLst/>
+          </a:prstGeom>
+          <a:noFill/>
+          <a:ln w="28575">
+            <a:solidFill>
+              <a:srgbClr val="C00000"/>
+            </a:solidFill>
+          </a:ln>
+        </p:spPr>
+        <p:style>
+          <a:lnRef idx="2">
+            <a:schemeClr val="accent1">
+              <a:shade val="50000"/>
+            </a:schemeClr>
+          </a:lnRef>
+          <a:fillRef idx="1">
+            <a:schemeClr val="accent1"/>
+          </a:fillRef>
+          <a:effectRef idx="0">
+            <a:schemeClr val="accent1"/>
+          </a:effectRef>
+          <a:fontRef idx="minor">
+            <a:schemeClr val="lt1"/>
+          </a:fontRef>
+        </p:style>
+        <p:txBody>
+          <a:bodyPr rtlCol="0" anchor="ctr"/>
+          <a:lstStyle/>
+          <a:p>
+            <a:pPr algn="ctr"/>
+            <a:endParaRPr lang="en-US"/>
+          </a:p>
+        </p:txBody>
+      </p:sp>
+      <p:cxnSp>
+        <p:nvCxnSpPr>
+          <p:cNvPr id="11" name="Straight Connector 10">
+            <a:extLst>
+              <a:ext uri="{FF2B5EF4-FFF2-40B4-BE49-F238E27FC236}">
+                <a16:creationId xmlns:a16="http://schemas.microsoft.com/office/drawing/2014/main" id="{61A39CEB-0F45-4EDC-8B83-E1AADE3C64F4}"/>
+              </a:ext>
+            </a:extLst>
+          </p:cNvPr>
+          <p:cNvCxnSpPr>
+            <a:cxnSpLocks/>
+          </p:cNvCxnSpPr>
+          <p:nvPr/>
+        </p:nvCxnSpPr>
+        <p:spPr>
+          <a:xfrm>
+            <a:off x="4541520" y="2797644"/>
+            <a:ext cx="935255" cy="0"/>
+          </a:xfrm>
+          <a:prstGeom prst="line">
+            <a:avLst/>
+          </a:prstGeom>
+          <a:ln w="28575">
+            <a:solidFill>
+              <a:srgbClr val="00B0F0"/>
+            </a:solidFill>
+          </a:ln>
+        </p:spPr>
+        <p:style>
+          <a:lnRef idx="1">
+            <a:schemeClr val="accent1"/>
+          </a:lnRef>
+          <a:fillRef idx="0">
+            <a:schemeClr val="accent1"/>
+          </a:fillRef>
+          <a:effectRef idx="0">
+            <a:schemeClr val="accent1"/>
+          </a:effectRef>
+          <a:fontRef idx="minor">
+            <a:schemeClr val="tx1"/>
+          </a:fontRef>
+        </p:style>
+      </p:cxnSp>
+      <p:cxnSp>
+        <p:nvCxnSpPr>
+          <p:cNvPr id="16" name="Straight Arrow Connector 15">
+            <a:extLst>
+              <a:ext uri="{FF2B5EF4-FFF2-40B4-BE49-F238E27FC236}">
+                <a16:creationId xmlns:a16="http://schemas.microsoft.com/office/drawing/2014/main" id="{89DEB147-C681-423A-9B8A-00D5EDB1FF2E}"/>
+              </a:ext>
+            </a:extLst>
+          </p:cNvPr>
+          <p:cNvCxnSpPr>
+            <a:cxnSpLocks/>
+          </p:cNvCxnSpPr>
+          <p:nvPr/>
+        </p:nvCxnSpPr>
+        <p:spPr>
+          <a:xfrm flipH="1">
+            <a:off x="7137400" y="4257040"/>
+            <a:ext cx="762000" cy="0"/>
+          </a:xfrm>
+          <a:prstGeom prst="straightConnector1">
+            <a:avLst/>
+          </a:prstGeom>
+          <a:ln w="28575">
+            <a:solidFill>
+              <a:srgbClr val="C00000"/>
+            </a:solidFill>
+            <a:tailEnd type="triangle"/>
+          </a:ln>
+        </p:spPr>
+        <p:style>
+          <a:lnRef idx="1">
+            <a:schemeClr val="accent1"/>
+          </a:lnRef>
+          <a:fillRef idx="0">
+            <a:schemeClr val="accent1"/>
+          </a:fillRef>
+          <a:effectRef idx="0">
+            <a:schemeClr val="accent1"/>
+          </a:effectRef>
+          <a:fontRef idx="minor">
+            <a:schemeClr val="tx1"/>
+          </a:fontRef>
+        </p:style>
+      </p:cxnSp>
+      <p:sp>
+        <p:nvSpPr>
+          <p:cNvPr id="18" name="TextBox 17">
+            <a:extLst>
+              <a:ext uri="{FF2B5EF4-FFF2-40B4-BE49-F238E27FC236}">
+                <a16:creationId xmlns:a16="http://schemas.microsoft.com/office/drawing/2014/main" id="{3E0833C1-8943-43A2-9DF7-22256A7F00B4}"/>
+              </a:ext>
+            </a:extLst>
+          </p:cNvPr>
+          <p:cNvSpPr txBox="1"/>
+          <p:nvPr/>
+        </p:nvSpPr>
+        <p:spPr>
+          <a:xfrm>
+            <a:off x="7899400" y="3564542"/>
+            <a:ext cx="2548392" cy="1384995"/>
+          </a:xfrm>
+          <a:prstGeom prst="rect">
+            <a:avLst/>
+          </a:prstGeom>
+          <a:solidFill>
+            <a:schemeClr val="bg1"/>
+          </a:solidFill>
+          <a:ln w="28575">
+            <a:solidFill>
+              <a:srgbClr val="C00000"/>
+            </a:solidFill>
+          </a:ln>
+        </p:spPr>
+        <p:txBody>
+          <a:bodyPr wrap="square" rtlCol="0">
+            <a:spAutoFit/>
+          </a:bodyPr>
+          <a:lstStyle/>
+          <a:p>
+            <a:pPr algn="ctr"/>
+            <a:r>
+              <a:rPr lang="en-GB" sz="2800" dirty="0"/>
+              <a:t>Partial Reconfigurable</a:t>
+            </a:r>
+          </a:p>
+          <a:p>
+            <a:pPr algn="ctr"/>
+            <a:r>
+              <a:rPr lang="en-GB" sz="2800" dirty="0"/>
+              <a:t>Partitions </a:t>
+            </a:r>
+            <a:endParaRPr lang="en-US" sz="2800" dirty="0"/>
+          </a:p>
+        </p:txBody>
+      </p:sp>
+      <p:cxnSp>
+        <p:nvCxnSpPr>
+          <p:cNvPr id="20" name="Straight Arrow Connector 19">
+            <a:extLst>
+              <a:ext uri="{FF2B5EF4-FFF2-40B4-BE49-F238E27FC236}">
+                <a16:creationId xmlns:a16="http://schemas.microsoft.com/office/drawing/2014/main" id="{70CD349B-CD60-436B-8D41-5954196D888C}"/>
+              </a:ext>
+            </a:extLst>
+          </p:cNvPr>
+          <p:cNvCxnSpPr>
+            <a:cxnSpLocks/>
+          </p:cNvCxnSpPr>
+          <p:nvPr/>
+        </p:nvCxnSpPr>
+        <p:spPr>
+          <a:xfrm flipH="1">
+            <a:off x="5476775" y="2712586"/>
+            <a:ext cx="2002322" cy="0"/>
+          </a:xfrm>
+          <a:prstGeom prst="straightConnector1">
+            <a:avLst/>
+          </a:prstGeom>
+          <a:ln w="38100">
+            <a:solidFill>
+              <a:srgbClr val="00B0F0"/>
+            </a:solidFill>
+            <a:tailEnd type="triangle"/>
+          </a:ln>
+        </p:spPr>
+        <p:style>
+          <a:lnRef idx="1">
+            <a:schemeClr val="accent1"/>
+          </a:lnRef>
+          <a:fillRef idx="0">
+            <a:schemeClr val="accent1"/>
+          </a:fillRef>
+          <a:effectRef idx="0">
+            <a:schemeClr val="accent1"/>
+          </a:effectRef>
+          <a:fontRef idx="minor">
+            <a:schemeClr val="tx1"/>
+          </a:fontRef>
+        </p:style>
+      </p:cxnSp>
+      <p:sp>
+        <p:nvSpPr>
+          <p:cNvPr id="23" name="TextBox 22">
+            <a:extLst>
+              <a:ext uri="{FF2B5EF4-FFF2-40B4-BE49-F238E27FC236}">
+                <a16:creationId xmlns:a16="http://schemas.microsoft.com/office/drawing/2014/main" id="{B0A4847F-4362-4E4B-8734-FB526CA7F071}"/>
+              </a:ext>
+            </a:extLst>
+          </p:cNvPr>
+          <p:cNvSpPr txBox="1"/>
+          <p:nvPr/>
+        </p:nvSpPr>
+        <p:spPr>
+          <a:xfrm>
+            <a:off x="6595043" y="2061908"/>
+            <a:ext cx="1846714" cy="954107"/>
+          </a:xfrm>
+          <a:prstGeom prst="rect">
+            <a:avLst/>
+          </a:prstGeom>
+          <a:solidFill>
+            <a:schemeClr val="bg1"/>
+          </a:solidFill>
+          <a:ln w="28575">
+            <a:solidFill>
+              <a:srgbClr val="00B0F0"/>
+            </a:solidFill>
+          </a:ln>
+        </p:spPr>
+        <p:txBody>
+          <a:bodyPr wrap="square" rtlCol="0">
+            <a:spAutoFit/>
+          </a:bodyPr>
+          <a:lstStyle/>
+          <a:p>
+            <a:pPr algn="ctr"/>
+            <a:r>
+              <a:rPr lang="en-GB" sz="2800" dirty="0"/>
+              <a:t>Design Top</a:t>
+            </a:r>
+          </a:p>
+          <a:p>
+            <a:pPr algn="ctr"/>
+            <a:r>
+              <a:rPr lang="en-GB" sz="2800" dirty="0"/>
+              <a:t>IP</a:t>
+            </a:r>
+            <a:endParaRPr lang="en-US" sz="2800" dirty="0"/>
+          </a:p>
+        </p:txBody>
+      </p:sp>
     </p:spTree>
     <p:extLst>
       <p:ext uri="{BB962C8B-B14F-4D97-AF65-F5344CB8AC3E}">
@@ -14501,7 +15690,7 @@
         <p:spPr>
           <a:xfrm>
             <a:off x="690284" y="535596"/>
-            <a:ext cx="5515207" cy="6178614"/>
+            <a:ext cx="5515207" cy="6009337"/>
           </a:xfrm>
           <a:prstGeom prst="rect">
             <a:avLst/>
@@ -14532,18 +15721,18 @@
             </a:pPr>
             <a:r>
               <a:rPr lang="en-US" sz="2100" dirty="0"/>
+              <a:t>-Learn Verilog</a:t>
+            </a:r>
+          </a:p>
+          <a:p>
+            <a:pPr>
+              <a:spcBef>
+                <a:spcPts val="300"/>
+              </a:spcBef>
+            </a:pPr>
+            <a:r>
+              <a:rPr lang="en-US" sz="2100" dirty="0"/>
               <a:t>-Intro to Vivado</a:t>
-            </a:r>
-          </a:p>
-          <a:p>
-            <a:pPr>
-              <a:spcBef>
-                <a:spcPts val="300"/>
-              </a:spcBef>
-            </a:pPr>
-            <a:r>
-              <a:rPr lang="en-US" sz="2100" dirty="0"/>
-              <a:t>-Learn Verilog</a:t>
             </a:r>
           </a:p>
           <a:p>
@@ -14725,41 +15914,6 @@
           <a:chExt cx="0" cy="0"/>
         </a:xfrm>
       </p:grpSpPr>
-      <p:sp>
-        <p:nvSpPr>
-          <p:cNvPr id="2" name="Title 1">
-            <a:extLst>
-              <a:ext uri="{FF2B5EF4-FFF2-40B4-BE49-F238E27FC236}">
-                <a16:creationId xmlns:a16="http://schemas.microsoft.com/office/drawing/2014/main" id="{225AA634-FC89-4BA3-9CDD-060B6FCF017A}"/>
-              </a:ext>
-            </a:extLst>
-          </p:cNvPr>
-          <p:cNvSpPr>
-            <a:spLocks noGrp="1"/>
-          </p:cNvSpPr>
-          <p:nvPr>
-            <p:ph type="title"/>
-          </p:nvPr>
-        </p:nvSpPr>
-        <p:spPr>
-          <a:xfrm>
-            <a:off x="838200" y="365125"/>
-            <a:ext cx="11125692" cy="1325563"/>
-          </a:xfrm>
-        </p:spPr>
-        <p:txBody>
-          <a:bodyPr>
-            <a:normAutofit/>
-          </a:bodyPr>
-          <a:lstStyle/>
-          <a:p>
-            <a:r>
-              <a:rPr lang="en-US" sz="4000" dirty="0"/>
-              <a:t>Dynamic Resources (Floorplan)</a:t>
-            </a:r>
-          </a:p>
-        </p:txBody>
-      </p:sp>
       <p:grpSp>
         <p:nvGrpSpPr>
           <p:cNvPr id="19" name="Group 18">
@@ -14774,10 +15928,10 @@
         </p:nvGrpSpPr>
         <p:grpSpPr>
           <a:xfrm>
-            <a:off x="652433" y="1690688"/>
-            <a:ext cx="10887134" cy="4240675"/>
-            <a:chOff x="652433" y="2173210"/>
-            <a:chExt cx="10887134" cy="4240675"/>
+            <a:off x="652433" y="1216328"/>
+            <a:ext cx="10887134" cy="4333009"/>
+            <a:chOff x="652433" y="2080876"/>
+            <a:chExt cx="10887134" cy="4333009"/>
           </a:xfrm>
         </p:grpSpPr>
         <p:pic>
@@ -14795,7 +15949,7 @@
             <p:nvPr/>
           </p:nvPicPr>
           <p:blipFill>
-            <a:blip r:embed="rId2"/>
+            <a:blip r:embed="rId3"/>
             <a:stretch>
               <a:fillRect/>
             </a:stretch>
@@ -14825,7 +15979,7 @@
             <p:nvPr/>
           </p:nvPicPr>
           <p:blipFill>
-            <a:blip r:embed="rId3">
+            <a:blip r:embed="rId4">
               <a:extLst>
                 <a:ext uri="{28A0092B-C50C-407E-A947-70E740481C1C}">
                   <a14:useLocalDpi xmlns:a14="http://schemas.microsoft.com/office/drawing/2010/main" val="0"/>
@@ -14861,7 +16015,7 @@
             <p:nvPr/>
           </p:nvPicPr>
           <p:blipFill>
-            <a:blip r:embed="rId4"/>
+            <a:blip r:embed="rId5"/>
             <a:stretch>
               <a:fillRect/>
             </a:stretch>
@@ -14890,8 +16044,8 @@
           </p:nvSpPr>
           <p:spPr>
             <a:xfrm>
-              <a:off x="1553989" y="2173210"/>
-              <a:ext cx="1543050" cy="923330"/>
+              <a:off x="1553989" y="2080877"/>
+              <a:ext cx="1849611" cy="1015663"/>
             </a:xfrm>
             <a:prstGeom prst="rect">
               <a:avLst/>
@@ -14906,14 +16060,14 @@
             <a:p>
               <a:pPr algn="ctr"/>
               <a:r>
-                <a:rPr lang="en-US" dirty="0"/>
+                <a:rPr lang="en-US" sz="2000" dirty="0"/>
                 <a:t>Floating Point</a:t>
               </a:r>
             </a:p>
             <a:p>
               <a:pPr algn="ctr"/>
               <a:r>
-                <a:rPr lang="en-US" dirty="0"/>
+                <a:rPr lang="en-US" sz="2000" dirty="0"/>
                 <a:t>Configuration Floorplan</a:t>
               </a:r>
             </a:p>
@@ -14933,8 +16087,8 @@
           </p:nvSpPr>
           <p:spPr>
             <a:xfrm>
-              <a:off x="5324475" y="2173210"/>
-              <a:ext cx="1543050" cy="923330"/>
+              <a:off x="5171195" y="2080876"/>
+              <a:ext cx="1849610" cy="1015663"/>
             </a:xfrm>
             <a:prstGeom prst="rect">
               <a:avLst/>
@@ -14949,14 +16103,14 @@
             <a:p>
               <a:pPr algn="ctr"/>
               <a:r>
-                <a:rPr lang="en-US" dirty="0"/>
+                <a:rPr lang="en-US" sz="2000" dirty="0"/>
                 <a:t>Fixed Point</a:t>
               </a:r>
             </a:p>
             <a:p>
               <a:pPr algn="ctr"/>
               <a:r>
-                <a:rPr lang="en-US" dirty="0"/>
+                <a:rPr lang="en-US" sz="2000" dirty="0"/>
                 <a:t>Configuration Floorplan</a:t>
               </a:r>
             </a:p>
@@ -14976,8 +16130,8 @@
           </p:nvSpPr>
           <p:spPr>
             <a:xfrm>
-              <a:off x="9094961" y="2200429"/>
-              <a:ext cx="1543050" cy="923330"/>
+              <a:off x="8941681" y="2080876"/>
+              <a:ext cx="1849609" cy="1015663"/>
             </a:xfrm>
             <a:prstGeom prst="rect">
               <a:avLst/>
@@ -14992,14 +16146,14 @@
             <a:p>
               <a:pPr algn="ctr"/>
               <a:r>
-                <a:rPr lang="en-US" dirty="0"/>
+                <a:rPr lang="en-US" sz="2000" dirty="0"/>
                 <a:t>Integer</a:t>
               </a:r>
             </a:p>
             <a:p>
               <a:pPr algn="ctr"/>
               <a:r>
-                <a:rPr lang="en-US" dirty="0"/>
+                <a:rPr lang="en-US" sz="2000" dirty="0"/>
                 <a:t>Configuration Floorplan</a:t>
               </a:r>
             </a:p>
@@ -15103,7 +16257,7 @@
         <p:spPr>
           <a:xfrm>
             <a:off x="690284" y="535596"/>
-            <a:ext cx="5515207" cy="6178614"/>
+            <a:ext cx="5515207" cy="6009337"/>
           </a:xfrm>
           <a:prstGeom prst="rect">
             <a:avLst/>
@@ -15134,18 +16288,18 @@
             </a:pPr>
             <a:r>
               <a:rPr lang="en-US" sz="2100" dirty="0"/>
+              <a:t>-Learn Verilog</a:t>
+            </a:r>
+          </a:p>
+          <a:p>
+            <a:pPr>
+              <a:spcBef>
+                <a:spcPts val="300"/>
+              </a:spcBef>
+            </a:pPr>
+            <a:r>
+              <a:rPr lang="en-US" sz="2100" dirty="0"/>
               <a:t>-Intro to Vivado</a:t>
-            </a:r>
-          </a:p>
-          <a:p>
-            <a:pPr>
-              <a:spcBef>
-                <a:spcPts val="300"/>
-              </a:spcBef>
-            </a:pPr>
-            <a:r>
-              <a:rPr lang="en-US" sz="2100" dirty="0"/>
-              <a:t>-Learn Verilog</a:t>
             </a:r>
           </a:p>
           <a:p>
@@ -15341,10 +16495,10 @@
         </p:nvGrpSpPr>
         <p:grpSpPr>
           <a:xfrm>
-            <a:off x="830995" y="2825299"/>
-            <a:ext cx="9406059" cy="1609724"/>
-            <a:chOff x="838200" y="3325814"/>
-            <a:chExt cx="9406059" cy="1609724"/>
+            <a:off x="723900" y="2688732"/>
+            <a:ext cx="9513154" cy="1666636"/>
+            <a:chOff x="731105" y="3325814"/>
+            <a:chExt cx="9513154" cy="1666636"/>
           </a:xfrm>
         </p:grpSpPr>
         <p:sp>
@@ -15361,8 +16515,8 @@
           </p:nvSpPr>
           <p:spPr>
             <a:xfrm>
-              <a:off x="838200" y="3669011"/>
-              <a:ext cx="1543050" cy="1200329"/>
+              <a:off x="731105" y="3669011"/>
+              <a:ext cx="1650145" cy="1323439"/>
             </a:xfrm>
             <a:prstGeom prst="rect">
               <a:avLst/>
@@ -15377,14 +16531,14 @@
             <a:p>
               <a:pPr algn="ctr"/>
               <a:r>
-                <a:rPr lang="en-US" dirty="0"/>
+                <a:rPr lang="en-US" sz="2000" dirty="0"/>
                 <a:t>Fixed Point</a:t>
               </a:r>
             </a:p>
             <a:p>
               <a:pPr algn="ctr"/>
               <a:r>
-                <a:rPr lang="en-US" dirty="0"/>
+                <a:rPr lang="en-US" sz="2000" dirty="0"/>
                 <a:t>Configuration Resource Utilization</a:t>
               </a:r>
             </a:p>
@@ -15435,10 +16589,10 @@
         </p:nvGrpSpPr>
         <p:grpSpPr>
           <a:xfrm>
-            <a:off x="838200" y="4778220"/>
-            <a:ext cx="9491908" cy="1552575"/>
-            <a:chOff x="838200" y="4940300"/>
-            <a:chExt cx="9491908" cy="1552575"/>
+            <a:off x="723900" y="4961417"/>
+            <a:ext cx="9599003" cy="1638061"/>
+            <a:chOff x="731105" y="4940300"/>
+            <a:chExt cx="9599003" cy="1638061"/>
           </a:xfrm>
         </p:grpSpPr>
         <p:sp>
@@ -15455,8 +16609,8 @@
           </p:nvSpPr>
           <p:spPr>
             <a:xfrm>
-              <a:off x="838200" y="5254922"/>
-              <a:ext cx="1543050" cy="1200329"/>
+              <a:off x="731105" y="5254922"/>
+              <a:ext cx="1650145" cy="1323439"/>
             </a:xfrm>
             <a:prstGeom prst="rect">
               <a:avLst/>
@@ -15471,14 +16625,14 @@
             <a:p>
               <a:pPr algn="ctr"/>
               <a:r>
-                <a:rPr lang="en-US" dirty="0"/>
+                <a:rPr lang="en-US" sz="2000" dirty="0"/>
                 <a:t>Integer</a:t>
               </a:r>
             </a:p>
             <a:p>
               <a:pPr algn="ctr"/>
               <a:r>
-                <a:rPr lang="en-US" dirty="0"/>
+                <a:rPr lang="en-US" sz="2000" dirty="0"/>
                 <a:t>Configuration Resource Utilization</a:t>
               </a:r>
             </a:p>
@@ -15529,10 +16683,10 @@
         </p:nvGrpSpPr>
         <p:grpSpPr>
           <a:xfrm>
-            <a:off x="838200" y="656402"/>
-            <a:ext cx="9587158" cy="2006819"/>
-            <a:chOff x="838200" y="1178337"/>
-            <a:chExt cx="9587158" cy="2006819"/>
+            <a:off x="723900" y="189237"/>
+            <a:ext cx="9701458" cy="1950358"/>
+            <a:chOff x="723900" y="1291709"/>
+            <a:chExt cx="9701458" cy="1950358"/>
           </a:xfrm>
         </p:grpSpPr>
         <p:sp>
@@ -15549,8 +16703,8 @@
           </p:nvSpPr>
           <p:spPr>
             <a:xfrm>
-              <a:off x="838200" y="1918628"/>
-              <a:ext cx="1543050" cy="1200329"/>
+              <a:off x="723900" y="1918628"/>
+              <a:ext cx="1657350" cy="1323439"/>
             </a:xfrm>
             <a:prstGeom prst="rect">
               <a:avLst/>
@@ -15565,14 +16719,14 @@
             <a:p>
               <a:pPr algn="ctr"/>
               <a:r>
-                <a:rPr lang="en-US" dirty="0"/>
+                <a:rPr lang="en-US" sz="2000" dirty="0"/>
                 <a:t>Floating Point</a:t>
               </a:r>
             </a:p>
             <a:p>
               <a:pPr algn="ctr"/>
               <a:r>
-                <a:rPr lang="en-US" dirty="0"/>
+                <a:rPr lang="en-US" sz="2000" dirty="0"/>
                 <a:t>Configuration Resource Utilization</a:t>
               </a:r>
             </a:p>
@@ -15676,8 +16830,8 @@
           </p:nvCxnSpPr>
           <p:spPr>
             <a:xfrm flipH="1">
-              <a:off x="5248274" y="1476375"/>
-              <a:ext cx="285751" cy="442253"/>
+              <a:off x="5248275" y="1575431"/>
+              <a:ext cx="331258" cy="343197"/>
             </a:xfrm>
             <a:prstGeom prst="straightConnector1">
               <a:avLst/>
@@ -15718,7 +16872,7 @@
           </p:nvSpPr>
           <p:spPr>
             <a:xfrm>
-              <a:off x="5314949" y="1178337"/>
+              <a:off x="5514974" y="1291709"/>
               <a:ext cx="457201" cy="369332"/>
             </a:xfrm>
             <a:prstGeom prst="rect">
@@ -15740,6 +16894,92 @@
           </p:txBody>
         </p:sp>
       </p:grpSp>
+      <p:cxnSp>
+        <p:nvCxnSpPr>
+          <p:cNvPr id="4" name="Straight Connector 3">
+            <a:extLst>
+              <a:ext uri="{FF2B5EF4-FFF2-40B4-BE49-F238E27FC236}">
+                <a16:creationId xmlns:a16="http://schemas.microsoft.com/office/drawing/2014/main" id="{E731D3E7-0522-4CFB-A95C-37172B63E967}"/>
+              </a:ext>
+            </a:extLst>
+          </p:cNvPr>
+          <p:cNvCxnSpPr>
+            <a:cxnSpLocks/>
+          </p:cNvCxnSpPr>
+          <p:nvPr/>
+        </p:nvCxnSpPr>
+        <p:spPr>
+          <a:xfrm>
+            <a:off x="5038724" y="3302000"/>
+            <a:ext cx="612774" cy="0"/>
+          </a:xfrm>
+          <a:prstGeom prst="line">
+            <a:avLst/>
+          </a:prstGeom>
+          <a:ln w="57150">
+            <a:solidFill>
+              <a:srgbClr val="00B0F0"/>
+            </a:solidFill>
+          </a:ln>
+        </p:spPr>
+        <p:style>
+          <a:lnRef idx="1">
+            <a:schemeClr val="accent1"/>
+          </a:lnRef>
+          <a:fillRef idx="0">
+            <a:schemeClr val="accent1"/>
+          </a:fillRef>
+          <a:effectRef idx="0">
+            <a:schemeClr val="accent1"/>
+          </a:effectRef>
+          <a:fontRef idx="minor">
+            <a:schemeClr val="tx1"/>
+          </a:fontRef>
+        </p:style>
+      </p:cxnSp>
+      <p:cxnSp>
+        <p:nvCxnSpPr>
+          <p:cNvPr id="12" name="Straight Connector 11">
+            <a:extLst>
+              <a:ext uri="{FF2B5EF4-FFF2-40B4-BE49-F238E27FC236}">
+                <a16:creationId xmlns:a16="http://schemas.microsoft.com/office/drawing/2014/main" id="{6C0BA279-ADCF-467E-A59E-D83F1A852253}"/>
+              </a:ext>
+            </a:extLst>
+          </p:cNvPr>
+          <p:cNvCxnSpPr>
+            <a:cxnSpLocks/>
+          </p:cNvCxnSpPr>
+          <p:nvPr/>
+        </p:nvCxnSpPr>
+        <p:spPr>
+          <a:xfrm>
+            <a:off x="4927599" y="5562600"/>
+            <a:ext cx="612774" cy="0"/>
+          </a:xfrm>
+          <a:prstGeom prst="line">
+            <a:avLst/>
+          </a:prstGeom>
+          <a:ln w="57150">
+            <a:solidFill>
+              <a:srgbClr val="00B0F0"/>
+            </a:solidFill>
+          </a:ln>
+        </p:spPr>
+        <p:style>
+          <a:lnRef idx="1">
+            <a:schemeClr val="accent1"/>
+          </a:lnRef>
+          <a:fillRef idx="0">
+            <a:schemeClr val="accent1"/>
+          </a:fillRef>
+          <a:effectRef idx="0">
+            <a:schemeClr val="accent1"/>
+          </a:effectRef>
+          <a:fontRef idx="minor">
+            <a:schemeClr val="tx1"/>
+          </a:fontRef>
+        </p:style>
+      </p:cxnSp>
     </p:spTree>
     <p:extLst>
       <p:ext uri="{BB962C8B-B14F-4D97-AF65-F5344CB8AC3E}">
@@ -15832,7 +17072,7 @@
         <p:spPr>
           <a:xfrm>
             <a:off x="690284" y="535596"/>
-            <a:ext cx="5515207" cy="6178614"/>
+            <a:ext cx="5515207" cy="6009337"/>
           </a:xfrm>
           <a:prstGeom prst="rect">
             <a:avLst/>
@@ -15863,19 +17103,24 @@
             </a:pPr>
             <a:r>
               <a:rPr lang="en-US" sz="2100" dirty="0"/>
-              <a:t>-Intro to Vivado</a:t>
-            </a:r>
-          </a:p>
-          <a:p>
-            <a:pPr>
-              <a:spcBef>
-                <a:spcPts val="300"/>
-              </a:spcBef>
-            </a:pPr>
-            <a:r>
-              <a:rPr lang="en-US" sz="2100" dirty="0"/>
               <a:t>-Learn Verilog</a:t>
             </a:r>
+          </a:p>
+          <a:p>
+            <a:pPr>
+              <a:spcBef>
+                <a:spcPts val="300"/>
+              </a:spcBef>
+            </a:pPr>
+            <a:r>
+              <a:rPr lang="en-US" sz="2100" dirty="0"/>
+              <a:t>-Intro to </a:t>
+            </a:r>
+            <a:r>
+              <a:rPr lang="en-US" sz="2100" dirty="0" err="1"/>
+              <a:t>Vivado</a:t>
+            </a:r>
+            <a:endParaRPr lang="en-US" sz="2100" dirty="0"/>
           </a:p>
           <a:p>
             <a:pPr>
@@ -16089,8 +17334,9 @@
             </a:pPr>
             <a:r>
               <a:rPr lang="en-US" b="1" dirty="0"/>
-              <a:t>Intro to Vivado</a:t>
-            </a:r>
+              <a:t>Learn Verilog</a:t>
+            </a:r>
+            <a:endParaRPr lang="en-US" sz="4400" b="1" dirty="0"/>
           </a:p>
         </p:txBody>
       </p:sp>
@@ -16109,7 +17355,7 @@
         <p:spPr>
           <a:xfrm>
             <a:off x="690284" y="535596"/>
-            <a:ext cx="4707339" cy="6070893"/>
+            <a:ext cx="4707339" cy="6009337"/>
           </a:xfrm>
           <a:prstGeom prst="rect">
             <a:avLst/>
@@ -16133,25 +17379,51 @@
             </a:r>
           </a:p>
           <a:p>
-            <a:pPr>
-              <a:spcBef>
-                <a:spcPts val="300"/>
-              </a:spcBef>
-            </a:pPr>
-            <a:r>
-              <a:rPr lang="en-US" sz="3200" b="1" dirty="0"/>
+            <a:pPr marL="0" marR="0" lvl="0" indent="0" algn="l" defTabSz="457200" rtl="0" eaLnBrk="1" fontAlgn="auto" latinLnBrk="0" hangingPunct="1">
+              <a:lnSpc>
+                <a:spcPct val="100000"/>
+              </a:lnSpc>
+              <a:spcBef>
+                <a:spcPts val="300"/>
+              </a:spcBef>
+              <a:spcAft>
+                <a:spcPts val="0"/>
+              </a:spcAft>
+              <a:buClrTx/>
+              <a:buSzTx/>
+              <a:buFontTx/>
+              <a:buNone/>
+              <a:tabLst/>
+              <a:defRPr/>
+            </a:pPr>
+            <a:r>
+              <a:rPr kumimoji="0" lang="en-US" sz="3200" b="1" i="0" u="none" strike="noStrike" kern="1200" cap="none" spc="0" normalizeH="0" baseline="0" noProof="0" dirty="0">
+                <a:ln>
+                  <a:noFill/>
+                </a:ln>
+                <a:solidFill>
+                  <a:srgbClr val="000000"/>
+                </a:solidFill>
+                <a:effectLst/>
+                <a:uLnTx/>
+                <a:uFillTx/>
+                <a:latin typeface="Corbel" panose="020B0503020204020204"/>
+                <a:ea typeface="+mn-ea"/>
+                <a:cs typeface="+mn-cs"/>
+              </a:rPr>
+              <a:t>-Learn Verilog</a:t>
+            </a:r>
+            <a:endParaRPr lang="en-US" sz="2100" dirty="0"/>
+          </a:p>
+          <a:p>
+            <a:pPr>
+              <a:spcBef>
+                <a:spcPts val="300"/>
+              </a:spcBef>
+            </a:pPr>
+            <a:r>
+              <a:rPr lang="en-US" sz="2100" dirty="0"/>
               <a:t>-Intro to Vivado</a:t>
-            </a:r>
-          </a:p>
-          <a:p>
-            <a:pPr>
-              <a:spcBef>
-                <a:spcPts val="300"/>
-              </a:spcBef>
-            </a:pPr>
-            <a:r>
-              <a:rPr lang="en-US" sz="2100" dirty="0"/>
-              <a:t>-Learn Verilog</a:t>
             </a:r>
           </a:p>
           <a:p>
@@ -16302,7 +17574,7 @@
     </p:spTree>
     <p:extLst>
       <p:ext uri="{BB962C8B-B14F-4D97-AF65-F5344CB8AC3E}">
-        <p14:creationId xmlns:p14="http://schemas.microsoft.com/office/powerpoint/2010/main" val="2599770126"/>
+        <p14:creationId xmlns:p14="http://schemas.microsoft.com/office/powerpoint/2010/main" val="946364762"/>
       </p:ext>
     </p:extLst>
   </p:cSld>
@@ -16343,7 +17615,7 @@
         </p:nvGrpSpPr>
         <p:grpSpPr>
           <a:xfrm>
-            <a:off x="5093494" y="1471455"/>
+            <a:off x="5093494" y="365718"/>
             <a:ext cx="6622256" cy="1982893"/>
             <a:chOff x="2183805" y="2099667"/>
             <a:chExt cx="7281798" cy="2579992"/>
@@ -16407,7 +17679,7 @@
             <p:nvPr/>
           </p:nvPicPr>
           <p:blipFill>
-            <a:blip r:embed="rId2">
+            <a:blip r:embed="rId3">
               <a:extLst>
                 <a:ext uri="{28A0092B-C50C-407E-A947-70E740481C1C}">
                   <a14:useLocalDpi xmlns:a14="http://schemas.microsoft.com/office/drawing/2010/main" val="0"/>
@@ -16429,158 +17701,200 @@
           </p:spPr>
         </p:pic>
       </p:grpSp>
-      <p:sp>
-        <p:nvSpPr>
-          <p:cNvPr id="24" name="TextBox 23">
+      <p:grpSp>
+        <p:nvGrpSpPr>
+          <p:cNvPr id="3" name="Group 2">
             <a:extLst>
               <a:ext uri="{FF2B5EF4-FFF2-40B4-BE49-F238E27FC236}">
-                <a16:creationId xmlns:a16="http://schemas.microsoft.com/office/drawing/2014/main" id="{BF7A231F-AA22-43D5-A68B-2B5CC8E95FB0}"/>
+                <a16:creationId xmlns:a16="http://schemas.microsoft.com/office/drawing/2014/main" id="{D3A76D66-1C3B-41E5-AC86-05921BA59BEA}"/>
               </a:ext>
             </a:extLst>
           </p:cNvPr>
-          <p:cNvSpPr txBox="1"/>
+          <p:cNvGrpSpPr/>
           <p:nvPr/>
-        </p:nvSpPr>
-        <p:spPr>
+        </p:nvGrpSpPr>
+        <p:grpSpPr>
           <a:xfrm>
-            <a:off x="327590" y="3386829"/>
-            <a:ext cx="1624542" cy="923330"/>
+            <a:off x="5093494" y="4270449"/>
+            <a:ext cx="6622256" cy="2248235"/>
+            <a:chOff x="5093494" y="4359349"/>
+            <a:chExt cx="6622256" cy="2248235"/>
           </a:xfrm>
-          <a:prstGeom prst="rect">
-            <a:avLst/>
-          </a:prstGeom>
-          <a:noFill/>
-        </p:spPr>
-        <p:txBody>
-          <a:bodyPr wrap="square" rtlCol="0">
-            <a:spAutoFit/>
-          </a:bodyPr>
-          <a:lstStyle/>
-          <a:p>
-            <a:pPr algn="ctr"/>
-            <a:r>
-              <a:rPr lang="en-US" dirty="0"/>
-              <a:t>Fixed Point</a:t>
-            </a:r>
-          </a:p>
-          <a:p>
-            <a:pPr algn="ctr"/>
-            <a:r>
-              <a:rPr lang="en-US" dirty="0"/>
-              <a:t>Configuration Power Report</a:t>
-            </a:r>
-          </a:p>
-        </p:txBody>
-      </p:sp>
-      <p:pic>
-        <p:nvPicPr>
-          <p:cNvPr id="11" name="Picture 10" descr="A screenshot of a cell phone&#10;&#10;Description automatically generated">
+        </p:grpSpPr>
+        <p:pic>
+          <p:nvPicPr>
+            <p:cNvPr id="11" name="Picture 10" descr="A screenshot of a cell phone&#10;&#10;Description automatically generated">
+              <a:extLst>
+                <a:ext uri="{FF2B5EF4-FFF2-40B4-BE49-F238E27FC236}">
+                  <a16:creationId xmlns:a16="http://schemas.microsoft.com/office/drawing/2014/main" id="{99854411-7CDF-4F6B-A841-31F1CFC7330D}"/>
+                </a:ext>
+              </a:extLst>
+            </p:cNvPr>
+            <p:cNvPicPr>
+              <a:picLocks noChangeAspect="1"/>
+            </p:cNvPicPr>
+            <p:nvPr/>
+          </p:nvPicPr>
+          <p:blipFill>
+            <a:blip r:embed="rId4">
+              <a:extLst>
+                <a:ext uri="{28A0092B-C50C-407E-A947-70E740481C1C}">
+                  <a14:useLocalDpi xmlns:a14="http://schemas.microsoft.com/office/drawing/2010/main" val="0"/>
+                </a:ext>
+              </a:extLst>
+            </a:blip>
+            <a:stretch>
+              <a:fillRect/>
+            </a:stretch>
+          </p:blipFill>
+          <p:spPr>
+            <a:xfrm>
+              <a:off x="6718034" y="4359349"/>
+              <a:ext cx="4997716" cy="2248235"/>
+            </a:xfrm>
+            <a:prstGeom prst="rect">
+              <a:avLst/>
+            </a:prstGeom>
+          </p:spPr>
+        </p:pic>
+        <p:sp>
+          <p:nvSpPr>
+            <p:cNvPr id="27" name="TextBox 26">
+              <a:extLst>
+                <a:ext uri="{FF2B5EF4-FFF2-40B4-BE49-F238E27FC236}">
+                  <a16:creationId xmlns:a16="http://schemas.microsoft.com/office/drawing/2014/main" id="{9447E585-97C5-4516-BC86-4BCB893C66DD}"/>
+                </a:ext>
+              </a:extLst>
+            </p:cNvPr>
+            <p:cNvSpPr txBox="1"/>
+            <p:nvPr/>
+          </p:nvSpPr>
+          <p:spPr>
+            <a:xfrm>
+              <a:off x="5093494" y="4972919"/>
+              <a:ext cx="1624542" cy="923330"/>
+            </a:xfrm>
+            <a:prstGeom prst="rect">
+              <a:avLst/>
+            </a:prstGeom>
+            <a:noFill/>
+          </p:spPr>
+          <p:txBody>
+            <a:bodyPr wrap="square" rtlCol="0">
+              <a:spAutoFit/>
+            </a:bodyPr>
+            <a:lstStyle/>
+            <a:p>
+              <a:pPr algn="ctr"/>
+              <a:r>
+                <a:rPr lang="en-US" dirty="0"/>
+                <a:t>Integer</a:t>
+              </a:r>
+            </a:p>
+            <a:p>
+              <a:pPr algn="ctr"/>
+              <a:r>
+                <a:rPr lang="en-US" dirty="0"/>
+                <a:t>Configuration Power Report</a:t>
+              </a:r>
+            </a:p>
+          </p:txBody>
+        </p:sp>
+      </p:grpSp>
+      <p:grpSp>
+        <p:nvGrpSpPr>
+          <p:cNvPr id="2" name="Group 1">
             <a:extLst>
               <a:ext uri="{FF2B5EF4-FFF2-40B4-BE49-F238E27FC236}">
-                <a16:creationId xmlns:a16="http://schemas.microsoft.com/office/drawing/2014/main" id="{99854411-7CDF-4F6B-A841-31F1CFC7330D}"/>
+                <a16:creationId xmlns:a16="http://schemas.microsoft.com/office/drawing/2014/main" id="{21C7AFFC-3FAD-42B8-8CCE-28D0B48C2BA3}"/>
               </a:ext>
             </a:extLst>
           </p:cNvPr>
-          <p:cNvPicPr>
-            <a:picLocks noChangeAspect="1"/>
-          </p:cNvPicPr>
+          <p:cNvGrpSpPr/>
           <p:nvPr/>
-        </p:nvPicPr>
-        <p:blipFill>
-          <a:blip r:embed="rId3">
-            <a:extLst>
-              <a:ext uri="{28A0092B-C50C-407E-A947-70E740481C1C}">
-                <a14:useLocalDpi xmlns:a14="http://schemas.microsoft.com/office/drawing/2010/main" val="0"/>
-              </a:ext>
-            </a:extLst>
-          </a:blip>
-          <a:stretch>
-            <a:fillRect/>
-          </a:stretch>
-        </p:blipFill>
-        <p:spPr>
+        </p:nvGrpSpPr>
+        <p:grpSpPr>
           <a:xfrm>
-            <a:off x="6718034" y="4359349"/>
-            <a:ext cx="4997716" cy="2248235"/>
+            <a:off x="149790" y="2407363"/>
+            <a:ext cx="6142302" cy="2043274"/>
+            <a:chOff x="327590" y="2826857"/>
+            <a:chExt cx="6142302" cy="2043274"/>
           </a:xfrm>
-          <a:prstGeom prst="rect">
-            <a:avLst/>
-          </a:prstGeom>
-        </p:spPr>
-      </p:pic>
-      <p:sp>
-        <p:nvSpPr>
-          <p:cNvPr id="27" name="TextBox 26">
-            <a:extLst>
-              <a:ext uri="{FF2B5EF4-FFF2-40B4-BE49-F238E27FC236}">
-                <a16:creationId xmlns:a16="http://schemas.microsoft.com/office/drawing/2014/main" id="{9447E585-97C5-4516-BC86-4BCB893C66DD}"/>
-              </a:ext>
-            </a:extLst>
-          </p:cNvPr>
-          <p:cNvSpPr txBox="1"/>
-          <p:nvPr/>
-        </p:nvSpPr>
-        <p:spPr>
-          <a:xfrm>
-            <a:off x="5093494" y="4972919"/>
-            <a:ext cx="1624542" cy="923330"/>
-          </a:xfrm>
-          <a:prstGeom prst="rect">
-            <a:avLst/>
-          </a:prstGeom>
-          <a:noFill/>
-        </p:spPr>
-        <p:txBody>
-          <a:bodyPr wrap="square" rtlCol="0">
-            <a:spAutoFit/>
-          </a:bodyPr>
-          <a:lstStyle/>
-          <a:p>
-            <a:pPr algn="ctr"/>
-            <a:r>
-              <a:rPr lang="en-US" dirty="0"/>
-              <a:t>Integer</a:t>
-            </a:r>
-          </a:p>
-          <a:p>
-            <a:pPr algn="ctr"/>
-            <a:r>
-              <a:rPr lang="en-US" dirty="0"/>
-              <a:t>Configuration Power Report</a:t>
-            </a:r>
-          </a:p>
-        </p:txBody>
-      </p:sp>
-      <p:pic>
-        <p:nvPicPr>
-          <p:cNvPr id="9" name="Picture 8">
-            <a:extLst>
-              <a:ext uri="{FF2B5EF4-FFF2-40B4-BE49-F238E27FC236}">
-                <a16:creationId xmlns:a16="http://schemas.microsoft.com/office/drawing/2014/main" id="{702AFC39-F233-413F-9479-3B449DE29305}"/>
-              </a:ext>
-            </a:extLst>
-          </p:cNvPr>
-          <p:cNvPicPr>
-            <a:picLocks noChangeAspect="1"/>
-          </p:cNvPicPr>
-          <p:nvPr/>
-        </p:nvPicPr>
-        <p:blipFill>
-          <a:blip r:embed="rId4"/>
-          <a:stretch>
-            <a:fillRect/>
-          </a:stretch>
-        </p:blipFill>
-        <p:spPr>
-          <a:xfrm>
-            <a:off x="1952133" y="2826857"/>
-            <a:ext cx="4517759" cy="2043274"/>
-          </a:xfrm>
-          <a:prstGeom prst="rect">
-            <a:avLst/>
-          </a:prstGeom>
-        </p:spPr>
-      </p:pic>
+        </p:grpSpPr>
+        <p:sp>
+          <p:nvSpPr>
+            <p:cNvPr id="24" name="TextBox 23">
+              <a:extLst>
+                <a:ext uri="{FF2B5EF4-FFF2-40B4-BE49-F238E27FC236}">
+                  <a16:creationId xmlns:a16="http://schemas.microsoft.com/office/drawing/2014/main" id="{BF7A231F-AA22-43D5-A68B-2B5CC8E95FB0}"/>
+                </a:ext>
+              </a:extLst>
+            </p:cNvPr>
+            <p:cNvSpPr txBox="1"/>
+            <p:nvPr/>
+          </p:nvSpPr>
+          <p:spPr>
+            <a:xfrm>
+              <a:off x="327590" y="3386829"/>
+              <a:ext cx="1624542" cy="923330"/>
+            </a:xfrm>
+            <a:prstGeom prst="rect">
+              <a:avLst/>
+            </a:prstGeom>
+            <a:noFill/>
+          </p:spPr>
+          <p:txBody>
+            <a:bodyPr wrap="square" rtlCol="0">
+              <a:spAutoFit/>
+            </a:bodyPr>
+            <a:lstStyle/>
+            <a:p>
+              <a:pPr algn="ctr"/>
+              <a:r>
+                <a:rPr lang="en-US" dirty="0"/>
+                <a:t>Fixed Point</a:t>
+              </a:r>
+            </a:p>
+            <a:p>
+              <a:pPr algn="ctr"/>
+              <a:r>
+                <a:rPr lang="en-US" dirty="0"/>
+                <a:t>Configuration Power Report</a:t>
+              </a:r>
+            </a:p>
+          </p:txBody>
+        </p:sp>
+        <p:pic>
+          <p:nvPicPr>
+            <p:cNvPr id="9" name="Picture 8">
+              <a:extLst>
+                <a:ext uri="{FF2B5EF4-FFF2-40B4-BE49-F238E27FC236}">
+                  <a16:creationId xmlns:a16="http://schemas.microsoft.com/office/drawing/2014/main" id="{702AFC39-F233-413F-9479-3B449DE29305}"/>
+                </a:ext>
+              </a:extLst>
+            </p:cNvPr>
+            <p:cNvPicPr>
+              <a:picLocks noChangeAspect="1"/>
+            </p:cNvPicPr>
+            <p:nvPr/>
+          </p:nvPicPr>
+          <p:blipFill>
+            <a:blip r:embed="rId5"/>
+            <a:stretch>
+              <a:fillRect/>
+            </a:stretch>
+          </p:blipFill>
+          <p:spPr>
+            <a:xfrm>
+              <a:off x="1952133" y="2826857"/>
+              <a:ext cx="4517759" cy="2043274"/>
+            </a:xfrm>
+            <a:prstGeom prst="rect">
+              <a:avLst/>
+            </a:prstGeom>
+          </p:spPr>
+        </p:pic>
+      </p:grpSp>
     </p:spTree>
     <p:extLst>
       <p:ext uri="{BB962C8B-B14F-4D97-AF65-F5344CB8AC3E}">
@@ -16648,6 +17962,13 @@
               <a:rPr lang="en-US" sz="4400" b="1" dirty="0"/>
               <a:t>Conclusions</a:t>
             </a:r>
+            <a:br>
+              <a:rPr lang="en-US" sz="4400" b="1" dirty="0"/>
+            </a:br>
+            <a:r>
+              <a:rPr lang="en-US" sz="4400" b="1" dirty="0"/>
+              <a:t>and Goals</a:t>
+            </a:r>
           </a:p>
         </p:txBody>
       </p:sp>
@@ -16666,7 +17987,7 @@
         <p:spPr>
           <a:xfrm>
             <a:off x="690284" y="535596"/>
-            <a:ext cx="5515207" cy="6178614"/>
+            <a:ext cx="5515207" cy="6009337"/>
           </a:xfrm>
           <a:prstGeom prst="rect">
             <a:avLst/>
@@ -16697,18 +18018,18 @@
             </a:pPr>
             <a:r>
               <a:rPr lang="en-US" sz="2100" dirty="0"/>
+              <a:t>-Learn Verilog</a:t>
+            </a:r>
+          </a:p>
+          <a:p>
+            <a:pPr>
+              <a:spcBef>
+                <a:spcPts val="300"/>
+              </a:spcBef>
+            </a:pPr>
+            <a:r>
+              <a:rPr lang="en-US" sz="2100" dirty="0"/>
               <a:t>-Intro to Vivado</a:t>
-            </a:r>
-          </a:p>
-          <a:p>
-            <a:pPr>
-              <a:spcBef>
-                <a:spcPts val="300"/>
-              </a:spcBef>
-            </a:pPr>
-            <a:r>
-              <a:rPr lang="en-US" sz="2100" dirty="0"/>
-              <a:t>-Learn Verilog</a:t>
             </a:r>
           </a:p>
           <a:p>
@@ -16904,8 +18225,8 @@
         </p:nvSpPr>
         <p:spPr>
           <a:xfrm>
-            <a:off x="838200" y="1690688"/>
-            <a:ext cx="10515600" cy="4486275"/>
+            <a:off x="838200" y="773707"/>
+            <a:ext cx="10515600" cy="5310585"/>
           </a:xfrm>
         </p:spPr>
         <p:txBody>
@@ -16919,74 +18240,60 @@
               <a:buChar char="⁻"/>
             </a:pPr>
             <a:r>
-              <a:rPr lang="en-US" sz="2400" dirty="0"/>
-              <a:t>While much of the development process for RTL has streamlined by Xilinx, many times development and debugging could be quite strenuous</a:t>
-            </a:r>
-          </a:p>
-          <a:p>
-            <a:pPr lvl="1">
+              <a:rPr lang="en-US" sz="2800" dirty="0"/>
+              <a:t>While much of the development process for RTL has streamlined by Xilinx, many times development and debugging could be quite tedious</a:t>
+            </a:r>
+          </a:p>
+          <a:p>
+            <a:pPr marL="45720" indent="0">
+              <a:buNone/>
+            </a:pPr>
+            <a:endParaRPr lang="en-US" sz="2800" dirty="0"/>
+          </a:p>
+          <a:p>
+            <a:pPr>
               <a:buFont typeface="Calibri" panose="020F0502020204030204" pitchFamily="34" charset="0"/>
               <a:buChar char="⁻"/>
             </a:pPr>
             <a:r>
-              <a:rPr lang="en-US" sz="2000" dirty="0"/>
-              <a:t>Much of the development process is very well documented for users of </a:t>
-            </a:r>
-            <a:r>
-              <a:rPr lang="en-US" sz="2000" dirty="0" err="1"/>
-              <a:t>Tcl</a:t>
-            </a:r>
-            <a:r>
-              <a:rPr lang="en-US" sz="2000" dirty="0"/>
-              <a:t> but nothing else</a:t>
-            </a:r>
-          </a:p>
-          <a:p>
-            <a:pPr lvl="2">
+              <a:rPr lang="en-US" sz="2800" dirty="0"/>
+              <a:t>The Convolution Accelerator controller needs new logic or pipeline to speed up</a:t>
+            </a:r>
+          </a:p>
+          <a:p>
+            <a:pPr>
               <a:buFont typeface="Calibri" panose="020F0502020204030204" pitchFamily="34" charset="0"/>
               <a:buChar char="⁻"/>
             </a:pPr>
-            <a:r>
-              <a:rPr lang="en-US" sz="1600" dirty="0"/>
-              <a:t>This often led to scrolling through forum posting for information rather than being able to rely on the official documentation</a:t>
-            </a:r>
+            <a:endParaRPr lang="en-US" sz="2800" dirty="0"/>
           </a:p>
           <a:p>
             <a:pPr>
               <a:buFont typeface="Calibri" panose="020F0502020204030204" pitchFamily="34" charset="0"/>
               <a:buChar char="⁻"/>
             </a:pPr>
-            <a:endParaRPr lang="en-US" sz="1600" dirty="0"/>
+            <a:r>
+              <a:rPr lang="en-US" sz="2800" dirty="0"/>
+              <a:t>Floating point calculation needs work</a:t>
+            </a:r>
           </a:p>
           <a:p>
             <a:pPr>
               <a:buFont typeface="Calibri" panose="020F0502020204030204" pitchFamily="34" charset="0"/>
               <a:buChar char="⁻"/>
             </a:pPr>
-            <a:r>
-              <a:rPr lang="en-US" sz="2400" dirty="0"/>
-              <a:t>The Convolution Accelerator design needs to be refined</a:t>
-            </a:r>
-          </a:p>
-          <a:p>
-            <a:pPr lvl="1">
+            <a:endParaRPr lang="en-US" sz="2800" dirty="0"/>
+          </a:p>
+          <a:p>
+            <a:pPr>
               <a:buFont typeface="Calibri" panose="020F0502020204030204" pitchFamily="34" charset="0"/>
               <a:buChar char="⁻"/>
             </a:pPr>
             <a:r>
-              <a:rPr lang="en-US" sz="2000" dirty="0"/>
-              <a:t>Due to the mentioned timing issues, the design would not function properly on the Pynq-Z2</a:t>
-            </a:r>
-          </a:p>
-          <a:p>
-            <a:pPr lvl="1">
-              <a:buFont typeface="Calibri" panose="020F0502020204030204" pitchFamily="34" charset="0"/>
-              <a:buChar char="⁻"/>
-            </a:pPr>
-            <a:r>
-              <a:rPr lang="en-US" sz="2000" dirty="0"/>
-              <a:t>The floating-point adder uses much more resources than any other device in the project</a:t>
-            </a:r>
+              <a:rPr lang="en-US" sz="2800" dirty="0"/>
+              <a:t>Produce an actual feature map!</a:t>
+            </a:r>
+            <a:endParaRPr lang="en-US" sz="2600" dirty="0"/>
           </a:p>
         </p:txBody>
       </p:sp>
@@ -17038,8 +18345,8 @@
         </p:nvSpPr>
         <p:spPr>
           <a:xfrm>
-            <a:off x="4789273" y="2828238"/>
-            <a:ext cx="2613454" cy="1325563"/>
+            <a:off x="4178986" y="2404719"/>
+            <a:ext cx="3834027" cy="2048562"/>
           </a:xfrm>
         </p:spPr>
         <p:txBody>
@@ -17050,7 +18357,7 @@
           <a:p>
             <a:pPr algn="ctr"/>
             <a:r>
-              <a:rPr lang="en-US" sz="4000" dirty="0"/>
+              <a:rPr lang="en-US" sz="6000" dirty="0"/>
               <a:t>Thank You</a:t>
             </a:r>
           </a:p>
@@ -17070,6 +18377,637 @@
 </file>
 
 <file path=ppt/slides/slide5.xml><?xml version="1.0" encoding="utf-8"?>
+<p:sld xmlns:a="http://schemas.openxmlformats.org/drawingml/2006/main" xmlns:r="http://schemas.openxmlformats.org/officeDocument/2006/relationships" xmlns:p="http://schemas.openxmlformats.org/presentationml/2006/main">
+  <p:cSld>
+    <p:spTree>
+      <p:nvGrpSpPr>
+        <p:cNvPr id="1" name=""/>
+        <p:cNvGrpSpPr/>
+        <p:nvPr/>
+      </p:nvGrpSpPr>
+      <p:grpSpPr>
+        <a:xfrm>
+          <a:off x="0" y="0"/>
+          <a:ext cx="0" cy="0"/>
+          <a:chOff x="0" y="0"/>
+          <a:chExt cx="0" cy="0"/>
+        </a:xfrm>
+      </p:grpSpPr>
+      <p:sp>
+        <p:nvSpPr>
+          <p:cNvPr id="5" name="Content Placeholder 2">
+            <a:extLst>
+              <a:ext uri="{FF2B5EF4-FFF2-40B4-BE49-F238E27FC236}">
+                <a16:creationId xmlns:a16="http://schemas.microsoft.com/office/drawing/2014/main" id="{1A31F943-E9CD-41FA-A5AA-F3800EDC99D7}"/>
+              </a:ext>
+            </a:extLst>
+          </p:cNvPr>
+          <p:cNvSpPr>
+            <a:spLocks noGrp="1"/>
+          </p:cNvSpPr>
+          <p:nvPr>
+            <p:ph idx="1"/>
+          </p:nvPr>
+        </p:nvSpPr>
+        <p:spPr>
+          <a:xfrm>
+            <a:off x="838200" y="916191"/>
+            <a:ext cx="10515600" cy="1325563"/>
+          </a:xfrm>
+        </p:spPr>
+        <p:txBody>
+          <a:bodyPr/>
+          <a:lstStyle/>
+          <a:p>
+            <a:pPr>
+              <a:buFont typeface="Calibri" panose="020F0502020204030204" pitchFamily="34" charset="0"/>
+              <a:buChar char="⁻"/>
+            </a:pPr>
+            <a:r>
+              <a:rPr lang="en-US" sz="2800" dirty="0"/>
+              <a:t>Upon entering the project, I was referenced this book and several tutorials to get a feeling of Verilog</a:t>
+            </a:r>
+          </a:p>
+          <a:p>
+            <a:pPr lvl="1">
+              <a:buFont typeface="Calibri" panose="020F0502020204030204" pitchFamily="34" charset="0"/>
+              <a:buChar char="⁻"/>
+            </a:pPr>
+            <a:r>
+              <a:rPr lang="en-US" i="1" dirty="0"/>
+              <a:t>Free Range VHDL</a:t>
+            </a:r>
+            <a:r>
+              <a:rPr lang="en-US" dirty="0"/>
+              <a:t>, Bryan Mealy, 2018</a:t>
+            </a:r>
+          </a:p>
+        </p:txBody>
+      </p:sp>
+      <p:pic>
+        <p:nvPicPr>
+          <p:cNvPr id="6" name="Picture 5" descr="A close up of text on a black background&#10;&#10;Description automatically generated">
+            <a:extLst>
+              <a:ext uri="{FF2B5EF4-FFF2-40B4-BE49-F238E27FC236}">
+                <a16:creationId xmlns:a16="http://schemas.microsoft.com/office/drawing/2014/main" id="{FEC4A27F-A1A9-4A1D-B97B-67F2858A8648}"/>
+              </a:ext>
+            </a:extLst>
+          </p:cNvPr>
+          <p:cNvPicPr>
+            <a:picLocks noChangeAspect="1"/>
+          </p:cNvPicPr>
+          <p:nvPr/>
+        </p:nvPicPr>
+        <p:blipFill rotWithShape="1">
+          <a:blip r:embed="rId2">
+            <a:extLst>
+              <a:ext uri="{28A0092B-C50C-407E-A947-70E740481C1C}">
+                <a14:useLocalDpi xmlns:a14="http://schemas.microsoft.com/office/drawing/2010/main" val="0"/>
+              </a:ext>
+            </a:extLst>
+          </a:blip>
+          <a:srcRect t="355"/>
+          <a:stretch/>
+        </p:blipFill>
+        <p:spPr>
+          <a:xfrm>
+            <a:off x="8512769" y="1690688"/>
+            <a:ext cx="2841031" cy="4251121"/>
+          </a:xfrm>
+          <a:prstGeom prst="rect">
+            <a:avLst/>
+          </a:prstGeom>
+        </p:spPr>
+      </p:pic>
+      <p:sp>
+        <p:nvSpPr>
+          <p:cNvPr id="8" name="TextBox 7">
+            <a:extLst>
+              <a:ext uri="{FF2B5EF4-FFF2-40B4-BE49-F238E27FC236}">
+                <a16:creationId xmlns:a16="http://schemas.microsoft.com/office/drawing/2014/main" id="{6531AEE0-11EF-4FDC-B3ED-F05CC243B718}"/>
+              </a:ext>
+            </a:extLst>
+          </p:cNvPr>
+          <p:cNvSpPr txBox="1"/>
+          <p:nvPr/>
+        </p:nvSpPr>
+        <p:spPr>
+          <a:xfrm>
+            <a:off x="838200" y="2776543"/>
+            <a:ext cx="7674569" cy="2677656"/>
+          </a:xfrm>
+          <a:prstGeom prst="rect">
+            <a:avLst/>
+          </a:prstGeom>
+          <a:noFill/>
+        </p:spPr>
+        <p:txBody>
+          <a:bodyPr wrap="square" rtlCol="0">
+            <a:spAutoFit/>
+          </a:bodyPr>
+          <a:lstStyle/>
+          <a:p>
+            <a:pPr marL="285750" indent="-285750">
+              <a:buFont typeface="Calibri" panose="020F0502020204030204" pitchFamily="34" charset="0"/>
+              <a:buChar char="⁻"/>
+            </a:pPr>
+            <a:r>
+              <a:rPr lang="en-US" sz="2800" dirty="0"/>
+              <a:t>Xilinx also has tutorials with pre-built designs to be imported and demonstrate concepts of how to use the hardware available</a:t>
+            </a:r>
+          </a:p>
+          <a:p>
+            <a:endParaRPr lang="en-US" sz="2800" dirty="0"/>
+          </a:p>
+          <a:p>
+            <a:pPr marL="285750" indent="-285750">
+              <a:buFont typeface="Calibri" panose="020F0502020204030204" pitchFamily="34" charset="0"/>
+              <a:buChar char="⁻"/>
+            </a:pPr>
+            <a:r>
+              <a:rPr lang="en-US" sz="2800" dirty="0"/>
+              <a:t>YouTube tutorials were also helpful for workflow within Vivado</a:t>
+            </a:r>
+          </a:p>
+        </p:txBody>
+      </p:sp>
+    </p:spTree>
+    <p:extLst>
+      <p:ext uri="{BB962C8B-B14F-4D97-AF65-F5344CB8AC3E}">
+        <p14:creationId xmlns:p14="http://schemas.microsoft.com/office/powerpoint/2010/main" val="2371952366"/>
+      </p:ext>
+    </p:extLst>
+  </p:cSld>
+  <p:clrMapOvr>
+    <a:masterClrMapping/>
+  </p:clrMapOvr>
+</p:sld>
+</file>
+
+<file path=ppt/slides/slide6.xml><?xml version="1.0" encoding="utf-8"?>
+<p:sld xmlns:a="http://schemas.openxmlformats.org/drawingml/2006/main" xmlns:r="http://schemas.openxmlformats.org/officeDocument/2006/relationships" xmlns:p="http://schemas.openxmlformats.org/presentationml/2006/main">
+  <p:cSld>
+    <p:spTree>
+      <p:nvGrpSpPr>
+        <p:cNvPr id="1" name=""/>
+        <p:cNvGrpSpPr/>
+        <p:nvPr/>
+      </p:nvGrpSpPr>
+      <p:grpSpPr>
+        <a:xfrm>
+          <a:off x="0" y="0"/>
+          <a:ext cx="0" cy="0"/>
+          <a:chOff x="0" y="0"/>
+          <a:chExt cx="0" cy="0"/>
+        </a:xfrm>
+      </p:grpSpPr>
+      <p:sp>
+        <p:nvSpPr>
+          <p:cNvPr id="5" name="Content Placeholder 2">
+            <a:extLst>
+              <a:ext uri="{FF2B5EF4-FFF2-40B4-BE49-F238E27FC236}">
+                <a16:creationId xmlns:a16="http://schemas.microsoft.com/office/drawing/2014/main" id="{1A31F943-E9CD-41FA-A5AA-F3800EDC99D7}"/>
+              </a:ext>
+            </a:extLst>
+          </p:cNvPr>
+          <p:cNvSpPr>
+            <a:spLocks noGrp="1"/>
+          </p:cNvSpPr>
+          <p:nvPr>
+            <p:ph idx="1"/>
+          </p:nvPr>
+        </p:nvSpPr>
+        <p:spPr>
+          <a:xfrm>
+            <a:off x="838200" y="1109709"/>
+            <a:ext cx="10515600" cy="4277142"/>
+          </a:xfrm>
+        </p:spPr>
+        <p:txBody>
+          <a:bodyPr/>
+          <a:lstStyle/>
+          <a:p>
+            <a:pPr>
+              <a:buFont typeface="Calibri" panose="020F0502020204030204" pitchFamily="34" charset="0"/>
+              <a:buChar char="⁻"/>
+            </a:pPr>
+            <a:r>
+              <a:rPr lang="en-US" sz="2400" dirty="0"/>
+              <a:t>With a simple understanding of Verilog, basic designs were created and tested:</a:t>
+            </a:r>
+          </a:p>
+          <a:p>
+            <a:pPr marL="914400" lvl="1" indent="-457200">
+              <a:buAutoNum type="arabicPeriod"/>
+            </a:pPr>
+            <a:r>
+              <a:rPr lang="en-US" dirty="0"/>
+              <a:t>Multibit flipflop register		(</a:t>
+            </a:r>
+            <a:r>
+              <a:rPr lang="en-US" dirty="0" err="1"/>
+              <a:t>FlipFlop.v</a:t>
+            </a:r>
+            <a:r>
+              <a:rPr lang="en-US" dirty="0"/>
+              <a:t>)</a:t>
+            </a:r>
+          </a:p>
+          <a:p>
+            <a:pPr marL="914400" lvl="1" indent="-457200">
+              <a:buAutoNum type="arabicPeriod"/>
+            </a:pPr>
+            <a:r>
+              <a:rPr lang="en-US" dirty="0"/>
+              <a:t>Parallel multibit flipflop		(</a:t>
+            </a:r>
+            <a:r>
+              <a:rPr lang="en-US" dirty="0" err="1"/>
+              <a:t>ParallelBuffer.v</a:t>
+            </a:r>
+            <a:r>
+              <a:rPr lang="en-US" dirty="0"/>
+              <a:t>)</a:t>
+            </a:r>
+          </a:p>
+          <a:p>
+            <a:pPr marL="914400" lvl="1" indent="-457200">
+              <a:buAutoNum type="arabicPeriod"/>
+            </a:pPr>
+            <a:r>
+              <a:rPr lang="en-US" dirty="0"/>
+              <a:t>Multibit port MUX		(</a:t>
+            </a:r>
+            <a:r>
+              <a:rPr lang="en-US" dirty="0" err="1"/>
+              <a:t>mux.v</a:t>
+            </a:r>
+            <a:r>
+              <a:rPr lang="en-US" dirty="0"/>
+              <a:t>)</a:t>
+            </a:r>
+          </a:p>
+        </p:txBody>
+      </p:sp>
+      <p:pic>
+        <p:nvPicPr>
+          <p:cNvPr id="7" name="Picture 6" descr="A screenshot of a cell phone&#10;&#10;Description automatically generated">
+            <a:extLst>
+              <a:ext uri="{FF2B5EF4-FFF2-40B4-BE49-F238E27FC236}">
+                <a16:creationId xmlns:a16="http://schemas.microsoft.com/office/drawing/2014/main" id="{87091BD8-ECEA-437F-93D9-064E1D862ADA}"/>
+              </a:ext>
+            </a:extLst>
+          </p:cNvPr>
+          <p:cNvPicPr>
+            <a:picLocks noChangeAspect="1"/>
+          </p:cNvPicPr>
+          <p:nvPr/>
+        </p:nvPicPr>
+        <p:blipFill>
+          <a:blip r:embed="rId2">
+            <a:extLst>
+              <a:ext uri="{28A0092B-C50C-407E-A947-70E740481C1C}">
+                <a14:useLocalDpi xmlns:a14="http://schemas.microsoft.com/office/drawing/2010/main" val="0"/>
+              </a:ext>
+            </a:extLst>
+          </a:blip>
+          <a:stretch>
+            <a:fillRect/>
+          </a:stretch>
+        </p:blipFill>
+        <p:spPr>
+          <a:xfrm>
+            <a:off x="7150018" y="3853145"/>
+            <a:ext cx="4203782" cy="1100056"/>
+          </a:xfrm>
+          <a:prstGeom prst="rect">
+            <a:avLst/>
+          </a:prstGeom>
+        </p:spPr>
+      </p:pic>
+      <p:pic>
+        <p:nvPicPr>
+          <p:cNvPr id="4" name="Picture 3" descr="A screenshot of a cell phone&#10;&#10;Description automatically generated">
+            <a:extLst>
+              <a:ext uri="{FF2B5EF4-FFF2-40B4-BE49-F238E27FC236}">
+                <a16:creationId xmlns:a16="http://schemas.microsoft.com/office/drawing/2014/main" id="{9D834FDE-6166-49C8-A917-9781CBCA2596}"/>
+              </a:ext>
+            </a:extLst>
+          </p:cNvPr>
+          <p:cNvPicPr>
+            <a:picLocks noChangeAspect="1"/>
+          </p:cNvPicPr>
+          <p:nvPr/>
+        </p:nvPicPr>
+        <p:blipFill>
+          <a:blip r:embed="rId3">
+            <a:extLst>
+              <a:ext uri="{28A0092B-C50C-407E-A947-70E740481C1C}">
+                <a14:useLocalDpi xmlns:a14="http://schemas.microsoft.com/office/drawing/2010/main" val="0"/>
+              </a:ext>
+            </a:extLst>
+          </a:blip>
+          <a:stretch>
+            <a:fillRect/>
+          </a:stretch>
+        </p:blipFill>
+        <p:spPr>
+          <a:xfrm>
+            <a:off x="838200" y="3225269"/>
+            <a:ext cx="5991778" cy="2355807"/>
+          </a:xfrm>
+          <a:prstGeom prst="rect">
+            <a:avLst/>
+          </a:prstGeom>
+        </p:spPr>
+      </p:pic>
+    </p:spTree>
+    <p:extLst>
+      <p:ext uri="{BB962C8B-B14F-4D97-AF65-F5344CB8AC3E}">
+        <p14:creationId xmlns:p14="http://schemas.microsoft.com/office/powerpoint/2010/main" val="2551491554"/>
+      </p:ext>
+    </p:extLst>
+  </p:cSld>
+  <p:clrMapOvr>
+    <a:masterClrMapping/>
+  </p:clrMapOvr>
+</p:sld>
+</file>
+
+<file path=ppt/slides/slide7.xml><?xml version="1.0" encoding="utf-8"?>
+<p:sld xmlns:a="http://schemas.openxmlformats.org/drawingml/2006/main" xmlns:r="http://schemas.openxmlformats.org/officeDocument/2006/relationships" xmlns:p="http://schemas.openxmlformats.org/presentationml/2006/main">
+  <p:cSld>
+    <p:spTree>
+      <p:nvGrpSpPr>
+        <p:cNvPr id="1" name=""/>
+        <p:cNvGrpSpPr/>
+        <p:nvPr/>
+      </p:nvGrpSpPr>
+      <p:grpSpPr>
+        <a:xfrm>
+          <a:off x="0" y="0"/>
+          <a:ext cx="0" cy="0"/>
+          <a:chOff x="0" y="0"/>
+          <a:chExt cx="0" cy="0"/>
+        </a:xfrm>
+      </p:grpSpPr>
+      <p:sp>
+        <p:nvSpPr>
+          <p:cNvPr id="2" name="Title 1">
+            <a:extLst>
+              <a:ext uri="{FF2B5EF4-FFF2-40B4-BE49-F238E27FC236}">
+                <a16:creationId xmlns:a16="http://schemas.microsoft.com/office/drawing/2014/main" id="{4F7B6B69-DEE4-48AD-9D41-357592C3F9DB}"/>
+              </a:ext>
+            </a:extLst>
+          </p:cNvPr>
+          <p:cNvSpPr>
+            <a:spLocks noGrp="1"/>
+          </p:cNvSpPr>
+          <p:nvPr>
+            <p:ph type="title"/>
+          </p:nvPr>
+        </p:nvSpPr>
+        <p:spPr>
+          <a:xfrm>
+            <a:off x="7617041" y="2750820"/>
+            <a:ext cx="3884675" cy="1356360"/>
+          </a:xfrm>
+        </p:spPr>
+        <p:txBody>
+          <a:bodyPr/>
+          <a:lstStyle/>
+          <a:p>
+            <a:pPr algn="r">
+              <a:spcBef>
+                <a:spcPts val="300"/>
+              </a:spcBef>
+            </a:pPr>
+            <a:r>
+              <a:rPr lang="en-US" b="1" dirty="0"/>
+              <a:t>Intro to Vivado</a:t>
+            </a:r>
+          </a:p>
+        </p:txBody>
+      </p:sp>
+      <p:sp>
+        <p:nvSpPr>
+          <p:cNvPr id="6" name="TextBox 5">
+            <a:extLst>
+              <a:ext uri="{FF2B5EF4-FFF2-40B4-BE49-F238E27FC236}">
+                <a16:creationId xmlns:a16="http://schemas.microsoft.com/office/drawing/2014/main" id="{354D8DEE-F284-4B52-8F58-8958FEB2ED40}"/>
+              </a:ext>
+            </a:extLst>
+          </p:cNvPr>
+          <p:cNvSpPr txBox="1"/>
+          <p:nvPr/>
+        </p:nvSpPr>
+        <p:spPr>
+          <a:xfrm>
+            <a:off x="690284" y="535596"/>
+            <a:ext cx="4707339" cy="6009337"/>
+          </a:xfrm>
+          <a:prstGeom prst="rect">
+            <a:avLst/>
+          </a:prstGeom>
+          <a:noFill/>
+        </p:spPr>
+        <p:txBody>
+          <a:bodyPr wrap="square" rtlCol="0">
+            <a:spAutoFit/>
+          </a:bodyPr>
+          <a:lstStyle/>
+          <a:p>
+            <a:pPr>
+              <a:spcBef>
+                <a:spcPts val="300"/>
+              </a:spcBef>
+            </a:pPr>
+            <a:r>
+              <a:rPr lang="en-US" sz="2100" dirty="0"/>
+              <a:t>-Design Objective</a:t>
+            </a:r>
+          </a:p>
+          <a:p>
+            <a:pPr>
+              <a:spcBef>
+                <a:spcPts val="300"/>
+              </a:spcBef>
+            </a:pPr>
+            <a:r>
+              <a:rPr lang="en-US" sz="2100" dirty="0"/>
+              <a:t>-Learn Verilog</a:t>
+            </a:r>
+          </a:p>
+          <a:p>
+            <a:pPr>
+              <a:spcBef>
+                <a:spcPts val="300"/>
+              </a:spcBef>
+            </a:pPr>
+            <a:r>
+              <a:rPr lang="en-US" sz="3200" b="1" dirty="0"/>
+              <a:t>-Intro to Vivado</a:t>
+            </a:r>
+          </a:p>
+          <a:p>
+            <a:pPr>
+              <a:spcBef>
+                <a:spcPts val="300"/>
+              </a:spcBef>
+            </a:pPr>
+            <a:r>
+              <a:rPr lang="en-US" sz="2100" dirty="0"/>
+              <a:t>-Partial Reconfig Multipliers</a:t>
+            </a:r>
+          </a:p>
+          <a:p>
+            <a:pPr>
+              <a:spcBef>
+                <a:spcPts val="300"/>
+              </a:spcBef>
+            </a:pPr>
+            <a:r>
+              <a:rPr lang="en-US" sz="2100" dirty="0"/>
+              <a:t>-Crossbar Data Switch</a:t>
+            </a:r>
+          </a:p>
+          <a:p>
+            <a:pPr>
+              <a:spcBef>
+                <a:spcPts val="300"/>
+              </a:spcBef>
+            </a:pPr>
+            <a:r>
+              <a:rPr lang="en-US" sz="2100" dirty="0"/>
+              <a:t>-Partial Reconfig Adder</a:t>
+            </a:r>
+          </a:p>
+          <a:p>
+            <a:pPr>
+              <a:spcBef>
+                <a:spcPts val="300"/>
+              </a:spcBef>
+            </a:pPr>
+            <a:r>
+              <a:rPr lang="en-US" sz="2100" dirty="0"/>
+              <a:t>-Matrix Accelerator</a:t>
+            </a:r>
+          </a:p>
+          <a:p>
+            <a:pPr>
+              <a:spcBef>
+                <a:spcPts val="300"/>
+              </a:spcBef>
+            </a:pPr>
+            <a:r>
+              <a:rPr lang="en-US" sz="2100" dirty="0"/>
+              <a:t>-Asynchronous FIFO</a:t>
+            </a:r>
+          </a:p>
+          <a:p>
+            <a:pPr>
+              <a:spcBef>
+                <a:spcPts val="300"/>
+              </a:spcBef>
+            </a:pPr>
+            <a:r>
+              <a:rPr lang="en-US" sz="2100" dirty="0"/>
+              <a:t>-Matrix Controller</a:t>
+            </a:r>
+          </a:p>
+          <a:p>
+            <a:pPr>
+              <a:spcBef>
+                <a:spcPts val="300"/>
+              </a:spcBef>
+            </a:pPr>
+            <a:r>
+              <a:rPr lang="en-US" sz="2100" dirty="0"/>
+              <a:t>-Convolution Accelerator Top Wrapper</a:t>
+            </a:r>
+          </a:p>
+          <a:p>
+            <a:pPr>
+              <a:spcBef>
+                <a:spcPts val="300"/>
+              </a:spcBef>
+            </a:pPr>
+            <a:r>
+              <a:rPr lang="en-US" sz="2100" dirty="0"/>
+              <a:t>-Enabling Partial Reconfig</a:t>
+            </a:r>
+          </a:p>
+          <a:p>
+            <a:pPr>
+              <a:spcBef>
+                <a:spcPts val="300"/>
+              </a:spcBef>
+            </a:pPr>
+            <a:r>
+              <a:rPr lang="en-US" sz="2100" dirty="0"/>
+              <a:t>-Dynamic Resources </a:t>
+            </a:r>
+          </a:p>
+          <a:p>
+            <a:pPr>
+              <a:spcBef>
+                <a:spcPts val="300"/>
+              </a:spcBef>
+            </a:pPr>
+            <a:r>
+              <a:rPr lang="en-US" sz="2100" dirty="0"/>
+              <a:t>	-Floorplan</a:t>
+            </a:r>
+          </a:p>
+          <a:p>
+            <a:pPr>
+              <a:spcBef>
+                <a:spcPts val="300"/>
+              </a:spcBef>
+            </a:pPr>
+            <a:r>
+              <a:rPr lang="en-US" sz="2100" dirty="0"/>
+              <a:t>	-Resource Utilization</a:t>
+            </a:r>
+          </a:p>
+          <a:p>
+            <a:pPr>
+              <a:spcBef>
+                <a:spcPts val="300"/>
+              </a:spcBef>
+            </a:pPr>
+            <a:r>
+              <a:rPr lang="en-US" sz="2100" dirty="0"/>
+              <a:t>	-Power Report</a:t>
+            </a:r>
+          </a:p>
+          <a:p>
+            <a:pPr>
+              <a:spcBef>
+                <a:spcPts val="300"/>
+              </a:spcBef>
+            </a:pPr>
+            <a:r>
+              <a:rPr lang="en-US" sz="2100" dirty="0"/>
+              <a:t>-Conclusions</a:t>
+            </a:r>
+          </a:p>
+        </p:txBody>
+      </p:sp>
+    </p:spTree>
+    <p:extLst>
+      <p:ext uri="{BB962C8B-B14F-4D97-AF65-F5344CB8AC3E}">
+        <p14:creationId xmlns:p14="http://schemas.microsoft.com/office/powerpoint/2010/main" val="2599770126"/>
+      </p:ext>
+    </p:extLst>
+  </p:cSld>
+  <p:clrMapOvr>
+    <a:masterClrMapping/>
+  </p:clrMapOvr>
+</p:sld>
+</file>
+
+<file path=ppt/slides/slide8.xml><?xml version="1.0" encoding="utf-8"?>
 <p:sld xmlns:a="http://schemas.openxmlformats.org/drawingml/2006/main" xmlns:r="http://schemas.openxmlformats.org/officeDocument/2006/relationships" xmlns:p="http://schemas.openxmlformats.org/presentationml/2006/main">
   <p:cSld>
     <p:spTree>
@@ -17237,7 +19175,7 @@
 </p:sld>
 </file>
 
-<file path=ppt/slides/slide6.xml><?xml version="1.0" encoding="utf-8"?>
+<file path=ppt/slides/slide9.xml><?xml version="1.0" encoding="utf-8"?>
 <p:sld xmlns:a="http://schemas.openxmlformats.org/drawingml/2006/main" xmlns:r="http://schemas.openxmlformats.org/officeDocument/2006/relationships" xmlns:p="http://schemas.openxmlformats.org/presentationml/2006/main">
   <p:cSld>
     <p:spTree>
@@ -17346,638 +19284,6 @@
     <p:extLst>
       <p:ext uri="{BB962C8B-B14F-4D97-AF65-F5344CB8AC3E}">
         <p14:creationId xmlns:p14="http://schemas.microsoft.com/office/powerpoint/2010/main" val="107894380"/>
-      </p:ext>
-    </p:extLst>
-  </p:cSld>
-  <p:clrMapOvr>
-    <a:masterClrMapping/>
-  </p:clrMapOvr>
-</p:sld>
-</file>
-
-<file path=ppt/slides/slide7.xml><?xml version="1.0" encoding="utf-8"?>
-<p:sld xmlns:a="http://schemas.openxmlformats.org/drawingml/2006/main" xmlns:r="http://schemas.openxmlformats.org/officeDocument/2006/relationships" xmlns:p="http://schemas.openxmlformats.org/presentationml/2006/main">
-  <p:cSld>
-    <p:spTree>
-      <p:nvGrpSpPr>
-        <p:cNvPr id="1" name=""/>
-        <p:cNvGrpSpPr/>
-        <p:nvPr/>
-      </p:nvGrpSpPr>
-      <p:grpSpPr>
-        <a:xfrm>
-          <a:off x="0" y="0"/>
-          <a:ext cx="0" cy="0"/>
-          <a:chOff x="0" y="0"/>
-          <a:chExt cx="0" cy="0"/>
-        </a:xfrm>
-      </p:grpSpPr>
-      <p:sp>
-        <p:nvSpPr>
-          <p:cNvPr id="2" name="Title 1">
-            <a:extLst>
-              <a:ext uri="{FF2B5EF4-FFF2-40B4-BE49-F238E27FC236}">
-                <a16:creationId xmlns:a16="http://schemas.microsoft.com/office/drawing/2014/main" id="{4F7B6B69-DEE4-48AD-9D41-357592C3F9DB}"/>
-              </a:ext>
-            </a:extLst>
-          </p:cNvPr>
-          <p:cNvSpPr>
-            <a:spLocks noGrp="1"/>
-          </p:cNvSpPr>
-          <p:nvPr>
-            <p:ph type="title"/>
-          </p:nvPr>
-        </p:nvSpPr>
-        <p:spPr>
-          <a:xfrm>
-            <a:off x="7617041" y="2750820"/>
-            <a:ext cx="3884675" cy="1356360"/>
-          </a:xfrm>
-        </p:spPr>
-        <p:txBody>
-          <a:bodyPr/>
-          <a:lstStyle/>
-          <a:p>
-            <a:pPr algn="r">
-              <a:spcBef>
-                <a:spcPts val="300"/>
-              </a:spcBef>
-            </a:pPr>
-            <a:r>
-              <a:rPr lang="en-US" b="1" dirty="0"/>
-              <a:t>Learn Verilog</a:t>
-            </a:r>
-            <a:endParaRPr lang="en-US" sz="4400" b="1" dirty="0"/>
-          </a:p>
-        </p:txBody>
-      </p:sp>
-      <p:sp>
-        <p:nvSpPr>
-          <p:cNvPr id="6" name="TextBox 5">
-            <a:extLst>
-              <a:ext uri="{FF2B5EF4-FFF2-40B4-BE49-F238E27FC236}">
-                <a16:creationId xmlns:a16="http://schemas.microsoft.com/office/drawing/2014/main" id="{354D8DEE-F284-4B52-8F58-8958FEB2ED40}"/>
-              </a:ext>
-            </a:extLst>
-          </p:cNvPr>
-          <p:cNvSpPr txBox="1"/>
-          <p:nvPr/>
-        </p:nvSpPr>
-        <p:spPr>
-          <a:xfrm>
-            <a:off x="690284" y="535596"/>
-            <a:ext cx="4707339" cy="6178614"/>
-          </a:xfrm>
-          <a:prstGeom prst="rect">
-            <a:avLst/>
-          </a:prstGeom>
-          <a:noFill/>
-        </p:spPr>
-        <p:txBody>
-          <a:bodyPr wrap="square" rtlCol="0">
-            <a:spAutoFit/>
-          </a:bodyPr>
-          <a:lstStyle/>
-          <a:p>
-            <a:pPr>
-              <a:spcBef>
-                <a:spcPts val="300"/>
-              </a:spcBef>
-            </a:pPr>
-            <a:r>
-              <a:rPr lang="en-US" sz="2100" dirty="0"/>
-              <a:t>-Design Objective</a:t>
-            </a:r>
-          </a:p>
-          <a:p>
-            <a:pPr>
-              <a:spcBef>
-                <a:spcPts val="300"/>
-              </a:spcBef>
-            </a:pPr>
-            <a:r>
-              <a:rPr lang="en-US" sz="2100" dirty="0"/>
-              <a:t>-Intro to Vivado</a:t>
-            </a:r>
-          </a:p>
-          <a:p>
-            <a:pPr>
-              <a:spcBef>
-                <a:spcPts val="300"/>
-              </a:spcBef>
-            </a:pPr>
-            <a:r>
-              <a:rPr lang="en-US" sz="3200" b="1" dirty="0"/>
-              <a:t>-Learn Verilog</a:t>
-            </a:r>
-          </a:p>
-          <a:p>
-            <a:pPr>
-              <a:spcBef>
-                <a:spcPts val="300"/>
-              </a:spcBef>
-            </a:pPr>
-            <a:r>
-              <a:rPr lang="en-US" sz="2100" dirty="0"/>
-              <a:t>-Partial Reconfig Multipliers</a:t>
-            </a:r>
-          </a:p>
-          <a:p>
-            <a:pPr>
-              <a:spcBef>
-                <a:spcPts val="300"/>
-              </a:spcBef>
-            </a:pPr>
-            <a:r>
-              <a:rPr lang="en-US" sz="2100" dirty="0"/>
-              <a:t>-Crossbar Data Switch</a:t>
-            </a:r>
-          </a:p>
-          <a:p>
-            <a:pPr>
-              <a:spcBef>
-                <a:spcPts val="300"/>
-              </a:spcBef>
-            </a:pPr>
-            <a:r>
-              <a:rPr lang="en-US" sz="2100" dirty="0"/>
-              <a:t>-Partial Reconfig Adder</a:t>
-            </a:r>
-          </a:p>
-          <a:p>
-            <a:pPr>
-              <a:spcBef>
-                <a:spcPts val="300"/>
-              </a:spcBef>
-            </a:pPr>
-            <a:r>
-              <a:rPr lang="en-US" sz="2100" dirty="0"/>
-              <a:t>-Matrix Accelerator</a:t>
-            </a:r>
-          </a:p>
-          <a:p>
-            <a:pPr>
-              <a:spcBef>
-                <a:spcPts val="300"/>
-              </a:spcBef>
-            </a:pPr>
-            <a:r>
-              <a:rPr lang="en-US" sz="2100" dirty="0"/>
-              <a:t>-Asynchronous FIFO</a:t>
-            </a:r>
-          </a:p>
-          <a:p>
-            <a:pPr>
-              <a:spcBef>
-                <a:spcPts val="300"/>
-              </a:spcBef>
-            </a:pPr>
-            <a:r>
-              <a:rPr lang="en-US" sz="2100" dirty="0"/>
-              <a:t>-Matrix Controller</a:t>
-            </a:r>
-          </a:p>
-          <a:p>
-            <a:pPr>
-              <a:spcBef>
-                <a:spcPts val="300"/>
-              </a:spcBef>
-            </a:pPr>
-            <a:r>
-              <a:rPr lang="en-US" sz="2100" dirty="0"/>
-              <a:t>-Convolution Accelerator Top Wrapper</a:t>
-            </a:r>
-          </a:p>
-          <a:p>
-            <a:pPr>
-              <a:spcBef>
-                <a:spcPts val="300"/>
-              </a:spcBef>
-            </a:pPr>
-            <a:r>
-              <a:rPr lang="en-US" sz="2100" dirty="0"/>
-              <a:t>-Enabling Partial Reconfig</a:t>
-            </a:r>
-          </a:p>
-          <a:p>
-            <a:pPr>
-              <a:spcBef>
-                <a:spcPts val="300"/>
-              </a:spcBef>
-            </a:pPr>
-            <a:r>
-              <a:rPr lang="en-US" sz="2100" dirty="0"/>
-              <a:t>-Dynamic Resources </a:t>
-            </a:r>
-          </a:p>
-          <a:p>
-            <a:pPr>
-              <a:spcBef>
-                <a:spcPts val="300"/>
-              </a:spcBef>
-            </a:pPr>
-            <a:r>
-              <a:rPr lang="en-US" sz="2100" dirty="0"/>
-              <a:t>	-Floorplan</a:t>
-            </a:r>
-          </a:p>
-          <a:p>
-            <a:pPr>
-              <a:spcBef>
-                <a:spcPts val="300"/>
-              </a:spcBef>
-            </a:pPr>
-            <a:r>
-              <a:rPr lang="en-US" sz="2100" dirty="0"/>
-              <a:t>	-Resource Utilization</a:t>
-            </a:r>
-          </a:p>
-          <a:p>
-            <a:pPr>
-              <a:spcBef>
-                <a:spcPts val="300"/>
-              </a:spcBef>
-            </a:pPr>
-            <a:r>
-              <a:rPr lang="en-US" sz="2100" dirty="0"/>
-              <a:t>	-Power Report</a:t>
-            </a:r>
-          </a:p>
-          <a:p>
-            <a:pPr>
-              <a:spcBef>
-                <a:spcPts val="300"/>
-              </a:spcBef>
-            </a:pPr>
-            <a:r>
-              <a:rPr lang="en-US" sz="2100" dirty="0"/>
-              <a:t>-Conclusions</a:t>
-            </a:r>
-          </a:p>
-        </p:txBody>
-      </p:sp>
-    </p:spTree>
-    <p:extLst>
-      <p:ext uri="{BB962C8B-B14F-4D97-AF65-F5344CB8AC3E}">
-        <p14:creationId xmlns:p14="http://schemas.microsoft.com/office/powerpoint/2010/main" val="946364762"/>
-      </p:ext>
-    </p:extLst>
-  </p:cSld>
-  <p:clrMapOvr>
-    <a:masterClrMapping/>
-  </p:clrMapOvr>
-</p:sld>
-</file>
-
-<file path=ppt/slides/slide8.xml><?xml version="1.0" encoding="utf-8"?>
-<p:sld xmlns:a="http://schemas.openxmlformats.org/drawingml/2006/main" xmlns:r="http://schemas.openxmlformats.org/officeDocument/2006/relationships" xmlns:p="http://schemas.openxmlformats.org/presentationml/2006/main">
-  <p:cSld>
-    <p:spTree>
-      <p:nvGrpSpPr>
-        <p:cNvPr id="1" name=""/>
-        <p:cNvGrpSpPr/>
-        <p:nvPr/>
-      </p:nvGrpSpPr>
-      <p:grpSpPr>
-        <a:xfrm>
-          <a:off x="0" y="0"/>
-          <a:ext cx="0" cy="0"/>
-          <a:chOff x="0" y="0"/>
-          <a:chExt cx="0" cy="0"/>
-        </a:xfrm>
-      </p:grpSpPr>
-      <p:sp>
-        <p:nvSpPr>
-          <p:cNvPr id="5" name="Content Placeholder 2">
-            <a:extLst>
-              <a:ext uri="{FF2B5EF4-FFF2-40B4-BE49-F238E27FC236}">
-                <a16:creationId xmlns:a16="http://schemas.microsoft.com/office/drawing/2014/main" id="{1A31F943-E9CD-41FA-A5AA-F3800EDC99D7}"/>
-              </a:ext>
-            </a:extLst>
-          </p:cNvPr>
-          <p:cNvSpPr>
-            <a:spLocks noGrp="1"/>
-          </p:cNvSpPr>
-          <p:nvPr>
-            <p:ph idx="1"/>
-          </p:nvPr>
-        </p:nvSpPr>
-        <p:spPr>
-          <a:xfrm>
-            <a:off x="838200" y="916191"/>
-            <a:ext cx="10515600" cy="1325563"/>
-          </a:xfrm>
-        </p:spPr>
-        <p:txBody>
-          <a:bodyPr/>
-          <a:lstStyle/>
-          <a:p>
-            <a:pPr>
-              <a:buFont typeface="Calibri" panose="020F0502020204030204" pitchFamily="34" charset="0"/>
-              <a:buChar char="⁻"/>
-            </a:pPr>
-            <a:r>
-              <a:rPr lang="en-US" dirty="0"/>
-              <a:t>Upon entering the project, I was referenced this book and several tutorials to get a feeling of Verilog</a:t>
-            </a:r>
-          </a:p>
-          <a:p>
-            <a:pPr lvl="1">
-              <a:buFont typeface="Calibri" panose="020F0502020204030204" pitchFamily="34" charset="0"/>
-              <a:buChar char="⁻"/>
-            </a:pPr>
-            <a:r>
-              <a:rPr lang="en-US" i="1" dirty="0"/>
-              <a:t>Free Range VHDL</a:t>
-            </a:r>
-            <a:r>
-              <a:rPr lang="en-US" dirty="0"/>
-              <a:t>, Bryan Mealy, 2018</a:t>
-            </a:r>
-          </a:p>
-        </p:txBody>
-      </p:sp>
-      <p:pic>
-        <p:nvPicPr>
-          <p:cNvPr id="6" name="Picture 5" descr="A close up of text on a black background&#10;&#10;Description automatically generated">
-            <a:extLst>
-              <a:ext uri="{FF2B5EF4-FFF2-40B4-BE49-F238E27FC236}">
-                <a16:creationId xmlns:a16="http://schemas.microsoft.com/office/drawing/2014/main" id="{FEC4A27F-A1A9-4A1D-B97B-67F2858A8648}"/>
-              </a:ext>
-            </a:extLst>
-          </p:cNvPr>
-          <p:cNvPicPr>
-            <a:picLocks noChangeAspect="1"/>
-          </p:cNvPicPr>
-          <p:nvPr/>
-        </p:nvPicPr>
-        <p:blipFill rotWithShape="1">
-          <a:blip r:embed="rId2">
-            <a:extLst>
-              <a:ext uri="{28A0092B-C50C-407E-A947-70E740481C1C}">
-                <a14:useLocalDpi xmlns:a14="http://schemas.microsoft.com/office/drawing/2010/main" val="0"/>
-              </a:ext>
-            </a:extLst>
-          </a:blip>
-          <a:srcRect t="355"/>
-          <a:stretch/>
-        </p:blipFill>
-        <p:spPr>
-          <a:xfrm>
-            <a:off x="8512769" y="1690688"/>
-            <a:ext cx="2841031" cy="4251121"/>
-          </a:xfrm>
-          <a:prstGeom prst="rect">
-            <a:avLst/>
-          </a:prstGeom>
-        </p:spPr>
-      </p:pic>
-      <p:sp>
-        <p:nvSpPr>
-          <p:cNvPr id="8" name="TextBox 7">
-            <a:extLst>
-              <a:ext uri="{FF2B5EF4-FFF2-40B4-BE49-F238E27FC236}">
-                <a16:creationId xmlns:a16="http://schemas.microsoft.com/office/drawing/2014/main" id="{6531AEE0-11EF-4FDC-B3ED-F05CC243B718}"/>
-              </a:ext>
-            </a:extLst>
-          </p:cNvPr>
-          <p:cNvSpPr txBox="1"/>
-          <p:nvPr/>
-        </p:nvSpPr>
-        <p:spPr>
-          <a:xfrm>
-            <a:off x="838200" y="2776543"/>
-            <a:ext cx="7674569" cy="2677656"/>
-          </a:xfrm>
-          <a:prstGeom prst="rect">
-            <a:avLst/>
-          </a:prstGeom>
-          <a:noFill/>
-        </p:spPr>
-        <p:txBody>
-          <a:bodyPr wrap="square" rtlCol="0">
-            <a:spAutoFit/>
-          </a:bodyPr>
-          <a:lstStyle/>
-          <a:p>
-            <a:pPr marL="285750" indent="-285750">
-              <a:buFont typeface="Calibri" panose="020F0502020204030204" pitchFamily="34" charset="0"/>
-              <a:buChar char="⁻"/>
-            </a:pPr>
-            <a:r>
-              <a:rPr lang="en-US" sz="2800" dirty="0"/>
-              <a:t>Xilinx also has tutorials with pre-built designs to be imported and demonstrate concepts of how to use the hardware available</a:t>
-            </a:r>
-          </a:p>
-          <a:p>
-            <a:endParaRPr lang="en-US" sz="2800" dirty="0"/>
-          </a:p>
-          <a:p>
-            <a:pPr marL="285750" indent="-285750">
-              <a:buFont typeface="Calibri" panose="020F0502020204030204" pitchFamily="34" charset="0"/>
-              <a:buChar char="⁻"/>
-            </a:pPr>
-            <a:r>
-              <a:rPr lang="en-US" sz="2800" dirty="0"/>
-              <a:t>YouTube tutorials were also helpful for workflow within Vivado</a:t>
-            </a:r>
-          </a:p>
-        </p:txBody>
-      </p:sp>
-    </p:spTree>
-    <p:extLst>
-      <p:ext uri="{BB962C8B-B14F-4D97-AF65-F5344CB8AC3E}">
-        <p14:creationId xmlns:p14="http://schemas.microsoft.com/office/powerpoint/2010/main" val="2371952366"/>
-      </p:ext>
-    </p:extLst>
-  </p:cSld>
-  <p:clrMapOvr>
-    <a:masterClrMapping/>
-  </p:clrMapOvr>
-</p:sld>
-</file>
-
-<file path=ppt/slides/slide9.xml><?xml version="1.0" encoding="utf-8"?>
-<p:sld xmlns:a="http://schemas.openxmlformats.org/drawingml/2006/main" xmlns:r="http://schemas.openxmlformats.org/officeDocument/2006/relationships" xmlns:p="http://schemas.openxmlformats.org/presentationml/2006/main">
-  <p:cSld>
-    <p:spTree>
-      <p:nvGrpSpPr>
-        <p:cNvPr id="1" name=""/>
-        <p:cNvGrpSpPr/>
-        <p:nvPr/>
-      </p:nvGrpSpPr>
-      <p:grpSpPr>
-        <a:xfrm>
-          <a:off x="0" y="0"/>
-          <a:ext cx="0" cy="0"/>
-          <a:chOff x="0" y="0"/>
-          <a:chExt cx="0" cy="0"/>
-        </a:xfrm>
-      </p:grpSpPr>
-      <p:sp>
-        <p:nvSpPr>
-          <p:cNvPr id="5" name="Content Placeholder 2">
-            <a:extLst>
-              <a:ext uri="{FF2B5EF4-FFF2-40B4-BE49-F238E27FC236}">
-                <a16:creationId xmlns:a16="http://schemas.microsoft.com/office/drawing/2014/main" id="{1A31F943-E9CD-41FA-A5AA-F3800EDC99D7}"/>
-              </a:ext>
-            </a:extLst>
-          </p:cNvPr>
-          <p:cNvSpPr>
-            <a:spLocks noGrp="1"/>
-          </p:cNvSpPr>
-          <p:nvPr>
-            <p:ph idx="1"/>
-          </p:nvPr>
-        </p:nvSpPr>
-        <p:spPr>
-          <a:xfrm>
-            <a:off x="838200" y="1109709"/>
-            <a:ext cx="10515600" cy="4277142"/>
-          </a:xfrm>
-        </p:spPr>
-        <p:txBody>
-          <a:bodyPr/>
-          <a:lstStyle/>
-          <a:p>
-            <a:pPr>
-              <a:buFont typeface="Calibri" panose="020F0502020204030204" pitchFamily="34" charset="0"/>
-              <a:buChar char="⁻"/>
-            </a:pPr>
-            <a:r>
-              <a:rPr lang="en-US" sz="2400" dirty="0"/>
-              <a:t>With a simple understanding of Verilog, basic designs were created and tested:</a:t>
-            </a:r>
-          </a:p>
-          <a:p>
-            <a:pPr marL="914400" lvl="1" indent="-457200">
-              <a:buAutoNum type="arabicPeriod"/>
-            </a:pPr>
-            <a:r>
-              <a:rPr lang="en-US" dirty="0"/>
-              <a:t>Multibit flipflop register		(</a:t>
-            </a:r>
-            <a:r>
-              <a:rPr lang="en-US" dirty="0" err="1"/>
-              <a:t>FlipFlop.v</a:t>
-            </a:r>
-            <a:r>
-              <a:rPr lang="en-US" dirty="0"/>
-              <a:t>)</a:t>
-            </a:r>
-          </a:p>
-          <a:p>
-            <a:pPr marL="914400" lvl="1" indent="-457200">
-              <a:buAutoNum type="arabicPeriod"/>
-            </a:pPr>
-            <a:r>
-              <a:rPr lang="en-US" dirty="0"/>
-              <a:t>Parallel multibit flipflop		(</a:t>
-            </a:r>
-            <a:r>
-              <a:rPr lang="en-US" dirty="0" err="1"/>
-              <a:t>ParallelBuffer.v</a:t>
-            </a:r>
-            <a:r>
-              <a:rPr lang="en-US" dirty="0"/>
-              <a:t>)</a:t>
-            </a:r>
-          </a:p>
-          <a:p>
-            <a:pPr marL="914400" lvl="1" indent="-457200">
-              <a:buAutoNum type="arabicPeriod"/>
-            </a:pPr>
-            <a:r>
-              <a:rPr lang="en-US" dirty="0"/>
-              <a:t>Multibit port MUX		(</a:t>
-            </a:r>
-            <a:r>
-              <a:rPr lang="en-US" dirty="0" err="1"/>
-              <a:t>mux.v</a:t>
-            </a:r>
-            <a:r>
-              <a:rPr lang="en-US" dirty="0"/>
-              <a:t>)</a:t>
-            </a:r>
-          </a:p>
-        </p:txBody>
-      </p:sp>
-      <p:pic>
-        <p:nvPicPr>
-          <p:cNvPr id="7" name="Picture 6" descr="A screenshot of a cell phone&#10;&#10;Description automatically generated">
-            <a:extLst>
-              <a:ext uri="{FF2B5EF4-FFF2-40B4-BE49-F238E27FC236}">
-                <a16:creationId xmlns:a16="http://schemas.microsoft.com/office/drawing/2014/main" id="{87091BD8-ECEA-437F-93D9-064E1D862ADA}"/>
-              </a:ext>
-            </a:extLst>
-          </p:cNvPr>
-          <p:cNvPicPr>
-            <a:picLocks noChangeAspect="1"/>
-          </p:cNvPicPr>
-          <p:nvPr/>
-        </p:nvPicPr>
-        <p:blipFill>
-          <a:blip r:embed="rId2">
-            <a:extLst>
-              <a:ext uri="{28A0092B-C50C-407E-A947-70E740481C1C}">
-                <a14:useLocalDpi xmlns:a14="http://schemas.microsoft.com/office/drawing/2010/main" val="0"/>
-              </a:ext>
-            </a:extLst>
-          </a:blip>
-          <a:stretch>
-            <a:fillRect/>
-          </a:stretch>
-        </p:blipFill>
-        <p:spPr>
-          <a:xfrm>
-            <a:off x="7150018" y="3853145"/>
-            <a:ext cx="4203782" cy="1100056"/>
-          </a:xfrm>
-          <a:prstGeom prst="rect">
-            <a:avLst/>
-          </a:prstGeom>
-        </p:spPr>
-      </p:pic>
-      <p:pic>
-        <p:nvPicPr>
-          <p:cNvPr id="4" name="Picture 3" descr="A screenshot of a cell phone&#10;&#10;Description automatically generated">
-            <a:extLst>
-              <a:ext uri="{FF2B5EF4-FFF2-40B4-BE49-F238E27FC236}">
-                <a16:creationId xmlns:a16="http://schemas.microsoft.com/office/drawing/2014/main" id="{9D834FDE-6166-49C8-A917-9781CBCA2596}"/>
-              </a:ext>
-            </a:extLst>
-          </p:cNvPr>
-          <p:cNvPicPr>
-            <a:picLocks noChangeAspect="1"/>
-          </p:cNvPicPr>
-          <p:nvPr/>
-        </p:nvPicPr>
-        <p:blipFill>
-          <a:blip r:embed="rId3">
-            <a:extLst>
-              <a:ext uri="{28A0092B-C50C-407E-A947-70E740481C1C}">
-                <a14:useLocalDpi xmlns:a14="http://schemas.microsoft.com/office/drawing/2010/main" val="0"/>
-              </a:ext>
-            </a:extLst>
-          </a:blip>
-          <a:stretch>
-            <a:fillRect/>
-          </a:stretch>
-        </p:blipFill>
-        <p:spPr>
-          <a:xfrm>
-            <a:off x="838200" y="3225269"/>
-            <a:ext cx="5991778" cy="2355807"/>
-          </a:xfrm>
-          <a:prstGeom prst="rect">
-            <a:avLst/>
-          </a:prstGeom>
-        </p:spPr>
-      </p:pic>
-    </p:spTree>
-    <p:extLst>
-      <p:ext uri="{BB962C8B-B14F-4D97-AF65-F5344CB8AC3E}">
-        <p14:creationId xmlns:p14="http://schemas.microsoft.com/office/powerpoint/2010/main" val="2551491554"/>
       </p:ext>
     </p:extLst>
   </p:cSld>

--- a/Documents/Presentations/Presentation1.pptx
+++ b/Documents/Presentations/Presentation1.pptx
@@ -6456,24 +6456,26 @@
         </p:nvSpPr>
         <p:spPr>
           <a:xfrm>
-            <a:off x="830444" y="5442749"/>
+            <a:off x="797493" y="5175018"/>
             <a:ext cx="10531112" cy="982765"/>
           </a:xfrm>
         </p:spPr>
         <p:txBody>
-          <a:bodyPr/>
+          <a:bodyPr>
+            <a:normAutofit lnSpcReduction="10000"/>
+          </a:bodyPr>
           <a:lstStyle/>
           <a:p>
             <a:pPr algn="l"/>
             <a:r>
-              <a:rPr lang="en-US" dirty="0"/>
+              <a:rPr lang="en-US" sz="2800" dirty="0"/>
               <a:t>Designed/Presented by David Cain</a:t>
             </a:r>
           </a:p>
           <a:p>
             <a:pPr algn="l"/>
             <a:r>
-              <a:rPr lang="en-US" dirty="0"/>
+              <a:rPr lang="en-US" sz="2800" dirty="0"/>
               <a:t>Special thanks to Omar Eddash and Adam Frost for mentorship</a:t>
             </a:r>
           </a:p>
@@ -8120,7 +8122,9 @@
           </a:xfrm>
         </p:spPr>
         <p:txBody>
-          <a:bodyPr/>
+          <a:bodyPr>
+            <a:normAutofit/>
+          </a:bodyPr>
           <a:lstStyle/>
           <a:p>
             <a:pPr>
@@ -8128,15 +8132,15 @@
               <a:buChar char="⁻"/>
             </a:pPr>
             <a:r>
-              <a:rPr lang="en-US" dirty="0"/>
+              <a:rPr lang="en-US" sz="2800" dirty="0"/>
               <a:t>The crossbar operates on a grid connection method. With N inputs and M outputs, this generates </a:t>
             </a:r>
             <a:r>
-              <a:rPr lang="en-US" dirty="0" err="1"/>
+              <a:rPr lang="en-US" sz="2800" dirty="0" err="1"/>
               <a:t>NxM</a:t>
             </a:r>
             <a:r>
-              <a:rPr lang="en-US" dirty="0"/>
+              <a:rPr lang="en-US" sz="2800" dirty="0"/>
               <a:t> valid address selections</a:t>
             </a:r>
           </a:p>
@@ -11945,13 +11949,13 @@
         </p:nvSpPr>
         <p:spPr>
           <a:xfrm>
-            <a:off x="838200" y="1221942"/>
-            <a:ext cx="10116902" cy="1448517"/>
+            <a:off x="762000" y="1260042"/>
+            <a:ext cx="10668000" cy="1448517"/>
           </a:xfrm>
         </p:spPr>
         <p:txBody>
           <a:bodyPr>
-            <a:normAutofit/>
+            <a:normAutofit fontScale="92500"/>
           </a:bodyPr>
           <a:lstStyle/>
           <a:p>
@@ -11960,7 +11964,7 @@
               <a:buChar char="⁻"/>
             </a:pPr>
             <a:r>
-              <a:rPr lang="en-US" dirty="0"/>
+              <a:rPr lang="en-US" sz="2800" dirty="0"/>
               <a:t>There was a helpful online project:</a:t>
             </a:r>
           </a:p>
@@ -11970,19 +11974,19 @@
               <a:buChar char="⁻"/>
             </a:pPr>
             <a:r>
-              <a:rPr lang="en-US" i="1" dirty="0"/>
+              <a:rPr lang="en-US" sz="2800" i="1" dirty="0"/>
               <a:t>Crossing Clock Domains with an Asynchronous FIFO</a:t>
             </a:r>
             <a:r>
-              <a:rPr lang="en-US" dirty="0"/>
+              <a:rPr lang="en-US" sz="2800" dirty="0"/>
               <a:t>, Dan </a:t>
             </a:r>
             <a:r>
-              <a:rPr lang="en-US" dirty="0" err="1"/>
+              <a:rPr lang="en-US" sz="2800" dirty="0" err="1"/>
               <a:t>Gisselquist</a:t>
             </a:r>
             <a:r>
-              <a:rPr lang="en-US" dirty="0"/>
+              <a:rPr lang="en-US" sz="2800" dirty="0"/>
               <a:t>, 2018</a:t>
             </a:r>
           </a:p>
@@ -11992,7 +11996,7 @@
               <a:buChar char="⁻"/>
             </a:pPr>
             <a:r>
-              <a:rPr lang="en-US" sz="2000" dirty="0"/>
+              <a:rPr lang="en-US" sz="2800" dirty="0"/>
               <a:t>https://zipcpu.com/blog/2018/07/06/afifo.html</a:t>
             </a:r>
           </a:p>
@@ -12001,7 +12005,7 @@
               <a:buFont typeface="Calibri" panose="020F0502020204030204" pitchFamily="34" charset="0"/>
               <a:buChar char="⁻"/>
             </a:pPr>
-            <a:endParaRPr lang="en-US" sz="2000" dirty="0"/>
+            <a:endParaRPr lang="en-US" sz="2800" dirty="0"/>
           </a:p>
         </p:txBody>
       </p:sp>
@@ -12036,8 +12040,8 @@
         </p:blipFill>
         <p:spPr>
           <a:xfrm>
-            <a:off x="4943659" y="3583860"/>
-            <a:ext cx="6011443" cy="2431740"/>
+            <a:off x="4472460" y="3096696"/>
+            <a:ext cx="7160740" cy="2896652"/>
           </a:xfrm>
           <a:prstGeom prst="rect">
             <a:avLst/>
@@ -12058,8 +12062,8 @@
         </p:nvSpPr>
         <p:spPr>
           <a:xfrm>
-            <a:off x="838200" y="3645568"/>
-            <a:ext cx="4105459" cy="2308324"/>
+            <a:off x="367001" y="3096696"/>
+            <a:ext cx="4105459" cy="3785652"/>
           </a:xfrm>
           <a:prstGeom prst="rect">
             <a:avLst/>
@@ -12077,12 +12081,12 @@
               <a:buChar char="⁻"/>
             </a:pPr>
             <a:r>
-              <a:rPr lang="en-US" dirty="0"/>
+              <a:rPr lang="en-US" sz="2400" dirty="0"/>
               <a:t>I attempted to write this IP from scratch, but the problem was difficult</a:t>
             </a:r>
           </a:p>
           <a:p>
-            <a:endParaRPr lang="en-US" dirty="0"/>
+            <a:endParaRPr lang="en-US" sz="2400" dirty="0"/>
           </a:p>
           <a:p>
             <a:pPr marL="285750" indent="-285750">
@@ -12090,15 +12094,15 @@
               <a:buChar char="⁻"/>
             </a:pPr>
             <a:r>
-              <a:rPr lang="en-US" dirty="0"/>
+              <a:rPr lang="en-US" sz="2400" dirty="0"/>
               <a:t>This write-up by </a:t>
             </a:r>
             <a:r>
-              <a:rPr lang="en-US" dirty="0" err="1"/>
+              <a:rPr lang="en-US" sz="2400" dirty="0" err="1"/>
               <a:t>Gisselquist</a:t>
             </a:r>
             <a:r>
-              <a:rPr lang="en-US" dirty="0"/>
+              <a:rPr lang="en-US" sz="2400" dirty="0"/>
               <a:t> was an extensive overview of the device problems, behavior, and similar work</a:t>
             </a:r>
           </a:p>
@@ -12107,10 +12111,10 @@
               <a:buFont typeface="Calibri" panose="020F0502020204030204" pitchFamily="34" charset="0"/>
               <a:buChar char="⁻"/>
             </a:pPr>
-            <a:endParaRPr lang="en-US" dirty="0"/>
-          </a:p>
-          <a:p>
-            <a:endParaRPr lang="en-US" dirty="0"/>
+            <a:endParaRPr lang="en-US" sz="2400" dirty="0"/>
+          </a:p>
+          <a:p>
+            <a:endParaRPr lang="en-US" sz="2400" dirty="0"/>
           </a:p>
         </p:txBody>
       </p:sp>

--- a/Documents/Presentations/Presentation1.pptx
+++ b/Documents/Presentations/Presentation1.pptx
@@ -13,8 +13,8 @@
     <p:sldId id="300" r:id="rId4"/>
     <p:sldId id="318" r:id="rId5"/>
     <p:sldId id="263" r:id="rId6"/>
-    <p:sldId id="259" r:id="rId7"/>
-    <p:sldId id="262" r:id="rId8"/>
+    <p:sldId id="262" r:id="rId7"/>
+    <p:sldId id="259" r:id="rId8"/>
     <p:sldId id="261" r:id="rId9"/>
     <p:sldId id="319" r:id="rId10"/>
     <p:sldId id="274" r:id="rId11"/>
@@ -164,8 +164,8 @@
             <p14:sldId id="300"/>
             <p14:sldId id="318"/>
             <p14:sldId id="263"/>
+            <p14:sldId id="262"/>
             <p14:sldId id="259"/>
-            <p14:sldId id="262"/>
             <p14:sldId id="261"/>
             <p14:sldId id="319"/>
             <p14:sldId id="274"/>
@@ -335,7 +335,7 @@
           <a:p>
             <a:fld id="{D403D8EA-6F56-4F99-9909-FDE052401F0A}" type="datetimeFigureOut">
               <a:rPr lang="en-US" smtClean="0"/>
-              <a:t>9/22/2020</a:t>
+              <a:t>9/23/2020</a:t>
             </a:fld>
             <a:endParaRPr lang="en-US"/>
           </a:p>
@@ -3113,43 +3113,6 @@
           <a:bodyPr/>
           <a:lstStyle/>
           <a:p>
-            <a:pPr lvl="1">
-              <a:buFont typeface="Calibri" panose="020F0502020204030204" pitchFamily="34" charset="0"/>
-              <a:buNone/>
-            </a:pPr>
-            <a:endParaRPr lang="en-US" dirty="0"/>
-          </a:p>
-          <a:p>
-            <a:pPr>
-              <a:buFont typeface="Calibri" panose="020F0502020204030204" pitchFamily="34" charset="0"/>
-              <a:buChar char="⁻"/>
-            </a:pPr>
-            <a:r>
-              <a:rPr lang="en-US" dirty="0"/>
-              <a:t>Vivado offers design development using HDL or the built in IP Integrator using block diagrams</a:t>
-            </a:r>
-          </a:p>
-          <a:p>
-            <a:pPr lvl="1">
-              <a:buFont typeface="Calibri" panose="020F0502020204030204" pitchFamily="34" charset="0"/>
-              <a:buChar char="⁻"/>
-            </a:pPr>
-            <a:r>
-              <a:rPr lang="en-US" dirty="0"/>
-              <a:t>These block diagrams can compose of either base IPs provided by Xilinx or user custom IPs that are imported/created within the project</a:t>
-            </a:r>
-          </a:p>
-          <a:p>
-            <a:pPr lvl="1">
-              <a:buFont typeface="Calibri" panose="020F0502020204030204" pitchFamily="34" charset="0"/>
-              <a:buChar char="⁻"/>
-            </a:pPr>
-            <a:r>
-              <a:rPr lang="en-US" dirty="0"/>
-              <a:t>The HDL defining these Xilinx based IPs are not viewable by end-user</a:t>
-            </a:r>
-          </a:p>
-          <a:p>
             <a:endParaRPr lang="en-US" dirty="0"/>
           </a:p>
         </p:txBody>
@@ -3180,7 +3143,7 @@
     </p:spTree>
     <p:extLst>
       <p:ext uri="{BB962C8B-B14F-4D97-AF65-F5344CB8AC3E}">
-        <p14:creationId xmlns:p14="http://schemas.microsoft.com/office/powerpoint/2010/main" val="2346972643"/>
+        <p14:creationId xmlns:p14="http://schemas.microsoft.com/office/powerpoint/2010/main" val="1855111066"/>
       </p:ext>
     </p:extLst>
   </p:cSld>
@@ -3453,6 +3416,43 @@
           <a:bodyPr/>
           <a:lstStyle/>
           <a:p>
+            <a:pPr lvl="1">
+              <a:buFont typeface="Calibri" panose="020F0502020204030204" pitchFamily="34" charset="0"/>
+              <a:buNone/>
+            </a:pPr>
+            <a:endParaRPr lang="en-US" dirty="0"/>
+          </a:p>
+          <a:p>
+            <a:pPr>
+              <a:buFont typeface="Calibri" panose="020F0502020204030204" pitchFamily="34" charset="0"/>
+              <a:buChar char="⁻"/>
+            </a:pPr>
+            <a:r>
+              <a:rPr lang="en-US" dirty="0"/>
+              <a:t>Vivado offers design development using HDL or the built in IP Integrator using block diagrams</a:t>
+            </a:r>
+          </a:p>
+          <a:p>
+            <a:pPr lvl="1">
+              <a:buFont typeface="Calibri" panose="020F0502020204030204" pitchFamily="34" charset="0"/>
+              <a:buChar char="⁻"/>
+            </a:pPr>
+            <a:r>
+              <a:rPr lang="en-US" dirty="0"/>
+              <a:t>These block diagrams can compose of either base IPs provided by Xilinx or user custom IPs that are imported/created within the project</a:t>
+            </a:r>
+          </a:p>
+          <a:p>
+            <a:pPr lvl="1">
+              <a:buFont typeface="Calibri" panose="020F0502020204030204" pitchFamily="34" charset="0"/>
+              <a:buChar char="⁻"/>
+            </a:pPr>
+            <a:r>
+              <a:rPr lang="en-US" dirty="0"/>
+              <a:t>The HDL defining these Xilinx based IPs are not viewable by end-user</a:t>
+            </a:r>
+          </a:p>
+          <a:p>
             <a:endParaRPr lang="en-US" dirty="0"/>
           </a:p>
         </p:txBody>
@@ -3483,7 +3483,7 @@
     </p:spTree>
     <p:extLst>
       <p:ext uri="{BB962C8B-B14F-4D97-AF65-F5344CB8AC3E}">
-        <p14:creationId xmlns:p14="http://schemas.microsoft.com/office/powerpoint/2010/main" val="1855111066"/>
+        <p14:creationId xmlns:p14="http://schemas.microsoft.com/office/powerpoint/2010/main" val="2346972643"/>
       </p:ext>
     </p:extLst>
   </p:cSld>
@@ -4209,7 +4209,7 @@
           <a:p>
             <a:fld id="{54DDAE87-B9B2-4AB2-82B0-23EE33EE440A}" type="datetimeFigureOut">
               <a:rPr lang="en-US" smtClean="0"/>
-              <a:t>9/22/2020</a:t>
+              <a:t>9/23/2020</a:t>
             </a:fld>
             <a:endParaRPr lang="en-US"/>
           </a:p>
@@ -4430,7 +4430,7 @@
           <a:p>
             <a:fld id="{54DDAE87-B9B2-4AB2-82B0-23EE33EE440A}" type="datetimeFigureOut">
               <a:rPr lang="en-US" smtClean="0"/>
-              <a:t>9/22/2020</a:t>
+              <a:t>9/23/2020</a:t>
             </a:fld>
             <a:endParaRPr lang="en-US"/>
           </a:p>
@@ -4610,7 +4610,7 @@
           <a:p>
             <a:fld id="{54DDAE87-B9B2-4AB2-82B0-23EE33EE440A}" type="datetimeFigureOut">
               <a:rPr lang="en-US" smtClean="0"/>
-              <a:t>9/22/2020</a:t>
+              <a:t>9/23/2020</a:t>
             </a:fld>
             <a:endParaRPr lang="en-US"/>
           </a:p>
@@ -4780,7 +4780,7 @@
           <a:p>
             <a:fld id="{54DDAE87-B9B2-4AB2-82B0-23EE33EE440A}" type="datetimeFigureOut">
               <a:rPr lang="en-US" smtClean="0"/>
-              <a:t>9/22/2020</a:t>
+              <a:t>9/23/2020</a:t>
             </a:fld>
             <a:endParaRPr lang="en-US"/>
           </a:p>
@@ -5031,7 +5031,7 @@
           <a:p>
             <a:fld id="{54DDAE87-B9B2-4AB2-82B0-23EE33EE440A}" type="datetimeFigureOut">
               <a:rPr lang="en-US" smtClean="0"/>
-              <a:t>9/22/2020</a:t>
+              <a:t>9/23/2020</a:t>
             </a:fld>
             <a:endParaRPr lang="en-US"/>
           </a:p>
@@ -5354,7 +5354,7 @@
           <a:p>
             <a:fld id="{54DDAE87-B9B2-4AB2-82B0-23EE33EE440A}" type="datetimeFigureOut">
               <a:rPr lang="en-US" smtClean="0"/>
-              <a:t>9/22/2020</a:t>
+              <a:t>9/23/2020</a:t>
             </a:fld>
             <a:endParaRPr lang="en-US"/>
           </a:p>
@@ -5778,7 +5778,7 @@
           <a:p>
             <a:fld id="{54DDAE87-B9B2-4AB2-82B0-23EE33EE440A}" type="datetimeFigureOut">
               <a:rPr lang="en-US" smtClean="0"/>
-              <a:t>9/22/2020</a:t>
+              <a:t>9/23/2020</a:t>
             </a:fld>
             <a:endParaRPr lang="en-US"/>
           </a:p>
@@ -5896,7 +5896,7 @@
           <a:p>
             <a:fld id="{54DDAE87-B9B2-4AB2-82B0-23EE33EE440A}" type="datetimeFigureOut">
               <a:rPr lang="en-US" smtClean="0"/>
-              <a:t>9/22/2020</a:t>
+              <a:t>9/23/2020</a:t>
             </a:fld>
             <a:endParaRPr lang="en-US"/>
           </a:p>
@@ -5991,7 +5991,7 @@
           <a:p>
             <a:fld id="{54DDAE87-B9B2-4AB2-82B0-23EE33EE440A}" type="datetimeFigureOut">
               <a:rPr lang="en-US" smtClean="0"/>
-              <a:t>9/22/2020</a:t>
+              <a:t>9/23/2020</a:t>
             </a:fld>
             <a:endParaRPr lang="en-US"/>
           </a:p>
@@ -6281,7 +6281,7 @@
           <a:p>
             <a:fld id="{54DDAE87-B9B2-4AB2-82B0-23EE33EE440A}" type="datetimeFigureOut">
               <a:rPr lang="en-US" smtClean="0"/>
-              <a:t>9/22/2020</a:t>
+              <a:t>9/23/2020</a:t>
             </a:fld>
             <a:endParaRPr lang="en-US"/>
           </a:p>
@@ -6553,7 +6553,7 @@
           <a:p>
             <a:fld id="{54DDAE87-B9B2-4AB2-82B0-23EE33EE440A}" type="datetimeFigureOut">
               <a:rPr lang="en-US" smtClean="0"/>
-              <a:t>9/22/2020</a:t>
+              <a:t>9/23/2020</a:t>
             </a:fld>
             <a:endParaRPr lang="en-US"/>
           </a:p>
@@ -6806,7 +6806,7 @@
           <a:p>
             <a:fld id="{54DDAE87-B9B2-4AB2-82B0-23EE33EE440A}" type="datetimeFigureOut">
               <a:rPr lang="en-US" smtClean="0"/>
-              <a:t>9/22/2020</a:t>
+              <a:t>9/23/2020</a:t>
             </a:fld>
             <a:endParaRPr lang="en-US"/>
           </a:p>
@@ -26185,6 +26185,46 @@
           </p:txBody>
         </p:sp>
       </p:grpSp>
+      <p:sp>
+        <p:nvSpPr>
+          <p:cNvPr id="5" name="TextBox 4">
+            <a:extLst>
+              <a:ext uri="{FF2B5EF4-FFF2-40B4-BE49-F238E27FC236}">
+                <a16:creationId xmlns:a16="http://schemas.microsoft.com/office/drawing/2014/main" id="{97E05DD0-FE91-4A04-8CE8-6ED41D3F6768}"/>
+              </a:ext>
+            </a:extLst>
+          </p:cNvPr>
+          <p:cNvSpPr txBox="1"/>
+          <p:nvPr/>
+        </p:nvSpPr>
+        <p:spPr>
+          <a:xfrm>
+            <a:off x="4797057" y="500744"/>
+            <a:ext cx="2597886" cy="369332"/>
+          </a:xfrm>
+          <a:prstGeom prst="rect">
+            <a:avLst/>
+          </a:prstGeom>
+          <a:noFill/>
+          <a:ln>
+            <a:solidFill>
+              <a:schemeClr val="tx1"/>
+            </a:solidFill>
+          </a:ln>
+        </p:spPr>
+        <p:txBody>
+          <a:bodyPr wrap="square" rtlCol="0">
+            <a:spAutoFit/>
+          </a:bodyPr>
+          <a:lstStyle/>
+          <a:p>
+            <a:r>
+              <a:rPr lang="en-US" dirty="0"/>
+              <a:t>3x3 Kernel at 16-bit width</a:t>
+            </a:r>
+          </a:p>
+        </p:txBody>
+      </p:sp>
     </p:spTree>
     <p:extLst>
       <p:ext uri="{BB962C8B-B14F-4D97-AF65-F5344CB8AC3E}">
@@ -27163,6 +27203,46 @@
           </a:fontRef>
         </p:style>
       </p:cxnSp>
+      <p:sp>
+        <p:nvSpPr>
+          <p:cNvPr id="2" name="TextBox 1">
+            <a:extLst>
+              <a:ext uri="{FF2B5EF4-FFF2-40B4-BE49-F238E27FC236}">
+                <a16:creationId xmlns:a16="http://schemas.microsoft.com/office/drawing/2014/main" id="{7514E505-D595-46E9-980F-117F73424CA5}"/>
+              </a:ext>
+            </a:extLst>
+          </p:cNvPr>
+          <p:cNvSpPr txBox="1"/>
+          <p:nvPr/>
+        </p:nvSpPr>
+        <p:spPr>
+          <a:xfrm>
+            <a:off x="9281971" y="4473727"/>
+            <a:ext cx="2597886" cy="369332"/>
+          </a:xfrm>
+          <a:prstGeom prst="rect">
+            <a:avLst/>
+          </a:prstGeom>
+          <a:noFill/>
+          <a:ln>
+            <a:solidFill>
+              <a:schemeClr val="tx1"/>
+            </a:solidFill>
+          </a:ln>
+        </p:spPr>
+        <p:txBody>
+          <a:bodyPr wrap="square" rtlCol="0">
+            <a:spAutoFit/>
+          </a:bodyPr>
+          <a:lstStyle/>
+          <a:p>
+            <a:r>
+              <a:rPr lang="en-US" dirty="0"/>
+              <a:t>3x3 Kernel at 16-bit width</a:t>
+            </a:r>
+          </a:p>
+        </p:txBody>
+      </p:sp>
     </p:spTree>
     <p:extLst>
       <p:ext uri="{BB962C8B-B14F-4D97-AF65-F5344CB8AC3E}">
@@ -27936,6 +28016,46 @@
           </p:spPr>
         </p:pic>
       </p:grpSp>
+      <p:sp>
+        <p:nvSpPr>
+          <p:cNvPr id="4" name="TextBox 3">
+            <a:extLst>
+              <a:ext uri="{FF2B5EF4-FFF2-40B4-BE49-F238E27FC236}">
+                <a16:creationId xmlns:a16="http://schemas.microsoft.com/office/drawing/2014/main" id="{9BCD8D5B-2AAB-498F-84B3-D90291E33483}"/>
+              </a:ext>
+            </a:extLst>
+          </p:cNvPr>
+          <p:cNvSpPr txBox="1"/>
+          <p:nvPr/>
+        </p:nvSpPr>
+        <p:spPr>
+          <a:xfrm>
+            <a:off x="388343" y="408627"/>
+            <a:ext cx="2597886" cy="369332"/>
+          </a:xfrm>
+          <a:prstGeom prst="rect">
+            <a:avLst/>
+          </a:prstGeom>
+          <a:noFill/>
+          <a:ln>
+            <a:solidFill>
+              <a:schemeClr val="tx1"/>
+            </a:solidFill>
+          </a:ln>
+        </p:spPr>
+        <p:txBody>
+          <a:bodyPr wrap="square" rtlCol="0">
+            <a:spAutoFit/>
+          </a:bodyPr>
+          <a:lstStyle/>
+          <a:p>
+            <a:r>
+              <a:rPr lang="en-US" dirty="0"/>
+              <a:t>3x3 Kernel at 16-bit width</a:t>
+            </a:r>
+          </a:p>
+        </p:txBody>
+      </p:sp>
     </p:spTree>
     <p:extLst>
       <p:ext uri="{BB962C8B-B14F-4D97-AF65-F5344CB8AC3E}">
@@ -28485,6 +28605,21 @@
             </a:pPr>
             <a:r>
               <a:rPr lang="en-US" sz="2800" dirty="0"/>
+              <a:t>Gather data comparing runtime and efficiency compared to </a:t>
+            </a:r>
+            <a:r>
+              <a:rPr lang="en-US" sz="2800"/>
+              <a:t>software-based methods</a:t>
+            </a:r>
+            <a:endParaRPr lang="en-US" sz="2800" dirty="0"/>
+          </a:p>
+          <a:p>
+            <a:pPr>
+              <a:buFont typeface="Calibri" panose="020F0502020204030204" pitchFamily="34" charset="0"/>
+              <a:buChar char="⁻"/>
+            </a:pPr>
+            <a:r>
+              <a:rPr lang="en-US" sz="2800" dirty="0"/>
               <a:t>Begin generating feature maps</a:t>
             </a:r>
           </a:p>
@@ -28540,48 +28675,6 @@
             <a:r>
               <a:rPr lang="en-US" dirty="0"/>
               <a:t>Future Work</a:t>
-            </a:r>
-          </a:p>
-        </p:txBody>
-      </p:sp>
-      <p:sp>
-        <p:nvSpPr>
-          <p:cNvPr id="2" name="TextBox 1">
-            <a:extLst>
-              <a:ext uri="{FF2B5EF4-FFF2-40B4-BE49-F238E27FC236}">
-                <a16:creationId xmlns:a16="http://schemas.microsoft.com/office/drawing/2014/main" id="{736B754A-E57C-4238-9A28-100E9F81537F}"/>
-              </a:ext>
-            </a:extLst>
-          </p:cNvPr>
-          <p:cNvSpPr txBox="1"/>
-          <p:nvPr/>
-        </p:nvSpPr>
-        <p:spPr>
-          <a:xfrm>
-            <a:off x="6817755" y="5026901"/>
-            <a:ext cx="3997911" cy="523220"/>
-          </a:xfrm>
-          <a:prstGeom prst="rect">
-            <a:avLst/>
-          </a:prstGeom>
-          <a:solidFill>
-            <a:schemeClr val="bg1"/>
-          </a:solidFill>
-          <a:ln w="57150">
-            <a:solidFill>
-              <a:srgbClr val="C00000"/>
-            </a:solidFill>
-          </a:ln>
-        </p:spPr>
-        <p:txBody>
-          <a:bodyPr wrap="square" rtlCol="0">
-            <a:spAutoFit/>
-          </a:bodyPr>
-          <a:lstStyle/>
-          <a:p>
-            <a:r>
-              <a:rPr lang="en-US" sz="2800" dirty="0"/>
-              <a:t>Will likely add more here</a:t>
             </a:r>
           </a:p>
         </p:txBody>
@@ -28834,184 +28927,6 @@
 </file>
 
 <file path=ppt/slides/slide6.xml><?xml version="1.0" encoding="utf-8"?>
-<p:sld xmlns:a="http://schemas.openxmlformats.org/drawingml/2006/main" xmlns:r="http://schemas.openxmlformats.org/officeDocument/2006/relationships" xmlns:p="http://schemas.openxmlformats.org/presentationml/2006/main">
-  <p:cSld>
-    <p:spTree>
-      <p:nvGrpSpPr>
-        <p:cNvPr id="1" name=""/>
-        <p:cNvGrpSpPr/>
-        <p:nvPr/>
-      </p:nvGrpSpPr>
-      <p:grpSpPr>
-        <a:xfrm>
-          <a:off x="0" y="0"/>
-          <a:ext cx="0" cy="0"/>
-          <a:chOff x="0" y="0"/>
-          <a:chExt cx="0" cy="0"/>
-        </a:xfrm>
-      </p:grpSpPr>
-      <p:sp>
-        <p:nvSpPr>
-          <p:cNvPr id="3" name="Content Placeholder 2">
-            <a:extLst>
-              <a:ext uri="{FF2B5EF4-FFF2-40B4-BE49-F238E27FC236}">
-                <a16:creationId xmlns:a16="http://schemas.microsoft.com/office/drawing/2014/main" id="{3EA52F8F-DB06-447D-AB49-1394A5A934A1}"/>
-              </a:ext>
-            </a:extLst>
-          </p:cNvPr>
-          <p:cNvSpPr>
-            <a:spLocks noGrp="1"/>
-          </p:cNvSpPr>
-          <p:nvPr>
-            <p:ph idx="1"/>
-          </p:nvPr>
-        </p:nvSpPr>
-        <p:spPr>
-          <a:xfrm>
-            <a:off x="1159564" y="1136342"/>
-            <a:ext cx="9872871" cy="4311958"/>
-          </a:xfrm>
-        </p:spPr>
-        <p:txBody>
-          <a:bodyPr>
-            <a:normAutofit/>
-          </a:bodyPr>
-          <a:lstStyle/>
-          <a:p>
-            <a:pPr>
-              <a:buFont typeface="Calibri" panose="020F0502020204030204" pitchFamily="34" charset="0"/>
-              <a:buChar char="⁻"/>
-            </a:pPr>
-            <a:r>
-              <a:rPr lang="en-US" sz="2400" dirty="0"/>
-              <a:t>Vivado is the primary software suite used for RTL design when implementing on Xilinx based FPGAs such as the Pynq-Z2 &amp; Ultra96 V2</a:t>
-            </a:r>
-          </a:p>
-          <a:p>
-            <a:pPr>
-              <a:buFont typeface="Calibri" panose="020F0502020204030204" pitchFamily="34" charset="0"/>
-              <a:buChar char="⁻"/>
-            </a:pPr>
-            <a:endParaRPr lang="en-US" sz="2400" dirty="0"/>
-          </a:p>
-          <a:p>
-            <a:pPr>
-              <a:buFont typeface="Calibri" panose="020F0502020204030204" pitchFamily="34" charset="0"/>
-              <a:buChar char="⁻"/>
-            </a:pPr>
-            <a:r>
-              <a:rPr lang="en-US" sz="2400" dirty="0"/>
-              <a:t>Vivado offers multiple development forms:</a:t>
-            </a:r>
-          </a:p>
-          <a:p>
-            <a:pPr lvl="1">
-              <a:buFont typeface="Calibri" panose="020F0502020204030204" pitchFamily="34" charset="0"/>
-              <a:buChar char="⁻"/>
-            </a:pPr>
-            <a:r>
-              <a:rPr lang="en-US" sz="2400" dirty="0"/>
-              <a:t>HDL support for Verilog or VHDL</a:t>
-            </a:r>
-          </a:p>
-          <a:p>
-            <a:pPr lvl="1">
-              <a:buFont typeface="Calibri" panose="020F0502020204030204" pitchFamily="34" charset="0"/>
-              <a:buChar char="⁻"/>
-            </a:pPr>
-            <a:r>
-              <a:rPr lang="en-US" sz="2400" dirty="0"/>
-              <a:t>Built in IP Integrator using block diagrams</a:t>
-            </a:r>
-          </a:p>
-        </p:txBody>
-      </p:sp>
-      <p:pic>
-        <p:nvPicPr>
-          <p:cNvPr id="5" name="Picture 4" descr="A circuit board&#10;&#10;Description automatically generated">
-            <a:extLst>
-              <a:ext uri="{FF2B5EF4-FFF2-40B4-BE49-F238E27FC236}">
-                <a16:creationId xmlns:a16="http://schemas.microsoft.com/office/drawing/2014/main" id="{165EB5F8-4475-48E3-878F-72404893681E}"/>
-              </a:ext>
-            </a:extLst>
-          </p:cNvPr>
-          <p:cNvPicPr>
-            <a:picLocks noChangeAspect="1"/>
-          </p:cNvPicPr>
-          <p:nvPr/>
-        </p:nvPicPr>
-        <p:blipFill>
-          <a:blip r:embed="rId3">
-            <a:extLst>
-              <a:ext uri="{28A0092B-C50C-407E-A947-70E740481C1C}">
-                <a14:useLocalDpi xmlns:a14="http://schemas.microsoft.com/office/drawing/2010/main" val="0"/>
-              </a:ext>
-            </a:extLst>
-          </a:blip>
-          <a:stretch>
-            <a:fillRect/>
-          </a:stretch>
-        </p:blipFill>
-        <p:spPr>
-          <a:xfrm>
-            <a:off x="1083326" y="3954316"/>
-            <a:ext cx="3651363" cy="2451862"/>
-          </a:xfrm>
-          <a:prstGeom prst="rect">
-            <a:avLst/>
-          </a:prstGeom>
-        </p:spPr>
-      </p:pic>
-      <p:pic>
-        <p:nvPicPr>
-          <p:cNvPr id="8" name="Picture 7" descr="A circuit board&#10;&#10;Description automatically generated">
-            <a:extLst>
-              <a:ext uri="{FF2B5EF4-FFF2-40B4-BE49-F238E27FC236}">
-                <a16:creationId xmlns:a16="http://schemas.microsoft.com/office/drawing/2014/main" id="{C7D83589-1A09-47BA-8ADA-6331F3124884}"/>
-              </a:ext>
-            </a:extLst>
-          </p:cNvPr>
-          <p:cNvPicPr>
-            <a:picLocks noChangeAspect="1"/>
-          </p:cNvPicPr>
-          <p:nvPr/>
-        </p:nvPicPr>
-        <p:blipFill>
-          <a:blip r:embed="rId4">
-            <a:extLst>
-              <a:ext uri="{28A0092B-C50C-407E-A947-70E740481C1C}">
-                <a14:useLocalDpi xmlns:a14="http://schemas.microsoft.com/office/drawing/2010/main" val="0"/>
-              </a:ext>
-            </a:extLst>
-          </a:blip>
-          <a:stretch>
-            <a:fillRect/>
-          </a:stretch>
-        </p:blipFill>
-        <p:spPr>
-          <a:xfrm>
-            <a:off x="6786746" y="3619944"/>
-            <a:ext cx="4245689" cy="2786234"/>
-          </a:xfrm>
-          <a:prstGeom prst="rect">
-            <a:avLst/>
-          </a:prstGeom>
-        </p:spPr>
-      </p:pic>
-    </p:spTree>
-    <p:extLst>
-      <p:ext uri="{BB962C8B-B14F-4D97-AF65-F5344CB8AC3E}">
-        <p14:creationId xmlns:p14="http://schemas.microsoft.com/office/powerpoint/2010/main" val="1530815693"/>
-      </p:ext>
-    </p:extLst>
-  </p:cSld>
-  <p:clrMapOvr>
-    <a:masterClrMapping/>
-  </p:clrMapOvr>
-</p:sld>
-</file>
-
-<file path=ppt/slides/slide7.xml><?xml version="1.0" encoding="utf-8"?>
 <p:sld xmlns:a="http://schemas.openxmlformats.org/drawingml/2006/main" xmlns:r="http://schemas.openxmlformats.org/officeDocument/2006/relationships" xmlns:p="http://schemas.openxmlformats.org/presentationml/2006/main">
   <p:cSld>
     <p:spTree>
@@ -29233,6 +29148,184 @@
     <p:extLst>
       <p:ext uri="{BB962C8B-B14F-4D97-AF65-F5344CB8AC3E}">
         <p14:creationId xmlns:p14="http://schemas.microsoft.com/office/powerpoint/2010/main" val="2551491554"/>
+      </p:ext>
+    </p:extLst>
+  </p:cSld>
+  <p:clrMapOvr>
+    <a:masterClrMapping/>
+  </p:clrMapOvr>
+</p:sld>
+</file>
+
+<file path=ppt/slides/slide7.xml><?xml version="1.0" encoding="utf-8"?>
+<p:sld xmlns:a="http://schemas.openxmlformats.org/drawingml/2006/main" xmlns:r="http://schemas.openxmlformats.org/officeDocument/2006/relationships" xmlns:p="http://schemas.openxmlformats.org/presentationml/2006/main">
+  <p:cSld>
+    <p:spTree>
+      <p:nvGrpSpPr>
+        <p:cNvPr id="1" name=""/>
+        <p:cNvGrpSpPr/>
+        <p:nvPr/>
+      </p:nvGrpSpPr>
+      <p:grpSpPr>
+        <a:xfrm>
+          <a:off x="0" y="0"/>
+          <a:ext cx="0" cy="0"/>
+          <a:chOff x="0" y="0"/>
+          <a:chExt cx="0" cy="0"/>
+        </a:xfrm>
+      </p:grpSpPr>
+      <p:sp>
+        <p:nvSpPr>
+          <p:cNvPr id="3" name="Content Placeholder 2">
+            <a:extLst>
+              <a:ext uri="{FF2B5EF4-FFF2-40B4-BE49-F238E27FC236}">
+                <a16:creationId xmlns:a16="http://schemas.microsoft.com/office/drawing/2014/main" id="{3EA52F8F-DB06-447D-AB49-1394A5A934A1}"/>
+              </a:ext>
+            </a:extLst>
+          </p:cNvPr>
+          <p:cNvSpPr>
+            <a:spLocks noGrp="1"/>
+          </p:cNvSpPr>
+          <p:nvPr>
+            <p:ph idx="1"/>
+          </p:nvPr>
+        </p:nvSpPr>
+        <p:spPr>
+          <a:xfrm>
+            <a:off x="1159564" y="1136342"/>
+            <a:ext cx="9872871" cy="4311958"/>
+          </a:xfrm>
+        </p:spPr>
+        <p:txBody>
+          <a:bodyPr>
+            <a:normAutofit/>
+          </a:bodyPr>
+          <a:lstStyle/>
+          <a:p>
+            <a:pPr>
+              <a:buFont typeface="Calibri" panose="020F0502020204030204" pitchFamily="34" charset="0"/>
+              <a:buChar char="⁻"/>
+            </a:pPr>
+            <a:r>
+              <a:rPr lang="en-US" sz="2400" dirty="0"/>
+              <a:t>Vivado is the primary software suite used for RTL design when implementing on Xilinx based FPGAs such as the Pynq-Z2 &amp; Ultra96 V2</a:t>
+            </a:r>
+          </a:p>
+          <a:p>
+            <a:pPr>
+              <a:buFont typeface="Calibri" panose="020F0502020204030204" pitchFamily="34" charset="0"/>
+              <a:buChar char="⁻"/>
+            </a:pPr>
+            <a:endParaRPr lang="en-US" sz="2400" dirty="0"/>
+          </a:p>
+          <a:p>
+            <a:pPr>
+              <a:buFont typeface="Calibri" panose="020F0502020204030204" pitchFamily="34" charset="0"/>
+              <a:buChar char="⁻"/>
+            </a:pPr>
+            <a:r>
+              <a:rPr lang="en-US" sz="2400" dirty="0"/>
+              <a:t>Vivado offers multiple development forms:</a:t>
+            </a:r>
+          </a:p>
+          <a:p>
+            <a:pPr lvl="1">
+              <a:buFont typeface="Calibri" panose="020F0502020204030204" pitchFamily="34" charset="0"/>
+              <a:buChar char="⁻"/>
+            </a:pPr>
+            <a:r>
+              <a:rPr lang="en-US" sz="2400" dirty="0"/>
+              <a:t>HDL support for Verilog or VHDL</a:t>
+            </a:r>
+          </a:p>
+          <a:p>
+            <a:pPr lvl="1">
+              <a:buFont typeface="Calibri" panose="020F0502020204030204" pitchFamily="34" charset="0"/>
+              <a:buChar char="⁻"/>
+            </a:pPr>
+            <a:r>
+              <a:rPr lang="en-US" sz="2400" dirty="0"/>
+              <a:t>Built in IP Integrator using block diagrams</a:t>
+            </a:r>
+          </a:p>
+        </p:txBody>
+      </p:sp>
+      <p:pic>
+        <p:nvPicPr>
+          <p:cNvPr id="5" name="Picture 4" descr="A circuit board&#10;&#10;Description automatically generated">
+            <a:extLst>
+              <a:ext uri="{FF2B5EF4-FFF2-40B4-BE49-F238E27FC236}">
+                <a16:creationId xmlns:a16="http://schemas.microsoft.com/office/drawing/2014/main" id="{165EB5F8-4475-48E3-878F-72404893681E}"/>
+              </a:ext>
+            </a:extLst>
+          </p:cNvPr>
+          <p:cNvPicPr>
+            <a:picLocks noChangeAspect="1"/>
+          </p:cNvPicPr>
+          <p:nvPr/>
+        </p:nvPicPr>
+        <p:blipFill>
+          <a:blip r:embed="rId3">
+            <a:extLst>
+              <a:ext uri="{28A0092B-C50C-407E-A947-70E740481C1C}">
+                <a14:useLocalDpi xmlns:a14="http://schemas.microsoft.com/office/drawing/2010/main" val="0"/>
+              </a:ext>
+            </a:extLst>
+          </a:blip>
+          <a:stretch>
+            <a:fillRect/>
+          </a:stretch>
+        </p:blipFill>
+        <p:spPr>
+          <a:xfrm>
+            <a:off x="1083326" y="3954316"/>
+            <a:ext cx="3651363" cy="2451862"/>
+          </a:xfrm>
+          <a:prstGeom prst="rect">
+            <a:avLst/>
+          </a:prstGeom>
+        </p:spPr>
+      </p:pic>
+      <p:pic>
+        <p:nvPicPr>
+          <p:cNvPr id="8" name="Picture 7" descr="A circuit board&#10;&#10;Description automatically generated">
+            <a:extLst>
+              <a:ext uri="{FF2B5EF4-FFF2-40B4-BE49-F238E27FC236}">
+                <a16:creationId xmlns:a16="http://schemas.microsoft.com/office/drawing/2014/main" id="{C7D83589-1A09-47BA-8ADA-6331F3124884}"/>
+              </a:ext>
+            </a:extLst>
+          </p:cNvPr>
+          <p:cNvPicPr>
+            <a:picLocks noChangeAspect="1"/>
+          </p:cNvPicPr>
+          <p:nvPr/>
+        </p:nvPicPr>
+        <p:blipFill>
+          <a:blip r:embed="rId4">
+            <a:extLst>
+              <a:ext uri="{28A0092B-C50C-407E-A947-70E740481C1C}">
+                <a14:useLocalDpi xmlns:a14="http://schemas.microsoft.com/office/drawing/2010/main" val="0"/>
+              </a:ext>
+            </a:extLst>
+          </a:blip>
+          <a:stretch>
+            <a:fillRect/>
+          </a:stretch>
+        </p:blipFill>
+        <p:spPr>
+          <a:xfrm>
+            <a:off x="6786746" y="3619944"/>
+            <a:ext cx="4245689" cy="2786234"/>
+          </a:xfrm>
+          <a:prstGeom prst="rect">
+            <a:avLst/>
+          </a:prstGeom>
+        </p:spPr>
+      </p:pic>
+    </p:spTree>
+    <p:extLst>
+      <p:ext uri="{BB962C8B-B14F-4D97-AF65-F5344CB8AC3E}">
+        <p14:creationId xmlns:p14="http://schemas.microsoft.com/office/powerpoint/2010/main" val="1530815693"/>
       </p:ext>
     </p:extLst>
   </p:cSld>
